--- a/Course Content/What is Kanban (101).pptx
+++ b/Course Content/What is Kanban (101).pptx
@@ -6,11 +6,17 @@
   </p:sldMasterIdLst>
   <p:sldIdLst>
     <p:sldId id="256" r:id="rId2"/>
-    <p:sldId id="257" r:id="rId3"/>
-    <p:sldId id="258" r:id="rId4"/>
-    <p:sldId id="259" r:id="rId5"/>
-    <p:sldId id="260" r:id="rId6"/>
-    <p:sldId id="261" r:id="rId7"/>
+    <p:sldId id="263" r:id="rId3"/>
+    <p:sldId id="267" r:id="rId4"/>
+    <p:sldId id="262" r:id="rId5"/>
+    <p:sldId id="264" r:id="rId6"/>
+    <p:sldId id="257" r:id="rId7"/>
+    <p:sldId id="266" r:id="rId8"/>
+    <p:sldId id="258" r:id="rId9"/>
+    <p:sldId id="260" r:id="rId10"/>
+    <p:sldId id="261" r:id="rId11"/>
+    <p:sldId id="268" r:id="rId12"/>
+    <p:sldId id="259" r:id="rId13"/>
   </p:sldIdLst>
   <p:sldSz cx="12192000" cy="6858000"/>
   <p:notesSz cx="6858000" cy="9144000"/>
@@ -120,13 +126,627 @@
 <file path=ppt/revisionInfo.xml><?xml version="1.0" encoding="utf-8"?>
 <p1510:revInfo xmlns:a="http://schemas.openxmlformats.org/drawingml/2006/main" xmlns:r="http://schemas.openxmlformats.org/officeDocument/2006/relationships" xmlns:p1510="http://schemas.microsoft.com/office/powerpoint/2015/10/main">
   <p1510:revLst>
-    <p1510:client id="{A79EFC10-1C27-484B-BB15-22AA32EAEE27}" v="116" dt="2020-09-22T23:41:49.255"/>
+    <p1510:client id="{8184E20C-0FDA-4EBE-A7CD-55EA583EE6F5}" v="286" dt="2022-01-29T19:29:50.575"/>
   </p1510:revLst>
 </p1510:revInfo>
 </file>
 
 <file path=ppt/changesInfos/changesInfo1.xml><?xml version="1.0" encoding="utf-8"?>
 <pc:chgInfo xmlns:a="http://schemas.openxmlformats.org/drawingml/2006/main" xmlns:r="http://schemas.openxmlformats.org/officeDocument/2006/relationships" xmlns:ac="http://schemas.microsoft.com/office/drawing/2013/main/command" xmlns:pc="http://schemas.microsoft.com/office/powerpoint/2013/main/command">
+  <pc:docChgLst>
+    <pc:chgData name="Martin Schray" userId="bf4f4853c980e97a" providerId="LiveId" clId="{8184E20C-0FDA-4EBE-A7CD-55EA583EE6F5}"/>
+    <pc:docChg chg="undo custSel addSld delSld modSld sldOrd">
+      <pc:chgData name="Martin Schray" userId="bf4f4853c980e97a" providerId="LiveId" clId="{8184E20C-0FDA-4EBE-A7CD-55EA583EE6F5}" dt="2022-01-29T19:44:15.302" v="1822"/>
+      <pc:docMkLst>
+        <pc:docMk/>
+      </pc:docMkLst>
+      <pc:sldChg chg="addSp modSp mod">
+        <pc:chgData name="Martin Schray" userId="bf4f4853c980e97a" providerId="LiveId" clId="{8184E20C-0FDA-4EBE-A7CD-55EA583EE6F5}" dt="2022-01-29T19:14:06.627" v="1036" actId="1035"/>
+        <pc:sldMkLst>
+          <pc:docMk/>
+          <pc:sldMk cId="3864855308" sldId="256"/>
+        </pc:sldMkLst>
+        <pc:spChg chg="mod">
+          <ac:chgData name="Martin Schray" userId="bf4f4853c980e97a" providerId="LiveId" clId="{8184E20C-0FDA-4EBE-A7CD-55EA583EE6F5}" dt="2022-01-29T19:14:06.627" v="1036" actId="1035"/>
+          <ac:spMkLst>
+            <pc:docMk/>
+            <pc:sldMk cId="3864855308" sldId="256"/>
+            <ac:spMk id="2" creationId="{D532FA10-9926-4627-A061-97EF8A9BDA77}"/>
+          </ac:spMkLst>
+        </pc:spChg>
+        <pc:picChg chg="add mod">
+          <ac:chgData name="Martin Schray" userId="bf4f4853c980e97a" providerId="LiveId" clId="{8184E20C-0FDA-4EBE-A7CD-55EA583EE6F5}" dt="2022-01-29T19:09:00.891" v="852" actId="1076"/>
+          <ac:picMkLst>
+            <pc:docMk/>
+            <pc:sldMk cId="3864855308" sldId="256"/>
+            <ac:picMk id="6" creationId="{AF294141-2457-4575-BADD-8F18744C1EE7}"/>
+          </ac:picMkLst>
+        </pc:picChg>
+      </pc:sldChg>
+      <pc:sldChg chg="addSp delSp modSp mod setBg">
+        <pc:chgData name="Martin Schray" userId="bf4f4853c980e97a" providerId="LiveId" clId="{8184E20C-0FDA-4EBE-A7CD-55EA583EE6F5}" dt="2022-01-29T19:17:55.020" v="1155" actId="478"/>
+        <pc:sldMkLst>
+          <pc:docMk/>
+          <pc:sldMk cId="2000290990" sldId="257"/>
+        </pc:sldMkLst>
+        <pc:spChg chg="mod">
+          <ac:chgData name="Martin Schray" userId="bf4f4853c980e97a" providerId="LiveId" clId="{8184E20C-0FDA-4EBE-A7CD-55EA583EE6F5}" dt="2022-01-29T19:13:48.334" v="1015" actId="26606"/>
+          <ac:spMkLst>
+            <pc:docMk/>
+            <pc:sldMk cId="2000290990" sldId="257"/>
+            <ac:spMk id="2" creationId="{0AE40071-459A-419A-B28E-B53470D1F80B}"/>
+          </ac:spMkLst>
+        </pc:spChg>
+        <pc:spChg chg="del">
+          <ac:chgData name="Martin Schray" userId="bf4f4853c980e97a" providerId="LiveId" clId="{8184E20C-0FDA-4EBE-A7CD-55EA583EE6F5}" dt="2022-01-29T19:13:48.334" v="1015" actId="26606"/>
+          <ac:spMkLst>
+            <pc:docMk/>
+            <pc:sldMk cId="2000290990" sldId="257"/>
+            <ac:spMk id="3" creationId="{115FAA75-77D6-4A38-AEB6-C8D82EE5F27D}"/>
+          </ac:spMkLst>
+        </pc:spChg>
+        <pc:spChg chg="add del mod">
+          <ac:chgData name="Martin Schray" userId="bf4f4853c980e97a" providerId="LiveId" clId="{8184E20C-0FDA-4EBE-A7CD-55EA583EE6F5}" dt="2022-01-29T19:16:56.436" v="1150" actId="478"/>
+          <ac:spMkLst>
+            <pc:docMk/>
+            <pc:sldMk cId="2000290990" sldId="257"/>
+            <ac:spMk id="4" creationId="{C1E8427D-BE51-4460-AE6E-1A3DC5E0934D}"/>
+          </ac:spMkLst>
+        </pc:spChg>
+        <pc:spChg chg="add del mod">
+          <ac:chgData name="Martin Schray" userId="bf4f4853c980e97a" providerId="LiveId" clId="{8184E20C-0FDA-4EBE-A7CD-55EA583EE6F5}" dt="2022-01-29T19:17:55.020" v="1155" actId="478"/>
+          <ac:spMkLst>
+            <pc:docMk/>
+            <pc:sldMk cId="2000290990" sldId="257"/>
+            <ac:spMk id="6" creationId="{0CD18983-1E31-49DE-862D-CCDC2A9900A9}"/>
+          </ac:spMkLst>
+        </pc:spChg>
+        <pc:spChg chg="add">
+          <ac:chgData name="Martin Schray" userId="bf4f4853c980e97a" providerId="LiveId" clId="{8184E20C-0FDA-4EBE-A7CD-55EA583EE6F5}" dt="2022-01-29T19:13:48.334" v="1015" actId="26606"/>
+          <ac:spMkLst>
+            <pc:docMk/>
+            <pc:sldMk cId="2000290990" sldId="257"/>
+            <ac:spMk id="9" creationId="{B819A166-7571-4003-A6B8-B62034C3ED30}"/>
+          </ac:spMkLst>
+        </pc:spChg>
+        <pc:graphicFrameChg chg="add">
+          <ac:chgData name="Martin Schray" userId="bf4f4853c980e97a" providerId="LiveId" clId="{8184E20C-0FDA-4EBE-A7CD-55EA583EE6F5}" dt="2022-01-29T19:13:48.334" v="1015" actId="26606"/>
+          <ac:graphicFrameMkLst>
+            <pc:docMk/>
+            <pc:sldMk cId="2000290990" sldId="257"/>
+            <ac:graphicFrameMk id="5" creationId="{0FEFACA5-D69F-4CDF-BF8B-E0AC48D4D1DD}"/>
+          </ac:graphicFrameMkLst>
+        </pc:graphicFrameChg>
+      </pc:sldChg>
+      <pc:sldChg chg="modSp mod">
+        <pc:chgData name="Martin Schray" userId="bf4f4853c980e97a" providerId="LiveId" clId="{8184E20C-0FDA-4EBE-A7CD-55EA583EE6F5}" dt="2022-01-29T19:06:09.957" v="674" actId="20577"/>
+        <pc:sldMkLst>
+          <pc:docMk/>
+          <pc:sldMk cId="2469832989" sldId="258"/>
+        </pc:sldMkLst>
+        <pc:spChg chg="mod">
+          <ac:chgData name="Martin Schray" userId="bf4f4853c980e97a" providerId="LiveId" clId="{8184E20C-0FDA-4EBE-A7CD-55EA583EE6F5}" dt="2022-01-29T19:06:09.957" v="674" actId="20577"/>
+          <ac:spMkLst>
+            <pc:docMk/>
+            <pc:sldMk cId="2469832989" sldId="258"/>
+            <ac:spMk id="2" creationId="{D3F5D0BD-00AD-4C84-B2F9-C393DD2C991F}"/>
+          </ac:spMkLst>
+        </pc:spChg>
+      </pc:sldChg>
+      <pc:sldChg chg="modSp mod ord">
+        <pc:chgData name="Martin Schray" userId="bf4f4853c980e97a" providerId="LiveId" clId="{8184E20C-0FDA-4EBE-A7CD-55EA583EE6F5}" dt="2022-01-29T19:44:15.302" v="1822"/>
+        <pc:sldMkLst>
+          <pc:docMk/>
+          <pc:sldMk cId="723089139" sldId="259"/>
+        </pc:sldMkLst>
+        <pc:picChg chg="mod">
+          <ac:chgData name="Martin Schray" userId="bf4f4853c980e97a" providerId="LiveId" clId="{8184E20C-0FDA-4EBE-A7CD-55EA583EE6F5}" dt="2022-01-29T18:19:24.742" v="0" actId="1076"/>
+          <ac:picMkLst>
+            <pc:docMk/>
+            <pc:sldMk cId="723089139" sldId="259"/>
+            <ac:picMk id="4" creationId="{49F01922-F082-4B63-AFF8-F8F5D0427501}"/>
+          </ac:picMkLst>
+        </pc:picChg>
+      </pc:sldChg>
+      <pc:sldChg chg="modSp new mod">
+        <pc:chgData name="Martin Schray" userId="bf4f4853c980e97a" providerId="LiveId" clId="{8184E20C-0FDA-4EBE-A7CD-55EA583EE6F5}" dt="2022-01-29T19:05:43.176" v="665" actId="20577"/>
+        <pc:sldMkLst>
+          <pc:docMk/>
+          <pc:sldMk cId="394505192" sldId="262"/>
+        </pc:sldMkLst>
+        <pc:spChg chg="mod">
+          <ac:chgData name="Martin Schray" userId="bf4f4853c980e97a" providerId="LiveId" clId="{8184E20C-0FDA-4EBE-A7CD-55EA583EE6F5}" dt="2022-01-29T18:25:57.612" v="26" actId="20577"/>
+          <ac:spMkLst>
+            <pc:docMk/>
+            <pc:sldMk cId="394505192" sldId="262"/>
+            <ac:spMk id="2" creationId="{79804C88-6BFF-444A-90C0-F98559270ADA}"/>
+          </ac:spMkLst>
+        </pc:spChg>
+        <pc:spChg chg="mod">
+          <ac:chgData name="Martin Schray" userId="bf4f4853c980e97a" providerId="LiveId" clId="{8184E20C-0FDA-4EBE-A7CD-55EA583EE6F5}" dt="2022-01-29T19:05:43.176" v="665" actId="20577"/>
+          <ac:spMkLst>
+            <pc:docMk/>
+            <pc:sldMk cId="394505192" sldId="262"/>
+            <ac:spMk id="3" creationId="{3179620E-4E96-49A0-96A9-BBFC693B8EBA}"/>
+          </ac:spMkLst>
+        </pc:spChg>
+      </pc:sldChg>
+      <pc:sldChg chg="modSp add mod ord">
+        <pc:chgData name="Martin Schray" userId="bf4f4853c980e97a" providerId="LiveId" clId="{8184E20C-0FDA-4EBE-A7CD-55EA583EE6F5}" dt="2022-01-29T19:08:09.569" v="850" actId="20577"/>
+        <pc:sldMkLst>
+          <pc:docMk/>
+          <pc:sldMk cId="288223411" sldId="263"/>
+        </pc:sldMkLst>
+        <pc:spChg chg="mod">
+          <ac:chgData name="Martin Schray" userId="bf4f4853c980e97a" providerId="LiveId" clId="{8184E20C-0FDA-4EBE-A7CD-55EA583EE6F5}" dt="2022-01-29T19:08:09.569" v="850" actId="20577"/>
+          <ac:spMkLst>
+            <pc:docMk/>
+            <pc:sldMk cId="288223411" sldId="263"/>
+            <ac:spMk id="3" creationId="{22B3661A-F62E-4E47-BAC7-7875250A497B}"/>
+          </ac:spMkLst>
+        </pc:spChg>
+        <pc:picChg chg="mod">
+          <ac:chgData name="Martin Schray" userId="bf4f4853c980e97a" providerId="LiveId" clId="{8184E20C-0FDA-4EBE-A7CD-55EA583EE6F5}" dt="2022-01-29T19:07:25.051" v="755" actId="1076"/>
+          <ac:picMkLst>
+            <pc:docMk/>
+            <pc:sldMk cId="288223411" sldId="263"/>
+            <ac:picMk id="1026" creationId="{F803E806-4E73-4D0A-9EDA-211FCF99508D}"/>
+          </ac:picMkLst>
+        </pc:picChg>
+      </pc:sldChg>
+      <pc:sldChg chg="addSp delSp modSp add mod ord">
+        <pc:chgData name="Martin Schray" userId="bf4f4853c980e97a" providerId="LiveId" clId="{8184E20C-0FDA-4EBE-A7CD-55EA583EE6F5}" dt="2022-01-29T19:27:06.667" v="1678" actId="1035"/>
+        <pc:sldMkLst>
+          <pc:docMk/>
+          <pc:sldMk cId="4257012493" sldId="264"/>
+        </pc:sldMkLst>
+        <pc:spChg chg="mod">
+          <ac:chgData name="Martin Schray" userId="bf4f4853c980e97a" providerId="LiveId" clId="{8184E20C-0FDA-4EBE-A7CD-55EA583EE6F5}" dt="2022-01-29T19:10:34.237" v="993" actId="20577"/>
+          <ac:spMkLst>
+            <pc:docMk/>
+            <pc:sldMk cId="4257012493" sldId="264"/>
+            <ac:spMk id="3" creationId="{22B3661A-F62E-4E47-BAC7-7875250A497B}"/>
+          </ac:spMkLst>
+        </pc:spChg>
+        <pc:spChg chg="add mod">
+          <ac:chgData name="Martin Schray" userId="bf4f4853c980e97a" providerId="LiveId" clId="{8184E20C-0FDA-4EBE-A7CD-55EA583EE6F5}" dt="2022-01-29T19:15:20.256" v="1065" actId="20577"/>
+          <ac:spMkLst>
+            <pc:docMk/>
+            <pc:sldMk cId="4257012493" sldId="264"/>
+            <ac:spMk id="17" creationId="{3E8F417F-F709-4475-B129-578BAFC8C1F5}"/>
+          </ac:spMkLst>
+        </pc:spChg>
+        <pc:grpChg chg="mod">
+          <ac:chgData name="Martin Schray" userId="bf4f4853c980e97a" providerId="LiveId" clId="{8184E20C-0FDA-4EBE-A7CD-55EA583EE6F5}" dt="2022-01-29T19:12:54.419" v="1003"/>
+          <ac:grpSpMkLst>
+            <pc:docMk/>
+            <pc:sldMk cId="4257012493" sldId="264"/>
+            <ac:grpSpMk id="10" creationId="{F940482D-FF0A-4C08-8D9C-6B461D9AFFAC}"/>
+          </ac:grpSpMkLst>
+        </pc:grpChg>
+        <pc:grpChg chg="mod">
+          <ac:chgData name="Martin Schray" userId="bf4f4853c980e97a" providerId="LiveId" clId="{8184E20C-0FDA-4EBE-A7CD-55EA583EE6F5}" dt="2022-01-29T19:13:11.601" v="1012"/>
+          <ac:grpSpMkLst>
+            <pc:docMk/>
+            <pc:sldMk cId="4257012493" sldId="264"/>
+            <ac:grpSpMk id="15" creationId="{D2754DC0-9F09-46EC-9A3D-8C8D02570011}"/>
+          </ac:grpSpMkLst>
+        </pc:grpChg>
+        <pc:picChg chg="add mod">
+          <ac:chgData name="Martin Schray" userId="bf4f4853c980e97a" providerId="LiveId" clId="{8184E20C-0FDA-4EBE-A7CD-55EA583EE6F5}" dt="2022-01-29T19:27:06.667" v="1678" actId="1035"/>
+          <ac:picMkLst>
+            <pc:docMk/>
+            <pc:sldMk cId="4257012493" sldId="264"/>
+            <ac:picMk id="5" creationId="{61E0870A-090B-48B5-8C98-6D9A296FA9CE}"/>
+          </ac:picMkLst>
+        </pc:picChg>
+        <pc:picChg chg="del">
+          <ac:chgData name="Martin Schray" userId="bf4f4853c980e97a" providerId="LiveId" clId="{8184E20C-0FDA-4EBE-A7CD-55EA583EE6F5}" dt="2022-01-29T19:12:32.742" v="994" actId="478"/>
+          <ac:picMkLst>
+            <pc:docMk/>
+            <pc:sldMk cId="4257012493" sldId="264"/>
+            <ac:picMk id="1026" creationId="{F803E806-4E73-4D0A-9EDA-211FCF99508D}"/>
+          </ac:picMkLst>
+        </pc:picChg>
+        <pc:inkChg chg="add">
+          <ac:chgData name="Martin Schray" userId="bf4f4853c980e97a" providerId="LiveId" clId="{8184E20C-0FDA-4EBE-A7CD-55EA583EE6F5}" dt="2022-01-29T19:12:46.821" v="997" actId="9405"/>
+          <ac:inkMkLst>
+            <pc:docMk/>
+            <pc:sldMk cId="4257012493" sldId="264"/>
+            <ac:inkMk id="6" creationId="{6487B439-473D-4013-95C0-A63E89604CF2}"/>
+          </ac:inkMkLst>
+        </pc:inkChg>
+        <pc:inkChg chg="add del mod">
+          <ac:chgData name="Martin Schray" userId="bf4f4853c980e97a" providerId="LiveId" clId="{8184E20C-0FDA-4EBE-A7CD-55EA583EE6F5}" dt="2022-01-29T19:12:55.290" v="1005" actId="9405"/>
+          <ac:inkMkLst>
+            <pc:docMk/>
+            <pc:sldMk cId="4257012493" sldId="264"/>
+            <ac:inkMk id="7" creationId="{24D86456-E928-4D91-84CB-631364D3DECD}"/>
+          </ac:inkMkLst>
+        </pc:inkChg>
+        <pc:inkChg chg="add del mod">
+          <ac:chgData name="Martin Schray" userId="bf4f4853c980e97a" providerId="LiveId" clId="{8184E20C-0FDA-4EBE-A7CD-55EA583EE6F5}" dt="2022-01-29T19:12:54.770" v="1004" actId="9405"/>
+          <ac:inkMkLst>
+            <pc:docMk/>
+            <pc:sldMk cId="4257012493" sldId="264"/>
+            <ac:inkMk id="8" creationId="{512AF4BD-72C1-4FB7-884C-B419B1F1C67B}"/>
+          </ac:inkMkLst>
+        </pc:inkChg>
+        <pc:inkChg chg="add del mod">
+          <ac:chgData name="Martin Schray" userId="bf4f4853c980e97a" providerId="LiveId" clId="{8184E20C-0FDA-4EBE-A7CD-55EA583EE6F5}" dt="2022-01-29T19:12:54.419" v="1003"/>
+          <ac:inkMkLst>
+            <pc:docMk/>
+            <pc:sldMk cId="4257012493" sldId="264"/>
+            <ac:inkMk id="9" creationId="{F43D518F-6E9C-41CD-A9A9-B44A8EFD0234}"/>
+          </ac:inkMkLst>
+        </pc:inkChg>
+        <pc:inkChg chg="add">
+          <ac:chgData name="Martin Schray" userId="bf4f4853c980e97a" providerId="LiveId" clId="{8184E20C-0FDA-4EBE-A7CD-55EA583EE6F5}" dt="2022-01-29T19:13:03.649" v="1006" actId="9405"/>
+          <ac:inkMkLst>
+            <pc:docMk/>
+            <pc:sldMk cId="4257012493" sldId="264"/>
+            <ac:inkMk id="11" creationId="{684F41B6-1CC0-4967-A8F7-60CBB9EBDB77}"/>
+          </ac:inkMkLst>
+        </pc:inkChg>
+        <pc:inkChg chg="add mod">
+          <ac:chgData name="Martin Schray" userId="bf4f4853c980e97a" providerId="LiveId" clId="{8184E20C-0FDA-4EBE-A7CD-55EA583EE6F5}" dt="2022-01-29T19:13:11.601" v="1012"/>
+          <ac:inkMkLst>
+            <pc:docMk/>
+            <pc:sldMk cId="4257012493" sldId="264"/>
+            <ac:inkMk id="12" creationId="{0E772B72-63D9-4003-BC63-D27E660B5E6C}"/>
+          </ac:inkMkLst>
+        </pc:inkChg>
+        <pc:inkChg chg="add del mod">
+          <ac:chgData name="Martin Schray" userId="bf4f4853c980e97a" providerId="LiveId" clId="{8184E20C-0FDA-4EBE-A7CD-55EA583EE6F5}" dt="2022-01-29T19:13:12.281" v="1013" actId="9405"/>
+          <ac:inkMkLst>
+            <pc:docMk/>
+            <pc:sldMk cId="4257012493" sldId="264"/>
+            <ac:inkMk id="13" creationId="{531E767E-014B-4F9F-8953-07FA2677E784}"/>
+          </ac:inkMkLst>
+        </pc:inkChg>
+        <pc:inkChg chg="add del mod">
+          <ac:chgData name="Martin Schray" userId="bf4f4853c980e97a" providerId="LiveId" clId="{8184E20C-0FDA-4EBE-A7CD-55EA583EE6F5}" dt="2022-01-29T19:13:11.601" v="1012"/>
+          <ac:inkMkLst>
+            <pc:docMk/>
+            <pc:sldMk cId="4257012493" sldId="264"/>
+            <ac:inkMk id="14" creationId="{494FA66A-C70A-45D4-9E8B-5C1A5EDBD021}"/>
+          </ac:inkMkLst>
+        </pc:inkChg>
+        <pc:inkChg chg="add">
+          <ac:chgData name="Martin Schray" userId="bf4f4853c980e97a" providerId="LiveId" clId="{8184E20C-0FDA-4EBE-A7CD-55EA583EE6F5}" dt="2022-01-29T19:13:14.695" v="1014" actId="9405"/>
+          <ac:inkMkLst>
+            <pc:docMk/>
+            <pc:sldMk cId="4257012493" sldId="264"/>
+            <ac:inkMk id="16" creationId="{629F1479-330E-47FD-8641-C914135BA73A}"/>
+          </ac:inkMkLst>
+        </pc:inkChg>
+      </pc:sldChg>
+      <pc:sldChg chg="addSp delSp modSp add del mod">
+        <pc:chgData name="Martin Schray" userId="bf4f4853c980e97a" providerId="LiveId" clId="{8184E20C-0FDA-4EBE-A7CD-55EA583EE6F5}" dt="2022-01-29T19:26:24.407" v="1659" actId="47"/>
+        <pc:sldMkLst>
+          <pc:docMk/>
+          <pc:sldMk cId="2142862810" sldId="265"/>
+        </pc:sldMkLst>
+        <pc:spChg chg="mod">
+          <ac:chgData name="Martin Schray" userId="bf4f4853c980e97a" providerId="LiveId" clId="{8184E20C-0FDA-4EBE-A7CD-55EA583EE6F5}" dt="2022-01-29T19:17:33.890" v="1154" actId="26606"/>
+          <ac:spMkLst>
+            <pc:docMk/>
+            <pc:sldMk cId="2142862810" sldId="265"/>
+            <ac:spMk id="2" creationId="{0AE40071-459A-419A-B28E-B53470D1F80B}"/>
+          </ac:spMkLst>
+        </pc:spChg>
+        <pc:spChg chg="mod">
+          <ac:chgData name="Martin Schray" userId="bf4f4853c980e97a" providerId="LiveId" clId="{8184E20C-0FDA-4EBE-A7CD-55EA583EE6F5}" dt="2022-01-29T19:17:33.890" v="1154" actId="26606"/>
+          <ac:spMkLst>
+            <pc:docMk/>
+            <pc:sldMk cId="2142862810" sldId="265"/>
+            <ac:spMk id="6" creationId="{0CD18983-1E31-49DE-862D-CCDC2A9900A9}"/>
+          </ac:spMkLst>
+        </pc:spChg>
+        <pc:spChg chg="del">
+          <ac:chgData name="Martin Schray" userId="bf4f4853c980e97a" providerId="LiveId" clId="{8184E20C-0FDA-4EBE-A7CD-55EA583EE6F5}" dt="2022-01-29T19:17:33.890" v="1154" actId="26606"/>
+          <ac:spMkLst>
+            <pc:docMk/>
+            <pc:sldMk cId="2142862810" sldId="265"/>
+            <ac:spMk id="9" creationId="{B819A166-7571-4003-A6B8-B62034C3ED30}"/>
+          </ac:spMkLst>
+        </pc:spChg>
+        <pc:spChg chg="add">
+          <ac:chgData name="Martin Schray" userId="bf4f4853c980e97a" providerId="LiveId" clId="{8184E20C-0FDA-4EBE-A7CD-55EA583EE6F5}" dt="2022-01-29T19:17:33.890" v="1154" actId="26606"/>
+          <ac:spMkLst>
+            <pc:docMk/>
+            <pc:sldMk cId="2142862810" sldId="265"/>
+            <ac:spMk id="15" creationId="{4F7EBAE4-9945-4473-9E34-B2C66EA0F03D}"/>
+          </ac:spMkLst>
+        </pc:spChg>
+        <pc:spChg chg="add">
+          <ac:chgData name="Martin Schray" userId="bf4f4853c980e97a" providerId="LiveId" clId="{8184E20C-0FDA-4EBE-A7CD-55EA583EE6F5}" dt="2022-01-29T19:17:33.890" v="1154" actId="26606"/>
+          <ac:spMkLst>
+            <pc:docMk/>
+            <pc:sldMk cId="2142862810" sldId="265"/>
+            <ac:spMk id="17" creationId="{70BEB1E7-2F88-40BC-B73D-42E5B6F80BFC}"/>
+          </ac:spMkLst>
+        </pc:spChg>
+        <pc:spChg chg="add">
+          <ac:chgData name="Martin Schray" userId="bf4f4853c980e97a" providerId="LiveId" clId="{8184E20C-0FDA-4EBE-A7CD-55EA583EE6F5}" dt="2022-01-29T19:17:33.890" v="1154" actId="26606"/>
+          <ac:spMkLst>
+            <pc:docMk/>
+            <pc:sldMk cId="2142862810" sldId="265"/>
+            <ac:spMk id="19" creationId="{A7B99495-F43F-4D80-A44F-2CB4764EB90B}"/>
+          </ac:spMkLst>
+        </pc:spChg>
+        <pc:graphicFrameChg chg="mod ord modGraphic">
+          <ac:chgData name="Martin Schray" userId="bf4f4853c980e97a" providerId="LiveId" clId="{8184E20C-0FDA-4EBE-A7CD-55EA583EE6F5}" dt="2022-01-29T19:22:00.901" v="1568" actId="26606"/>
+          <ac:graphicFrameMkLst>
+            <pc:docMk/>
+            <pc:sldMk cId="2142862810" sldId="265"/>
+            <ac:graphicFrameMk id="5" creationId="{0FEFACA5-D69F-4CDF-BF8B-E0AC48D4D1DD}"/>
+          </ac:graphicFrameMkLst>
+        </pc:graphicFrameChg>
+        <pc:graphicFrameChg chg="add del mod">
+          <ac:chgData name="Martin Schray" userId="bf4f4853c980e97a" providerId="LiveId" clId="{8184E20C-0FDA-4EBE-A7CD-55EA583EE6F5}" dt="2022-01-29T19:18:48.421" v="1160"/>
+          <ac:graphicFrameMkLst>
+            <pc:docMk/>
+            <pc:sldMk cId="2142862810" sldId="265"/>
+            <ac:graphicFrameMk id="10" creationId="{28101907-1D16-4946-9BE1-D0AB877DB52B}"/>
+          </ac:graphicFrameMkLst>
+        </pc:graphicFrameChg>
+        <pc:graphicFrameChg chg="add mod">
+          <ac:chgData name="Martin Schray" userId="bf4f4853c980e97a" providerId="LiveId" clId="{8184E20C-0FDA-4EBE-A7CD-55EA583EE6F5}" dt="2022-01-29T19:22:00.901" v="1568" actId="26606"/>
+          <ac:graphicFrameMkLst>
+            <pc:docMk/>
+            <pc:sldMk cId="2142862810" sldId="265"/>
+            <ac:graphicFrameMk id="12" creationId="{C79F723B-F855-47A0-9992-3CDD412866DE}"/>
+          </ac:graphicFrameMkLst>
+        </pc:graphicFrameChg>
+        <pc:picChg chg="add del">
+          <ac:chgData name="Martin Schray" userId="bf4f4853c980e97a" providerId="LiveId" clId="{8184E20C-0FDA-4EBE-A7CD-55EA583EE6F5}" dt="2022-01-29T19:18:25.419" v="1156" actId="478"/>
+          <ac:picMkLst>
+            <pc:docMk/>
+            <pc:sldMk cId="2142862810" sldId="265"/>
+            <ac:picMk id="11" creationId="{53477F2B-F584-4758-8395-A0A3FF8EE1B4}"/>
+          </ac:picMkLst>
+        </pc:picChg>
+      </pc:sldChg>
+      <pc:sldChg chg="addSp delSp modSp add mod">
+        <pc:chgData name="Martin Schray" userId="bf4f4853c980e97a" providerId="LiveId" clId="{8184E20C-0FDA-4EBE-A7CD-55EA583EE6F5}" dt="2022-01-29T19:26:56.995" v="1663" actId="6549"/>
+        <pc:sldMkLst>
+          <pc:docMk/>
+          <pc:sldMk cId="703019413" sldId="266"/>
+        </pc:sldMkLst>
+        <pc:spChg chg="mod">
+          <ac:chgData name="Martin Schray" userId="bf4f4853c980e97a" providerId="LiveId" clId="{8184E20C-0FDA-4EBE-A7CD-55EA583EE6F5}" dt="2022-01-29T19:26:47.979" v="1662" actId="26606"/>
+          <ac:spMkLst>
+            <pc:docMk/>
+            <pc:sldMk cId="703019413" sldId="266"/>
+            <ac:spMk id="2" creationId="{0AE40071-459A-419A-B28E-B53470D1F80B}"/>
+          </ac:spMkLst>
+        </pc:spChg>
+        <pc:spChg chg="add del mod">
+          <ac:chgData name="Martin Schray" userId="bf4f4853c980e97a" providerId="LiveId" clId="{8184E20C-0FDA-4EBE-A7CD-55EA583EE6F5}" dt="2022-01-29T19:22:56.481" v="1577" actId="478"/>
+          <ac:spMkLst>
+            <pc:docMk/>
+            <pc:sldMk cId="703019413" sldId="266"/>
+            <ac:spMk id="4" creationId="{0981E1A4-1487-4E93-8BA3-71EAE8874E28}"/>
+          </ac:spMkLst>
+        </pc:spChg>
+        <pc:spChg chg="mod">
+          <ac:chgData name="Martin Schray" userId="bf4f4853c980e97a" providerId="LiveId" clId="{8184E20C-0FDA-4EBE-A7CD-55EA583EE6F5}" dt="2022-01-29T19:26:56.995" v="1663" actId="6549"/>
+          <ac:spMkLst>
+            <pc:docMk/>
+            <pc:sldMk cId="703019413" sldId="266"/>
+            <ac:spMk id="6" creationId="{0CD18983-1E31-49DE-862D-CCDC2A9900A9}"/>
+          </ac:spMkLst>
+        </pc:spChg>
+        <pc:spChg chg="add del">
+          <ac:chgData name="Martin Schray" userId="bf4f4853c980e97a" providerId="LiveId" clId="{8184E20C-0FDA-4EBE-A7CD-55EA583EE6F5}" dt="2022-01-29T19:26:47.979" v="1662" actId="26606"/>
+          <ac:spMkLst>
+            <pc:docMk/>
+            <pc:sldMk cId="703019413" sldId="266"/>
+            <ac:spMk id="15" creationId="{4F7EBAE4-9945-4473-9E34-B2C66EA0F03D}"/>
+          </ac:spMkLst>
+        </pc:spChg>
+        <pc:spChg chg="add del">
+          <ac:chgData name="Martin Schray" userId="bf4f4853c980e97a" providerId="LiveId" clId="{8184E20C-0FDA-4EBE-A7CD-55EA583EE6F5}" dt="2022-01-29T19:26:47.979" v="1662" actId="26606"/>
+          <ac:spMkLst>
+            <pc:docMk/>
+            <pc:sldMk cId="703019413" sldId="266"/>
+            <ac:spMk id="17" creationId="{70BEB1E7-2F88-40BC-B73D-42E5B6F80BFC}"/>
+          </ac:spMkLst>
+        </pc:spChg>
+        <pc:spChg chg="add del">
+          <ac:chgData name="Martin Schray" userId="bf4f4853c980e97a" providerId="LiveId" clId="{8184E20C-0FDA-4EBE-A7CD-55EA583EE6F5}" dt="2022-01-29T19:26:47.979" v="1662" actId="26606"/>
+          <ac:spMkLst>
+            <pc:docMk/>
+            <pc:sldMk cId="703019413" sldId="266"/>
+            <ac:spMk id="19" creationId="{A7B99495-F43F-4D80-A44F-2CB4764EB90B}"/>
+          </ac:spMkLst>
+        </pc:spChg>
+        <pc:spChg chg="add del">
+          <ac:chgData name="Martin Schray" userId="bf4f4853c980e97a" providerId="LiveId" clId="{8184E20C-0FDA-4EBE-A7CD-55EA583EE6F5}" dt="2022-01-29T19:26:47.932" v="1661" actId="26606"/>
+          <ac:spMkLst>
+            <pc:docMk/>
+            <pc:sldMk cId="703019413" sldId="266"/>
+            <ac:spMk id="24" creationId="{5E39A796-BE83-48B1-B33F-35C4A32AAB57}"/>
+          </ac:spMkLst>
+        </pc:spChg>
+        <pc:spChg chg="add del">
+          <ac:chgData name="Martin Schray" userId="bf4f4853c980e97a" providerId="LiveId" clId="{8184E20C-0FDA-4EBE-A7CD-55EA583EE6F5}" dt="2022-01-29T19:26:47.932" v="1661" actId="26606"/>
+          <ac:spMkLst>
+            <pc:docMk/>
+            <pc:sldMk cId="703019413" sldId="266"/>
+            <ac:spMk id="26" creationId="{72F84B47-E267-4194-8194-831DB7B5547F}"/>
+          </ac:spMkLst>
+        </pc:spChg>
+        <pc:spChg chg="add">
+          <ac:chgData name="Martin Schray" userId="bf4f4853c980e97a" providerId="LiveId" clId="{8184E20C-0FDA-4EBE-A7CD-55EA583EE6F5}" dt="2022-01-29T19:26:47.979" v="1662" actId="26606"/>
+          <ac:spMkLst>
+            <pc:docMk/>
+            <pc:sldMk cId="703019413" sldId="266"/>
+            <ac:spMk id="28" creationId="{19B9933F-AAB3-444A-8BB5-9CA194A8BC63}"/>
+          </ac:spMkLst>
+        </pc:spChg>
+        <pc:spChg chg="add">
+          <ac:chgData name="Martin Schray" userId="bf4f4853c980e97a" providerId="LiveId" clId="{8184E20C-0FDA-4EBE-A7CD-55EA583EE6F5}" dt="2022-01-29T19:26:47.979" v="1662" actId="26606"/>
+          <ac:spMkLst>
+            <pc:docMk/>
+            <pc:sldMk cId="703019413" sldId="266"/>
+            <ac:spMk id="29" creationId="{B5FA7C47-B7C1-4D2E-AB49-ED23BA34BA83}"/>
+          </ac:spMkLst>
+        </pc:spChg>
+        <pc:spChg chg="add">
+          <ac:chgData name="Martin Schray" userId="bf4f4853c980e97a" providerId="LiveId" clId="{8184E20C-0FDA-4EBE-A7CD-55EA583EE6F5}" dt="2022-01-29T19:26:47.979" v="1662" actId="26606"/>
+          <ac:spMkLst>
+            <pc:docMk/>
+            <pc:sldMk cId="703019413" sldId="266"/>
+            <ac:spMk id="30" creationId="{7D20183A-0B1D-4A1F-89B1-ADBEDBC6E54E}"/>
+          </ac:spMkLst>
+        </pc:spChg>
+        <pc:spChg chg="add">
+          <ac:chgData name="Martin Schray" userId="bf4f4853c980e97a" providerId="LiveId" clId="{8184E20C-0FDA-4EBE-A7CD-55EA583EE6F5}" dt="2022-01-29T19:26:47.979" v="1662" actId="26606"/>
+          <ac:spMkLst>
+            <pc:docMk/>
+            <pc:sldMk cId="703019413" sldId="266"/>
+            <ac:spMk id="31" creationId="{596EE156-ABF1-4329-A6BA-03B4254E0877}"/>
+          </ac:spMkLst>
+        </pc:spChg>
+        <pc:spChg chg="add">
+          <ac:chgData name="Martin Schray" userId="bf4f4853c980e97a" providerId="LiveId" clId="{8184E20C-0FDA-4EBE-A7CD-55EA583EE6F5}" dt="2022-01-29T19:26:47.979" v="1662" actId="26606"/>
+          <ac:spMkLst>
+            <pc:docMk/>
+            <pc:sldMk cId="703019413" sldId="266"/>
+            <ac:spMk id="32" creationId="{131031D3-26CD-4214-A9A4-5857EFA15A0C}"/>
+          </ac:spMkLst>
+        </pc:spChg>
+        <pc:graphicFrameChg chg="del mod">
+          <ac:chgData name="Martin Schray" userId="bf4f4853c980e97a" providerId="LiveId" clId="{8184E20C-0FDA-4EBE-A7CD-55EA583EE6F5}" dt="2022-01-29T19:22:53.257" v="1576" actId="478"/>
+          <ac:graphicFrameMkLst>
+            <pc:docMk/>
+            <pc:sldMk cId="703019413" sldId="266"/>
+            <ac:graphicFrameMk id="5" creationId="{0FEFACA5-D69F-4CDF-BF8B-E0AC48D4D1DD}"/>
+          </ac:graphicFrameMkLst>
+        </pc:graphicFrameChg>
+        <pc:graphicFrameChg chg="add mod modGraphic">
+          <ac:chgData name="Martin Schray" userId="bf4f4853c980e97a" providerId="LiveId" clId="{8184E20C-0FDA-4EBE-A7CD-55EA583EE6F5}" dt="2022-01-29T19:26:47.979" v="1662" actId="26606"/>
+          <ac:graphicFrameMkLst>
+            <pc:docMk/>
+            <pc:sldMk cId="703019413" sldId="266"/>
+            <ac:graphicFrameMk id="7" creationId="{DB1C9247-C564-43AA-9C94-5643F50CC695}"/>
+          </ac:graphicFrameMkLst>
+        </pc:graphicFrameChg>
+        <pc:graphicFrameChg chg="del mod">
+          <ac:chgData name="Martin Schray" userId="bf4f4853c980e97a" providerId="LiveId" clId="{8184E20C-0FDA-4EBE-A7CD-55EA583EE6F5}" dt="2022-01-29T19:22:31.958" v="1571" actId="478"/>
+          <ac:graphicFrameMkLst>
+            <pc:docMk/>
+            <pc:sldMk cId="703019413" sldId="266"/>
+            <ac:graphicFrameMk id="12" creationId="{C79F723B-F855-47A0-9992-3CDD412866DE}"/>
+          </ac:graphicFrameMkLst>
+        </pc:graphicFrameChg>
+      </pc:sldChg>
+      <pc:sldChg chg="addSp delSp modSp new mod setBg addAnim delAnim">
+        <pc:chgData name="Martin Schray" userId="bf4f4853c980e97a" providerId="LiveId" clId="{8184E20C-0FDA-4EBE-A7CD-55EA583EE6F5}" dt="2022-01-29T19:43:29.040" v="1820" actId="14100"/>
+        <pc:sldMkLst>
+          <pc:docMk/>
+          <pc:sldMk cId="4280664622" sldId="267"/>
+        </pc:sldMkLst>
+        <pc:spChg chg="mod">
+          <ac:chgData name="Martin Schray" userId="bf4f4853c980e97a" providerId="LiveId" clId="{8184E20C-0FDA-4EBE-A7CD-55EA583EE6F5}" dt="2022-01-29T19:40:28.031" v="1757" actId="26606"/>
+          <ac:spMkLst>
+            <pc:docMk/>
+            <pc:sldMk cId="4280664622" sldId="267"/>
+            <ac:spMk id="2" creationId="{E5480A17-78A9-41F4-9036-60A796CE0B5B}"/>
+          </ac:spMkLst>
+        </pc:spChg>
+        <pc:spChg chg="mod">
+          <ac:chgData name="Martin Schray" userId="bf4f4853c980e97a" providerId="LiveId" clId="{8184E20C-0FDA-4EBE-A7CD-55EA583EE6F5}" dt="2022-01-29T19:41:30.871" v="1815" actId="14100"/>
+          <ac:spMkLst>
+            <pc:docMk/>
+            <pc:sldMk cId="4280664622" sldId="267"/>
+            <ac:spMk id="3" creationId="{A5E85172-B302-4B90-8FEA-3F0721D62802}"/>
+          </ac:spMkLst>
+        </pc:spChg>
+        <pc:spChg chg="add del">
+          <ac:chgData name="Martin Schray" userId="bf4f4853c980e97a" providerId="LiveId" clId="{8184E20C-0FDA-4EBE-A7CD-55EA583EE6F5}" dt="2022-01-29T19:40:28.031" v="1757" actId="26606"/>
+          <ac:spMkLst>
+            <pc:docMk/>
+            <pc:sldMk cId="4280664622" sldId="267"/>
+            <ac:spMk id="9" creationId="{5E39A796-BE83-48B1-B33F-35C4A32AAB57}"/>
+          </ac:spMkLst>
+        </pc:spChg>
+        <pc:spChg chg="add del">
+          <ac:chgData name="Martin Schray" userId="bf4f4853c980e97a" providerId="LiveId" clId="{8184E20C-0FDA-4EBE-A7CD-55EA583EE6F5}" dt="2022-01-29T19:40:28.031" v="1757" actId="26606"/>
+          <ac:spMkLst>
+            <pc:docMk/>
+            <pc:sldMk cId="4280664622" sldId="267"/>
+            <ac:spMk id="10" creationId="{72F84B47-E267-4194-8194-831DB7B5547F}"/>
+          </ac:spMkLst>
+        </pc:spChg>
+        <pc:spChg chg="add del">
+          <ac:chgData name="Martin Schray" userId="bf4f4853c980e97a" providerId="LiveId" clId="{8184E20C-0FDA-4EBE-A7CD-55EA583EE6F5}" dt="2022-01-29T19:40:11.010" v="1755" actId="26606"/>
+          <ac:spMkLst>
+            <pc:docMk/>
+            <pc:sldMk cId="4280664622" sldId="267"/>
+            <ac:spMk id="12" creationId="{87CC2527-562A-4F69-B487-4371E5B243E7}"/>
+          </ac:spMkLst>
+        </pc:spChg>
+        <pc:picChg chg="add del">
+          <ac:chgData name="Martin Schray" userId="bf4f4853c980e97a" providerId="LiveId" clId="{8184E20C-0FDA-4EBE-A7CD-55EA583EE6F5}" dt="2022-01-29T19:39:52.518" v="1734" actId="22"/>
+          <ac:picMkLst>
+            <pc:docMk/>
+            <pc:sldMk cId="4280664622" sldId="267"/>
+            <ac:picMk id="5" creationId="{7AC9C60E-9611-43A8-924E-1D89C29E96BE}"/>
+          </ac:picMkLst>
+        </pc:picChg>
+        <pc:picChg chg="add del mod ord">
+          <ac:chgData name="Martin Schray" userId="bf4f4853c980e97a" providerId="LiveId" clId="{8184E20C-0FDA-4EBE-A7CD-55EA583EE6F5}" dt="2022-01-29T19:43:18.777" v="1817" actId="478"/>
+          <ac:picMkLst>
+            <pc:docMk/>
+            <pc:sldMk cId="4280664622" sldId="267"/>
+            <ac:picMk id="7" creationId="{8C2B8628-4B01-480E-9CC2-9F3FB5EBC3D5}"/>
+          </ac:picMkLst>
+        </pc:picChg>
+        <pc:picChg chg="add mod">
+          <ac:chgData name="Martin Schray" userId="bf4f4853c980e97a" providerId="LiveId" clId="{8184E20C-0FDA-4EBE-A7CD-55EA583EE6F5}" dt="2022-01-29T19:43:29.040" v="1820" actId="14100"/>
+          <ac:picMkLst>
+            <pc:docMk/>
+            <pc:sldMk cId="4280664622" sldId="267"/>
+            <ac:picMk id="11" creationId="{B328E6E4-2FD4-40A0-B5C6-FF9B87AFF14B}"/>
+          </ac:picMkLst>
+        </pc:picChg>
+        <pc:cxnChg chg="add del">
+          <ac:chgData name="Martin Schray" userId="bf4f4853c980e97a" providerId="LiveId" clId="{8184E20C-0FDA-4EBE-A7CD-55EA583EE6F5}" dt="2022-01-29T19:40:11.010" v="1755" actId="26606"/>
+          <ac:cxnSpMkLst>
+            <pc:docMk/>
+            <pc:sldMk cId="4280664622" sldId="267"/>
+            <ac:cxnSpMk id="14" creationId="{BCDAEC91-5BCE-4B55-9CC0-43EF94CB734B}"/>
+          </ac:cxnSpMkLst>
+        </pc:cxnChg>
+      </pc:sldChg>
+      <pc:sldChg chg="modSp new mod ord">
+        <pc:chgData name="Martin Schray" userId="bf4f4853c980e97a" providerId="LiveId" clId="{8184E20C-0FDA-4EBE-A7CD-55EA583EE6F5}" dt="2022-01-29T19:29:55.399" v="1732"/>
+        <pc:sldMkLst>
+          <pc:docMk/>
+          <pc:sldMk cId="89963779" sldId="268"/>
+        </pc:sldMkLst>
+        <pc:spChg chg="mod">
+          <ac:chgData name="Martin Schray" userId="bf4f4853c980e97a" providerId="LiveId" clId="{8184E20C-0FDA-4EBE-A7CD-55EA583EE6F5}" dt="2022-01-29T19:29:36.877" v="1725" actId="20577"/>
+          <ac:spMkLst>
+            <pc:docMk/>
+            <pc:sldMk cId="89963779" sldId="268"/>
+            <ac:spMk id="2" creationId="{B4B6DCAD-D826-4CE6-AF2C-6F0DAFE22673}"/>
+          </ac:spMkLst>
+        </pc:spChg>
+        <pc:spChg chg="mod">
+          <ac:chgData name="Martin Schray" userId="bf4f4853c980e97a" providerId="LiveId" clId="{8184E20C-0FDA-4EBE-A7CD-55EA583EE6F5}" dt="2022-01-29T19:29:50.575" v="1730" actId="20577"/>
+          <ac:spMkLst>
+            <pc:docMk/>
+            <pc:sldMk cId="89963779" sldId="268"/>
+            <ac:spMk id="3" creationId="{08699EFF-C40C-456E-8E46-8568EC9CF853}"/>
+          </ac:spMkLst>
+        </pc:spChg>
+      </pc:sldChg>
+    </pc:docChg>
+  </pc:docChgLst>
   <pc:docChgLst>
     <pc:chgData name="Martin Schray" userId="bf4f4853c980e97a" providerId="LiveId" clId="{A79EFC10-1C27-484B-BB15-22AA32EAEE27}"/>
     <pc:docChg chg="custSel addSld delSld modSld">
@@ -247,6 +867,3407 @@
 </pc:chgInfo>
 </file>
 
+<file path=ppt/diagrams/colors1.xml><?xml version="1.0" encoding="utf-8"?>
+<dgm:colorsDef xmlns:dgm="http://schemas.openxmlformats.org/drawingml/2006/diagram" xmlns:a="http://schemas.openxmlformats.org/drawingml/2006/main" uniqueId="urn:microsoft.com/office/officeart/2018/5/colors/Iconchunking_neutralbg_colorful5">
+  <dgm:title val=""/>
+  <dgm:desc val=""/>
+  <dgm:catLst>
+    <dgm:cat type="colorful" pri="10500"/>
+  </dgm:catLst>
+  <dgm:styleLbl name="node0">
+    <dgm:fillClrLst meth="repeat">
+      <a:schemeClr val="accent4"/>
+    </dgm:fillClrLst>
+    <dgm:linClrLst meth="repeat">
+      <a:schemeClr val="lt1"/>
+    </dgm:linClrLst>
+    <dgm:effectClrLst/>
+    <dgm:txLinClrLst/>
+    <dgm:txFillClrLst/>
+    <dgm:txEffectClrLst/>
+  </dgm:styleLbl>
+  <dgm:styleLbl name="node1">
+    <dgm:fillClrLst>
+      <a:schemeClr val="accent5"/>
+      <a:schemeClr val="accent6"/>
+    </dgm:fillClrLst>
+    <dgm:linClrLst meth="repeat">
+      <a:schemeClr val="lt1">
+        <a:alpha val="0"/>
+      </a:schemeClr>
+    </dgm:linClrLst>
+    <dgm:effectClrLst/>
+    <dgm:txLinClrLst/>
+    <dgm:txFillClrLst/>
+    <dgm:txEffectClrLst/>
+  </dgm:styleLbl>
+  <dgm:styleLbl name="alignNode1">
+    <dgm:fillClrLst>
+      <a:schemeClr val="accent5"/>
+      <a:schemeClr val="accent6"/>
+    </dgm:fillClrLst>
+    <dgm:linClrLst>
+      <a:schemeClr val="accent5"/>
+      <a:schemeClr val="accent6"/>
+    </dgm:linClrLst>
+    <dgm:effectClrLst/>
+    <dgm:txLinClrLst/>
+    <dgm:txFillClrLst/>
+    <dgm:txEffectClrLst/>
+  </dgm:styleLbl>
+  <dgm:styleLbl name="lnNode1">
+    <dgm:fillClrLst>
+      <a:schemeClr val="accent5"/>
+      <a:schemeClr val="accent6"/>
+    </dgm:fillClrLst>
+    <dgm:linClrLst meth="repeat">
+      <a:schemeClr val="lt1"/>
+    </dgm:linClrLst>
+    <dgm:effectClrLst/>
+    <dgm:txLinClrLst/>
+    <dgm:txFillClrLst/>
+    <dgm:txEffectClrLst/>
+  </dgm:styleLbl>
+  <dgm:styleLbl name="vennNode1">
+    <dgm:fillClrLst>
+      <a:schemeClr val="accent5">
+        <a:alpha val="50000"/>
+      </a:schemeClr>
+      <a:schemeClr val="accent6">
+        <a:alpha val="50000"/>
+      </a:schemeClr>
+    </dgm:fillClrLst>
+    <dgm:linClrLst meth="repeat">
+      <a:schemeClr val="lt1"/>
+    </dgm:linClrLst>
+    <dgm:effectClrLst/>
+    <dgm:txLinClrLst/>
+    <dgm:txFillClrLst/>
+    <dgm:txEffectClrLst/>
+  </dgm:styleLbl>
+  <dgm:styleLbl name="node2">
+    <dgm:fillClrLst>
+      <a:schemeClr val="accent6"/>
+    </dgm:fillClrLst>
+    <dgm:linClrLst meth="repeat">
+      <a:schemeClr val="lt1"/>
+    </dgm:linClrLst>
+    <dgm:effectClrLst/>
+    <dgm:txLinClrLst/>
+    <dgm:txFillClrLst/>
+    <dgm:txEffectClrLst/>
+  </dgm:styleLbl>
+  <dgm:styleLbl name="node3">
+    <dgm:fillClrLst>
+      <a:schemeClr val="accent1"/>
+    </dgm:fillClrLst>
+    <dgm:linClrLst meth="repeat">
+      <a:schemeClr val="lt1"/>
+    </dgm:linClrLst>
+    <dgm:effectClrLst/>
+    <dgm:txLinClrLst/>
+    <dgm:txFillClrLst/>
+    <dgm:txEffectClrLst/>
+  </dgm:styleLbl>
+  <dgm:styleLbl name="node4">
+    <dgm:fillClrLst>
+      <a:schemeClr val="accent2"/>
+    </dgm:fillClrLst>
+    <dgm:linClrLst meth="repeat">
+      <a:schemeClr val="lt1"/>
+    </dgm:linClrLst>
+    <dgm:effectClrLst/>
+    <dgm:txLinClrLst/>
+    <dgm:txFillClrLst/>
+    <dgm:txEffectClrLst/>
+  </dgm:styleLbl>
+  <dgm:styleLbl name="fgImgPlace1">
+    <dgm:fillClrLst>
+      <a:schemeClr val="accent5">
+        <a:tint val="50000"/>
+      </a:schemeClr>
+      <a:schemeClr val="accent6">
+        <a:tint val="50000"/>
+      </a:schemeClr>
+    </dgm:fillClrLst>
+    <dgm:linClrLst meth="repeat">
+      <a:schemeClr val="lt1"/>
+    </dgm:linClrLst>
+    <dgm:effectClrLst/>
+    <dgm:txLinClrLst/>
+    <dgm:txFillClrLst meth="repeat">
+      <a:schemeClr val="lt1"/>
+    </dgm:txFillClrLst>
+    <dgm:txEffectClrLst/>
+  </dgm:styleLbl>
+  <dgm:styleLbl name="alignImgPlace1">
+    <dgm:fillClrLst>
+      <a:schemeClr val="accent5">
+        <a:tint val="50000"/>
+      </a:schemeClr>
+      <a:schemeClr val="accent6">
+        <a:tint val="20000"/>
+      </a:schemeClr>
+    </dgm:fillClrLst>
+    <dgm:linClrLst meth="repeat">
+      <a:schemeClr val="lt1"/>
+    </dgm:linClrLst>
+    <dgm:effectClrLst/>
+    <dgm:txLinClrLst/>
+    <dgm:txFillClrLst meth="repeat">
+      <a:schemeClr val="lt1"/>
+    </dgm:txFillClrLst>
+    <dgm:txEffectClrLst/>
+  </dgm:styleLbl>
+  <dgm:styleLbl name="bgImgPlace1">
+    <dgm:fillClrLst>
+      <a:schemeClr val="accent5">
+        <a:tint val="50000"/>
+      </a:schemeClr>
+      <a:schemeClr val="accent6">
+        <a:tint val="20000"/>
+      </a:schemeClr>
+    </dgm:fillClrLst>
+    <dgm:linClrLst meth="repeat">
+      <a:schemeClr val="lt1"/>
+    </dgm:linClrLst>
+    <dgm:effectClrLst/>
+    <dgm:txLinClrLst/>
+    <dgm:txFillClrLst meth="repeat">
+      <a:schemeClr val="lt1"/>
+    </dgm:txFillClrLst>
+    <dgm:txEffectClrLst/>
+  </dgm:styleLbl>
+  <dgm:styleLbl name="sibTrans2D1">
+    <dgm:fillClrLst>
+      <a:schemeClr val="accent5"/>
+      <a:schemeClr val="accent6"/>
+    </dgm:fillClrLst>
+    <dgm:linClrLst meth="repeat">
+      <a:schemeClr val="lt1"/>
+    </dgm:linClrLst>
+    <dgm:effectClrLst/>
+    <dgm:txLinClrLst/>
+    <dgm:txFillClrLst/>
+    <dgm:txEffectClrLst/>
+  </dgm:styleLbl>
+  <dgm:styleLbl name="fgSibTrans2D1">
+    <dgm:fillClrLst>
+      <a:schemeClr val="accent5"/>
+      <a:schemeClr val="accent6"/>
+    </dgm:fillClrLst>
+    <dgm:linClrLst meth="repeat">
+      <a:schemeClr val="lt1"/>
+    </dgm:linClrLst>
+    <dgm:effectClrLst/>
+    <dgm:txLinClrLst/>
+    <dgm:txFillClrLst meth="repeat">
+      <a:schemeClr val="lt1"/>
+    </dgm:txFillClrLst>
+    <dgm:txEffectClrLst/>
+  </dgm:styleLbl>
+  <dgm:styleLbl name="bgSibTrans2D1">
+    <dgm:fillClrLst>
+      <a:schemeClr val="accent5"/>
+      <a:schemeClr val="accent6"/>
+    </dgm:fillClrLst>
+    <dgm:linClrLst meth="repeat">
+      <a:schemeClr val="lt1"/>
+    </dgm:linClrLst>
+    <dgm:effectClrLst/>
+    <dgm:txLinClrLst/>
+    <dgm:txFillClrLst meth="repeat">
+      <a:schemeClr val="lt1"/>
+    </dgm:txFillClrLst>
+    <dgm:txEffectClrLst/>
+  </dgm:styleLbl>
+  <dgm:styleLbl name="sibTrans1D1">
+    <dgm:fillClrLst/>
+    <dgm:linClrLst>
+      <a:schemeClr val="accent5"/>
+      <a:schemeClr val="accent6"/>
+    </dgm:linClrLst>
+    <dgm:effectClrLst/>
+    <dgm:txLinClrLst/>
+    <dgm:txFillClrLst meth="repeat">
+      <a:schemeClr val="tx1"/>
+    </dgm:txFillClrLst>
+    <dgm:txEffectClrLst/>
+  </dgm:styleLbl>
+  <dgm:styleLbl name="callout">
+    <dgm:fillClrLst meth="repeat">
+      <a:schemeClr val="accent5"/>
+    </dgm:fillClrLst>
+    <dgm:linClrLst meth="repeat">
+      <a:schemeClr val="accent5">
+        <a:tint val="50000"/>
+      </a:schemeClr>
+    </dgm:linClrLst>
+    <dgm:effectClrLst/>
+    <dgm:txLinClrLst/>
+    <dgm:txFillClrLst meth="repeat">
+      <a:schemeClr val="tx1"/>
+    </dgm:txFillClrLst>
+    <dgm:txEffectClrLst/>
+  </dgm:styleLbl>
+  <dgm:styleLbl name="asst0">
+    <dgm:fillClrLst meth="repeat">
+      <a:schemeClr val="accent5"/>
+    </dgm:fillClrLst>
+    <dgm:linClrLst meth="repeat">
+      <a:schemeClr val="lt1">
+        <a:shade val="80000"/>
+      </a:schemeClr>
+    </dgm:linClrLst>
+    <dgm:effectClrLst/>
+    <dgm:txLinClrLst/>
+    <dgm:txFillClrLst/>
+    <dgm:txEffectClrLst/>
+  </dgm:styleLbl>
+  <dgm:styleLbl name="asst1">
+    <dgm:fillClrLst meth="repeat">
+      <a:schemeClr val="accent6"/>
+    </dgm:fillClrLst>
+    <dgm:linClrLst meth="repeat">
+      <a:schemeClr val="lt1">
+        <a:shade val="80000"/>
+      </a:schemeClr>
+    </dgm:linClrLst>
+    <dgm:effectClrLst/>
+    <dgm:txLinClrLst/>
+    <dgm:txFillClrLst/>
+    <dgm:txEffectClrLst/>
+  </dgm:styleLbl>
+  <dgm:styleLbl name="asst2">
+    <dgm:fillClrLst>
+      <a:schemeClr val="accent1"/>
+    </dgm:fillClrLst>
+    <dgm:linClrLst meth="repeat">
+      <a:schemeClr val="lt1"/>
+    </dgm:linClrLst>
+    <dgm:effectClrLst/>
+    <dgm:txLinClrLst/>
+    <dgm:txFillClrLst/>
+    <dgm:txEffectClrLst/>
+  </dgm:styleLbl>
+  <dgm:styleLbl name="asst3">
+    <dgm:fillClrLst>
+      <a:schemeClr val="accent2"/>
+    </dgm:fillClrLst>
+    <dgm:linClrLst meth="repeat">
+      <a:schemeClr val="lt1"/>
+    </dgm:linClrLst>
+    <dgm:effectClrLst/>
+    <dgm:txLinClrLst/>
+    <dgm:txFillClrLst/>
+    <dgm:txEffectClrLst/>
+  </dgm:styleLbl>
+  <dgm:styleLbl name="asst4">
+    <dgm:fillClrLst>
+      <a:schemeClr val="accent3"/>
+    </dgm:fillClrLst>
+    <dgm:linClrLst meth="repeat">
+      <a:schemeClr val="lt1"/>
+    </dgm:linClrLst>
+    <dgm:effectClrLst/>
+    <dgm:txLinClrLst/>
+    <dgm:txFillClrLst/>
+    <dgm:txEffectClrLst/>
+  </dgm:styleLbl>
+  <dgm:styleLbl name="parChTrans2D1">
+    <dgm:fillClrLst meth="repeat">
+      <a:schemeClr val="accent5"/>
+    </dgm:fillClrLst>
+    <dgm:linClrLst meth="repeat">
+      <a:schemeClr val="lt1"/>
+    </dgm:linClrLst>
+    <dgm:effectClrLst/>
+    <dgm:txLinClrLst/>
+    <dgm:txFillClrLst meth="repeat">
+      <a:schemeClr val="lt1"/>
+    </dgm:txFillClrLst>
+    <dgm:txEffectClrLst/>
+  </dgm:styleLbl>
+  <dgm:styleLbl name="parChTrans2D2">
+    <dgm:fillClrLst meth="repeat">
+      <a:schemeClr val="accent6"/>
+    </dgm:fillClrLst>
+    <dgm:linClrLst meth="repeat">
+      <a:schemeClr val="lt1"/>
+    </dgm:linClrLst>
+    <dgm:effectClrLst/>
+    <dgm:txLinClrLst/>
+    <dgm:txFillClrLst/>
+    <dgm:txEffectClrLst/>
+  </dgm:styleLbl>
+  <dgm:styleLbl name="parChTrans2D3">
+    <dgm:fillClrLst meth="repeat">
+      <a:schemeClr val="accent6"/>
+    </dgm:fillClrLst>
+    <dgm:linClrLst meth="repeat">
+      <a:schemeClr val="lt1"/>
+    </dgm:linClrLst>
+    <dgm:effectClrLst/>
+    <dgm:txLinClrLst/>
+    <dgm:txFillClrLst/>
+    <dgm:txEffectClrLst/>
+  </dgm:styleLbl>
+  <dgm:styleLbl name="parChTrans2D4">
+    <dgm:fillClrLst meth="repeat">
+      <a:schemeClr val="accent1"/>
+    </dgm:fillClrLst>
+    <dgm:linClrLst meth="repeat">
+      <a:schemeClr val="lt1"/>
+    </dgm:linClrLst>
+    <dgm:effectClrLst/>
+    <dgm:txLinClrLst/>
+    <dgm:txFillClrLst meth="repeat">
+      <a:schemeClr val="lt1"/>
+    </dgm:txFillClrLst>
+    <dgm:txEffectClrLst/>
+  </dgm:styleLbl>
+  <dgm:styleLbl name="parChTrans1D1">
+    <dgm:fillClrLst meth="repeat">
+      <a:schemeClr val="accent5"/>
+    </dgm:fillClrLst>
+    <dgm:linClrLst meth="repeat">
+      <a:schemeClr val="accent5"/>
+    </dgm:linClrLst>
+    <dgm:effectClrLst/>
+    <dgm:txLinClrLst/>
+    <dgm:txFillClrLst meth="repeat">
+      <a:schemeClr val="tx1"/>
+    </dgm:txFillClrLst>
+    <dgm:txEffectClrLst/>
+  </dgm:styleLbl>
+  <dgm:styleLbl name="parChTrans1D2">
+    <dgm:fillClrLst meth="repeat">
+      <a:schemeClr val="accent6">
+        <a:tint val="90000"/>
+      </a:schemeClr>
+    </dgm:fillClrLst>
+    <dgm:linClrLst meth="repeat">
+      <a:schemeClr val="accent6"/>
+    </dgm:linClrLst>
+    <dgm:effectClrLst/>
+    <dgm:txLinClrLst/>
+    <dgm:txFillClrLst meth="repeat">
+      <a:schemeClr val="tx1"/>
+    </dgm:txFillClrLst>
+    <dgm:txEffectClrLst/>
+  </dgm:styleLbl>
+  <dgm:styleLbl name="parChTrans1D3">
+    <dgm:fillClrLst meth="repeat">
+      <a:schemeClr val="accent6">
+        <a:tint val="70000"/>
+      </a:schemeClr>
+    </dgm:fillClrLst>
+    <dgm:linClrLst meth="repeat">
+      <a:schemeClr val="accent1"/>
+    </dgm:linClrLst>
+    <dgm:effectClrLst/>
+    <dgm:txLinClrLst/>
+    <dgm:txFillClrLst meth="repeat">
+      <a:schemeClr val="tx1"/>
+    </dgm:txFillClrLst>
+    <dgm:txEffectClrLst/>
+  </dgm:styleLbl>
+  <dgm:styleLbl name="parChTrans1D4">
+    <dgm:fillClrLst meth="repeat">
+      <a:schemeClr val="accent6">
+        <a:tint val="50000"/>
+      </a:schemeClr>
+    </dgm:fillClrLst>
+    <dgm:linClrLst meth="repeat">
+      <a:schemeClr val="accent2"/>
+    </dgm:linClrLst>
+    <dgm:effectClrLst/>
+    <dgm:txLinClrLst/>
+    <dgm:txFillClrLst meth="repeat">
+      <a:schemeClr val="tx1"/>
+    </dgm:txFillClrLst>
+    <dgm:txEffectClrLst/>
+  </dgm:styleLbl>
+  <dgm:styleLbl name="fgAcc1">
+    <dgm:fillClrLst meth="repeat">
+      <a:schemeClr val="lt1">
+        <a:alpha val="90000"/>
+      </a:schemeClr>
+    </dgm:fillClrLst>
+    <dgm:linClrLst>
+      <a:schemeClr val="accent5"/>
+      <a:schemeClr val="accent6"/>
+    </dgm:linClrLst>
+    <dgm:effectClrLst/>
+    <dgm:txLinClrLst/>
+    <dgm:txFillClrLst meth="repeat">
+      <a:schemeClr val="dk1"/>
+    </dgm:txFillClrLst>
+    <dgm:txEffectClrLst/>
+  </dgm:styleLbl>
+  <dgm:styleLbl name="conFgAcc1">
+    <dgm:fillClrLst meth="repeat">
+      <a:schemeClr val="lt1">
+        <a:alpha val="90000"/>
+      </a:schemeClr>
+    </dgm:fillClrLst>
+    <dgm:linClrLst>
+      <a:schemeClr val="accent5"/>
+      <a:schemeClr val="accent6"/>
+    </dgm:linClrLst>
+    <dgm:effectClrLst/>
+    <dgm:txLinClrLst/>
+    <dgm:txFillClrLst meth="repeat">
+      <a:schemeClr val="dk1"/>
+    </dgm:txFillClrLst>
+    <dgm:txEffectClrLst/>
+  </dgm:styleLbl>
+  <dgm:styleLbl name="alignAcc1">
+    <dgm:fillClrLst meth="repeat">
+      <a:schemeClr val="lt1">
+        <a:alpha val="90000"/>
+      </a:schemeClr>
+    </dgm:fillClrLst>
+    <dgm:linClrLst>
+      <a:schemeClr val="accent5"/>
+      <a:schemeClr val="accent6"/>
+    </dgm:linClrLst>
+    <dgm:effectClrLst/>
+    <dgm:txLinClrLst/>
+    <dgm:txFillClrLst meth="repeat">
+      <a:schemeClr val="dk1"/>
+    </dgm:txFillClrLst>
+    <dgm:txEffectClrLst/>
+  </dgm:styleLbl>
+  <dgm:styleLbl name="trAlignAcc1">
+    <dgm:fillClrLst meth="repeat">
+      <a:schemeClr val="lt1">
+        <a:alpha val="40000"/>
+      </a:schemeClr>
+    </dgm:fillClrLst>
+    <dgm:linClrLst meth="repeat">
+      <a:schemeClr val="accent5"/>
+    </dgm:linClrLst>
+    <dgm:effectClrLst/>
+    <dgm:txLinClrLst/>
+    <dgm:txFillClrLst meth="repeat">
+      <a:schemeClr val="dk1"/>
+    </dgm:txFillClrLst>
+    <dgm:txEffectClrLst/>
+  </dgm:styleLbl>
+  <dgm:styleLbl name="bgAcc1">
+    <dgm:fillClrLst meth="repeat">
+      <a:schemeClr val="lt1">
+        <a:alpha val="90000"/>
+      </a:schemeClr>
+    </dgm:fillClrLst>
+    <dgm:linClrLst>
+      <a:schemeClr val="accent5"/>
+      <a:schemeClr val="accent6"/>
+    </dgm:linClrLst>
+    <dgm:effectClrLst/>
+    <dgm:txLinClrLst/>
+    <dgm:txFillClrLst meth="repeat">
+      <a:schemeClr val="dk1"/>
+    </dgm:txFillClrLst>
+    <dgm:txEffectClrLst/>
+  </dgm:styleLbl>
+  <dgm:styleLbl name="solidFgAcc1">
+    <dgm:fillClrLst meth="repeat">
+      <a:schemeClr val="lt1"/>
+    </dgm:fillClrLst>
+    <dgm:linClrLst>
+      <a:schemeClr val="accent5"/>
+      <a:schemeClr val="accent6"/>
+    </dgm:linClrLst>
+    <dgm:effectClrLst/>
+    <dgm:txLinClrLst/>
+    <dgm:txFillClrLst meth="repeat">
+      <a:schemeClr val="dk1"/>
+    </dgm:txFillClrLst>
+    <dgm:txEffectClrLst/>
+  </dgm:styleLbl>
+  <dgm:styleLbl name="solidAlignAcc1">
+    <dgm:fillClrLst meth="repeat">
+      <a:schemeClr val="lt1"/>
+    </dgm:fillClrLst>
+    <dgm:linClrLst>
+      <a:schemeClr val="accent5"/>
+      <a:schemeClr val="accent6"/>
+    </dgm:linClrLst>
+    <dgm:effectClrLst/>
+    <dgm:txLinClrLst/>
+    <dgm:txFillClrLst meth="repeat">
+      <a:schemeClr val="dk1"/>
+    </dgm:txFillClrLst>
+    <dgm:txEffectClrLst/>
+  </dgm:styleLbl>
+  <dgm:styleLbl name="solidBgAcc1">
+    <dgm:fillClrLst meth="repeat">
+      <a:schemeClr val="lt1"/>
+    </dgm:fillClrLst>
+    <dgm:linClrLst>
+      <a:schemeClr val="accent5"/>
+      <a:schemeClr val="accent6"/>
+    </dgm:linClrLst>
+    <dgm:effectClrLst/>
+    <dgm:txLinClrLst/>
+    <dgm:txFillClrLst meth="repeat">
+      <a:schemeClr val="dk1"/>
+    </dgm:txFillClrLst>
+    <dgm:txEffectClrLst/>
+  </dgm:styleLbl>
+  <dgm:styleLbl name="fgAccFollowNode1">
+    <dgm:fillClrLst>
+      <a:schemeClr val="accent5">
+        <a:tint val="40000"/>
+        <a:alpha val="90000"/>
+      </a:schemeClr>
+      <a:schemeClr val="accent6">
+        <a:tint val="40000"/>
+        <a:alpha val="90000"/>
+      </a:schemeClr>
+    </dgm:fillClrLst>
+    <dgm:linClrLst>
+      <a:schemeClr val="accent5">
+        <a:tint val="40000"/>
+        <a:alpha val="90000"/>
+      </a:schemeClr>
+      <a:schemeClr val="accent5">
+        <a:tint val="40000"/>
+        <a:alpha val="90000"/>
+      </a:schemeClr>
+    </dgm:linClrLst>
+    <dgm:effectClrLst/>
+    <dgm:txLinClrLst/>
+    <dgm:txFillClrLst meth="repeat">
+      <a:schemeClr val="dk1"/>
+    </dgm:txFillClrLst>
+    <dgm:txEffectClrLst/>
+  </dgm:styleLbl>
+  <dgm:styleLbl name="alignAccFollowNode1">
+    <dgm:fillClrLst>
+      <a:schemeClr val="accent5">
+        <a:tint val="40000"/>
+        <a:alpha val="90000"/>
+      </a:schemeClr>
+      <a:schemeClr val="accent6">
+        <a:tint val="40000"/>
+        <a:alpha val="90000"/>
+      </a:schemeClr>
+    </dgm:fillClrLst>
+    <dgm:linClrLst>
+      <a:schemeClr val="accent5">
+        <a:tint val="40000"/>
+        <a:alpha val="90000"/>
+      </a:schemeClr>
+      <a:schemeClr val="accent6">
+        <a:tint val="40000"/>
+        <a:alpha val="90000"/>
+      </a:schemeClr>
+    </dgm:linClrLst>
+    <dgm:effectClrLst/>
+    <dgm:txLinClrLst/>
+    <dgm:txFillClrLst meth="repeat">
+      <a:schemeClr val="dk1"/>
+    </dgm:txFillClrLst>
+    <dgm:txEffectClrLst/>
+  </dgm:styleLbl>
+  <dgm:styleLbl name="bgAccFollowNode1">
+    <dgm:fillClrLst>
+      <a:schemeClr val="accent5">
+        <a:tint val="40000"/>
+        <a:alpha val="90000"/>
+      </a:schemeClr>
+      <a:schemeClr val="accent6">
+        <a:tint val="40000"/>
+        <a:alpha val="90000"/>
+      </a:schemeClr>
+    </dgm:fillClrLst>
+    <dgm:linClrLst>
+      <a:schemeClr val="accent5">
+        <a:tint val="40000"/>
+        <a:alpha val="90000"/>
+      </a:schemeClr>
+      <a:schemeClr val="accent6">
+        <a:tint val="40000"/>
+        <a:alpha val="90000"/>
+      </a:schemeClr>
+    </dgm:linClrLst>
+    <dgm:effectClrLst/>
+    <dgm:txLinClrLst/>
+    <dgm:txFillClrLst meth="repeat">
+      <a:schemeClr val="dk1"/>
+    </dgm:txFillClrLst>
+    <dgm:txEffectClrLst/>
+  </dgm:styleLbl>
+  <dgm:styleLbl name="fgAcc0">
+    <dgm:fillClrLst meth="repeat">
+      <a:schemeClr val="lt1">
+        <a:alpha val="90000"/>
+      </a:schemeClr>
+    </dgm:fillClrLst>
+    <dgm:linClrLst>
+      <a:schemeClr val="accent4"/>
+    </dgm:linClrLst>
+    <dgm:effectClrLst/>
+    <dgm:txLinClrLst/>
+    <dgm:txFillClrLst meth="repeat">
+      <a:schemeClr val="dk1"/>
+    </dgm:txFillClrLst>
+    <dgm:txEffectClrLst/>
+  </dgm:styleLbl>
+  <dgm:styleLbl name="fgAcc2">
+    <dgm:fillClrLst meth="repeat">
+      <a:schemeClr val="lt1">
+        <a:alpha val="90000"/>
+      </a:schemeClr>
+    </dgm:fillClrLst>
+    <dgm:linClrLst>
+      <a:schemeClr val="accent6"/>
+    </dgm:linClrLst>
+    <dgm:effectClrLst/>
+    <dgm:txLinClrLst/>
+    <dgm:txFillClrLst meth="repeat">
+      <a:schemeClr val="dk1"/>
+    </dgm:txFillClrLst>
+    <dgm:txEffectClrLst/>
+  </dgm:styleLbl>
+  <dgm:styleLbl name="fgAcc3">
+    <dgm:fillClrLst meth="repeat">
+      <a:schemeClr val="lt1">
+        <a:alpha val="90000"/>
+      </a:schemeClr>
+    </dgm:fillClrLst>
+    <dgm:linClrLst>
+      <a:schemeClr val="accent1"/>
+    </dgm:linClrLst>
+    <dgm:effectClrLst/>
+    <dgm:txLinClrLst/>
+    <dgm:txFillClrLst meth="repeat">
+      <a:schemeClr val="dk1"/>
+    </dgm:txFillClrLst>
+    <dgm:txEffectClrLst/>
+  </dgm:styleLbl>
+  <dgm:styleLbl name="fgAcc4">
+    <dgm:fillClrLst meth="repeat">
+      <a:schemeClr val="lt1">
+        <a:alpha val="90000"/>
+      </a:schemeClr>
+    </dgm:fillClrLst>
+    <dgm:linClrLst>
+      <a:schemeClr val="accent2"/>
+    </dgm:linClrLst>
+    <dgm:effectClrLst/>
+    <dgm:txLinClrLst/>
+    <dgm:txFillClrLst meth="repeat">
+      <a:schemeClr val="dk1"/>
+    </dgm:txFillClrLst>
+    <dgm:txEffectClrLst/>
+  </dgm:styleLbl>
+  <dgm:styleLbl name="bgShp">
+    <dgm:fillClrLst meth="repeat">
+      <a:schemeClr val="bg1">
+        <a:lumMod val="95000"/>
+      </a:schemeClr>
+    </dgm:fillClrLst>
+    <dgm:linClrLst meth="repeat">
+      <a:schemeClr val="dk1"/>
+    </dgm:linClrLst>
+    <dgm:effectClrLst/>
+    <dgm:txLinClrLst/>
+    <dgm:txFillClrLst meth="repeat">
+      <a:schemeClr val="dk1"/>
+    </dgm:txFillClrLst>
+    <dgm:txEffectClrLst/>
+  </dgm:styleLbl>
+  <dgm:styleLbl name="dkBgShp">
+    <dgm:fillClrLst meth="repeat">
+      <a:schemeClr val="accent5">
+        <a:shade val="90000"/>
+      </a:schemeClr>
+    </dgm:fillClrLst>
+    <dgm:linClrLst meth="repeat">
+      <a:schemeClr val="dk1"/>
+    </dgm:linClrLst>
+    <dgm:effectClrLst/>
+    <dgm:txLinClrLst/>
+    <dgm:txFillClrLst meth="repeat">
+      <a:schemeClr val="lt1"/>
+    </dgm:txFillClrLst>
+    <dgm:txEffectClrLst/>
+  </dgm:styleLbl>
+  <dgm:styleLbl name="trBgShp">
+    <dgm:fillClrLst meth="repeat">
+      <a:schemeClr val="accent5">
+        <a:tint val="50000"/>
+        <a:alpha val="40000"/>
+      </a:schemeClr>
+    </dgm:fillClrLst>
+    <dgm:linClrLst meth="repeat">
+      <a:schemeClr val="accent5"/>
+    </dgm:linClrLst>
+    <dgm:effectClrLst/>
+    <dgm:txLinClrLst/>
+    <dgm:txFillClrLst meth="repeat">
+      <a:schemeClr val="lt1"/>
+    </dgm:txFillClrLst>
+    <dgm:txEffectClrLst/>
+  </dgm:styleLbl>
+  <dgm:styleLbl name="fgShp">
+    <dgm:fillClrLst meth="repeat">
+      <a:schemeClr val="accent5">
+        <a:tint val="40000"/>
+      </a:schemeClr>
+    </dgm:fillClrLst>
+    <dgm:linClrLst meth="repeat">
+      <a:schemeClr val="lt1"/>
+    </dgm:linClrLst>
+    <dgm:effectClrLst/>
+    <dgm:txLinClrLst/>
+    <dgm:txFillClrLst meth="repeat">
+      <a:schemeClr val="dk1"/>
+    </dgm:txFillClrLst>
+    <dgm:txEffectClrLst/>
+  </dgm:styleLbl>
+  <dgm:styleLbl name="revTx">
+    <dgm:fillClrLst meth="repeat">
+      <a:schemeClr val="lt1">
+        <a:alpha val="0"/>
+      </a:schemeClr>
+    </dgm:fillClrLst>
+    <dgm:linClrLst meth="repeat">
+      <a:schemeClr val="dk1">
+        <a:alpha val="0"/>
+      </a:schemeClr>
+    </dgm:linClrLst>
+    <dgm:effectClrLst/>
+    <dgm:txLinClrLst/>
+    <dgm:txFillClrLst meth="repeat">
+      <a:schemeClr val="tx1"/>
+    </dgm:txFillClrLst>
+    <dgm:txEffectClrLst/>
+  </dgm:styleLbl>
+</dgm:colorsDef>
+</file>
+
+<file path=ppt/diagrams/data1.xml><?xml version="1.0" encoding="utf-8"?>
+<dgm:dataModel xmlns:dgm="http://schemas.openxmlformats.org/drawingml/2006/diagram" xmlns:a="http://schemas.openxmlformats.org/drawingml/2006/main">
+  <dgm:ptLst>
+    <dgm:pt modelId="{FCB4D9B6-AD36-4A7D-9543-1CC2EE68FC02}" type="doc">
+      <dgm:prSet loTypeId="urn:microsoft.com/office/officeart/2018/2/layout/IconVerticalSolidList" loCatId="icon" qsTypeId="urn:microsoft.com/office/officeart/2005/8/quickstyle/simple1" qsCatId="simple" csTypeId="urn:microsoft.com/office/officeart/2018/5/colors/Iconchunking_neutralbg_colorful5" csCatId="colorful" phldr="1"/>
+      <dgm:spPr/>
+      <dgm:t>
+        <a:bodyPr/>
+        <a:lstStyle/>
+        <a:p>
+          <a:endParaRPr lang="en-US"/>
+        </a:p>
+      </dgm:t>
+    </dgm:pt>
+    <dgm:pt modelId="{F699506D-8456-4907-9533-7546DB8D5714}">
+      <dgm:prSet/>
+      <dgm:spPr/>
+      <dgm:t>
+        <a:bodyPr/>
+        <a:lstStyle/>
+        <a:p>
+          <a:r>
+            <a:rPr lang="de-DE" b="1" i="1" dirty="0"/>
+            <a:t>Proactivenes </a:t>
+          </a:r>
+          <a:r>
+            <a:rPr lang="de-DE" dirty="0"/>
+            <a:t>- </a:t>
+          </a:r>
+          <a:r>
+            <a:rPr lang="en-US" dirty="0"/>
+            <a:t>Work is </a:t>
+          </a:r>
+          <a:r>
+            <a:rPr lang="en-US" b="1" dirty="0"/>
+            <a:t>pulled, </a:t>
+          </a:r>
+          <a:r>
+            <a:rPr lang="en-US" dirty="0"/>
+            <a:t>not pushed</a:t>
+          </a:r>
+        </a:p>
+      </dgm:t>
+    </dgm:pt>
+    <dgm:pt modelId="{FB125A70-4127-4B6D-86E2-BCC9E4E46929}" type="parTrans" cxnId="{44916BB3-7FF2-4B0C-81DE-622607CB5055}">
+      <dgm:prSet/>
+      <dgm:spPr/>
+      <dgm:t>
+        <a:bodyPr/>
+        <a:lstStyle/>
+        <a:p>
+          <a:endParaRPr lang="en-US"/>
+        </a:p>
+      </dgm:t>
+    </dgm:pt>
+    <dgm:pt modelId="{4B42F2F4-98D4-46C5-954F-785DAA2F906A}" type="sibTrans" cxnId="{44916BB3-7FF2-4B0C-81DE-622607CB5055}">
+      <dgm:prSet/>
+      <dgm:spPr/>
+      <dgm:t>
+        <a:bodyPr/>
+        <a:lstStyle/>
+        <a:p>
+          <a:endParaRPr lang="en-US"/>
+        </a:p>
+      </dgm:t>
+    </dgm:pt>
+    <dgm:pt modelId="{C7596033-2122-4208-A62F-DFBA12CC525B}">
+      <dgm:prSet/>
+      <dgm:spPr/>
+      <dgm:t>
+        <a:bodyPr/>
+        <a:lstStyle/>
+        <a:p>
+          <a:r>
+            <a:rPr lang="en-US" b="1" dirty="0"/>
+            <a:t>Transparency</a:t>
+          </a:r>
+          <a:r>
+            <a:rPr lang="en-US" dirty="0"/>
+            <a:t> </a:t>
+          </a:r>
+          <a:r>
+            <a:rPr lang="en-US" b="1" dirty="0"/>
+            <a:t>- </a:t>
+          </a:r>
+          <a:r>
+            <a:rPr lang="en-US" dirty="0"/>
+            <a:t>Workload is </a:t>
+          </a:r>
+          <a:r>
+            <a:rPr lang="en-US" b="1" dirty="0"/>
+            <a:t>transparent, </a:t>
+          </a:r>
+          <a:r>
+            <a:rPr lang="en-US" dirty="0"/>
+            <a:t>so everyone knows who is doing what</a:t>
+          </a:r>
+        </a:p>
+      </dgm:t>
+    </dgm:pt>
+    <dgm:pt modelId="{5CB32057-9097-4C64-8B2F-8267C831AA1A}" type="parTrans" cxnId="{5CA74D5D-0E43-4571-9555-2709546AF12F}">
+      <dgm:prSet/>
+      <dgm:spPr/>
+      <dgm:t>
+        <a:bodyPr/>
+        <a:lstStyle/>
+        <a:p>
+          <a:endParaRPr lang="en-US"/>
+        </a:p>
+      </dgm:t>
+    </dgm:pt>
+    <dgm:pt modelId="{490C83EF-06C0-4FAA-8FFC-886F1E910981}" type="sibTrans" cxnId="{5CA74D5D-0E43-4571-9555-2709546AF12F}">
+      <dgm:prSet/>
+      <dgm:spPr/>
+      <dgm:t>
+        <a:bodyPr/>
+        <a:lstStyle/>
+        <a:p>
+          <a:endParaRPr lang="en-US"/>
+        </a:p>
+      </dgm:t>
+    </dgm:pt>
+    <dgm:pt modelId="{E6DF78A8-9900-4E38-8768-A8490D045D68}">
+      <dgm:prSet/>
+      <dgm:spPr/>
+      <dgm:t>
+        <a:bodyPr/>
+        <a:lstStyle/>
+        <a:p>
+          <a:r>
+            <a:rPr lang="en-US" b="1" i="1" dirty="0"/>
+            <a:t>Definition -</a:t>
+          </a:r>
+          <a:r>
+            <a:rPr lang="en-US" dirty="0"/>
+            <a:t> Everyone </a:t>
+          </a:r>
+          <a:r>
+            <a:rPr lang="en-US" b="1" dirty="0"/>
+            <a:t>defines acceptance criteria </a:t>
+          </a:r>
+          <a:r>
+            <a:rPr lang="en-US" dirty="0"/>
+            <a:t>for each task</a:t>
+          </a:r>
+        </a:p>
+      </dgm:t>
+    </dgm:pt>
+    <dgm:pt modelId="{61197E41-6048-4562-B13D-8180DA3527F0}" type="parTrans" cxnId="{5B20CCD7-75E3-4080-8AC0-721826C22452}">
+      <dgm:prSet/>
+      <dgm:spPr/>
+      <dgm:t>
+        <a:bodyPr/>
+        <a:lstStyle/>
+        <a:p>
+          <a:endParaRPr lang="en-US"/>
+        </a:p>
+      </dgm:t>
+    </dgm:pt>
+    <dgm:pt modelId="{288A6B88-9D09-47A1-BCC8-2E9B574F6883}" type="sibTrans" cxnId="{5B20CCD7-75E3-4080-8AC0-721826C22452}">
+      <dgm:prSet/>
+      <dgm:spPr/>
+      <dgm:t>
+        <a:bodyPr/>
+        <a:lstStyle/>
+        <a:p>
+          <a:endParaRPr lang="en-US"/>
+        </a:p>
+      </dgm:t>
+    </dgm:pt>
+    <dgm:pt modelId="{DAB0FFB5-C145-425E-B13F-2CA9160FD61E}">
+      <dgm:prSet/>
+      <dgm:spPr/>
+      <dgm:t>
+        <a:bodyPr/>
+        <a:lstStyle/>
+        <a:p>
+          <a:r>
+            <a:rPr lang="en-US" b="1" dirty="0"/>
+            <a:t>A</a:t>
+          </a:r>
+          <a:r>
+            <a:rPr lang="en-US" b="1" i="1" dirty="0"/>
+            <a:t>greement -</a:t>
+          </a:r>
+          <a:r>
+            <a:rPr lang="en-US" dirty="0"/>
+            <a:t> Everyone </a:t>
+          </a:r>
+          <a:r>
+            <a:rPr lang="en-US" b="1" dirty="0"/>
+            <a:t>agrees </a:t>
+          </a:r>
+          <a:r>
+            <a:rPr lang="en-US" dirty="0"/>
+            <a:t>that the acceptance </a:t>
+          </a:r>
+          <a:r>
+            <a:rPr lang="en-US" b="1" dirty="0"/>
+            <a:t>criteria have been met</a:t>
+          </a:r>
+          <a:endParaRPr lang="en-US" dirty="0"/>
+        </a:p>
+      </dgm:t>
+    </dgm:pt>
+    <dgm:pt modelId="{5A31CB99-CC3F-403A-8F9D-D398BC33ACC1}" type="parTrans" cxnId="{6A31D09D-318A-4345-91BB-AFA3C5EA314C}">
+      <dgm:prSet/>
+      <dgm:spPr/>
+      <dgm:t>
+        <a:bodyPr/>
+        <a:lstStyle/>
+        <a:p>
+          <a:endParaRPr lang="en-US"/>
+        </a:p>
+      </dgm:t>
+    </dgm:pt>
+    <dgm:pt modelId="{1C85D515-77DA-442F-8878-42BEC3820C0C}" type="sibTrans" cxnId="{6A31D09D-318A-4345-91BB-AFA3C5EA314C}">
+      <dgm:prSet/>
+      <dgm:spPr/>
+      <dgm:t>
+        <a:bodyPr/>
+        <a:lstStyle/>
+        <a:p>
+          <a:endParaRPr lang="en-US"/>
+        </a:p>
+      </dgm:t>
+    </dgm:pt>
+    <dgm:pt modelId="{F8CA0875-C6CD-4A0B-9BC6-244A07D11D41}" type="pres">
+      <dgm:prSet presAssocID="{FCB4D9B6-AD36-4A7D-9543-1CC2EE68FC02}" presName="root" presStyleCnt="0">
+        <dgm:presLayoutVars>
+          <dgm:dir/>
+          <dgm:resizeHandles val="exact"/>
+        </dgm:presLayoutVars>
+      </dgm:prSet>
+      <dgm:spPr/>
+    </dgm:pt>
+    <dgm:pt modelId="{F5C57EE9-0E7B-493B-B549-D81455AB19FB}" type="pres">
+      <dgm:prSet presAssocID="{F699506D-8456-4907-9533-7546DB8D5714}" presName="compNode" presStyleCnt="0"/>
+      <dgm:spPr/>
+    </dgm:pt>
+    <dgm:pt modelId="{BC1E2D9F-37CF-4E3B-BD88-D1CB382684BF}" type="pres">
+      <dgm:prSet presAssocID="{F699506D-8456-4907-9533-7546DB8D5714}" presName="bgRect" presStyleLbl="bgShp" presStyleIdx="0" presStyleCnt="4"/>
+      <dgm:spPr/>
+    </dgm:pt>
+    <dgm:pt modelId="{F4DA324C-C95D-49CA-BFD6-58A6D4FA40BC}" type="pres">
+      <dgm:prSet presAssocID="{F699506D-8456-4907-9533-7546DB8D5714}" presName="iconRect" presStyleLbl="node1" presStyleIdx="0" presStyleCnt="4"/>
+      <dgm:spPr>
+        <a:blipFill>
+          <a:blip xmlns:r="http://schemas.openxmlformats.org/officeDocument/2006/relationships" r:embed="rId1">
+            <a:extLst>
+              <a:ext uri="{28A0092B-C50C-407E-A947-70E740481C1C}">
+                <a14:useLocalDpi xmlns:a14="http://schemas.microsoft.com/office/drawing/2010/main" val="0"/>
+              </a:ext>
+              <a:ext uri="{96DAC541-7B7A-43D3-8B79-37D633B846F1}">
+                <asvg:svgBlip xmlns:asvg="http://schemas.microsoft.com/office/drawing/2016/SVG/main" r:embed="rId2"/>
+              </a:ext>
+            </a:extLst>
+          </a:blip>
+          <a:stretch>
+            <a:fillRect/>
+          </a:stretch>
+        </a:blipFill>
+        <a:ln>
+          <a:noFill/>
+        </a:ln>
+      </dgm:spPr>
+      <dgm:extLst>
+        <a:ext uri="{E40237B7-FDA0-4F09-8148-C483321AD2D9}">
+          <dgm14:cNvPr xmlns:dgm14="http://schemas.microsoft.com/office/drawing/2010/diagram" id="0" name="" descr="No sign"/>
+        </a:ext>
+      </dgm:extLst>
+    </dgm:pt>
+    <dgm:pt modelId="{484411DA-2766-498E-AE7F-BE2D5D02C49A}" type="pres">
+      <dgm:prSet presAssocID="{F699506D-8456-4907-9533-7546DB8D5714}" presName="spaceRect" presStyleCnt="0"/>
+      <dgm:spPr/>
+    </dgm:pt>
+    <dgm:pt modelId="{05C4C673-6D04-4070-932D-DD5111E17BC7}" type="pres">
+      <dgm:prSet presAssocID="{F699506D-8456-4907-9533-7546DB8D5714}" presName="parTx" presStyleLbl="revTx" presStyleIdx="0" presStyleCnt="4">
+        <dgm:presLayoutVars>
+          <dgm:chMax val="0"/>
+          <dgm:chPref val="0"/>
+        </dgm:presLayoutVars>
+      </dgm:prSet>
+      <dgm:spPr/>
+    </dgm:pt>
+    <dgm:pt modelId="{CF264CD3-54E6-42D4-BEA5-9A1A59BE1B92}" type="pres">
+      <dgm:prSet presAssocID="{4B42F2F4-98D4-46C5-954F-785DAA2F906A}" presName="sibTrans" presStyleCnt="0"/>
+      <dgm:spPr/>
+    </dgm:pt>
+    <dgm:pt modelId="{8908748C-E475-4FF1-B708-9536C2161F7D}" type="pres">
+      <dgm:prSet presAssocID="{C7596033-2122-4208-A62F-DFBA12CC525B}" presName="compNode" presStyleCnt="0"/>
+      <dgm:spPr/>
+    </dgm:pt>
+    <dgm:pt modelId="{494B764C-9615-446A-99FF-CBA9C6F14332}" type="pres">
+      <dgm:prSet presAssocID="{C7596033-2122-4208-A62F-DFBA12CC525B}" presName="bgRect" presStyleLbl="bgShp" presStyleIdx="1" presStyleCnt="4"/>
+      <dgm:spPr/>
+    </dgm:pt>
+    <dgm:pt modelId="{F9DABD55-4707-4777-BA24-8CC60965B518}" type="pres">
+      <dgm:prSet presAssocID="{C7596033-2122-4208-A62F-DFBA12CC525B}" presName="iconRect" presStyleLbl="node1" presStyleIdx="1" presStyleCnt="4"/>
+      <dgm:spPr>
+        <a:blipFill>
+          <a:blip xmlns:r="http://schemas.openxmlformats.org/officeDocument/2006/relationships" r:embed="rId3">
+            <a:extLst>
+              <a:ext uri="{28A0092B-C50C-407E-A947-70E740481C1C}">
+                <a14:useLocalDpi xmlns:a14="http://schemas.microsoft.com/office/drawing/2010/main" val="0"/>
+              </a:ext>
+              <a:ext uri="{96DAC541-7B7A-43D3-8B79-37D633B846F1}">
+                <asvg:svgBlip xmlns:asvg="http://schemas.microsoft.com/office/drawing/2016/SVG/main" r:embed="rId4"/>
+              </a:ext>
+            </a:extLst>
+          </a:blip>
+          <a:stretch>
+            <a:fillRect/>
+          </a:stretch>
+        </a:blipFill>
+        <a:ln>
+          <a:noFill/>
+        </a:ln>
+      </dgm:spPr>
+      <dgm:extLst>
+        <a:ext uri="{E40237B7-FDA0-4F09-8148-C483321AD2D9}">
+          <dgm14:cNvPr xmlns:dgm14="http://schemas.microsoft.com/office/drawing/2010/diagram" id="0" name="" descr="Eye"/>
+        </a:ext>
+      </dgm:extLst>
+    </dgm:pt>
+    <dgm:pt modelId="{229932AB-C0D1-4E9C-963C-F765BCB225D2}" type="pres">
+      <dgm:prSet presAssocID="{C7596033-2122-4208-A62F-DFBA12CC525B}" presName="spaceRect" presStyleCnt="0"/>
+      <dgm:spPr/>
+    </dgm:pt>
+    <dgm:pt modelId="{11CA23AC-24E9-4235-9C4E-01967DB4CA3F}" type="pres">
+      <dgm:prSet presAssocID="{C7596033-2122-4208-A62F-DFBA12CC525B}" presName="parTx" presStyleLbl="revTx" presStyleIdx="1" presStyleCnt="4">
+        <dgm:presLayoutVars>
+          <dgm:chMax val="0"/>
+          <dgm:chPref val="0"/>
+        </dgm:presLayoutVars>
+      </dgm:prSet>
+      <dgm:spPr/>
+    </dgm:pt>
+    <dgm:pt modelId="{618FBDC0-759F-46C8-9867-2B6D70228C43}" type="pres">
+      <dgm:prSet presAssocID="{490C83EF-06C0-4FAA-8FFC-886F1E910981}" presName="sibTrans" presStyleCnt="0"/>
+      <dgm:spPr/>
+    </dgm:pt>
+    <dgm:pt modelId="{30D2FBCA-5A53-4519-980F-29FD80387D76}" type="pres">
+      <dgm:prSet presAssocID="{E6DF78A8-9900-4E38-8768-A8490D045D68}" presName="compNode" presStyleCnt="0"/>
+      <dgm:spPr/>
+    </dgm:pt>
+    <dgm:pt modelId="{C008BBB4-B242-4BE8-8217-AEE218AA8064}" type="pres">
+      <dgm:prSet presAssocID="{E6DF78A8-9900-4E38-8768-A8490D045D68}" presName="bgRect" presStyleLbl="bgShp" presStyleIdx="2" presStyleCnt="4"/>
+      <dgm:spPr/>
+    </dgm:pt>
+    <dgm:pt modelId="{2455361C-D865-4D35-A98F-2EF6D6608060}" type="pres">
+      <dgm:prSet presAssocID="{E6DF78A8-9900-4E38-8768-A8490D045D68}" presName="iconRect" presStyleLbl="node1" presStyleIdx="2" presStyleCnt="4"/>
+      <dgm:spPr>
+        <a:blipFill>
+          <a:blip xmlns:r="http://schemas.openxmlformats.org/officeDocument/2006/relationships" r:embed="rId5">
+            <a:extLst>
+              <a:ext uri="{28A0092B-C50C-407E-A947-70E740481C1C}">
+                <a14:useLocalDpi xmlns:a14="http://schemas.microsoft.com/office/drawing/2010/main" val="0"/>
+              </a:ext>
+              <a:ext uri="{96DAC541-7B7A-43D3-8B79-37D633B846F1}">
+                <asvg:svgBlip xmlns:asvg="http://schemas.microsoft.com/office/drawing/2016/SVG/main" r:embed="rId6"/>
+              </a:ext>
+            </a:extLst>
+          </a:blip>
+          <a:stretch>
+            <a:fillRect/>
+          </a:stretch>
+        </a:blipFill>
+        <a:ln>
+          <a:noFill/>
+        </a:ln>
+      </dgm:spPr>
+      <dgm:extLst>
+        <a:ext uri="{E40237B7-FDA0-4F09-8148-C483321AD2D9}">
+          <dgm14:cNvPr xmlns:dgm14="http://schemas.microsoft.com/office/drawing/2010/diagram" id="0" name="" descr="Check List"/>
+        </a:ext>
+      </dgm:extLst>
+    </dgm:pt>
+    <dgm:pt modelId="{06A28CAC-8204-4CBE-84FE-134EB4264190}" type="pres">
+      <dgm:prSet presAssocID="{E6DF78A8-9900-4E38-8768-A8490D045D68}" presName="spaceRect" presStyleCnt="0"/>
+      <dgm:spPr/>
+    </dgm:pt>
+    <dgm:pt modelId="{C0A24584-1CF4-4A3C-89B6-D4CB7E70B36C}" type="pres">
+      <dgm:prSet presAssocID="{E6DF78A8-9900-4E38-8768-A8490D045D68}" presName="parTx" presStyleLbl="revTx" presStyleIdx="2" presStyleCnt="4">
+        <dgm:presLayoutVars>
+          <dgm:chMax val="0"/>
+          <dgm:chPref val="0"/>
+        </dgm:presLayoutVars>
+      </dgm:prSet>
+      <dgm:spPr/>
+    </dgm:pt>
+    <dgm:pt modelId="{DEB72D16-6BB8-43FD-893B-350E0F356B89}" type="pres">
+      <dgm:prSet presAssocID="{288A6B88-9D09-47A1-BCC8-2E9B574F6883}" presName="sibTrans" presStyleCnt="0"/>
+      <dgm:spPr/>
+    </dgm:pt>
+    <dgm:pt modelId="{FF45E670-9A15-450E-B97A-4AD5036DA1A7}" type="pres">
+      <dgm:prSet presAssocID="{DAB0FFB5-C145-425E-B13F-2CA9160FD61E}" presName="compNode" presStyleCnt="0"/>
+      <dgm:spPr/>
+    </dgm:pt>
+    <dgm:pt modelId="{6F8D0481-7561-457A-83E8-B963F74F6241}" type="pres">
+      <dgm:prSet presAssocID="{DAB0FFB5-C145-425E-B13F-2CA9160FD61E}" presName="bgRect" presStyleLbl="bgShp" presStyleIdx="3" presStyleCnt="4"/>
+      <dgm:spPr/>
+    </dgm:pt>
+    <dgm:pt modelId="{535EB860-8D92-4B51-B705-90D07C8D7344}" type="pres">
+      <dgm:prSet presAssocID="{DAB0FFB5-C145-425E-B13F-2CA9160FD61E}" presName="iconRect" presStyleLbl="node1" presStyleIdx="3" presStyleCnt="4"/>
+      <dgm:spPr>
+        <a:blipFill>
+          <a:blip xmlns:r="http://schemas.openxmlformats.org/officeDocument/2006/relationships" r:embed="rId7">
+            <a:extLst>
+              <a:ext uri="{28A0092B-C50C-407E-A947-70E740481C1C}">
+                <a14:useLocalDpi xmlns:a14="http://schemas.microsoft.com/office/drawing/2010/main" val="0"/>
+              </a:ext>
+              <a:ext uri="{96DAC541-7B7A-43D3-8B79-37D633B846F1}">
+                <asvg:svgBlip xmlns:asvg="http://schemas.microsoft.com/office/drawing/2016/SVG/main" r:embed="rId8"/>
+              </a:ext>
+            </a:extLst>
+          </a:blip>
+          <a:stretch>
+            <a:fillRect/>
+          </a:stretch>
+        </a:blipFill>
+        <a:ln>
+          <a:noFill/>
+        </a:ln>
+      </dgm:spPr>
+      <dgm:extLst>
+        <a:ext uri="{E40237B7-FDA0-4F09-8148-C483321AD2D9}">
+          <dgm14:cNvPr xmlns:dgm14="http://schemas.microsoft.com/office/drawing/2010/diagram" id="0" name="" descr="Contract"/>
+        </a:ext>
+      </dgm:extLst>
+    </dgm:pt>
+    <dgm:pt modelId="{2D83BECF-4687-43D6-88EA-40973BF79CEE}" type="pres">
+      <dgm:prSet presAssocID="{DAB0FFB5-C145-425E-B13F-2CA9160FD61E}" presName="spaceRect" presStyleCnt="0"/>
+      <dgm:spPr/>
+    </dgm:pt>
+    <dgm:pt modelId="{26DAB68E-2DEE-4B25-827A-F8BE3D9CC68F}" type="pres">
+      <dgm:prSet presAssocID="{DAB0FFB5-C145-425E-B13F-2CA9160FD61E}" presName="parTx" presStyleLbl="revTx" presStyleIdx="3" presStyleCnt="4">
+        <dgm:presLayoutVars>
+          <dgm:chMax val="0"/>
+          <dgm:chPref val="0"/>
+        </dgm:presLayoutVars>
+      </dgm:prSet>
+      <dgm:spPr/>
+    </dgm:pt>
+  </dgm:ptLst>
+  <dgm:cxnLst>
+    <dgm:cxn modelId="{E571901A-C79E-4D50-89D6-88D48736DA94}" type="presOf" srcId="{E6DF78A8-9900-4E38-8768-A8490D045D68}" destId="{C0A24584-1CF4-4A3C-89B6-D4CB7E70B36C}" srcOrd="0" destOrd="0" presId="urn:microsoft.com/office/officeart/2018/2/layout/IconVerticalSolidList"/>
+    <dgm:cxn modelId="{A0B84A31-D7BC-4E00-BFCD-13EC59392D4C}" type="presOf" srcId="{DAB0FFB5-C145-425E-B13F-2CA9160FD61E}" destId="{26DAB68E-2DEE-4B25-827A-F8BE3D9CC68F}" srcOrd="0" destOrd="0" presId="urn:microsoft.com/office/officeart/2018/2/layout/IconVerticalSolidList"/>
+    <dgm:cxn modelId="{5CA74D5D-0E43-4571-9555-2709546AF12F}" srcId="{FCB4D9B6-AD36-4A7D-9543-1CC2EE68FC02}" destId="{C7596033-2122-4208-A62F-DFBA12CC525B}" srcOrd="1" destOrd="0" parTransId="{5CB32057-9097-4C64-8B2F-8267C831AA1A}" sibTransId="{490C83EF-06C0-4FAA-8FFC-886F1E910981}"/>
+    <dgm:cxn modelId="{DF229D42-513D-44D0-9126-E7F3AB2D5E53}" type="presOf" srcId="{FCB4D9B6-AD36-4A7D-9543-1CC2EE68FC02}" destId="{F8CA0875-C6CD-4A0B-9BC6-244A07D11D41}" srcOrd="0" destOrd="0" presId="urn:microsoft.com/office/officeart/2018/2/layout/IconVerticalSolidList"/>
+    <dgm:cxn modelId="{3654A250-F591-447B-879C-4B83982DEEA9}" type="presOf" srcId="{C7596033-2122-4208-A62F-DFBA12CC525B}" destId="{11CA23AC-24E9-4235-9C4E-01967DB4CA3F}" srcOrd="0" destOrd="0" presId="urn:microsoft.com/office/officeart/2018/2/layout/IconVerticalSolidList"/>
+    <dgm:cxn modelId="{ACAFF795-1FE5-409A-8EBE-DE8961D717D2}" type="presOf" srcId="{F699506D-8456-4907-9533-7546DB8D5714}" destId="{05C4C673-6D04-4070-932D-DD5111E17BC7}" srcOrd="0" destOrd="0" presId="urn:microsoft.com/office/officeart/2018/2/layout/IconVerticalSolidList"/>
+    <dgm:cxn modelId="{6A31D09D-318A-4345-91BB-AFA3C5EA314C}" srcId="{FCB4D9B6-AD36-4A7D-9543-1CC2EE68FC02}" destId="{DAB0FFB5-C145-425E-B13F-2CA9160FD61E}" srcOrd="3" destOrd="0" parTransId="{5A31CB99-CC3F-403A-8F9D-D398BC33ACC1}" sibTransId="{1C85D515-77DA-442F-8878-42BEC3820C0C}"/>
+    <dgm:cxn modelId="{44916BB3-7FF2-4B0C-81DE-622607CB5055}" srcId="{FCB4D9B6-AD36-4A7D-9543-1CC2EE68FC02}" destId="{F699506D-8456-4907-9533-7546DB8D5714}" srcOrd="0" destOrd="0" parTransId="{FB125A70-4127-4B6D-86E2-BCC9E4E46929}" sibTransId="{4B42F2F4-98D4-46C5-954F-785DAA2F906A}"/>
+    <dgm:cxn modelId="{5B20CCD7-75E3-4080-8AC0-721826C22452}" srcId="{FCB4D9B6-AD36-4A7D-9543-1CC2EE68FC02}" destId="{E6DF78A8-9900-4E38-8768-A8490D045D68}" srcOrd="2" destOrd="0" parTransId="{61197E41-6048-4562-B13D-8180DA3527F0}" sibTransId="{288A6B88-9D09-47A1-BCC8-2E9B574F6883}"/>
+    <dgm:cxn modelId="{A9DFC25D-AFC1-4FC7-B07D-95CBF744D901}" type="presParOf" srcId="{F8CA0875-C6CD-4A0B-9BC6-244A07D11D41}" destId="{F5C57EE9-0E7B-493B-B549-D81455AB19FB}" srcOrd="0" destOrd="0" presId="urn:microsoft.com/office/officeart/2018/2/layout/IconVerticalSolidList"/>
+    <dgm:cxn modelId="{E8209322-D1E4-41D4-96AE-FC98DCBB86E3}" type="presParOf" srcId="{F5C57EE9-0E7B-493B-B549-D81455AB19FB}" destId="{BC1E2D9F-37CF-4E3B-BD88-D1CB382684BF}" srcOrd="0" destOrd="0" presId="urn:microsoft.com/office/officeart/2018/2/layout/IconVerticalSolidList"/>
+    <dgm:cxn modelId="{01428A30-CAE2-43D6-BEE5-41AB00E5065C}" type="presParOf" srcId="{F5C57EE9-0E7B-493B-B549-D81455AB19FB}" destId="{F4DA324C-C95D-49CA-BFD6-58A6D4FA40BC}" srcOrd="1" destOrd="0" presId="urn:microsoft.com/office/officeart/2018/2/layout/IconVerticalSolidList"/>
+    <dgm:cxn modelId="{461D02D5-AA59-4E97-BEE3-710623F00A44}" type="presParOf" srcId="{F5C57EE9-0E7B-493B-B549-D81455AB19FB}" destId="{484411DA-2766-498E-AE7F-BE2D5D02C49A}" srcOrd="2" destOrd="0" presId="urn:microsoft.com/office/officeart/2018/2/layout/IconVerticalSolidList"/>
+    <dgm:cxn modelId="{6F7422CD-B86F-470D-A17D-0AD0669D8E79}" type="presParOf" srcId="{F5C57EE9-0E7B-493B-B549-D81455AB19FB}" destId="{05C4C673-6D04-4070-932D-DD5111E17BC7}" srcOrd="3" destOrd="0" presId="urn:microsoft.com/office/officeart/2018/2/layout/IconVerticalSolidList"/>
+    <dgm:cxn modelId="{81E3D3AD-953C-4211-BB15-C95F3FFECF4E}" type="presParOf" srcId="{F8CA0875-C6CD-4A0B-9BC6-244A07D11D41}" destId="{CF264CD3-54E6-42D4-BEA5-9A1A59BE1B92}" srcOrd="1" destOrd="0" presId="urn:microsoft.com/office/officeart/2018/2/layout/IconVerticalSolidList"/>
+    <dgm:cxn modelId="{900FD791-D04A-4173-B73F-BC2294C11C26}" type="presParOf" srcId="{F8CA0875-C6CD-4A0B-9BC6-244A07D11D41}" destId="{8908748C-E475-4FF1-B708-9536C2161F7D}" srcOrd="2" destOrd="0" presId="urn:microsoft.com/office/officeart/2018/2/layout/IconVerticalSolidList"/>
+    <dgm:cxn modelId="{60CCDA8F-3864-4983-8C57-542F659BC0AC}" type="presParOf" srcId="{8908748C-E475-4FF1-B708-9536C2161F7D}" destId="{494B764C-9615-446A-99FF-CBA9C6F14332}" srcOrd="0" destOrd="0" presId="urn:microsoft.com/office/officeart/2018/2/layout/IconVerticalSolidList"/>
+    <dgm:cxn modelId="{8D545EB1-1054-47AA-8D99-0FE500F2711F}" type="presParOf" srcId="{8908748C-E475-4FF1-B708-9536C2161F7D}" destId="{F9DABD55-4707-4777-BA24-8CC60965B518}" srcOrd="1" destOrd="0" presId="urn:microsoft.com/office/officeart/2018/2/layout/IconVerticalSolidList"/>
+    <dgm:cxn modelId="{D34EF7CB-1B86-47A9-A157-B57FC88AD9C3}" type="presParOf" srcId="{8908748C-E475-4FF1-B708-9536C2161F7D}" destId="{229932AB-C0D1-4E9C-963C-F765BCB225D2}" srcOrd="2" destOrd="0" presId="urn:microsoft.com/office/officeart/2018/2/layout/IconVerticalSolidList"/>
+    <dgm:cxn modelId="{176A42D7-5512-416E-9F63-DDAB9E156CD5}" type="presParOf" srcId="{8908748C-E475-4FF1-B708-9536C2161F7D}" destId="{11CA23AC-24E9-4235-9C4E-01967DB4CA3F}" srcOrd="3" destOrd="0" presId="urn:microsoft.com/office/officeart/2018/2/layout/IconVerticalSolidList"/>
+    <dgm:cxn modelId="{07436182-E4AD-4F36-A9B9-C30AB2521BAD}" type="presParOf" srcId="{F8CA0875-C6CD-4A0B-9BC6-244A07D11D41}" destId="{618FBDC0-759F-46C8-9867-2B6D70228C43}" srcOrd="3" destOrd="0" presId="urn:microsoft.com/office/officeart/2018/2/layout/IconVerticalSolidList"/>
+    <dgm:cxn modelId="{BA779B84-1E20-4679-B00B-FC34AB7BF44D}" type="presParOf" srcId="{F8CA0875-C6CD-4A0B-9BC6-244A07D11D41}" destId="{30D2FBCA-5A53-4519-980F-29FD80387D76}" srcOrd="4" destOrd="0" presId="urn:microsoft.com/office/officeart/2018/2/layout/IconVerticalSolidList"/>
+    <dgm:cxn modelId="{55342E76-4613-4655-A495-682D4DD1D575}" type="presParOf" srcId="{30D2FBCA-5A53-4519-980F-29FD80387D76}" destId="{C008BBB4-B242-4BE8-8217-AEE218AA8064}" srcOrd="0" destOrd="0" presId="urn:microsoft.com/office/officeart/2018/2/layout/IconVerticalSolidList"/>
+    <dgm:cxn modelId="{A56D1D5F-37D1-4ACE-8947-69E8CBA66435}" type="presParOf" srcId="{30D2FBCA-5A53-4519-980F-29FD80387D76}" destId="{2455361C-D865-4D35-A98F-2EF6D6608060}" srcOrd="1" destOrd="0" presId="urn:microsoft.com/office/officeart/2018/2/layout/IconVerticalSolidList"/>
+    <dgm:cxn modelId="{4F1B6DDF-6B88-4763-9BC8-AAE9933B2757}" type="presParOf" srcId="{30D2FBCA-5A53-4519-980F-29FD80387D76}" destId="{06A28CAC-8204-4CBE-84FE-134EB4264190}" srcOrd="2" destOrd="0" presId="urn:microsoft.com/office/officeart/2018/2/layout/IconVerticalSolidList"/>
+    <dgm:cxn modelId="{656ECFF1-69B0-43FA-8D00-70675A408903}" type="presParOf" srcId="{30D2FBCA-5A53-4519-980F-29FD80387D76}" destId="{C0A24584-1CF4-4A3C-89B6-D4CB7E70B36C}" srcOrd="3" destOrd="0" presId="urn:microsoft.com/office/officeart/2018/2/layout/IconVerticalSolidList"/>
+    <dgm:cxn modelId="{9772B496-B022-4C6D-BAF1-EBF9DEBC4F92}" type="presParOf" srcId="{F8CA0875-C6CD-4A0B-9BC6-244A07D11D41}" destId="{DEB72D16-6BB8-43FD-893B-350E0F356B89}" srcOrd="5" destOrd="0" presId="urn:microsoft.com/office/officeart/2018/2/layout/IconVerticalSolidList"/>
+    <dgm:cxn modelId="{4E06BEAE-E32F-48D5-ACC7-E33FC3227F3F}" type="presParOf" srcId="{F8CA0875-C6CD-4A0B-9BC6-244A07D11D41}" destId="{FF45E670-9A15-450E-B97A-4AD5036DA1A7}" srcOrd="6" destOrd="0" presId="urn:microsoft.com/office/officeart/2018/2/layout/IconVerticalSolidList"/>
+    <dgm:cxn modelId="{251F1B1C-FE23-4709-BAEF-C9CC75F79DD6}" type="presParOf" srcId="{FF45E670-9A15-450E-B97A-4AD5036DA1A7}" destId="{6F8D0481-7561-457A-83E8-B963F74F6241}" srcOrd="0" destOrd="0" presId="urn:microsoft.com/office/officeart/2018/2/layout/IconVerticalSolidList"/>
+    <dgm:cxn modelId="{8FBD2927-8496-4229-8C54-93951D082A12}" type="presParOf" srcId="{FF45E670-9A15-450E-B97A-4AD5036DA1A7}" destId="{535EB860-8D92-4B51-B705-90D07C8D7344}" srcOrd="1" destOrd="0" presId="urn:microsoft.com/office/officeart/2018/2/layout/IconVerticalSolidList"/>
+    <dgm:cxn modelId="{62595777-43A9-4BA0-BDB4-A9F357AF475D}" type="presParOf" srcId="{FF45E670-9A15-450E-B97A-4AD5036DA1A7}" destId="{2D83BECF-4687-43D6-88EA-40973BF79CEE}" srcOrd="2" destOrd="0" presId="urn:microsoft.com/office/officeart/2018/2/layout/IconVerticalSolidList"/>
+    <dgm:cxn modelId="{950BD8CC-AA78-4524-9D98-22D33B47E1A2}" type="presParOf" srcId="{FF45E670-9A15-450E-B97A-4AD5036DA1A7}" destId="{26DAB68E-2DEE-4B25-827A-F8BE3D9CC68F}" srcOrd="3" destOrd="0" presId="urn:microsoft.com/office/officeart/2018/2/layout/IconVerticalSolidList"/>
+  </dgm:cxnLst>
+  <dgm:bg/>
+  <dgm:whole/>
+  <dgm:extLst>
+    <a:ext uri="http://schemas.microsoft.com/office/drawing/2008/diagram">
+      <dsp:dataModelExt xmlns:dsp="http://schemas.microsoft.com/office/drawing/2008/diagram" relId="rId6" minVer="http://schemas.openxmlformats.org/drawingml/2006/diagram"/>
+    </a:ext>
+  </dgm:extLst>
+</dgm:dataModel>
+</file>
+
+<file path=ppt/diagrams/drawing1.xml><?xml version="1.0" encoding="utf-8"?>
+<dsp:drawing xmlns:dgm="http://schemas.openxmlformats.org/drawingml/2006/diagram" xmlns:dsp="http://schemas.microsoft.com/office/drawing/2008/diagram" xmlns:a="http://schemas.openxmlformats.org/drawingml/2006/main">
+  <dsp:spTree>
+    <dsp:nvGrpSpPr>
+      <dsp:cNvPr id="0" name=""/>
+      <dsp:cNvGrpSpPr/>
+    </dsp:nvGrpSpPr>
+    <dsp:grpSpPr/>
+    <dsp:sp modelId="{BC1E2D9F-37CF-4E3B-BD88-D1CB382684BF}">
+      <dsp:nvSpPr>
+        <dsp:cNvPr id="0" name=""/>
+        <dsp:cNvSpPr/>
+      </dsp:nvSpPr>
+      <dsp:spPr>
+        <a:xfrm>
+          <a:off x="0" y="2284"/>
+          <a:ext cx="6263640" cy="1157919"/>
+        </a:xfrm>
+        <a:prstGeom prst="roundRect">
+          <a:avLst>
+            <a:gd name="adj" fmla="val 10000"/>
+          </a:avLst>
+        </a:prstGeom>
+        <a:solidFill>
+          <a:schemeClr val="bg1">
+            <a:lumMod val="95000"/>
+            <a:hueOff val="0"/>
+            <a:satOff val="0"/>
+            <a:lumOff val="0"/>
+            <a:alphaOff val="0"/>
+          </a:schemeClr>
+        </a:solidFill>
+        <a:ln>
+          <a:noFill/>
+        </a:ln>
+        <a:effectLst/>
+      </dsp:spPr>
+      <dsp:style>
+        <a:lnRef idx="0">
+          <a:scrgbClr r="0" g="0" b="0"/>
+        </a:lnRef>
+        <a:fillRef idx="1">
+          <a:scrgbClr r="0" g="0" b="0"/>
+        </a:fillRef>
+        <a:effectRef idx="0">
+          <a:scrgbClr r="0" g="0" b="0"/>
+        </a:effectRef>
+        <a:fontRef idx="minor"/>
+      </dsp:style>
+    </dsp:sp>
+    <dsp:sp modelId="{F4DA324C-C95D-49CA-BFD6-58A6D4FA40BC}">
+      <dsp:nvSpPr>
+        <dsp:cNvPr id="0" name=""/>
+        <dsp:cNvSpPr/>
+      </dsp:nvSpPr>
+      <dsp:spPr>
+        <a:xfrm>
+          <a:off x="350270" y="262816"/>
+          <a:ext cx="636855" cy="636855"/>
+        </a:xfrm>
+        <a:prstGeom prst="rect">
+          <a:avLst/>
+        </a:prstGeom>
+        <a:blipFill>
+          <a:blip xmlns:r="http://schemas.openxmlformats.org/officeDocument/2006/relationships" r:embed="rId1">
+            <a:extLst>
+              <a:ext uri="{28A0092B-C50C-407E-A947-70E740481C1C}">
+                <a14:useLocalDpi xmlns:a14="http://schemas.microsoft.com/office/drawing/2010/main" val="0"/>
+              </a:ext>
+              <a:ext uri="{96DAC541-7B7A-43D3-8B79-37D633B846F1}">
+                <asvg:svgBlip xmlns:asvg="http://schemas.microsoft.com/office/drawing/2016/SVG/main" r:embed="rId2"/>
+              </a:ext>
+            </a:extLst>
+          </a:blip>
+          <a:stretch>
+            <a:fillRect/>
+          </a:stretch>
+        </a:blipFill>
+        <a:ln w="12700" cap="flat" cmpd="sng" algn="ctr">
+          <a:noFill/>
+          <a:prstDash val="solid"/>
+          <a:miter lim="800000"/>
+        </a:ln>
+        <a:effectLst/>
+      </dsp:spPr>
+      <dsp:style>
+        <a:lnRef idx="2">
+          <a:scrgbClr r="0" g="0" b="0"/>
+        </a:lnRef>
+        <a:fillRef idx="1">
+          <a:scrgbClr r="0" g="0" b="0"/>
+        </a:fillRef>
+        <a:effectRef idx="0">
+          <a:scrgbClr r="0" g="0" b="0"/>
+        </a:effectRef>
+        <a:fontRef idx="minor">
+          <a:schemeClr val="lt1"/>
+        </a:fontRef>
+      </dsp:style>
+    </dsp:sp>
+    <dsp:sp modelId="{05C4C673-6D04-4070-932D-DD5111E17BC7}">
+      <dsp:nvSpPr>
+        <dsp:cNvPr id="0" name=""/>
+        <dsp:cNvSpPr/>
+      </dsp:nvSpPr>
+      <dsp:spPr>
+        <a:xfrm>
+          <a:off x="1337397" y="2284"/>
+          <a:ext cx="4926242" cy="1157919"/>
+        </a:xfrm>
+        <a:prstGeom prst="rect">
+          <a:avLst/>
+        </a:prstGeom>
+        <a:noFill/>
+        <a:ln>
+          <a:noFill/>
+        </a:ln>
+        <a:effectLst/>
+      </dsp:spPr>
+      <dsp:style>
+        <a:lnRef idx="0">
+          <a:scrgbClr r="0" g="0" b="0"/>
+        </a:lnRef>
+        <a:fillRef idx="0">
+          <a:scrgbClr r="0" g="0" b="0"/>
+        </a:fillRef>
+        <a:effectRef idx="0">
+          <a:scrgbClr r="0" g="0" b="0"/>
+        </a:effectRef>
+        <a:fontRef idx="minor"/>
+      </dsp:style>
+      <dsp:txBody>
+        <a:bodyPr spcFirstLastPara="0" vert="horz" wrap="square" lIns="122547" tIns="122547" rIns="122547" bIns="122547" numCol="1" spcCol="1270" anchor="ctr" anchorCtr="0">
+          <a:noAutofit/>
+        </a:bodyPr>
+        <a:lstStyle/>
+        <a:p>
+          <a:pPr marL="0" lvl="0" indent="0" algn="l" defTabSz="977900">
+            <a:lnSpc>
+              <a:spcPct val="90000"/>
+            </a:lnSpc>
+            <a:spcBef>
+              <a:spcPct val="0"/>
+            </a:spcBef>
+            <a:spcAft>
+              <a:spcPct val="35000"/>
+            </a:spcAft>
+            <a:buNone/>
+          </a:pPr>
+          <a:r>
+            <a:rPr lang="de-DE" sz="2200" b="1" i="1" kern="1200" dirty="0"/>
+            <a:t>Proactivenes </a:t>
+          </a:r>
+          <a:r>
+            <a:rPr lang="de-DE" sz="2200" kern="1200" dirty="0"/>
+            <a:t>- </a:t>
+          </a:r>
+          <a:r>
+            <a:rPr lang="en-US" sz="2200" kern="1200" dirty="0"/>
+            <a:t>Work is </a:t>
+          </a:r>
+          <a:r>
+            <a:rPr lang="en-US" sz="2200" b="1" kern="1200" dirty="0"/>
+            <a:t>pulled, </a:t>
+          </a:r>
+          <a:r>
+            <a:rPr lang="en-US" sz="2200" kern="1200" dirty="0"/>
+            <a:t>not pushed</a:t>
+          </a:r>
+        </a:p>
+      </dsp:txBody>
+      <dsp:txXfrm>
+        <a:off x="1337397" y="2284"/>
+        <a:ext cx="4926242" cy="1157919"/>
+      </dsp:txXfrm>
+    </dsp:sp>
+    <dsp:sp modelId="{494B764C-9615-446A-99FF-CBA9C6F14332}">
+      <dsp:nvSpPr>
+        <dsp:cNvPr id="0" name=""/>
+        <dsp:cNvSpPr/>
+      </dsp:nvSpPr>
+      <dsp:spPr>
+        <a:xfrm>
+          <a:off x="0" y="1449684"/>
+          <a:ext cx="6263640" cy="1157919"/>
+        </a:xfrm>
+        <a:prstGeom prst="roundRect">
+          <a:avLst>
+            <a:gd name="adj" fmla="val 10000"/>
+          </a:avLst>
+        </a:prstGeom>
+        <a:solidFill>
+          <a:schemeClr val="bg1">
+            <a:lumMod val="95000"/>
+            <a:hueOff val="0"/>
+            <a:satOff val="0"/>
+            <a:lumOff val="0"/>
+            <a:alphaOff val="0"/>
+          </a:schemeClr>
+        </a:solidFill>
+        <a:ln>
+          <a:noFill/>
+        </a:ln>
+        <a:effectLst/>
+      </dsp:spPr>
+      <dsp:style>
+        <a:lnRef idx="0">
+          <a:scrgbClr r="0" g="0" b="0"/>
+        </a:lnRef>
+        <a:fillRef idx="1">
+          <a:scrgbClr r="0" g="0" b="0"/>
+        </a:fillRef>
+        <a:effectRef idx="0">
+          <a:scrgbClr r="0" g="0" b="0"/>
+        </a:effectRef>
+        <a:fontRef idx="minor"/>
+      </dsp:style>
+    </dsp:sp>
+    <dsp:sp modelId="{F9DABD55-4707-4777-BA24-8CC60965B518}">
+      <dsp:nvSpPr>
+        <dsp:cNvPr id="0" name=""/>
+        <dsp:cNvSpPr/>
+      </dsp:nvSpPr>
+      <dsp:spPr>
+        <a:xfrm>
+          <a:off x="350270" y="1710216"/>
+          <a:ext cx="636855" cy="636855"/>
+        </a:xfrm>
+        <a:prstGeom prst="rect">
+          <a:avLst/>
+        </a:prstGeom>
+        <a:blipFill>
+          <a:blip xmlns:r="http://schemas.openxmlformats.org/officeDocument/2006/relationships" r:embed="rId3">
+            <a:extLst>
+              <a:ext uri="{28A0092B-C50C-407E-A947-70E740481C1C}">
+                <a14:useLocalDpi xmlns:a14="http://schemas.microsoft.com/office/drawing/2010/main" val="0"/>
+              </a:ext>
+              <a:ext uri="{96DAC541-7B7A-43D3-8B79-37D633B846F1}">
+                <asvg:svgBlip xmlns:asvg="http://schemas.microsoft.com/office/drawing/2016/SVG/main" r:embed="rId4"/>
+              </a:ext>
+            </a:extLst>
+          </a:blip>
+          <a:stretch>
+            <a:fillRect/>
+          </a:stretch>
+        </a:blipFill>
+        <a:ln w="12700" cap="flat" cmpd="sng" algn="ctr">
+          <a:noFill/>
+          <a:prstDash val="solid"/>
+          <a:miter lim="800000"/>
+        </a:ln>
+        <a:effectLst/>
+      </dsp:spPr>
+      <dsp:style>
+        <a:lnRef idx="2">
+          <a:scrgbClr r="0" g="0" b="0"/>
+        </a:lnRef>
+        <a:fillRef idx="1">
+          <a:scrgbClr r="0" g="0" b="0"/>
+        </a:fillRef>
+        <a:effectRef idx="0">
+          <a:scrgbClr r="0" g="0" b="0"/>
+        </a:effectRef>
+        <a:fontRef idx="minor">
+          <a:schemeClr val="lt1"/>
+        </a:fontRef>
+      </dsp:style>
+    </dsp:sp>
+    <dsp:sp modelId="{11CA23AC-24E9-4235-9C4E-01967DB4CA3F}">
+      <dsp:nvSpPr>
+        <dsp:cNvPr id="0" name=""/>
+        <dsp:cNvSpPr/>
+      </dsp:nvSpPr>
+      <dsp:spPr>
+        <a:xfrm>
+          <a:off x="1337397" y="1449684"/>
+          <a:ext cx="4926242" cy="1157919"/>
+        </a:xfrm>
+        <a:prstGeom prst="rect">
+          <a:avLst/>
+        </a:prstGeom>
+        <a:noFill/>
+        <a:ln>
+          <a:noFill/>
+        </a:ln>
+        <a:effectLst/>
+      </dsp:spPr>
+      <dsp:style>
+        <a:lnRef idx="0">
+          <a:scrgbClr r="0" g="0" b="0"/>
+        </a:lnRef>
+        <a:fillRef idx="0">
+          <a:scrgbClr r="0" g="0" b="0"/>
+        </a:fillRef>
+        <a:effectRef idx="0">
+          <a:scrgbClr r="0" g="0" b="0"/>
+        </a:effectRef>
+        <a:fontRef idx="minor"/>
+      </dsp:style>
+      <dsp:txBody>
+        <a:bodyPr spcFirstLastPara="0" vert="horz" wrap="square" lIns="122547" tIns="122547" rIns="122547" bIns="122547" numCol="1" spcCol="1270" anchor="ctr" anchorCtr="0">
+          <a:noAutofit/>
+        </a:bodyPr>
+        <a:lstStyle/>
+        <a:p>
+          <a:pPr marL="0" lvl="0" indent="0" algn="l" defTabSz="977900">
+            <a:lnSpc>
+              <a:spcPct val="90000"/>
+            </a:lnSpc>
+            <a:spcBef>
+              <a:spcPct val="0"/>
+            </a:spcBef>
+            <a:spcAft>
+              <a:spcPct val="35000"/>
+            </a:spcAft>
+            <a:buNone/>
+          </a:pPr>
+          <a:r>
+            <a:rPr lang="en-US" sz="2200" b="1" kern="1200" dirty="0"/>
+            <a:t>Transparency</a:t>
+          </a:r>
+          <a:r>
+            <a:rPr lang="en-US" sz="2200" kern="1200" dirty="0"/>
+            <a:t> </a:t>
+          </a:r>
+          <a:r>
+            <a:rPr lang="en-US" sz="2200" b="1" kern="1200" dirty="0"/>
+            <a:t>- </a:t>
+          </a:r>
+          <a:r>
+            <a:rPr lang="en-US" sz="2200" kern="1200" dirty="0"/>
+            <a:t>Workload is </a:t>
+          </a:r>
+          <a:r>
+            <a:rPr lang="en-US" sz="2200" b="1" kern="1200" dirty="0"/>
+            <a:t>transparent, </a:t>
+          </a:r>
+          <a:r>
+            <a:rPr lang="en-US" sz="2200" kern="1200" dirty="0"/>
+            <a:t>so everyone knows who is doing what</a:t>
+          </a:r>
+        </a:p>
+      </dsp:txBody>
+      <dsp:txXfrm>
+        <a:off x="1337397" y="1449684"/>
+        <a:ext cx="4926242" cy="1157919"/>
+      </dsp:txXfrm>
+    </dsp:sp>
+    <dsp:sp modelId="{C008BBB4-B242-4BE8-8217-AEE218AA8064}">
+      <dsp:nvSpPr>
+        <dsp:cNvPr id="0" name=""/>
+        <dsp:cNvSpPr/>
+      </dsp:nvSpPr>
+      <dsp:spPr>
+        <a:xfrm>
+          <a:off x="0" y="2897083"/>
+          <a:ext cx="6263640" cy="1157919"/>
+        </a:xfrm>
+        <a:prstGeom prst="roundRect">
+          <a:avLst>
+            <a:gd name="adj" fmla="val 10000"/>
+          </a:avLst>
+        </a:prstGeom>
+        <a:solidFill>
+          <a:schemeClr val="bg1">
+            <a:lumMod val="95000"/>
+            <a:hueOff val="0"/>
+            <a:satOff val="0"/>
+            <a:lumOff val="0"/>
+            <a:alphaOff val="0"/>
+          </a:schemeClr>
+        </a:solidFill>
+        <a:ln>
+          <a:noFill/>
+        </a:ln>
+        <a:effectLst/>
+      </dsp:spPr>
+      <dsp:style>
+        <a:lnRef idx="0">
+          <a:scrgbClr r="0" g="0" b="0"/>
+        </a:lnRef>
+        <a:fillRef idx="1">
+          <a:scrgbClr r="0" g="0" b="0"/>
+        </a:fillRef>
+        <a:effectRef idx="0">
+          <a:scrgbClr r="0" g="0" b="0"/>
+        </a:effectRef>
+        <a:fontRef idx="minor"/>
+      </dsp:style>
+    </dsp:sp>
+    <dsp:sp modelId="{2455361C-D865-4D35-A98F-2EF6D6608060}">
+      <dsp:nvSpPr>
+        <dsp:cNvPr id="0" name=""/>
+        <dsp:cNvSpPr/>
+      </dsp:nvSpPr>
+      <dsp:spPr>
+        <a:xfrm>
+          <a:off x="350270" y="3157615"/>
+          <a:ext cx="636855" cy="636855"/>
+        </a:xfrm>
+        <a:prstGeom prst="rect">
+          <a:avLst/>
+        </a:prstGeom>
+        <a:blipFill>
+          <a:blip xmlns:r="http://schemas.openxmlformats.org/officeDocument/2006/relationships" r:embed="rId5">
+            <a:extLst>
+              <a:ext uri="{28A0092B-C50C-407E-A947-70E740481C1C}">
+                <a14:useLocalDpi xmlns:a14="http://schemas.microsoft.com/office/drawing/2010/main" val="0"/>
+              </a:ext>
+              <a:ext uri="{96DAC541-7B7A-43D3-8B79-37D633B846F1}">
+                <asvg:svgBlip xmlns:asvg="http://schemas.microsoft.com/office/drawing/2016/SVG/main" r:embed="rId6"/>
+              </a:ext>
+            </a:extLst>
+          </a:blip>
+          <a:stretch>
+            <a:fillRect/>
+          </a:stretch>
+        </a:blipFill>
+        <a:ln w="12700" cap="flat" cmpd="sng" algn="ctr">
+          <a:noFill/>
+          <a:prstDash val="solid"/>
+          <a:miter lim="800000"/>
+        </a:ln>
+        <a:effectLst/>
+      </dsp:spPr>
+      <dsp:style>
+        <a:lnRef idx="2">
+          <a:scrgbClr r="0" g="0" b="0"/>
+        </a:lnRef>
+        <a:fillRef idx="1">
+          <a:scrgbClr r="0" g="0" b="0"/>
+        </a:fillRef>
+        <a:effectRef idx="0">
+          <a:scrgbClr r="0" g="0" b="0"/>
+        </a:effectRef>
+        <a:fontRef idx="minor">
+          <a:schemeClr val="lt1"/>
+        </a:fontRef>
+      </dsp:style>
+    </dsp:sp>
+    <dsp:sp modelId="{C0A24584-1CF4-4A3C-89B6-D4CB7E70B36C}">
+      <dsp:nvSpPr>
+        <dsp:cNvPr id="0" name=""/>
+        <dsp:cNvSpPr/>
+      </dsp:nvSpPr>
+      <dsp:spPr>
+        <a:xfrm>
+          <a:off x="1337397" y="2897083"/>
+          <a:ext cx="4926242" cy="1157919"/>
+        </a:xfrm>
+        <a:prstGeom prst="rect">
+          <a:avLst/>
+        </a:prstGeom>
+        <a:noFill/>
+        <a:ln>
+          <a:noFill/>
+        </a:ln>
+        <a:effectLst/>
+      </dsp:spPr>
+      <dsp:style>
+        <a:lnRef idx="0">
+          <a:scrgbClr r="0" g="0" b="0"/>
+        </a:lnRef>
+        <a:fillRef idx="0">
+          <a:scrgbClr r="0" g="0" b="0"/>
+        </a:fillRef>
+        <a:effectRef idx="0">
+          <a:scrgbClr r="0" g="0" b="0"/>
+        </a:effectRef>
+        <a:fontRef idx="minor"/>
+      </dsp:style>
+      <dsp:txBody>
+        <a:bodyPr spcFirstLastPara="0" vert="horz" wrap="square" lIns="122547" tIns="122547" rIns="122547" bIns="122547" numCol="1" spcCol="1270" anchor="ctr" anchorCtr="0">
+          <a:noAutofit/>
+        </a:bodyPr>
+        <a:lstStyle/>
+        <a:p>
+          <a:pPr marL="0" lvl="0" indent="0" algn="l" defTabSz="977900">
+            <a:lnSpc>
+              <a:spcPct val="90000"/>
+            </a:lnSpc>
+            <a:spcBef>
+              <a:spcPct val="0"/>
+            </a:spcBef>
+            <a:spcAft>
+              <a:spcPct val="35000"/>
+            </a:spcAft>
+            <a:buNone/>
+          </a:pPr>
+          <a:r>
+            <a:rPr lang="en-US" sz="2200" b="1" i="1" kern="1200" dirty="0"/>
+            <a:t>Definition -</a:t>
+          </a:r>
+          <a:r>
+            <a:rPr lang="en-US" sz="2200" kern="1200" dirty="0"/>
+            <a:t> Everyone </a:t>
+          </a:r>
+          <a:r>
+            <a:rPr lang="en-US" sz="2200" b="1" kern="1200" dirty="0"/>
+            <a:t>defines acceptance criteria </a:t>
+          </a:r>
+          <a:r>
+            <a:rPr lang="en-US" sz="2200" kern="1200" dirty="0"/>
+            <a:t>for each task</a:t>
+          </a:r>
+        </a:p>
+      </dsp:txBody>
+      <dsp:txXfrm>
+        <a:off x="1337397" y="2897083"/>
+        <a:ext cx="4926242" cy="1157919"/>
+      </dsp:txXfrm>
+    </dsp:sp>
+    <dsp:sp modelId="{6F8D0481-7561-457A-83E8-B963F74F6241}">
+      <dsp:nvSpPr>
+        <dsp:cNvPr id="0" name=""/>
+        <dsp:cNvSpPr/>
+      </dsp:nvSpPr>
+      <dsp:spPr>
+        <a:xfrm>
+          <a:off x="0" y="4344483"/>
+          <a:ext cx="6263640" cy="1157919"/>
+        </a:xfrm>
+        <a:prstGeom prst="roundRect">
+          <a:avLst>
+            <a:gd name="adj" fmla="val 10000"/>
+          </a:avLst>
+        </a:prstGeom>
+        <a:solidFill>
+          <a:schemeClr val="bg1">
+            <a:lumMod val="95000"/>
+            <a:hueOff val="0"/>
+            <a:satOff val="0"/>
+            <a:lumOff val="0"/>
+            <a:alphaOff val="0"/>
+          </a:schemeClr>
+        </a:solidFill>
+        <a:ln>
+          <a:noFill/>
+        </a:ln>
+        <a:effectLst/>
+      </dsp:spPr>
+      <dsp:style>
+        <a:lnRef idx="0">
+          <a:scrgbClr r="0" g="0" b="0"/>
+        </a:lnRef>
+        <a:fillRef idx="1">
+          <a:scrgbClr r="0" g="0" b="0"/>
+        </a:fillRef>
+        <a:effectRef idx="0">
+          <a:scrgbClr r="0" g="0" b="0"/>
+        </a:effectRef>
+        <a:fontRef idx="minor"/>
+      </dsp:style>
+    </dsp:sp>
+    <dsp:sp modelId="{535EB860-8D92-4B51-B705-90D07C8D7344}">
+      <dsp:nvSpPr>
+        <dsp:cNvPr id="0" name=""/>
+        <dsp:cNvSpPr/>
+      </dsp:nvSpPr>
+      <dsp:spPr>
+        <a:xfrm>
+          <a:off x="350270" y="4605015"/>
+          <a:ext cx="636855" cy="636855"/>
+        </a:xfrm>
+        <a:prstGeom prst="rect">
+          <a:avLst/>
+        </a:prstGeom>
+        <a:blipFill>
+          <a:blip xmlns:r="http://schemas.openxmlformats.org/officeDocument/2006/relationships" r:embed="rId7">
+            <a:extLst>
+              <a:ext uri="{28A0092B-C50C-407E-A947-70E740481C1C}">
+                <a14:useLocalDpi xmlns:a14="http://schemas.microsoft.com/office/drawing/2010/main" val="0"/>
+              </a:ext>
+              <a:ext uri="{96DAC541-7B7A-43D3-8B79-37D633B846F1}">
+                <asvg:svgBlip xmlns:asvg="http://schemas.microsoft.com/office/drawing/2016/SVG/main" r:embed="rId8"/>
+              </a:ext>
+            </a:extLst>
+          </a:blip>
+          <a:stretch>
+            <a:fillRect/>
+          </a:stretch>
+        </a:blipFill>
+        <a:ln w="12700" cap="flat" cmpd="sng" algn="ctr">
+          <a:noFill/>
+          <a:prstDash val="solid"/>
+          <a:miter lim="800000"/>
+        </a:ln>
+        <a:effectLst/>
+      </dsp:spPr>
+      <dsp:style>
+        <a:lnRef idx="2">
+          <a:scrgbClr r="0" g="0" b="0"/>
+        </a:lnRef>
+        <a:fillRef idx="1">
+          <a:scrgbClr r="0" g="0" b="0"/>
+        </a:fillRef>
+        <a:effectRef idx="0">
+          <a:scrgbClr r="0" g="0" b="0"/>
+        </a:effectRef>
+        <a:fontRef idx="minor">
+          <a:schemeClr val="lt1"/>
+        </a:fontRef>
+      </dsp:style>
+    </dsp:sp>
+    <dsp:sp modelId="{26DAB68E-2DEE-4B25-827A-F8BE3D9CC68F}">
+      <dsp:nvSpPr>
+        <dsp:cNvPr id="0" name=""/>
+        <dsp:cNvSpPr/>
+      </dsp:nvSpPr>
+      <dsp:spPr>
+        <a:xfrm>
+          <a:off x="1337397" y="4344483"/>
+          <a:ext cx="4926242" cy="1157919"/>
+        </a:xfrm>
+        <a:prstGeom prst="rect">
+          <a:avLst/>
+        </a:prstGeom>
+        <a:noFill/>
+        <a:ln>
+          <a:noFill/>
+        </a:ln>
+        <a:effectLst/>
+      </dsp:spPr>
+      <dsp:style>
+        <a:lnRef idx="0">
+          <a:scrgbClr r="0" g="0" b="0"/>
+        </a:lnRef>
+        <a:fillRef idx="0">
+          <a:scrgbClr r="0" g="0" b="0"/>
+        </a:fillRef>
+        <a:effectRef idx="0">
+          <a:scrgbClr r="0" g="0" b="0"/>
+        </a:effectRef>
+        <a:fontRef idx="minor"/>
+      </dsp:style>
+      <dsp:txBody>
+        <a:bodyPr spcFirstLastPara="0" vert="horz" wrap="square" lIns="122547" tIns="122547" rIns="122547" bIns="122547" numCol="1" spcCol="1270" anchor="ctr" anchorCtr="0">
+          <a:noAutofit/>
+        </a:bodyPr>
+        <a:lstStyle/>
+        <a:p>
+          <a:pPr marL="0" lvl="0" indent="0" algn="l" defTabSz="977900">
+            <a:lnSpc>
+              <a:spcPct val="90000"/>
+            </a:lnSpc>
+            <a:spcBef>
+              <a:spcPct val="0"/>
+            </a:spcBef>
+            <a:spcAft>
+              <a:spcPct val="35000"/>
+            </a:spcAft>
+            <a:buNone/>
+          </a:pPr>
+          <a:r>
+            <a:rPr lang="en-US" sz="2200" b="1" kern="1200" dirty="0"/>
+            <a:t>A</a:t>
+          </a:r>
+          <a:r>
+            <a:rPr lang="en-US" sz="2200" b="1" i="1" kern="1200" dirty="0"/>
+            <a:t>greement -</a:t>
+          </a:r>
+          <a:r>
+            <a:rPr lang="en-US" sz="2200" kern="1200" dirty="0"/>
+            <a:t> Everyone </a:t>
+          </a:r>
+          <a:r>
+            <a:rPr lang="en-US" sz="2200" b="1" kern="1200" dirty="0"/>
+            <a:t>agrees </a:t>
+          </a:r>
+          <a:r>
+            <a:rPr lang="en-US" sz="2200" kern="1200" dirty="0"/>
+            <a:t>that the acceptance </a:t>
+          </a:r>
+          <a:r>
+            <a:rPr lang="en-US" sz="2200" b="1" kern="1200" dirty="0"/>
+            <a:t>criteria have been met</a:t>
+          </a:r>
+          <a:endParaRPr lang="en-US" sz="2200" kern="1200" dirty="0"/>
+        </a:p>
+      </dsp:txBody>
+      <dsp:txXfrm>
+        <a:off x="1337397" y="4344483"/>
+        <a:ext cx="4926242" cy="1157919"/>
+      </dsp:txXfrm>
+    </dsp:sp>
+  </dsp:spTree>
+</dsp:drawing>
+</file>
+
+<file path=ppt/diagrams/layout1.xml><?xml version="1.0" encoding="utf-8"?>
+<dgm:layoutDef xmlns:dgm="http://schemas.openxmlformats.org/drawingml/2006/diagram" xmlns:a="http://schemas.openxmlformats.org/drawingml/2006/main" uniqueId="urn:microsoft.com/office/officeart/2018/2/layout/IconVerticalSolidList">
+  <dgm:title val="Icon Vertical Solid List"/>
+  <dgm:desc val="Use to show a series of visuals from top to bottom with Level 1 or Level 1 and Level 2 text grouped in a shape. Works best with icons or small pictures with lengthier descriptions."/>
+  <dgm:catLst>
+    <dgm:cat type="icon" pri="500"/>
+  </dgm:catLst>
+  <dgm:sampData useDef="1">
+    <dgm:dataModel>
+      <dgm:ptLst/>
+      <dgm:bg/>
+      <dgm:whole/>
+    </dgm:dataModel>
+  </dgm:sampData>
+  <dgm:styleData useDef="1">
+    <dgm:dataModel>
+      <dgm:ptLst/>
+      <dgm:bg/>
+      <dgm:whole/>
+    </dgm:dataModel>
+  </dgm:styleData>
+  <dgm:clrData useDef="1">
+    <dgm:dataModel>
+      <dgm:ptLst/>
+      <dgm:bg/>
+      <dgm:whole/>
+    </dgm:dataModel>
+  </dgm:clrData>
+  <dgm:layoutNode name="root">
+    <dgm:varLst>
+      <dgm:dir/>
+      <dgm:resizeHandles val="exact"/>
+    </dgm:varLst>
+    <dgm:choose name="Name0">
+      <dgm:if name="Name1" axis="self" func="var" arg="dir" op="equ" val="norm">
+        <dgm:alg type="lin">
+          <dgm:param type="linDir" val="fromT"/>
+          <dgm:param type="nodeHorzAlign" val="l"/>
+        </dgm:alg>
+      </dgm:if>
+      <dgm:else name="Name2">
+        <dgm:alg type="lin">
+          <dgm:param type="linDir" val="fromT"/>
+          <dgm:param type="nodeHorzAlign" val="r"/>
+        </dgm:alg>
+      </dgm:else>
+    </dgm:choose>
+    <dgm:shape xmlns:r="http://schemas.openxmlformats.org/officeDocument/2006/relationships" r:blip="">
+      <dgm:adjLst/>
+    </dgm:shape>
+    <dgm:presOf/>
+    <dgm:choose name="Name3">
+      <dgm:if name="Name4" axis="ch" ptType="node" func="cnt" op="lte" val="3">
+        <dgm:constrLst>
+          <dgm:constr type="h" for="ch" forName="compNode" refType="h" fact="0.3"/>
+          <dgm:constr type="w" for="ch" forName="compNode" refType="w"/>
+          <dgm:constr type="h" for="ch" forName="sibTrans" refType="h" refFor="ch" refForName="compNode" fact="0.25"/>
+          <dgm:constr type="primFontSz" for="des" forName="parTx" val="25"/>
+          <dgm:constr type="primFontSz" for="des" forName="desTx" refType="primFontSz" refFor="des" refForName="parTx" op="lte" fact="0.75"/>
+          <dgm:constr type="h" for="des" forName="compNode" op="equ"/>
+          <dgm:constr type="h" for="des" forName="bgRect" op="equ"/>
+          <dgm:constr type="h" for="des" forName="iconRect" op="equ"/>
+          <dgm:constr type="w" for="des" forName="iconRect" op="equ"/>
+          <dgm:constr type="h" for="des" forName="spaceRect" op="equ"/>
+          <dgm:constr type="h" for="des" forName="parTx" op="equ"/>
+          <dgm:constr type="h" for="des" forName="desTx" op="equ"/>
+        </dgm:constrLst>
+      </dgm:if>
+      <dgm:if name="Name5" axis="ch" ptType="node" func="cnt" op="lte" val="4">
+        <dgm:constrLst>
+          <dgm:constr type="h" for="ch" forName="compNode" refType="h" fact="0.3"/>
+          <dgm:constr type="w" for="ch" forName="compNode" refType="w"/>
+          <dgm:constr type="h" for="ch" forName="sibTrans" refType="h" refFor="ch" refForName="compNode" fact="0.25"/>
+          <dgm:constr type="primFontSz" for="des" forName="parTx" val="22"/>
+          <dgm:constr type="primFontSz" for="des" forName="desTx" refType="primFontSz" refFor="des" refForName="parTx" op="lte" fact="0.75"/>
+          <dgm:constr type="h" for="des" forName="compNode" op="equ"/>
+          <dgm:constr type="h" for="des" forName="bgRect" op="equ"/>
+          <dgm:constr type="h" for="des" forName="iconRect" op="equ"/>
+          <dgm:constr type="w" for="des" forName="iconRect" op="equ"/>
+          <dgm:constr type="h" for="des" forName="spaceRect" op="equ"/>
+          <dgm:constr type="h" for="des" forName="parTx" op="equ"/>
+          <dgm:constr type="h" for="des" forName="desTx" op="equ"/>
+        </dgm:constrLst>
+      </dgm:if>
+      <dgm:if name="Name6" axis="ch" ptType="node" func="cnt" op="lte" val="6">
+        <dgm:constrLst>
+          <dgm:constr type="h" for="ch" forName="compNode" refType="h" fact="0.3"/>
+          <dgm:constr type="w" for="ch" forName="compNode" refType="w"/>
+          <dgm:constr type="h" for="ch" forName="sibTrans" refType="h" refFor="ch" refForName="compNode" fact="0.25"/>
+          <dgm:constr type="primFontSz" for="des" forName="parTx" val="19"/>
+          <dgm:constr type="primFontSz" for="des" forName="desTx" refType="primFontSz" refFor="des" refForName="parTx" op="lte" fact="0.75"/>
+          <dgm:constr type="h" for="des" forName="compNode" op="equ"/>
+          <dgm:constr type="h" for="des" forName="bgRect" op="equ"/>
+          <dgm:constr type="h" for="des" forName="iconRect" op="equ"/>
+          <dgm:constr type="w" for="des" forName="iconRect" op="equ"/>
+          <dgm:constr type="h" for="des" forName="spaceRect" op="equ"/>
+          <dgm:constr type="h" for="des" forName="parTx" op="equ"/>
+          <dgm:constr type="h" for="des" forName="desTx" op="equ"/>
+        </dgm:constrLst>
+      </dgm:if>
+      <dgm:else name="Name7">
+        <dgm:constrLst>
+          <dgm:constr type="h" for="ch" forName="compNode" refType="h" fact="0.3"/>
+          <dgm:constr type="w" for="ch" forName="compNode" refType="w"/>
+          <dgm:constr type="h" for="ch" forName="sibTrans" refType="h" refFor="ch" refForName="compNode" fact="0.25"/>
+          <dgm:constr type="primFontSz" for="des" forName="parTx" val="16"/>
+          <dgm:constr type="primFontSz" for="des" forName="desTx" refType="primFontSz" refFor="des" refForName="parTx" op="lte" fact="0.75"/>
+          <dgm:constr type="h" for="des" forName="compNode" op="equ"/>
+          <dgm:constr type="h" for="des" forName="bgRect" op="equ"/>
+          <dgm:constr type="h" for="des" forName="iconRect" op="equ"/>
+          <dgm:constr type="w" for="des" forName="iconRect" op="equ"/>
+          <dgm:constr type="h" for="des" forName="spaceRect" op="equ"/>
+          <dgm:constr type="h" for="des" forName="parTx" op="equ"/>
+          <dgm:constr type="h" for="des" forName="desTx" op="equ"/>
+        </dgm:constrLst>
+      </dgm:else>
+    </dgm:choose>
+    <dgm:ruleLst>
+      <dgm:rule type="h" for="ch" forName="compNode" val="0" fact="NaN" max="NaN"/>
+    </dgm:ruleLst>
+    <dgm:forEach name="Name8" axis="ch" ptType="node">
+      <dgm:layoutNode name="compNode">
+        <dgm:alg type="composite"/>
+        <dgm:shape xmlns:r="http://schemas.openxmlformats.org/officeDocument/2006/relationships" r:blip="">
+          <dgm:adjLst/>
+        </dgm:shape>
+        <dgm:presOf axis="self"/>
+        <dgm:choose name="Name9">
+          <dgm:if name="Name10" axis="ch" ptType="node" func="cnt" op="gte" val="1">
+            <dgm:constrLst>
+              <dgm:constr type="w" for="ch" forName="bgRect" refType="w"/>
+              <dgm:constr type="h" for="ch" forName="bgRect" refType="h"/>
+              <dgm:constr type="l" for="ch" forName="bgRect"/>
+              <dgm:constr type="t" for="ch" forName="bgRect"/>
+              <dgm:constr type="h" for="ch" forName="iconRect" refType="h" fact="0.55"/>
+              <dgm:constr type="w" for="ch" forName="iconRect" refType="h" refFor="ch" refForName="iconRect"/>
+              <dgm:constr type="l" for="ch" forName="iconRect" refType="h" refFor="ch" refForName="iconRect" fact="0.55"/>
+              <dgm:constr type="ctrY" for="ch" forName="iconRect" refType="ctrY" refFor="ch" refForName="bgRect"/>
+              <dgm:constr type="w" for="ch" forName="spaceRect" refType="l" refFor="ch" refForName="iconRect"/>
+              <dgm:constr type="h" for="ch" forName="spaceRect" refType="h"/>
+              <dgm:constr type="l" for="ch" forName="spaceRect" refType="r" refFor="ch" refForName="iconRect"/>
+              <dgm:constr type="t" for="ch" forName="spaceRect"/>
+              <dgm:constr type="w" for="ch" forName="parTx" refType="w" fact="0.45"/>
+              <dgm:constr type="h" for="ch" forName="parTx" refType="h"/>
+              <dgm:constr type="l" for="ch" forName="parTx" refType="r" refFor="ch" refForName="spaceRect"/>
+              <dgm:constr type="t" for="ch" forName="parTx"/>
+              <dgm:constr type="h" for="ch" forName="desTx" refType="h"/>
+              <dgm:constr type="l" for="ch" forName="desTx" refType="r" refFor="ch" refForName="parTx"/>
+              <dgm:constr type="t" for="ch" forName="desTx"/>
+            </dgm:constrLst>
+          </dgm:if>
+          <dgm:else name="Name11">
+            <dgm:constrLst>
+              <dgm:constr type="w" for="ch" forName="bgRect" refType="w"/>
+              <dgm:constr type="h" for="ch" forName="bgRect" refType="h"/>
+              <dgm:constr type="l" for="ch" forName="bgRect"/>
+              <dgm:constr type="t" for="ch" forName="bgRect"/>
+              <dgm:constr type="h" for="ch" forName="iconRect" refType="h" fact="0.55"/>
+              <dgm:constr type="w" for="ch" forName="iconRect" refType="h" refFor="ch" refForName="iconRect"/>
+              <dgm:constr type="l" for="ch" forName="iconRect" refType="h" refFor="ch" refForName="iconRect" fact="0.55"/>
+              <dgm:constr type="ctrY" for="ch" forName="iconRect" refType="ctrY" refFor="ch" refForName="bgRect"/>
+              <dgm:constr type="w" for="ch" forName="spaceRect" refType="l" refFor="ch" refForName="iconRect"/>
+              <dgm:constr type="h" for="ch" forName="spaceRect" refType="h"/>
+              <dgm:constr type="l" for="ch" forName="spaceRect" refType="r" refFor="ch" refForName="iconRect"/>
+              <dgm:constr type="t" for="ch" forName="spaceRect"/>
+              <dgm:constr type="h" for="ch" forName="parTx" refType="h"/>
+              <dgm:constr type="l" for="ch" forName="parTx" refType="r" refFor="ch" refForName="spaceRect"/>
+              <dgm:constr type="t" for="ch" forName="parTx"/>
+            </dgm:constrLst>
+          </dgm:else>
+        </dgm:choose>
+        <dgm:ruleLst>
+          <dgm:rule type="h" val="INF" fact="NaN" max="NaN"/>
+        </dgm:ruleLst>
+        <dgm:layoutNode name="bgRect" styleLbl="bgShp">
+          <dgm:alg type="sp"/>
+          <dgm:shape xmlns:r="http://schemas.openxmlformats.org/officeDocument/2006/relationships" type="roundRect" r:blip="">
+            <dgm:adjLst>
+              <dgm:adj idx="1" val="0.1"/>
+            </dgm:adjLst>
+          </dgm:shape>
+          <dgm:presOf/>
+          <dgm:constrLst/>
+          <dgm:ruleLst/>
+        </dgm:layoutNode>
+        <dgm:layoutNode name="iconRect" styleLbl="node1">
+          <dgm:alg type="sp"/>
+          <dgm:shape xmlns:r="http://schemas.openxmlformats.org/officeDocument/2006/relationships" type="rect" r:blip="" blipPhldr="1">
+            <dgm:adjLst/>
+          </dgm:shape>
+          <dgm:presOf/>
+          <dgm:constrLst/>
+          <dgm:ruleLst/>
+        </dgm:layoutNode>
+        <dgm:layoutNode name="spaceRect">
+          <dgm:alg type="sp"/>
+          <dgm:shape xmlns:r="http://schemas.openxmlformats.org/officeDocument/2006/relationships" r:blip="">
+            <dgm:adjLst/>
+          </dgm:shape>
+          <dgm:presOf/>
+          <dgm:constrLst/>
+          <dgm:ruleLst/>
+        </dgm:layoutNode>
+        <dgm:layoutNode name="parTx" styleLbl="revTx">
+          <dgm:varLst>
+            <dgm:chMax val="0"/>
+            <dgm:chPref val="0"/>
+          </dgm:varLst>
+          <dgm:alg type="tx">
+            <dgm:param type="txAnchorVert" val="mid"/>
+            <dgm:param type="parTxLTRAlign" val="l"/>
+            <dgm:param type="shpTxLTRAlignCh" val="l"/>
+            <dgm:param type="parTxRTLAlign" val="r"/>
+            <dgm:param type="shpTxRTLAlignCh" val="r"/>
+          </dgm:alg>
+          <dgm:shape xmlns:r="http://schemas.openxmlformats.org/officeDocument/2006/relationships" type="rect" r:blip="">
+            <dgm:adjLst/>
+          </dgm:shape>
+          <dgm:presOf axis="self" ptType="node"/>
+          <dgm:constrLst>
+            <dgm:constr type="lMarg" refType="h" fact="0.3"/>
+            <dgm:constr type="rMarg" refType="h" fact="0.3"/>
+            <dgm:constr type="tMarg" refType="h" fact="0.3"/>
+            <dgm:constr type="bMarg" refType="h" fact="0.3"/>
+          </dgm:constrLst>
+          <dgm:ruleLst>
+            <dgm:rule type="primFontSz" val="14" fact="NaN" max="NaN"/>
+            <dgm:rule type="h" val="INF" fact="NaN" max="NaN"/>
+          </dgm:ruleLst>
+        </dgm:layoutNode>
+        <dgm:choose name="Name12">
+          <dgm:if name="Name13" axis="ch" ptType="node" func="cnt" op="gte" val="1">
+            <dgm:layoutNode name="desTx" styleLbl="revTx">
+              <dgm:varLst/>
+              <dgm:alg type="tx">
+                <dgm:param type="txAnchorVertCh" val="mid"/>
+                <dgm:param type="parTxLTRAlign" val="l"/>
+                <dgm:param type="shpTxLTRAlignCh" val="l"/>
+                <dgm:param type="parTxRTLAlign" val="r"/>
+                <dgm:param type="shpTxRTLAlignCh" val="r"/>
+                <dgm:param type="stBulletLvl" val="0"/>
+              </dgm:alg>
+              <dgm:shape xmlns:r="http://schemas.openxmlformats.org/officeDocument/2006/relationships" type="rect" r:blip="">
+                <dgm:adjLst/>
+              </dgm:shape>
+              <dgm:presOf axis="des" ptType="node"/>
+              <dgm:constrLst>
+                <dgm:constr type="primFontSz" val="18"/>
+                <dgm:constr type="secFontSz" refType="primFontSz"/>
+                <dgm:constr type="lMarg" refType="h" fact="0.3"/>
+                <dgm:constr type="rMarg" refType="h" fact="0.3"/>
+                <dgm:constr type="tMarg" refType="h" fact="0.3"/>
+                <dgm:constr type="bMarg" refType="h" fact="0.3"/>
+              </dgm:constrLst>
+              <dgm:ruleLst>
+                <dgm:rule type="primFontSz" val="11" fact="NaN" max="NaN"/>
+              </dgm:ruleLst>
+            </dgm:layoutNode>
+          </dgm:if>
+          <dgm:else name="Name14"/>
+        </dgm:choose>
+      </dgm:layoutNode>
+      <dgm:forEach name="Name15" axis="followSib" ptType="sibTrans" cnt="1">
+        <dgm:layoutNode name="sibTrans">
+          <dgm:alg type="sp"/>
+          <dgm:shape xmlns:r="http://schemas.openxmlformats.org/officeDocument/2006/relationships" r:blip="">
+            <dgm:adjLst/>
+          </dgm:shape>
+          <dgm:presOf axis="self"/>
+          <dgm:constrLst/>
+          <dgm:ruleLst/>
+        </dgm:layoutNode>
+      </dgm:forEach>
+    </dgm:forEach>
+  </dgm:layoutNode>
+  <dgm:extLst>
+    <a:ext uri="{68A01E43-0DF5-4B5B-8FA6-DAF915123BFB}">
+      <dgm1612:lstStyle xmlns:dgm1612="http://schemas.microsoft.com/office/drawing/2016/12/diagram">
+        <a:lvl1pPr>
+          <a:lnSpc>
+            <a:spcPct val="100000"/>
+          </a:lnSpc>
+        </a:lvl1pPr>
+        <a:lvl2pPr>
+          <a:lnSpc>
+            <a:spcPct val="100000"/>
+          </a:lnSpc>
+        </a:lvl2pPr>
+      </dgm1612:lstStyle>
+    </a:ext>
+  </dgm:extLst>
+</dgm:layoutDef>
+</file>
+
+<file path=ppt/diagrams/quickStyle1.xml><?xml version="1.0" encoding="utf-8"?>
+<dgm:styleDef xmlns:dgm="http://schemas.openxmlformats.org/drawingml/2006/diagram" xmlns:a="http://schemas.openxmlformats.org/drawingml/2006/main" uniqueId="urn:microsoft.com/office/officeart/2005/8/quickstyle/simple1">
+  <dgm:title val=""/>
+  <dgm:desc val=""/>
+  <dgm:catLst>
+    <dgm:cat type="simple" pri="10100"/>
+  </dgm:catLst>
+  <dgm:scene3d>
+    <a:camera prst="orthographicFront"/>
+    <a:lightRig rig="threePt" dir="t"/>
+  </dgm:scene3d>
+  <dgm:styleLbl name="node0">
+    <dgm:scene3d>
+      <a:camera prst="orthographicFront"/>
+      <a:lightRig rig="threePt" dir="t"/>
+    </dgm:scene3d>
+    <dgm:sp3d/>
+    <dgm:txPr/>
+    <dgm:style>
+      <a:lnRef idx="2">
+        <a:scrgbClr r="0" g="0" b="0"/>
+      </a:lnRef>
+      <a:fillRef idx="1">
+        <a:scrgbClr r="0" g="0" b="0"/>
+      </a:fillRef>
+      <a:effectRef idx="0">
+        <a:scrgbClr r="0" g="0" b="0"/>
+      </a:effectRef>
+      <a:fontRef idx="minor">
+        <a:schemeClr val="lt1"/>
+      </a:fontRef>
+    </dgm:style>
+  </dgm:styleLbl>
+  <dgm:styleLbl name="lnNode1">
+    <dgm:scene3d>
+      <a:camera prst="orthographicFront"/>
+      <a:lightRig rig="threePt" dir="t"/>
+    </dgm:scene3d>
+    <dgm:sp3d/>
+    <dgm:txPr/>
+    <dgm:style>
+      <a:lnRef idx="2">
+        <a:scrgbClr r="0" g="0" b="0"/>
+      </a:lnRef>
+      <a:fillRef idx="1">
+        <a:scrgbClr r="0" g="0" b="0"/>
+      </a:fillRef>
+      <a:effectRef idx="0">
+        <a:scrgbClr r="0" g="0" b="0"/>
+      </a:effectRef>
+      <a:fontRef idx="minor">
+        <a:schemeClr val="lt1"/>
+      </a:fontRef>
+    </dgm:style>
+  </dgm:styleLbl>
+  <dgm:styleLbl name="vennNode1">
+    <dgm:scene3d>
+      <a:camera prst="orthographicFront"/>
+      <a:lightRig rig="threePt" dir="t"/>
+    </dgm:scene3d>
+    <dgm:sp3d/>
+    <dgm:txPr/>
+    <dgm:style>
+      <a:lnRef idx="2">
+        <a:scrgbClr r="0" g="0" b="0"/>
+      </a:lnRef>
+      <a:fillRef idx="1">
+        <a:scrgbClr r="0" g="0" b="0"/>
+      </a:fillRef>
+      <a:effectRef idx="0">
+        <a:scrgbClr r="0" g="0" b="0"/>
+      </a:effectRef>
+      <a:fontRef idx="minor">
+        <a:schemeClr val="tx1"/>
+      </a:fontRef>
+    </dgm:style>
+  </dgm:styleLbl>
+  <dgm:styleLbl name="alignNode1">
+    <dgm:scene3d>
+      <a:camera prst="orthographicFront"/>
+      <a:lightRig rig="threePt" dir="t"/>
+    </dgm:scene3d>
+    <dgm:sp3d/>
+    <dgm:txPr/>
+    <dgm:style>
+      <a:lnRef idx="2">
+        <a:scrgbClr r="0" g="0" b="0"/>
+      </a:lnRef>
+      <a:fillRef idx="1">
+        <a:scrgbClr r="0" g="0" b="0"/>
+      </a:fillRef>
+      <a:effectRef idx="0">
+        <a:scrgbClr r="0" g="0" b="0"/>
+      </a:effectRef>
+      <a:fontRef idx="minor">
+        <a:schemeClr val="lt1"/>
+      </a:fontRef>
+    </dgm:style>
+  </dgm:styleLbl>
+  <dgm:styleLbl name="node1">
+    <dgm:scene3d>
+      <a:camera prst="orthographicFront"/>
+      <a:lightRig rig="threePt" dir="t"/>
+    </dgm:scene3d>
+    <dgm:sp3d/>
+    <dgm:txPr/>
+    <dgm:style>
+      <a:lnRef idx="2">
+        <a:scrgbClr r="0" g="0" b="0"/>
+      </a:lnRef>
+      <a:fillRef idx="1">
+        <a:scrgbClr r="0" g="0" b="0"/>
+      </a:fillRef>
+      <a:effectRef idx="0">
+        <a:scrgbClr r="0" g="0" b="0"/>
+      </a:effectRef>
+      <a:fontRef idx="minor">
+        <a:schemeClr val="lt1"/>
+      </a:fontRef>
+    </dgm:style>
+  </dgm:styleLbl>
+  <dgm:styleLbl name="node2">
+    <dgm:scene3d>
+      <a:camera prst="orthographicFront"/>
+      <a:lightRig rig="threePt" dir="t"/>
+    </dgm:scene3d>
+    <dgm:sp3d/>
+    <dgm:txPr/>
+    <dgm:style>
+      <a:lnRef idx="2">
+        <a:scrgbClr r="0" g="0" b="0"/>
+      </a:lnRef>
+      <a:fillRef idx="1">
+        <a:scrgbClr r="0" g="0" b="0"/>
+      </a:fillRef>
+      <a:effectRef idx="0">
+        <a:scrgbClr r="0" g="0" b="0"/>
+      </a:effectRef>
+      <a:fontRef idx="minor">
+        <a:schemeClr val="lt1"/>
+      </a:fontRef>
+    </dgm:style>
+  </dgm:styleLbl>
+  <dgm:styleLbl name="node3">
+    <dgm:scene3d>
+      <a:camera prst="orthographicFront"/>
+      <a:lightRig rig="threePt" dir="t"/>
+    </dgm:scene3d>
+    <dgm:sp3d/>
+    <dgm:txPr/>
+    <dgm:style>
+      <a:lnRef idx="2">
+        <a:scrgbClr r="0" g="0" b="0"/>
+      </a:lnRef>
+      <a:fillRef idx="1">
+        <a:scrgbClr r="0" g="0" b="0"/>
+      </a:fillRef>
+      <a:effectRef idx="0">
+        <a:scrgbClr r="0" g="0" b="0"/>
+      </a:effectRef>
+      <a:fontRef idx="minor">
+        <a:schemeClr val="lt1"/>
+      </a:fontRef>
+    </dgm:style>
+  </dgm:styleLbl>
+  <dgm:styleLbl name="node4">
+    <dgm:scene3d>
+      <a:camera prst="orthographicFront"/>
+      <a:lightRig rig="threePt" dir="t"/>
+    </dgm:scene3d>
+    <dgm:sp3d/>
+    <dgm:txPr/>
+    <dgm:style>
+      <a:lnRef idx="2">
+        <a:scrgbClr r="0" g="0" b="0"/>
+      </a:lnRef>
+      <a:fillRef idx="1">
+        <a:scrgbClr r="0" g="0" b="0"/>
+      </a:fillRef>
+      <a:effectRef idx="0">
+        <a:scrgbClr r="0" g="0" b="0"/>
+      </a:effectRef>
+      <a:fontRef idx="minor">
+        <a:schemeClr val="lt1"/>
+      </a:fontRef>
+    </dgm:style>
+  </dgm:styleLbl>
+  <dgm:styleLbl name="fgImgPlace1">
+    <dgm:scene3d>
+      <a:camera prst="orthographicFront"/>
+      <a:lightRig rig="threePt" dir="t"/>
+    </dgm:scene3d>
+    <dgm:sp3d/>
+    <dgm:txPr/>
+    <dgm:style>
+      <a:lnRef idx="2">
+        <a:scrgbClr r="0" g="0" b="0"/>
+      </a:lnRef>
+      <a:fillRef idx="1">
+        <a:scrgbClr r="0" g="0" b="0"/>
+      </a:fillRef>
+      <a:effectRef idx="0">
+        <a:scrgbClr r="0" g="0" b="0"/>
+      </a:effectRef>
+      <a:fontRef idx="minor"/>
+    </dgm:style>
+  </dgm:styleLbl>
+  <dgm:styleLbl name="alignImgPlace1">
+    <dgm:scene3d>
+      <a:camera prst="orthographicFront"/>
+      <a:lightRig rig="threePt" dir="t"/>
+    </dgm:scene3d>
+    <dgm:sp3d/>
+    <dgm:txPr/>
+    <dgm:style>
+      <a:lnRef idx="2">
+        <a:scrgbClr r="0" g="0" b="0"/>
+      </a:lnRef>
+      <a:fillRef idx="1">
+        <a:scrgbClr r="0" g="0" b="0"/>
+      </a:fillRef>
+      <a:effectRef idx="0">
+        <a:scrgbClr r="0" g="0" b="0"/>
+      </a:effectRef>
+      <a:fontRef idx="minor"/>
+    </dgm:style>
+  </dgm:styleLbl>
+  <dgm:styleLbl name="bgImgPlace1">
+    <dgm:scene3d>
+      <a:camera prst="orthographicFront"/>
+      <a:lightRig rig="threePt" dir="t"/>
+    </dgm:scene3d>
+    <dgm:sp3d/>
+    <dgm:txPr/>
+    <dgm:style>
+      <a:lnRef idx="2">
+        <a:scrgbClr r="0" g="0" b="0"/>
+      </a:lnRef>
+      <a:fillRef idx="1">
+        <a:scrgbClr r="0" g="0" b="0"/>
+      </a:fillRef>
+      <a:effectRef idx="0">
+        <a:scrgbClr r="0" g="0" b="0"/>
+      </a:effectRef>
+      <a:fontRef idx="minor"/>
+    </dgm:style>
+  </dgm:styleLbl>
+  <dgm:styleLbl name="sibTrans2D1">
+    <dgm:scene3d>
+      <a:camera prst="orthographicFront"/>
+      <a:lightRig rig="threePt" dir="t"/>
+    </dgm:scene3d>
+    <dgm:sp3d/>
+    <dgm:txPr/>
+    <dgm:style>
+      <a:lnRef idx="0">
+        <a:scrgbClr r="0" g="0" b="0"/>
+      </a:lnRef>
+      <a:fillRef idx="1">
+        <a:scrgbClr r="0" g="0" b="0"/>
+      </a:fillRef>
+      <a:effectRef idx="0">
+        <a:scrgbClr r="0" g="0" b="0"/>
+      </a:effectRef>
+      <a:fontRef idx="minor">
+        <a:schemeClr val="lt1"/>
+      </a:fontRef>
+    </dgm:style>
+  </dgm:styleLbl>
+  <dgm:styleLbl name="fgSibTrans2D1">
+    <dgm:scene3d>
+      <a:camera prst="orthographicFront"/>
+      <a:lightRig rig="threePt" dir="t"/>
+    </dgm:scene3d>
+    <dgm:sp3d/>
+    <dgm:txPr/>
+    <dgm:style>
+      <a:lnRef idx="0">
+        <a:scrgbClr r="0" g="0" b="0"/>
+      </a:lnRef>
+      <a:fillRef idx="1">
+        <a:scrgbClr r="0" g="0" b="0"/>
+      </a:fillRef>
+      <a:effectRef idx="0">
+        <a:scrgbClr r="0" g="0" b="0"/>
+      </a:effectRef>
+      <a:fontRef idx="minor">
+        <a:schemeClr val="lt1"/>
+      </a:fontRef>
+    </dgm:style>
+  </dgm:styleLbl>
+  <dgm:styleLbl name="bgSibTrans2D1">
+    <dgm:scene3d>
+      <a:camera prst="orthographicFront"/>
+      <a:lightRig rig="threePt" dir="t"/>
+    </dgm:scene3d>
+    <dgm:sp3d/>
+    <dgm:txPr/>
+    <dgm:style>
+      <a:lnRef idx="0">
+        <a:scrgbClr r="0" g="0" b="0"/>
+      </a:lnRef>
+      <a:fillRef idx="1">
+        <a:scrgbClr r="0" g="0" b="0"/>
+      </a:fillRef>
+      <a:effectRef idx="0">
+        <a:scrgbClr r="0" g="0" b="0"/>
+      </a:effectRef>
+      <a:fontRef idx="minor">
+        <a:schemeClr val="lt1"/>
+      </a:fontRef>
+    </dgm:style>
+  </dgm:styleLbl>
+  <dgm:styleLbl name="sibTrans1D1">
+    <dgm:scene3d>
+      <a:camera prst="orthographicFront"/>
+      <a:lightRig rig="threePt" dir="t"/>
+    </dgm:scene3d>
+    <dgm:sp3d/>
+    <dgm:txPr/>
+    <dgm:style>
+      <a:lnRef idx="1">
+        <a:scrgbClr r="0" g="0" b="0"/>
+      </a:lnRef>
+      <a:fillRef idx="0">
+        <a:scrgbClr r="0" g="0" b="0"/>
+      </a:fillRef>
+      <a:effectRef idx="0">
+        <a:scrgbClr r="0" g="0" b="0"/>
+      </a:effectRef>
+      <a:fontRef idx="minor"/>
+    </dgm:style>
+  </dgm:styleLbl>
+  <dgm:styleLbl name="callout">
+    <dgm:scene3d>
+      <a:camera prst="orthographicFront"/>
+      <a:lightRig rig="threePt" dir="t"/>
+    </dgm:scene3d>
+    <dgm:sp3d/>
+    <dgm:txPr/>
+    <dgm:style>
+      <a:lnRef idx="2">
+        <a:scrgbClr r="0" g="0" b="0"/>
+      </a:lnRef>
+      <a:fillRef idx="1">
+        <a:scrgbClr r="0" g="0" b="0"/>
+      </a:fillRef>
+      <a:effectRef idx="0">
+        <a:scrgbClr r="0" g="0" b="0"/>
+      </a:effectRef>
+      <a:fontRef idx="minor"/>
+    </dgm:style>
+  </dgm:styleLbl>
+  <dgm:styleLbl name="asst0">
+    <dgm:scene3d>
+      <a:camera prst="orthographicFront"/>
+      <a:lightRig rig="threePt" dir="t"/>
+    </dgm:scene3d>
+    <dgm:sp3d/>
+    <dgm:txPr/>
+    <dgm:style>
+      <a:lnRef idx="2">
+        <a:scrgbClr r="0" g="0" b="0"/>
+      </a:lnRef>
+      <a:fillRef idx="1">
+        <a:scrgbClr r="0" g="0" b="0"/>
+      </a:fillRef>
+      <a:effectRef idx="0">
+        <a:scrgbClr r="0" g="0" b="0"/>
+      </a:effectRef>
+      <a:fontRef idx="minor">
+        <a:schemeClr val="lt1"/>
+      </a:fontRef>
+    </dgm:style>
+  </dgm:styleLbl>
+  <dgm:styleLbl name="asst1">
+    <dgm:scene3d>
+      <a:camera prst="orthographicFront"/>
+      <a:lightRig rig="threePt" dir="t"/>
+    </dgm:scene3d>
+    <dgm:sp3d/>
+    <dgm:txPr/>
+    <dgm:style>
+      <a:lnRef idx="2">
+        <a:scrgbClr r="0" g="0" b="0"/>
+      </a:lnRef>
+      <a:fillRef idx="1">
+        <a:scrgbClr r="0" g="0" b="0"/>
+      </a:fillRef>
+      <a:effectRef idx="0">
+        <a:scrgbClr r="0" g="0" b="0"/>
+      </a:effectRef>
+      <a:fontRef idx="minor">
+        <a:schemeClr val="lt1"/>
+      </a:fontRef>
+    </dgm:style>
+  </dgm:styleLbl>
+  <dgm:styleLbl name="asst2">
+    <dgm:scene3d>
+      <a:camera prst="orthographicFront"/>
+      <a:lightRig rig="threePt" dir="t"/>
+    </dgm:scene3d>
+    <dgm:sp3d/>
+    <dgm:txPr/>
+    <dgm:style>
+      <a:lnRef idx="2">
+        <a:scrgbClr r="0" g="0" b="0"/>
+      </a:lnRef>
+      <a:fillRef idx="1">
+        <a:scrgbClr r="0" g="0" b="0"/>
+      </a:fillRef>
+      <a:effectRef idx="0">
+        <a:scrgbClr r="0" g="0" b="0"/>
+      </a:effectRef>
+      <a:fontRef idx="minor">
+        <a:schemeClr val="lt1"/>
+      </a:fontRef>
+    </dgm:style>
+  </dgm:styleLbl>
+  <dgm:styleLbl name="asst3">
+    <dgm:scene3d>
+      <a:camera prst="orthographicFront"/>
+      <a:lightRig rig="threePt" dir="t"/>
+    </dgm:scene3d>
+    <dgm:sp3d/>
+    <dgm:txPr/>
+    <dgm:style>
+      <a:lnRef idx="2">
+        <a:scrgbClr r="0" g="0" b="0"/>
+      </a:lnRef>
+      <a:fillRef idx="1">
+        <a:scrgbClr r="0" g="0" b="0"/>
+      </a:fillRef>
+      <a:effectRef idx="0">
+        <a:scrgbClr r="0" g="0" b="0"/>
+      </a:effectRef>
+      <a:fontRef idx="minor">
+        <a:schemeClr val="lt1"/>
+      </a:fontRef>
+    </dgm:style>
+  </dgm:styleLbl>
+  <dgm:styleLbl name="asst4">
+    <dgm:scene3d>
+      <a:camera prst="orthographicFront"/>
+      <a:lightRig rig="threePt" dir="t"/>
+    </dgm:scene3d>
+    <dgm:sp3d/>
+    <dgm:txPr/>
+    <dgm:style>
+      <a:lnRef idx="2">
+        <a:scrgbClr r="0" g="0" b="0"/>
+      </a:lnRef>
+      <a:fillRef idx="1">
+        <a:scrgbClr r="0" g="0" b="0"/>
+      </a:fillRef>
+      <a:effectRef idx="0">
+        <a:scrgbClr r="0" g="0" b="0"/>
+      </a:effectRef>
+      <a:fontRef idx="minor">
+        <a:schemeClr val="lt1"/>
+      </a:fontRef>
+    </dgm:style>
+  </dgm:styleLbl>
+  <dgm:styleLbl name="parChTrans2D1">
+    <dgm:scene3d>
+      <a:camera prst="orthographicFront"/>
+      <a:lightRig rig="threePt" dir="t"/>
+    </dgm:scene3d>
+    <dgm:sp3d/>
+    <dgm:txPr/>
+    <dgm:style>
+      <a:lnRef idx="2">
+        <a:scrgbClr r="0" g="0" b="0"/>
+      </a:lnRef>
+      <a:fillRef idx="1">
+        <a:scrgbClr r="0" g="0" b="0"/>
+      </a:fillRef>
+      <a:effectRef idx="0">
+        <a:scrgbClr r="0" g="0" b="0"/>
+      </a:effectRef>
+      <a:fontRef idx="minor">
+        <a:schemeClr val="lt1"/>
+      </a:fontRef>
+    </dgm:style>
+  </dgm:styleLbl>
+  <dgm:styleLbl name="parChTrans2D2">
+    <dgm:scene3d>
+      <a:camera prst="orthographicFront"/>
+      <a:lightRig rig="threePt" dir="t"/>
+    </dgm:scene3d>
+    <dgm:sp3d/>
+    <dgm:txPr/>
+    <dgm:style>
+      <a:lnRef idx="2">
+        <a:scrgbClr r="0" g="0" b="0"/>
+      </a:lnRef>
+      <a:fillRef idx="1">
+        <a:scrgbClr r="0" g="0" b="0"/>
+      </a:fillRef>
+      <a:effectRef idx="0">
+        <a:scrgbClr r="0" g="0" b="0"/>
+      </a:effectRef>
+      <a:fontRef idx="minor">
+        <a:schemeClr val="lt1"/>
+      </a:fontRef>
+    </dgm:style>
+  </dgm:styleLbl>
+  <dgm:styleLbl name="parChTrans2D3">
+    <dgm:scene3d>
+      <a:camera prst="orthographicFront"/>
+      <a:lightRig rig="threePt" dir="t"/>
+    </dgm:scene3d>
+    <dgm:sp3d/>
+    <dgm:txPr/>
+    <dgm:style>
+      <a:lnRef idx="2">
+        <a:scrgbClr r="0" g="0" b="0"/>
+      </a:lnRef>
+      <a:fillRef idx="1">
+        <a:scrgbClr r="0" g="0" b="0"/>
+      </a:fillRef>
+      <a:effectRef idx="0">
+        <a:scrgbClr r="0" g="0" b="0"/>
+      </a:effectRef>
+      <a:fontRef idx="minor">
+        <a:schemeClr val="lt1"/>
+      </a:fontRef>
+    </dgm:style>
+  </dgm:styleLbl>
+  <dgm:styleLbl name="parChTrans2D4">
+    <dgm:scene3d>
+      <a:camera prst="orthographicFront"/>
+      <a:lightRig rig="threePt" dir="t"/>
+    </dgm:scene3d>
+    <dgm:sp3d/>
+    <dgm:txPr/>
+    <dgm:style>
+      <a:lnRef idx="2">
+        <a:scrgbClr r="0" g="0" b="0"/>
+      </a:lnRef>
+      <a:fillRef idx="1">
+        <a:scrgbClr r="0" g="0" b="0"/>
+      </a:fillRef>
+      <a:effectRef idx="0">
+        <a:scrgbClr r="0" g="0" b="0"/>
+      </a:effectRef>
+      <a:fontRef idx="minor">
+        <a:schemeClr val="lt1"/>
+      </a:fontRef>
+    </dgm:style>
+  </dgm:styleLbl>
+  <dgm:styleLbl name="parChTrans1D1">
+    <dgm:scene3d>
+      <a:camera prst="orthographicFront"/>
+      <a:lightRig rig="threePt" dir="t"/>
+    </dgm:scene3d>
+    <dgm:sp3d/>
+    <dgm:txPr/>
+    <dgm:style>
+      <a:lnRef idx="2">
+        <a:scrgbClr r="0" g="0" b="0"/>
+      </a:lnRef>
+      <a:fillRef idx="0">
+        <a:scrgbClr r="0" g="0" b="0"/>
+      </a:fillRef>
+      <a:effectRef idx="0">
+        <a:scrgbClr r="0" g="0" b="0"/>
+      </a:effectRef>
+      <a:fontRef idx="minor"/>
+    </dgm:style>
+  </dgm:styleLbl>
+  <dgm:styleLbl name="parChTrans1D2">
+    <dgm:scene3d>
+      <a:camera prst="orthographicFront"/>
+      <a:lightRig rig="threePt" dir="t"/>
+    </dgm:scene3d>
+    <dgm:sp3d/>
+    <dgm:txPr/>
+    <dgm:style>
+      <a:lnRef idx="2">
+        <a:scrgbClr r="0" g="0" b="0"/>
+      </a:lnRef>
+      <a:fillRef idx="0">
+        <a:scrgbClr r="0" g="0" b="0"/>
+      </a:fillRef>
+      <a:effectRef idx="0">
+        <a:scrgbClr r="0" g="0" b="0"/>
+      </a:effectRef>
+      <a:fontRef idx="minor"/>
+    </dgm:style>
+  </dgm:styleLbl>
+  <dgm:styleLbl name="parChTrans1D3">
+    <dgm:scene3d>
+      <a:camera prst="orthographicFront"/>
+      <a:lightRig rig="threePt" dir="t"/>
+    </dgm:scene3d>
+    <dgm:sp3d/>
+    <dgm:txPr/>
+    <dgm:style>
+      <a:lnRef idx="2">
+        <a:scrgbClr r="0" g="0" b="0"/>
+      </a:lnRef>
+      <a:fillRef idx="0">
+        <a:scrgbClr r="0" g="0" b="0"/>
+      </a:fillRef>
+      <a:effectRef idx="0">
+        <a:scrgbClr r="0" g="0" b="0"/>
+      </a:effectRef>
+      <a:fontRef idx="minor"/>
+    </dgm:style>
+  </dgm:styleLbl>
+  <dgm:styleLbl name="parChTrans1D4">
+    <dgm:scene3d>
+      <a:camera prst="orthographicFront"/>
+      <a:lightRig rig="threePt" dir="t"/>
+    </dgm:scene3d>
+    <dgm:sp3d/>
+    <dgm:txPr/>
+    <dgm:style>
+      <a:lnRef idx="2">
+        <a:scrgbClr r="0" g="0" b="0"/>
+      </a:lnRef>
+      <a:fillRef idx="0">
+        <a:scrgbClr r="0" g="0" b="0"/>
+      </a:fillRef>
+      <a:effectRef idx="0">
+        <a:scrgbClr r="0" g="0" b="0"/>
+      </a:effectRef>
+      <a:fontRef idx="minor"/>
+    </dgm:style>
+  </dgm:styleLbl>
+  <dgm:styleLbl name="fgAcc1">
+    <dgm:scene3d>
+      <a:camera prst="orthographicFront"/>
+      <a:lightRig rig="threePt" dir="t"/>
+    </dgm:scene3d>
+    <dgm:sp3d/>
+    <dgm:txPr/>
+    <dgm:style>
+      <a:lnRef idx="2">
+        <a:scrgbClr r="0" g="0" b="0"/>
+      </a:lnRef>
+      <a:fillRef idx="1">
+        <a:scrgbClr r="0" g="0" b="0"/>
+      </a:fillRef>
+      <a:effectRef idx="0">
+        <a:scrgbClr r="0" g="0" b="0"/>
+      </a:effectRef>
+      <a:fontRef idx="minor"/>
+    </dgm:style>
+  </dgm:styleLbl>
+  <dgm:styleLbl name="conFgAcc1">
+    <dgm:scene3d>
+      <a:camera prst="orthographicFront"/>
+      <a:lightRig rig="threePt" dir="t"/>
+    </dgm:scene3d>
+    <dgm:sp3d/>
+    <dgm:txPr/>
+    <dgm:style>
+      <a:lnRef idx="2">
+        <a:scrgbClr r="0" g="0" b="0"/>
+      </a:lnRef>
+      <a:fillRef idx="1">
+        <a:scrgbClr r="0" g="0" b="0"/>
+      </a:fillRef>
+      <a:effectRef idx="0">
+        <a:scrgbClr r="0" g="0" b="0"/>
+      </a:effectRef>
+      <a:fontRef idx="minor"/>
+    </dgm:style>
+  </dgm:styleLbl>
+  <dgm:styleLbl name="alignAcc1">
+    <dgm:scene3d>
+      <a:camera prst="orthographicFront"/>
+      <a:lightRig rig="threePt" dir="t"/>
+    </dgm:scene3d>
+    <dgm:sp3d/>
+    <dgm:txPr/>
+    <dgm:style>
+      <a:lnRef idx="2">
+        <a:scrgbClr r="0" g="0" b="0"/>
+      </a:lnRef>
+      <a:fillRef idx="1">
+        <a:scrgbClr r="0" g="0" b="0"/>
+      </a:fillRef>
+      <a:effectRef idx="0">
+        <a:scrgbClr r="0" g="0" b="0"/>
+      </a:effectRef>
+      <a:fontRef idx="minor"/>
+    </dgm:style>
+  </dgm:styleLbl>
+  <dgm:styleLbl name="trAlignAcc1">
+    <dgm:scene3d>
+      <a:camera prst="orthographicFront"/>
+      <a:lightRig rig="threePt" dir="t"/>
+    </dgm:scene3d>
+    <dgm:sp3d/>
+    <dgm:txPr/>
+    <dgm:style>
+      <a:lnRef idx="1">
+        <a:scrgbClr r="0" g="0" b="0"/>
+      </a:lnRef>
+      <a:fillRef idx="1">
+        <a:scrgbClr r="0" g="0" b="0"/>
+      </a:fillRef>
+      <a:effectRef idx="0">
+        <a:scrgbClr r="0" g="0" b="0"/>
+      </a:effectRef>
+      <a:fontRef idx="minor"/>
+    </dgm:style>
+  </dgm:styleLbl>
+  <dgm:styleLbl name="bgAcc1">
+    <dgm:scene3d>
+      <a:camera prst="orthographicFront"/>
+      <a:lightRig rig="threePt" dir="t"/>
+    </dgm:scene3d>
+    <dgm:sp3d/>
+    <dgm:txPr/>
+    <dgm:style>
+      <a:lnRef idx="2">
+        <a:scrgbClr r="0" g="0" b="0"/>
+      </a:lnRef>
+      <a:fillRef idx="1">
+        <a:scrgbClr r="0" g="0" b="0"/>
+      </a:fillRef>
+      <a:effectRef idx="0">
+        <a:scrgbClr r="0" g="0" b="0"/>
+      </a:effectRef>
+      <a:fontRef idx="minor"/>
+    </dgm:style>
+  </dgm:styleLbl>
+  <dgm:styleLbl name="solidFgAcc1">
+    <dgm:scene3d>
+      <a:camera prst="orthographicFront"/>
+      <a:lightRig rig="threePt" dir="t"/>
+    </dgm:scene3d>
+    <dgm:sp3d/>
+    <dgm:txPr/>
+    <dgm:style>
+      <a:lnRef idx="2">
+        <a:scrgbClr r="0" g="0" b="0"/>
+      </a:lnRef>
+      <a:fillRef idx="1">
+        <a:scrgbClr r="0" g="0" b="0"/>
+      </a:fillRef>
+      <a:effectRef idx="0">
+        <a:scrgbClr r="0" g="0" b="0"/>
+      </a:effectRef>
+      <a:fontRef idx="minor"/>
+    </dgm:style>
+  </dgm:styleLbl>
+  <dgm:styleLbl name="solidAlignAcc1">
+    <dgm:scene3d>
+      <a:camera prst="orthographicFront"/>
+      <a:lightRig rig="threePt" dir="t"/>
+    </dgm:scene3d>
+    <dgm:sp3d/>
+    <dgm:txPr/>
+    <dgm:style>
+      <a:lnRef idx="2">
+        <a:scrgbClr r="0" g="0" b="0"/>
+      </a:lnRef>
+      <a:fillRef idx="1">
+        <a:scrgbClr r="0" g="0" b="0"/>
+      </a:fillRef>
+      <a:effectRef idx="0">
+        <a:scrgbClr r="0" g="0" b="0"/>
+      </a:effectRef>
+      <a:fontRef idx="minor"/>
+    </dgm:style>
+  </dgm:styleLbl>
+  <dgm:styleLbl name="solidBgAcc1">
+    <dgm:scene3d>
+      <a:camera prst="orthographicFront"/>
+      <a:lightRig rig="threePt" dir="t"/>
+    </dgm:scene3d>
+    <dgm:sp3d/>
+    <dgm:txPr/>
+    <dgm:style>
+      <a:lnRef idx="2">
+        <a:scrgbClr r="0" g="0" b="0"/>
+      </a:lnRef>
+      <a:fillRef idx="1">
+        <a:scrgbClr r="0" g="0" b="0"/>
+      </a:fillRef>
+      <a:effectRef idx="0">
+        <a:scrgbClr r="0" g="0" b="0"/>
+      </a:effectRef>
+      <a:fontRef idx="minor"/>
+    </dgm:style>
+  </dgm:styleLbl>
+  <dgm:styleLbl name="fgAccFollowNode1">
+    <dgm:scene3d>
+      <a:camera prst="orthographicFront"/>
+      <a:lightRig rig="threePt" dir="t"/>
+    </dgm:scene3d>
+    <dgm:sp3d/>
+    <dgm:txPr/>
+    <dgm:style>
+      <a:lnRef idx="2">
+        <a:scrgbClr r="0" g="0" b="0"/>
+      </a:lnRef>
+      <a:fillRef idx="1">
+        <a:scrgbClr r="0" g="0" b="0"/>
+      </a:fillRef>
+      <a:effectRef idx="0">
+        <a:scrgbClr r="0" g="0" b="0"/>
+      </a:effectRef>
+      <a:fontRef idx="minor"/>
+    </dgm:style>
+  </dgm:styleLbl>
+  <dgm:styleLbl name="alignAccFollowNode1">
+    <dgm:scene3d>
+      <a:camera prst="orthographicFront"/>
+      <a:lightRig rig="threePt" dir="t"/>
+    </dgm:scene3d>
+    <dgm:sp3d/>
+    <dgm:txPr/>
+    <dgm:style>
+      <a:lnRef idx="2">
+        <a:scrgbClr r="0" g="0" b="0"/>
+      </a:lnRef>
+      <a:fillRef idx="1">
+        <a:scrgbClr r="0" g="0" b="0"/>
+      </a:fillRef>
+      <a:effectRef idx="0">
+        <a:scrgbClr r="0" g="0" b="0"/>
+      </a:effectRef>
+      <a:fontRef idx="minor"/>
+    </dgm:style>
+  </dgm:styleLbl>
+  <dgm:styleLbl name="bgAccFollowNode1">
+    <dgm:scene3d>
+      <a:camera prst="orthographicFront"/>
+      <a:lightRig rig="threePt" dir="t"/>
+    </dgm:scene3d>
+    <dgm:sp3d/>
+    <dgm:txPr/>
+    <dgm:style>
+      <a:lnRef idx="2">
+        <a:scrgbClr r="0" g="0" b="0"/>
+      </a:lnRef>
+      <a:fillRef idx="1">
+        <a:scrgbClr r="0" g="0" b="0"/>
+      </a:fillRef>
+      <a:effectRef idx="0">
+        <a:scrgbClr r="0" g="0" b="0"/>
+      </a:effectRef>
+      <a:fontRef idx="minor"/>
+    </dgm:style>
+  </dgm:styleLbl>
+  <dgm:styleLbl name="fgAcc0">
+    <dgm:scene3d>
+      <a:camera prst="orthographicFront"/>
+      <a:lightRig rig="threePt" dir="t"/>
+    </dgm:scene3d>
+    <dgm:sp3d/>
+    <dgm:txPr/>
+    <dgm:style>
+      <a:lnRef idx="2">
+        <a:scrgbClr r="0" g="0" b="0"/>
+      </a:lnRef>
+      <a:fillRef idx="1">
+        <a:scrgbClr r="0" g="0" b="0"/>
+      </a:fillRef>
+      <a:effectRef idx="0">
+        <a:scrgbClr r="0" g="0" b="0"/>
+      </a:effectRef>
+      <a:fontRef idx="minor"/>
+    </dgm:style>
+  </dgm:styleLbl>
+  <dgm:styleLbl name="fgAcc2">
+    <dgm:scene3d>
+      <a:camera prst="orthographicFront"/>
+      <a:lightRig rig="threePt" dir="t"/>
+    </dgm:scene3d>
+    <dgm:sp3d/>
+    <dgm:txPr/>
+    <dgm:style>
+      <a:lnRef idx="2">
+        <a:scrgbClr r="0" g="0" b="0"/>
+      </a:lnRef>
+      <a:fillRef idx="1">
+        <a:scrgbClr r="0" g="0" b="0"/>
+      </a:fillRef>
+      <a:effectRef idx="0">
+        <a:scrgbClr r="0" g="0" b="0"/>
+      </a:effectRef>
+      <a:fontRef idx="minor"/>
+    </dgm:style>
+  </dgm:styleLbl>
+  <dgm:styleLbl name="fgAcc3">
+    <dgm:scene3d>
+      <a:camera prst="orthographicFront"/>
+      <a:lightRig rig="threePt" dir="t"/>
+    </dgm:scene3d>
+    <dgm:sp3d/>
+    <dgm:txPr/>
+    <dgm:style>
+      <a:lnRef idx="2">
+        <a:scrgbClr r="0" g="0" b="0"/>
+      </a:lnRef>
+      <a:fillRef idx="1">
+        <a:scrgbClr r="0" g="0" b="0"/>
+      </a:fillRef>
+      <a:effectRef idx="0">
+        <a:scrgbClr r="0" g="0" b="0"/>
+      </a:effectRef>
+      <a:fontRef idx="minor"/>
+    </dgm:style>
+  </dgm:styleLbl>
+  <dgm:styleLbl name="fgAcc4">
+    <dgm:scene3d>
+      <a:camera prst="orthographicFront"/>
+      <a:lightRig rig="threePt" dir="t"/>
+    </dgm:scene3d>
+    <dgm:sp3d/>
+    <dgm:txPr/>
+    <dgm:style>
+      <a:lnRef idx="2">
+        <a:scrgbClr r="0" g="0" b="0"/>
+      </a:lnRef>
+      <a:fillRef idx="1">
+        <a:scrgbClr r="0" g="0" b="0"/>
+      </a:fillRef>
+      <a:effectRef idx="0">
+        <a:scrgbClr r="0" g="0" b="0"/>
+      </a:effectRef>
+      <a:fontRef idx="minor"/>
+    </dgm:style>
+  </dgm:styleLbl>
+  <dgm:styleLbl name="bgShp">
+    <dgm:scene3d>
+      <a:camera prst="orthographicFront"/>
+      <a:lightRig rig="threePt" dir="t"/>
+    </dgm:scene3d>
+    <dgm:sp3d/>
+    <dgm:txPr/>
+    <dgm:style>
+      <a:lnRef idx="0">
+        <a:scrgbClr r="0" g="0" b="0"/>
+      </a:lnRef>
+      <a:fillRef idx="1">
+        <a:scrgbClr r="0" g="0" b="0"/>
+      </a:fillRef>
+      <a:effectRef idx="0">
+        <a:scrgbClr r="0" g="0" b="0"/>
+      </a:effectRef>
+      <a:fontRef idx="minor"/>
+    </dgm:style>
+  </dgm:styleLbl>
+  <dgm:styleLbl name="dkBgShp">
+    <dgm:scene3d>
+      <a:camera prst="orthographicFront"/>
+      <a:lightRig rig="threePt" dir="t"/>
+    </dgm:scene3d>
+    <dgm:sp3d/>
+    <dgm:txPr/>
+    <dgm:style>
+      <a:lnRef idx="0">
+        <a:scrgbClr r="0" g="0" b="0"/>
+      </a:lnRef>
+      <a:fillRef idx="1">
+        <a:scrgbClr r="0" g="0" b="0"/>
+      </a:fillRef>
+      <a:effectRef idx="0">
+        <a:scrgbClr r="0" g="0" b="0"/>
+      </a:effectRef>
+      <a:fontRef idx="minor"/>
+    </dgm:style>
+  </dgm:styleLbl>
+  <dgm:styleLbl name="trBgShp">
+    <dgm:scene3d>
+      <a:camera prst="orthographicFront"/>
+      <a:lightRig rig="threePt" dir="t"/>
+    </dgm:scene3d>
+    <dgm:sp3d/>
+    <dgm:txPr/>
+    <dgm:style>
+      <a:lnRef idx="0">
+        <a:scrgbClr r="0" g="0" b="0"/>
+      </a:lnRef>
+      <a:fillRef idx="1">
+        <a:scrgbClr r="0" g="0" b="0"/>
+      </a:fillRef>
+      <a:effectRef idx="0">
+        <a:scrgbClr r="0" g="0" b="0"/>
+      </a:effectRef>
+      <a:fontRef idx="minor"/>
+    </dgm:style>
+  </dgm:styleLbl>
+  <dgm:styleLbl name="fgShp">
+    <dgm:scene3d>
+      <a:camera prst="orthographicFront"/>
+      <a:lightRig rig="threePt" dir="t"/>
+    </dgm:scene3d>
+    <dgm:sp3d/>
+    <dgm:txPr/>
+    <dgm:style>
+      <a:lnRef idx="2">
+        <a:scrgbClr r="0" g="0" b="0"/>
+      </a:lnRef>
+      <a:fillRef idx="1">
+        <a:scrgbClr r="0" g="0" b="0"/>
+      </a:fillRef>
+      <a:effectRef idx="0">
+        <a:scrgbClr r="0" g="0" b="0"/>
+      </a:effectRef>
+      <a:fontRef idx="minor"/>
+    </dgm:style>
+  </dgm:styleLbl>
+  <dgm:styleLbl name="revTx">
+    <dgm:scene3d>
+      <a:camera prst="orthographicFront"/>
+      <a:lightRig rig="threePt" dir="t"/>
+    </dgm:scene3d>
+    <dgm:sp3d/>
+    <dgm:txPr/>
+    <dgm:style>
+      <a:lnRef idx="0">
+        <a:scrgbClr r="0" g="0" b="0"/>
+      </a:lnRef>
+      <a:fillRef idx="0">
+        <a:scrgbClr r="0" g="0" b="0"/>
+      </a:fillRef>
+      <a:effectRef idx="0">
+        <a:scrgbClr r="0" g="0" b="0"/>
+      </a:effectRef>
+      <a:fontRef idx="minor"/>
+    </dgm:style>
+  </dgm:styleLbl>
+</dgm:styleDef>
+</file>
+
+<file path=ppt/ink/ink1.xml><?xml version="1.0" encoding="utf-8"?>
+<inkml:ink xmlns:inkml="http://www.w3.org/2003/InkML">
+  <inkml:definitions>
+    <inkml:context xml:id="ctx0">
+      <inkml:inkSource xml:id="inkSrc0">
+        <inkml:traceFormat>
+          <inkml:channel name="X" type="integer" min="-2.14748E9" max="2.14748E9" units="cm"/>
+          <inkml:channel name="Y" type="integer" min="-2.14748E9" max="2.14748E9" units="cm"/>
+          <inkml:channel name="F" type="integer" max="32767" units="dev"/>
+        </inkml:traceFormat>
+        <inkml:channelProperties>
+          <inkml:channelProperty channel="X" name="resolution" value="1000" units="1/cm"/>
+          <inkml:channelProperty channel="Y" name="resolution" value="1000" units="1/cm"/>
+          <inkml:channelProperty channel="F" name="resolution" value="0" units="1/dev"/>
+        </inkml:channelProperties>
+      </inkml:inkSource>
+      <inkml:timestamp xml:id="ts0" timeString="2022-01-29T19:12:46.821"/>
+    </inkml:context>
+    <inkml:brush xml:id="br0">
+      <inkml:brushProperty name="width" value="0.05" units="cm"/>
+      <inkml:brushProperty name="height" value="0.05" units="cm"/>
+    </inkml:brush>
+  </inkml:definitions>
+  <inkml:trace contextRef="#ctx0" brushRef="#br0">56 2936 5504,'-4'-2'280,"0"-1"0,0 0 1,0 0-1,0 0 0,1-1 0,-1 1 0,1-1 1,0 0-1,0 0 0,0 0 0,1 0 1,0-1-1,-1 1 0,2-1 0,-1 1 1,0-1-1,1 0 0,0 0 0,0 1 1,0-1-1,0-8 0,8-56 1384,-6 46-1569,1 1-1,1-1 1,1 1 0,1 0-1,1 0 1,1 0 0,1 1-1,20-37 1,-4 15 12,2 1 0,1 1 0,34-37 0,-14 28-44,2 3 0,86-66 1,-29 27-19,-38 26-34,173-143 130,-160 140-89,96-56 0,156-97-52,-113 70 0,-99 68 64,206-96 0,-297 161-68,518-206 242,-6 29 18,-270 86-128,191-29-37,10 40-32,-364 81-59,53-8 0,188-38 0,325-46 0,-482 84 0,0 9 0,355 26 0,-140 47 277,-231-34 103,5 1 136,49 13 561,-71-15-576,-127-20-637,-25-4-8,0-1 1,0-1-1,0 1 0,0-1 1,0-1-1,0 0 0,1 0 1,15-2-1,-19 1-261,0 0 0,0-1-1,0 1 1,1-1 0,4-3-1,-8 4 260,0 0-1,-1-1 1,1 1-1,0 0 1,-1-1-1,1 1 1,-1-1-1,1 0 1,-1 1-1,0-1 1,0 0-1,0 0 1,0 0-1,2-4 1,3-27-1411</inkml:trace>
+</inkml:ink>
+</file>
+
+<file path=ppt/ink/ink2.xml><?xml version="1.0" encoding="utf-8"?>
+<inkml:ink xmlns:inkml="http://www.w3.org/2003/InkML">
+  <inkml:definitions>
+    <inkml:context xml:id="ctx0">
+      <inkml:inkSource xml:id="inkSrc0">
+        <inkml:traceFormat>
+          <inkml:channel name="X" type="integer" min="-2.14748E9" max="2.14748E9" units="cm"/>
+          <inkml:channel name="Y" type="integer" min="-2.14748E9" max="2.14748E9" units="cm"/>
+          <inkml:channel name="F" type="integer" max="32767" units="dev"/>
+        </inkml:traceFormat>
+        <inkml:channelProperties>
+          <inkml:channelProperty channel="X" name="resolution" value="1000" units="1/cm"/>
+          <inkml:channelProperty channel="Y" name="resolution" value="1000" units="1/cm"/>
+          <inkml:channelProperty channel="F" name="resolution" value="0" units="1/dev"/>
+        </inkml:channelProperties>
+      </inkml:inkSource>
+      <inkml:timestamp xml:id="ts0" timeString="2022-01-29T19:13:03.649"/>
+    </inkml:context>
+    <inkml:brush xml:id="br0">
+      <inkml:brushProperty name="width" value="0.05" units="cm"/>
+      <inkml:brushProperty name="height" value="0.05" units="cm"/>
+      <inkml:brushProperty name="color" value="#E71224"/>
+    </inkml:brush>
+  </inkml:definitions>
+  <inkml:trace contextRef="#ctx0" brushRef="#br0">43 2266 5504,'-17'-8'1495,"16"8"-1354,0-1 1,0 1-1,-1 0 1,1-1 0,0 1-1,0-1 1,-1 1-1,1-1 1,0 1-1,0-1 1,0 0-1,0 0 1,0 0-1,0 1 1,0-1-1,0 0 1,0 0-1,1 0 1,-1 0-1,0-1 1,1 1-1,-1 0 1,1 0-1,-1 0 1,1 0-1,-1-1 1,1 1-1,0 0 1,-1-1-1,1 1 1,0 0-1,0-2 1,3-13-119,1-1-1,0 1 1,1 1-1,1-1 1,0 1-1,2 0 1,-1 0-1,2 0 1,10-13-1,14-15 294,59-57-1,-34 40 88,187-225 1026,-214 246-1268,146-172 403,-107 134-470,-47 49-40,2 2 0,37-33 0,214-126 240,-205 141-204,105-57-68,171-92-22,34-8 169,-152 77-61,-182 101-67,2 2 1,83-25 0,107-8 68,-31 11-107,199-31 143,-268 61-119,-1 6-1,1 6 1,262 32-1,-335-22-20,386 46 116,-62 4 44,3 1 31,-83-22-175,87 7-1,-114-12 192,0 7-64,103 32-21,52-3 346,55 12 162,-487-79-632,463 110 568,-446-105-539,887 273 574,-745-213-459,-50-18 88,-52-20-23,70 42 0,24 12 1,-70-43-86,141 87 0,-181-97-15,1-2 1,59 25 0,-14-4 26,-34-16-24,75 43-38,-50-26 15,165 121 4,-177-117-88,232 183 119,-282-220-32,0-2-1,38 19 0,-33-20 29,33 24 0,0 10 110,-22-34-127,-15-7-87,-23-7-16,1 0-1,0 0 1,0 0-1,0 0 1,0 0-1,0 0 1,-1 0-1,1 0 1,0 1-1,0-1 1,0 0-1,0 0 0,-1 1 1,1-1-1,0 1 1,0-1-1,-1 1 1,1-1-1,0 1 1,-1-1-1,1 1 1,0-1-1,-1 1 1,1 0-1,-1-1 1,1 1-1,-1 0 1,0 0-1,1 0 0,0 1 1,-1-1-3,1 0 1,-1 1-1,1-1 0,-1 0 1,1 0-1,0 1 1,0-1-1,0 0 0,0 0 1,0 0-1,0 0 1,0 0-1,0 0 0,0 0 1,0-1-1,0 1 0,1 0 1,1 0-1,12 12-6,-12-6 73,-3-6-45,0 1-1,1-1 1,-1 0 0,1 1-1,0-1 1,-1 0 0,1 0-1,0 0 1,0 0 0,0 1 0,0-1-1,1 1 1,10 6 212,-11-8-227,-1 0 0,0 0 0,0 0-1,1 0 1,-1 1 0,0-1 0,0 0-1,1 0 1,-1 0 0,0 0-1,0 0 1,1 0 0,-1 1 0,0-1-1,0 0 1,0 0 0,1 0 0,-1 0-1,0 1 1,0-1 0,0 0 0,0 0-1,0 1 1,1-1 0,-1 0 0,0 0-1,0 0 1,0 1 0,0-1 0,0 0-1,0 0 1,0 1 0,0-1 0,0 0-1,0 1 1,0-1 0,0 0 0,0 0-1,0 1 1,0-1 0,0 0 0,0 0-1,0 1 1,0-1 0,0 0 0,-1 0-1,1 1 1,0-1 0,0 0 0,0 0-1,0 0 1,-1 1 0,1-1 0,0 0-1,-1 1 1,-1 2 62,6 12-20,3-5-53,-7-10 3,0 0 0,0 0 1,0 0-1,0 0 1,-1 0-1,1 0 0,0 0 1,0 0-1,0 0 0,0 0 1,0 0-1,0 0 1,0 0-1,0 0 0,0 0 1,0 0-1,0 0 0,0 0 1,0 0-1,0 0 1,0 0-1,0 0 0,0 0 1,0 0-1,0 0 0,0 0 1,0 1-1,0-1 1,0 0-1,0 0 0,0 0 1,0 0-1,0 0 0,0 0 1,0 0-1,0 0 1,0 0-1,0 0 0,0 0 1,0 0-1,0 0 0,0 0 1,0 0-1,0 0 1,-7 0 92,-18 4-50,-23-7 154,45 2-182,-1 0 0,0 0 0,1 0 0,0-1 0,-1 0 0,1 1 0,0-1 0,0 0 0,0-1 0,-4-2 0,3 2-10,0 0-1,0 0 0,-1 0 1,1 1-1,-1-1 1,0 1-1,0 1 0,0-1 1,0 1-1,0-1 1,-7 0-1,-8 0 31,-32 1 0,34 2-30,-6-1-5,-81-3 0,93 1 0,-1 0 0,1 0 0,0-1 0,-1 0 0,1-1 0,-14-7 0,3 1 35,-2 0 0,1 2-1,-1 0 1,0 2 0,-1 1-1,1 1 1,-45-1 0,-82-11 93,124 11-75,17 2-72,-1 1 1,0 0-1,-14 0 0,21 2 19,2 1 0,0-1 0,0 0 0,0 0 0,0 0 0,0 0 0,1 0 0,-1-1 0,0 0 0,0 1 0,0-1 0,0 0 0,1 0 0,-1-1 0,0 1 0,1 0 0,-1-1 0,-3-3 0,23 13-70,0 0-1,35 9 0,-20-6 27,28 11 36,-23-8-17,1-1 1,-1-1-1,66 10 1,-75-19 16,166 12 122,-127-16-64,-1 3 0,128 21 0,-101-7 66,32 7-126,-12 2-118,-102-22 150,-1-1-1,1 0 0,0-1 1,16 0-1,-25-2-8,7 7 17,-8-5 76,-2-1 1,0-1-101,-1 1 1,1-1-1,-1 1 1,1-1-1,0 1 1,-1-1-1,1 0 1,0 0-1,0 0 1,-1 0-1,1 0 1,0 0-1,0 0 1,0 0-1,0-1 1,1 1-1,-1 0 1,0-1-1,0 1 1,1 0-1,-1-1 1,0-1-1,-3-10 14,0 0 0,-2 0 0,-12-23 0,9 18 7,-86-178 144,39 89-61,-12-27-92,10-23 88,26 77-150,5 15-18,17 42 40,10 17 22,0 5-1,0 1 1,0 0-1,0 0 0,0 0 0,0-1 0,0 1 1,0 0-1,0 0 0,1 0 0,-1 0 0,0-1 0,0 1 1,0 0-1,0 0 0,0 0 0,0 0 0,0-1 1,0 1-1,0 0 0,1 0 0,-1 0 0,0 0 1,0 0-1,0-1 0,0 1 0,0 0 0,1 0 1,-1 0-1,0 0 0,0 0 0,0 0 0,1 0 1,-1 0-1,0 0 0,0 0 0,0 0 0,0 0 0,1 0 1,-1 0-1,0 0 0,0 0 0,0 0 0,1 0 1,-1 0-1,0 0 0,0 0 0,0 0 0,1 0 1,1 0-124,-1-11-139,-1 11 220,0 0-13,0 0-1,0-1 0,0 1 0,0 0 0,-1 0 0,1 0 0,0-1 0,0 1 0,0 0 1,0 0-1,0 0 0,0-1 0,0 1 0,0 0 0,0 0 0,0 0 0,0-1 0,0 1 0,1 0 1,-1 0-1,0 0 0,0-1 0,0 1 0,0 0 0,0 0 0,0 0 0,0 0 0,0-1 0,1 1 1,-1 0-1,0 0 0,0 0 0,0 0 0,0 0 0,0 0 0,1-1 0,-1 1 0,0 0 0,0 0 1,0 0-1,1 0 0,-1 0 0,0 0 0,0 0 0,0 0 0,1 0 0,-1 0 0,0 0 0,0 0 1,0 0-1,1 0 0,-1 0 0,0 0 0,0 0 0,0 0 0,1 0 0,3 4-1095</inkml:trace>
+</inkml:ink>
+</file>
+
+<file path=ppt/ink/ink3.xml><?xml version="1.0" encoding="utf-8"?>
+<inkml:ink xmlns:inkml="http://www.w3.org/2003/InkML">
+  <inkml:definitions>
+    <inkml:context xml:id="ctx0">
+      <inkml:inkSource xml:id="inkSrc0">
+        <inkml:traceFormat>
+          <inkml:channel name="X" type="integer" min="-2.14748E9" max="2.14748E9" units="cm"/>
+          <inkml:channel name="Y" type="integer" min="-2.14748E9" max="2.14748E9" units="cm"/>
+          <inkml:channel name="F" type="integer" max="32767" units="dev"/>
+        </inkml:traceFormat>
+        <inkml:channelProperties>
+          <inkml:channelProperty channel="X" name="resolution" value="1000" units="1/cm"/>
+          <inkml:channelProperty channel="Y" name="resolution" value="1000" units="1/cm"/>
+          <inkml:channelProperty channel="F" name="resolution" value="0" units="1/dev"/>
+        </inkml:channelProperties>
+      </inkml:inkSource>
+      <inkml:timestamp xml:id="ts0" timeString="2022-01-29T19:13:06.570"/>
+    </inkml:context>
+    <inkml:brush xml:id="br0">
+      <inkml:brushProperty name="width" value="0.05" units="cm"/>
+      <inkml:brushProperty name="height" value="0.05" units="cm"/>
+      <inkml:brushProperty name="color" value="#E71224"/>
+    </inkml:brush>
+  </inkml:definitions>
+  <inkml:trace contextRef="#ctx0" brushRef="#br0">9 2117 5760,'-8'-21'2453,"8"14"2036,5-2-4138,-1 2-242,5-6-63,0 0 1,1 1-1,0 1 0,1-1 0,0 2 1,1-1-1,0 2 0,1 0 0,0 0 0,0 1 1,26-11-1,82-30 475,-63 28-152,91-49 0,253-146 15,65-36 128,-379 203-182,177-73 1,-258 120-309,406-168 809,-297 117-607,1 5 0,3 5 0,194-42 0,18 1-1,-24 4 87,-84 20-20,-62 14-174,-30 5-12,0 0 5,42-7 41,400-89 468,-63 93-535,-179 24 133,261-69 296,-398 59-378,-100 17-55,18 0-15,1 5 0,0 6 0,154 15 0,149 42-46,-210-24 92,-59-8-25,-1 5 1,155 52-1,270 93 64,-448-135-149,64 17 0,-136-43 10,284 64 215,-227-55-83,-1 4 0,186 71 1,-244-78 63,2-3 1,105 18 0,3 0 431,-2 15-382,-100-31-224,-40-12 5,32 12 1,160 83-15,25 11-25,-9 3 9,-185-92 8,210 104 326,-166-82-277,57 33 21,126 103 43,-223-148-63,61 56-1,-61-49 10,52 36 1,-75-60 16,0 2 0,-1 1 1,-1 0-1,-1 2 1,-1 0-1,17 24 1,42 43 420,-69-79-485,-1-1 0,1 0 0,12 8 0,0 0 78,-20-14-104,1-1-1,-1 0 1,0 0-1,0 1 1,1-1 0,-1 0-1,0 1 1,0-1 0,0 0-1,0 0 1,1 1 0,-1-1-1,0 0 1,0 1 0,0-1-1,0 0 1,0 1-1,0-1 1,0 1 0,0-1-1,0 0 1,0 1 0,0-1-1,0 0 1,0 1 0,0-1-1,0 0 1,0 1 0,0-1-1,-1 0 1,1 1 0,0-1-1,0 1 2,0-1 0,0 0 0,0 1 0,0-1 0,0 0 0,0 1 0,0-1 1,0 0-1,0 1 0,0-1 0,0 0 0,0 0 0,0 1 0,0-1 0,0 0 0,1 1 0,-1-1 0,0 0 0,0 0 0,0 1 0,0-1 0,1 0 0,-1 0 0,0 1 0,0-1 0,1 0 0,-1 0 0,0 0 0,0 1 0,1-1 0,-1 0 0,0 0 0,1 0 1,-1 0-1,0 0 0,1 0 0,17 7 129,-8-3-82,-5-3-57,-1 1 0,0 0 0,1-1 0,-1 0 0,1 0 0,-1 0 0,6 0 0,-8-1-312,-3-4-512,1 1 555,-1 0 0,0 0 0,0 0-1,0 1 1,-1-1 0,1 0 0,-1 0-1,1 1 1,-1-1 0,0 1 0,-3-4-1,1 0-171,-21-27-959</inkml:trace>
+</inkml:ink>
+</file>
+
+<file path=ppt/ink/ink4.xml><?xml version="1.0" encoding="utf-8"?>
+<inkml:ink xmlns:inkml="http://www.w3.org/2003/InkML">
+  <inkml:definitions>
+    <inkml:context xml:id="ctx0">
+      <inkml:inkSource xml:id="inkSrc0">
+        <inkml:traceFormat>
+          <inkml:channel name="X" type="integer" min="-2.14748E9" max="2.14748E9" units="cm"/>
+          <inkml:channel name="Y" type="integer" min="-2.14748E9" max="2.14748E9" units="cm"/>
+          <inkml:channel name="F" type="integer" max="32767" units="dev"/>
+        </inkml:traceFormat>
+        <inkml:channelProperties>
+          <inkml:channelProperty channel="X" name="resolution" value="1000" units="1/cm"/>
+          <inkml:channelProperty channel="Y" name="resolution" value="1000" units="1/cm"/>
+          <inkml:channelProperty channel="F" name="resolution" value="0" units="1/dev"/>
+        </inkml:channelProperties>
+      </inkml:inkSource>
+      <inkml:timestamp xml:id="ts0" timeString="2022-01-29T19:13:14.695"/>
+    </inkml:context>
+    <inkml:brush xml:id="br0">
+      <inkml:brushProperty name="width" value="0.05" units="cm"/>
+      <inkml:brushProperty name="height" value="0.05" units="cm"/>
+      <inkml:brushProperty name="color" value="#E71224"/>
+    </inkml:brush>
+  </inkml:definitions>
+  <inkml:trace contextRef="#ctx0" brushRef="#br0">156 735 4352,'-2'-1'204,"0"1"-1,0-1 1,0 1-1,0 0 1,0 0 0,0 0-1,0 0 1,0 0 0,0 0-1,0 0 1,-3 2 0,-1-2 2152,6 0-2342,0 0 1,-1-1-1,1 1 1,0 0-1,0-1 1,0 1-1,0 0 1,-1 0-1,1-1 1,0 1-1,0 0 1,-1 0-1,1-1 1,0 1-1,0 0 1,-1 0-1,1 0 1,0 0-1,-1 0 1,1-1-1,0 1 1,-1 0-1,1 0 1,0 0-1,-1 0 1,1 0-1,0 0 1,-1 0-1,1 0 1,0 0-1,-1 0 1,1 0-1,0 0 1,-1 0-1,1 0 1,-1 1-1,-14 6 126,4-1 37,8-5 39,0-1 1,-1 0-1,1 0 1,0 0-1,-1 0 0,1-1 1,0 0-1,0 1 0,0-1 1,0 0-1,-1 0 1,1-1-1,0 1 0,1-1 1,-1 1-1,0-1 0,0 0 1,1 0-1,-1 0 1,-1-3-1,-12 0 1482,11 6 721,13 3-2234,-1 0 0,0 0 0,0 0-1,0 1 1,11 11 0,20 13 135,-11-13-111,2-2 0,0-1-1,49 14 1,95 16 262,-109-29-262,-19-1-45,67 28 0,0 0 148,6-4 83,214 96-1,-215-75-61,133 69 1510,-192-83-1096,-57-44-740,0 1 0,1 0 0,-1-1 0,0 1 0,0 0 1,0 0-1,0 0 0,0 0 0,0 0 0,0 0 0,-1 0 0,1 0 0,0 0 0,0 1 1,-1-1-1,1 0 0,-1 0 0,1 1 0,-1-1 0,0 0 0,0 1 0,1-1 0,-1 3 1,1-3 77,0-5-78,-1 1 0,1-1 0,0 0 0,-1 0 0,0-6 1,0-20 69,-1 0 0,-1 0 1,-1 0-1,-2 0 0,-1 1 1,-2 0-1,-17-46 0,-51-114 292,13 31-98,32 86-222,-86-184 30,-114-121-5092,213 346 2880,1-7 63</inkml:trace>
+</inkml:ink>
+</file>
+
 <file path=ppt/slideLayouts/slideLayout1.xml><?xml version="1.0" encoding="utf-8"?>
 <p:sldLayout xmlns:a="http://schemas.openxmlformats.org/drawingml/2006/main" xmlns:r="http://schemas.openxmlformats.org/officeDocument/2006/relationships" xmlns:p="http://schemas.openxmlformats.org/presentationml/2006/main" type="title" preserve="1">
   <p:cSld name="Title Slide">
@@ -394,7 +4415,7 @@
           <a:p>
             <a:fld id="{D5F7E811-D833-489F-BCCE-9024A83463F2}" type="datetimeFigureOut">
               <a:rPr lang="en-US" smtClean="0"/>
-              <a:t>9/22/2020</a:t>
+              <a:t>1/29/2022</a:t>
             </a:fld>
             <a:endParaRPr lang="en-US"/>
           </a:p>
@@ -592,7 +4613,7 @@
           <a:p>
             <a:fld id="{D5F7E811-D833-489F-BCCE-9024A83463F2}" type="datetimeFigureOut">
               <a:rPr lang="en-US" smtClean="0"/>
-              <a:t>9/22/2020</a:t>
+              <a:t>1/29/2022</a:t>
             </a:fld>
             <a:endParaRPr lang="en-US"/>
           </a:p>
@@ -800,7 +4821,7 @@
           <a:p>
             <a:fld id="{D5F7E811-D833-489F-BCCE-9024A83463F2}" type="datetimeFigureOut">
               <a:rPr lang="en-US" smtClean="0"/>
-              <a:t>9/22/2020</a:t>
+              <a:t>1/29/2022</a:t>
             </a:fld>
             <a:endParaRPr lang="en-US"/>
           </a:p>
@@ -998,7 +5019,7 @@
           <a:p>
             <a:fld id="{D5F7E811-D833-489F-BCCE-9024A83463F2}" type="datetimeFigureOut">
               <a:rPr lang="en-US" smtClean="0"/>
-              <a:t>9/22/2020</a:t>
+              <a:t>1/29/2022</a:t>
             </a:fld>
             <a:endParaRPr lang="en-US"/>
           </a:p>
@@ -1273,7 +5294,7 @@
           <a:p>
             <a:fld id="{D5F7E811-D833-489F-BCCE-9024A83463F2}" type="datetimeFigureOut">
               <a:rPr lang="en-US" smtClean="0"/>
-              <a:t>9/22/2020</a:t>
+              <a:t>1/29/2022</a:t>
             </a:fld>
             <a:endParaRPr lang="en-US"/>
           </a:p>
@@ -1538,7 +5559,7 @@
           <a:p>
             <a:fld id="{D5F7E811-D833-489F-BCCE-9024A83463F2}" type="datetimeFigureOut">
               <a:rPr lang="en-US" smtClean="0"/>
-              <a:t>9/22/2020</a:t>
+              <a:t>1/29/2022</a:t>
             </a:fld>
             <a:endParaRPr lang="en-US"/>
           </a:p>
@@ -1950,7 +5971,7 @@
           <a:p>
             <a:fld id="{D5F7E811-D833-489F-BCCE-9024A83463F2}" type="datetimeFigureOut">
               <a:rPr lang="en-US" smtClean="0"/>
-              <a:t>9/22/2020</a:t>
+              <a:t>1/29/2022</a:t>
             </a:fld>
             <a:endParaRPr lang="en-US"/>
           </a:p>
@@ -2091,7 +6112,7 @@
           <a:p>
             <a:fld id="{D5F7E811-D833-489F-BCCE-9024A83463F2}" type="datetimeFigureOut">
               <a:rPr lang="en-US" smtClean="0"/>
-              <a:t>9/22/2020</a:t>
+              <a:t>1/29/2022</a:t>
             </a:fld>
             <a:endParaRPr lang="en-US"/>
           </a:p>
@@ -2204,7 +6225,7 @@
           <a:p>
             <a:fld id="{D5F7E811-D833-489F-BCCE-9024A83463F2}" type="datetimeFigureOut">
               <a:rPr lang="en-US" smtClean="0"/>
-              <a:t>9/22/2020</a:t>
+              <a:t>1/29/2022</a:t>
             </a:fld>
             <a:endParaRPr lang="en-US"/>
           </a:p>
@@ -2515,7 +6536,7 @@
           <a:p>
             <a:fld id="{D5F7E811-D833-489F-BCCE-9024A83463F2}" type="datetimeFigureOut">
               <a:rPr lang="en-US" smtClean="0"/>
-              <a:t>9/22/2020</a:t>
+              <a:t>1/29/2022</a:t>
             </a:fld>
             <a:endParaRPr lang="en-US"/>
           </a:p>
@@ -2803,7 +6824,7 @@
           <a:p>
             <a:fld id="{D5F7E811-D833-489F-BCCE-9024A83463F2}" type="datetimeFigureOut">
               <a:rPr lang="en-US" smtClean="0"/>
-              <a:t>9/22/2020</a:t>
+              <a:t>1/29/2022</a:t>
             </a:fld>
             <a:endParaRPr lang="en-US"/>
           </a:p>
@@ -3044,7 +7065,7 @@
           <a:p>
             <a:fld id="{D5F7E811-D833-489F-BCCE-9024A83463F2}" type="datetimeFigureOut">
               <a:rPr lang="en-US" smtClean="0"/>
-              <a:t>9/22/2020</a:t>
+              <a:t>1/29/2022</a:t>
             </a:fld>
             <a:endParaRPr lang="en-US"/>
           </a:p>
@@ -3617,7 +7638,7 @@
         </p:nvSpPr>
         <p:spPr>
           <a:xfrm>
-            <a:off x="3045368" y="2043663"/>
+            <a:off x="3045368" y="1364394"/>
             <a:ext cx="6105194" cy="2031055"/>
           </a:xfrm>
         </p:spPr>
@@ -3628,12 +7649,12 @@
           <a:lstStyle/>
           <a:p>
             <a:r>
-              <a:rPr lang="en-US">
+              <a:rPr lang="en-US" dirty="0">
                 <a:solidFill>
                   <a:srgbClr val="FFFFFF"/>
                 </a:solidFill>
               </a:rPr>
-              <a:t>Kanban 101 </a:t>
+              <a:t>Kanban Boards -101 </a:t>
             </a:r>
           </a:p>
         </p:txBody>
@@ -3674,10 +7695,405 @@
           </a:p>
         </p:txBody>
       </p:sp>
+      <p:pic>
+        <p:nvPicPr>
+          <p:cNvPr id="6" name="Picture 2">
+            <a:extLst>
+              <a:ext uri="{FF2B5EF4-FFF2-40B4-BE49-F238E27FC236}">
+                <a16:creationId xmlns:a16="http://schemas.microsoft.com/office/drawing/2014/main" id="{AF294141-2457-4575-BADD-8F18744C1EE7}"/>
+              </a:ext>
+            </a:extLst>
+          </p:cNvPr>
+          <p:cNvPicPr>
+            <a:picLocks noChangeAspect="1" noChangeArrowheads="1"/>
+          </p:cNvPicPr>
+          <p:nvPr/>
+        </p:nvPicPr>
+        <p:blipFill>
+          <a:blip r:embed="rId3">
+            <a:extLst>
+              <a:ext uri="{28A0092B-C50C-407E-A947-70E740481C1C}">
+                <a14:useLocalDpi xmlns:a14="http://schemas.microsoft.com/office/drawing/2010/main" val="0"/>
+              </a:ext>
+            </a:extLst>
+          </a:blip>
+          <a:srcRect/>
+          <a:stretch>
+            <a:fillRect/>
+          </a:stretch>
+        </p:blipFill>
+        <p:spPr bwMode="auto">
+          <a:xfrm>
+            <a:off x="290946" y="3980513"/>
+            <a:ext cx="11163300" cy="2452147"/>
+          </a:xfrm>
+          <a:prstGeom prst="rect">
+            <a:avLst/>
+          </a:prstGeom>
+          <a:noFill/>
+          <a:extLst>
+            <a:ext uri="{909E8E84-426E-40DD-AFC4-6F175D3DCCD1}">
+              <a14:hiddenFill xmlns:a14="http://schemas.microsoft.com/office/drawing/2010/main">
+                <a:solidFill>
+                  <a:srgbClr val="FFFFFF"/>
+                </a:solidFill>
+              </a14:hiddenFill>
+            </a:ext>
+          </a:extLst>
+        </p:spPr>
+      </p:pic>
     </p:spTree>
     <p:extLst>
       <p:ext uri="{BB962C8B-B14F-4D97-AF65-F5344CB8AC3E}">
         <p14:creationId xmlns:p14="http://schemas.microsoft.com/office/powerpoint/2010/main" val="3864855308"/>
+      </p:ext>
+    </p:extLst>
+  </p:cSld>
+  <p:clrMapOvr>
+    <a:masterClrMapping/>
+  </p:clrMapOvr>
+</p:sld>
+</file>
+
+<file path=ppt/slides/slide10.xml><?xml version="1.0" encoding="utf-8"?>
+<p:sld xmlns:a="http://schemas.openxmlformats.org/drawingml/2006/main" xmlns:r="http://schemas.openxmlformats.org/officeDocument/2006/relationships" xmlns:p="http://schemas.openxmlformats.org/presentationml/2006/main">
+  <p:cSld>
+    <p:spTree>
+      <p:nvGrpSpPr>
+        <p:cNvPr id="1" name=""/>
+        <p:cNvGrpSpPr/>
+        <p:nvPr/>
+      </p:nvGrpSpPr>
+      <p:grpSpPr>
+        <a:xfrm>
+          <a:off x="0" y="0"/>
+          <a:ext cx="0" cy="0"/>
+          <a:chOff x="0" y="0"/>
+          <a:chExt cx="0" cy="0"/>
+        </a:xfrm>
+      </p:grpSpPr>
+      <p:sp>
+        <p:nvSpPr>
+          <p:cNvPr id="2" name="Title 1">
+            <a:extLst>
+              <a:ext uri="{FF2B5EF4-FFF2-40B4-BE49-F238E27FC236}">
+                <a16:creationId xmlns:a16="http://schemas.microsoft.com/office/drawing/2014/main" id="{41A4E17B-F8AA-4136-A70A-7E509B616E90}"/>
+              </a:ext>
+            </a:extLst>
+          </p:cNvPr>
+          <p:cNvSpPr>
+            <a:spLocks noGrp="1"/>
+          </p:cNvSpPr>
+          <p:nvPr>
+            <p:ph type="title"/>
+          </p:nvPr>
+        </p:nvSpPr>
+        <p:spPr/>
+        <p:txBody>
+          <a:bodyPr/>
+          <a:lstStyle/>
+          <a:p>
+            <a:r>
+              <a:rPr lang="en-US"/>
+              <a:t>Notes can have rich markdown</a:t>
+            </a:r>
+          </a:p>
+        </p:txBody>
+      </p:sp>
+      <p:sp>
+        <p:nvSpPr>
+          <p:cNvPr id="3" name="Content Placeholder 2">
+            <a:extLst>
+              <a:ext uri="{FF2B5EF4-FFF2-40B4-BE49-F238E27FC236}">
+                <a16:creationId xmlns:a16="http://schemas.microsoft.com/office/drawing/2014/main" id="{9D702CA8-6D83-4145-A382-607761FE931E}"/>
+              </a:ext>
+            </a:extLst>
+          </p:cNvPr>
+          <p:cNvSpPr>
+            <a:spLocks noGrp="1"/>
+          </p:cNvSpPr>
+          <p:nvPr>
+            <p:ph idx="1"/>
+          </p:nvPr>
+        </p:nvSpPr>
+        <p:spPr/>
+        <p:txBody>
+          <a:bodyPr/>
+          <a:lstStyle/>
+          <a:p>
+            <a:endParaRPr lang="en-US"/>
+          </a:p>
+        </p:txBody>
+      </p:sp>
+      <p:pic>
+        <p:nvPicPr>
+          <p:cNvPr id="7" name="Picture 6">
+            <a:extLst>
+              <a:ext uri="{FF2B5EF4-FFF2-40B4-BE49-F238E27FC236}">
+                <a16:creationId xmlns:a16="http://schemas.microsoft.com/office/drawing/2014/main" id="{270AACDC-D727-481F-A27F-2E461822EE9C}"/>
+              </a:ext>
+            </a:extLst>
+          </p:cNvPr>
+          <p:cNvPicPr>
+            <a:picLocks noChangeAspect="1"/>
+          </p:cNvPicPr>
+          <p:nvPr/>
+        </p:nvPicPr>
+        <p:blipFill>
+          <a:blip r:embed="rId2"/>
+          <a:stretch>
+            <a:fillRect/>
+          </a:stretch>
+        </p:blipFill>
+        <p:spPr>
+          <a:xfrm>
+            <a:off x="0" y="1498600"/>
+            <a:ext cx="6580584" cy="5359400"/>
+          </a:xfrm>
+          <a:prstGeom prst="rect">
+            <a:avLst/>
+          </a:prstGeom>
+        </p:spPr>
+      </p:pic>
+      <p:pic>
+        <p:nvPicPr>
+          <p:cNvPr id="9" name="Picture 8">
+            <a:extLst>
+              <a:ext uri="{FF2B5EF4-FFF2-40B4-BE49-F238E27FC236}">
+                <a16:creationId xmlns:a16="http://schemas.microsoft.com/office/drawing/2014/main" id="{B5602A1D-F403-43CA-BB18-B34DD64CB4DE}"/>
+              </a:ext>
+            </a:extLst>
+          </p:cNvPr>
+          <p:cNvPicPr>
+            <a:picLocks noChangeAspect="1"/>
+          </p:cNvPicPr>
+          <p:nvPr/>
+        </p:nvPicPr>
+        <p:blipFill>
+          <a:blip r:embed="rId3"/>
+          <a:stretch>
+            <a:fillRect/>
+          </a:stretch>
+        </p:blipFill>
+        <p:spPr>
+          <a:xfrm>
+            <a:off x="6580584" y="1592451"/>
+            <a:ext cx="5814030" cy="4817686"/>
+          </a:xfrm>
+          <a:prstGeom prst="rect">
+            <a:avLst/>
+          </a:prstGeom>
+        </p:spPr>
+      </p:pic>
+    </p:spTree>
+    <p:extLst>
+      <p:ext uri="{BB962C8B-B14F-4D97-AF65-F5344CB8AC3E}">
+        <p14:creationId xmlns:p14="http://schemas.microsoft.com/office/powerpoint/2010/main" val="1094553478"/>
+      </p:ext>
+    </p:extLst>
+  </p:cSld>
+  <p:clrMapOvr>
+    <a:masterClrMapping/>
+  </p:clrMapOvr>
+</p:sld>
+</file>
+
+<file path=ppt/slides/slide11.xml><?xml version="1.0" encoding="utf-8"?>
+<p:sld xmlns:a="http://schemas.openxmlformats.org/drawingml/2006/main" xmlns:r="http://schemas.openxmlformats.org/officeDocument/2006/relationships" xmlns:p="http://schemas.openxmlformats.org/presentationml/2006/main">
+  <p:cSld>
+    <p:spTree>
+      <p:nvGrpSpPr>
+        <p:cNvPr id="1" name=""/>
+        <p:cNvGrpSpPr/>
+        <p:nvPr/>
+      </p:nvGrpSpPr>
+      <p:grpSpPr>
+        <a:xfrm>
+          <a:off x="0" y="0"/>
+          <a:ext cx="0" cy="0"/>
+          <a:chOff x="0" y="0"/>
+          <a:chExt cx="0" cy="0"/>
+        </a:xfrm>
+      </p:grpSpPr>
+      <p:sp>
+        <p:nvSpPr>
+          <p:cNvPr id="2" name="Title 1">
+            <a:extLst>
+              <a:ext uri="{FF2B5EF4-FFF2-40B4-BE49-F238E27FC236}">
+                <a16:creationId xmlns:a16="http://schemas.microsoft.com/office/drawing/2014/main" id="{B4B6DCAD-D826-4CE6-AF2C-6F0DAFE22673}"/>
+              </a:ext>
+            </a:extLst>
+          </p:cNvPr>
+          <p:cNvSpPr>
+            <a:spLocks noGrp="1"/>
+          </p:cNvSpPr>
+          <p:nvPr>
+            <p:ph type="title"/>
+          </p:nvPr>
+        </p:nvSpPr>
+        <p:spPr/>
+        <p:txBody>
+          <a:bodyPr/>
+          <a:lstStyle/>
+          <a:p>
+            <a:r>
+              <a:rPr lang="en-US" dirty="0"/>
+              <a:t>Background and resources</a:t>
+            </a:r>
+          </a:p>
+        </p:txBody>
+      </p:sp>
+      <p:sp>
+        <p:nvSpPr>
+          <p:cNvPr id="3" name="Content Placeholder 2">
+            <a:extLst>
+              <a:ext uri="{FF2B5EF4-FFF2-40B4-BE49-F238E27FC236}">
+                <a16:creationId xmlns:a16="http://schemas.microsoft.com/office/drawing/2014/main" id="{08699EFF-C40C-456E-8E46-8568EC9CF853}"/>
+              </a:ext>
+            </a:extLst>
+          </p:cNvPr>
+          <p:cNvSpPr>
+            <a:spLocks noGrp="1"/>
+          </p:cNvSpPr>
+          <p:nvPr>
+            <p:ph idx="1"/>
+          </p:nvPr>
+        </p:nvSpPr>
+        <p:spPr/>
+        <p:txBody>
+          <a:bodyPr/>
+          <a:lstStyle/>
+          <a:p>
+            <a:r>
+              <a:rPr lang="en-US" dirty="0">
+                <a:hlinkClick r:id="rId2"/>
+              </a:rPr>
+              <a:t>https://www.atlassian.com/agile/kanban/boards</a:t>
+            </a:r>
+            <a:r>
+              <a:rPr lang="en-US" dirty="0"/>
+              <a:t> </a:t>
+            </a:r>
+          </a:p>
+        </p:txBody>
+      </p:sp>
+    </p:spTree>
+    <p:extLst>
+      <p:ext uri="{BB962C8B-B14F-4D97-AF65-F5344CB8AC3E}">
+        <p14:creationId xmlns:p14="http://schemas.microsoft.com/office/powerpoint/2010/main" val="89963779"/>
+      </p:ext>
+    </p:extLst>
+  </p:cSld>
+  <p:clrMapOvr>
+    <a:masterClrMapping/>
+  </p:clrMapOvr>
+</p:sld>
+</file>
+
+<file path=ppt/slides/slide12.xml><?xml version="1.0" encoding="utf-8"?>
+<p:sld xmlns:a="http://schemas.openxmlformats.org/drawingml/2006/main" xmlns:r="http://schemas.openxmlformats.org/officeDocument/2006/relationships" xmlns:p="http://schemas.openxmlformats.org/presentationml/2006/main">
+  <p:cSld>
+    <p:spTree>
+      <p:nvGrpSpPr>
+        <p:cNvPr id="1" name=""/>
+        <p:cNvGrpSpPr/>
+        <p:nvPr/>
+      </p:nvGrpSpPr>
+      <p:grpSpPr>
+        <a:xfrm>
+          <a:off x="0" y="0"/>
+          <a:ext cx="0" cy="0"/>
+          <a:chOff x="0" y="0"/>
+          <a:chExt cx="0" cy="0"/>
+        </a:xfrm>
+      </p:grpSpPr>
+      <p:sp>
+        <p:nvSpPr>
+          <p:cNvPr id="2" name="Title 1">
+            <a:extLst>
+              <a:ext uri="{FF2B5EF4-FFF2-40B4-BE49-F238E27FC236}">
+                <a16:creationId xmlns:a16="http://schemas.microsoft.com/office/drawing/2014/main" id="{29D08489-46B6-47AC-A4E1-A40FCF3E7B81}"/>
+              </a:ext>
+            </a:extLst>
+          </p:cNvPr>
+          <p:cNvSpPr>
+            <a:spLocks noGrp="1"/>
+          </p:cNvSpPr>
+          <p:nvPr>
+            <p:ph type="title"/>
+          </p:nvPr>
+        </p:nvSpPr>
+        <p:spPr/>
+        <p:txBody>
+          <a:bodyPr/>
+          <a:lstStyle/>
+          <a:p>
+            <a:r>
+              <a:rPr lang="en-US"/>
+              <a:t>Sizing your work</a:t>
+            </a:r>
+          </a:p>
+        </p:txBody>
+      </p:sp>
+      <p:sp>
+        <p:nvSpPr>
+          <p:cNvPr id="3" name="Content Placeholder 2">
+            <a:extLst>
+              <a:ext uri="{FF2B5EF4-FFF2-40B4-BE49-F238E27FC236}">
+                <a16:creationId xmlns:a16="http://schemas.microsoft.com/office/drawing/2014/main" id="{AD1B5B1C-89F5-454A-AE9E-904A9AB6572E}"/>
+              </a:ext>
+            </a:extLst>
+          </p:cNvPr>
+          <p:cNvSpPr>
+            <a:spLocks noGrp="1"/>
+          </p:cNvSpPr>
+          <p:nvPr>
+            <p:ph idx="1"/>
+          </p:nvPr>
+        </p:nvSpPr>
+        <p:spPr/>
+        <p:txBody>
+          <a:bodyPr/>
+          <a:lstStyle/>
+          <a:p>
+            <a:endParaRPr lang="en-US"/>
+          </a:p>
+        </p:txBody>
+      </p:sp>
+      <p:pic>
+        <p:nvPicPr>
+          <p:cNvPr id="4" name="Picture 3">
+            <a:extLst>
+              <a:ext uri="{FF2B5EF4-FFF2-40B4-BE49-F238E27FC236}">
+                <a16:creationId xmlns:a16="http://schemas.microsoft.com/office/drawing/2014/main" id="{49F01922-F082-4B63-AFF8-F8F5D0427501}"/>
+              </a:ext>
+            </a:extLst>
+          </p:cNvPr>
+          <p:cNvPicPr>
+            <a:picLocks noChangeAspect="1"/>
+          </p:cNvPicPr>
+          <p:nvPr/>
+        </p:nvPicPr>
+        <p:blipFill>
+          <a:blip r:embed="rId2"/>
+          <a:stretch>
+            <a:fillRect/>
+          </a:stretch>
+        </p:blipFill>
+        <p:spPr>
+          <a:xfrm>
+            <a:off x="838200" y="1433478"/>
+            <a:ext cx="5619791" cy="4743485"/>
+          </a:xfrm>
+          <a:prstGeom prst="rect">
+            <a:avLst/>
+          </a:prstGeom>
+        </p:spPr>
+      </p:pic>
+    </p:spTree>
+    <p:extLst>
+      <p:ext uri="{BB962C8B-B14F-4D97-AF65-F5344CB8AC3E}">
+        <p14:creationId xmlns:p14="http://schemas.microsoft.com/office/powerpoint/2010/main" val="723089139"/>
       </p:ext>
     </p:extLst>
   </p:cSld>
@@ -3709,7 +8125,7 @@
           <p:cNvPr id="2" name="Title 1">
             <a:extLst>
               <a:ext uri="{FF2B5EF4-FFF2-40B4-BE49-F238E27FC236}">
-                <a16:creationId xmlns:a16="http://schemas.microsoft.com/office/drawing/2014/main" id="{0AE40071-459A-419A-B28E-B53470D1F80B}"/>
+                <a16:creationId xmlns:a16="http://schemas.microsoft.com/office/drawing/2014/main" id="{D3F5D0BD-00AD-4C84-B2F9-C393DD2C991F}"/>
               </a:ext>
             </a:extLst>
           </p:cNvPr>
@@ -3720,14 +8136,19 @@
             <p:ph type="title"/>
           </p:nvPr>
         </p:nvSpPr>
-        <p:spPr/>
+        <p:spPr>
+          <a:xfrm>
+            <a:off x="838200" y="365125"/>
+            <a:ext cx="10515600" cy="1325563"/>
+          </a:xfrm>
+        </p:spPr>
         <p:txBody>
           <a:bodyPr/>
           <a:lstStyle/>
           <a:p>
             <a:r>
-              <a:rPr lang="en-US"/>
-              <a:t>Kanban Principle</a:t>
+              <a:rPr lang="en-US" dirty="0"/>
+              <a:t>Columns in your Kanban board</a:t>
             </a:r>
           </a:p>
         </p:txBody>
@@ -3737,7 +8158,7 @@
           <p:cNvPr id="3" name="Content Placeholder 2">
             <a:extLst>
               <a:ext uri="{FF2B5EF4-FFF2-40B4-BE49-F238E27FC236}">
-                <a16:creationId xmlns:a16="http://schemas.microsoft.com/office/drawing/2014/main" id="{115FAA75-77D6-4A38-AEB6-C8D82EE5F27D}"/>
+                <a16:creationId xmlns:a16="http://schemas.microsoft.com/office/drawing/2014/main" id="{22B3661A-F62E-4E47-BAC7-7875250A497B}"/>
               </a:ext>
             </a:extLst>
           </p:cNvPr>
@@ -3748,131 +8169,109 @@
             <p:ph idx="1"/>
           </p:nvPr>
         </p:nvSpPr>
-        <p:spPr/>
+        <p:spPr>
+          <a:xfrm>
+            <a:off x="838200" y="1825625"/>
+            <a:ext cx="10515600" cy="4351338"/>
+          </a:xfrm>
+        </p:spPr>
         <p:txBody>
-          <a:bodyPr>
-            <a:normAutofit/>
-          </a:bodyPr>
+          <a:bodyPr/>
           <a:lstStyle/>
           <a:p>
-            <a:endParaRPr lang="en-US"/>
-          </a:p>
-          <a:p>
-            <a:pPr marL="514350" indent="-514350">
-              <a:buFont typeface="+mj-lt"/>
-              <a:buAutoNum type="arabicPeriod"/>
-            </a:pPr>
             <a:r>
-              <a:rPr lang="de-DE" b="1" i="1"/>
-              <a:t>Proactivenes </a:t>
+              <a:rPr lang="en-US" dirty="0"/>
+              <a:t>Kanban Board (the example below is in </a:t>
             </a:r>
             <a:r>
-              <a:rPr lang="de-DE"/>
-              <a:t>- </a:t>
+              <a:rPr lang="en-US" dirty="0" err="1"/>
+              <a:t>Github</a:t>
             </a:r>
             <a:r>
-              <a:rPr lang="en-US"/>
-              <a:t>Work is </a:t>
+              <a:rPr lang="en-US" dirty="0"/>
+              <a:t> projects)</a:t>
             </a:r>
+          </a:p>
+          <a:p>
             <a:r>
-              <a:rPr lang="en-US" b="1"/>
-              <a:t>pulled, </a:t>
+              <a:rPr lang="en-US" dirty="0"/>
+              <a:t>You can decide on your column names - the default names are often</a:t>
             </a:r>
+          </a:p>
+          <a:p>
+            <a:pPr lvl="1"/>
             <a:r>
-              <a:rPr lang="en-US"/>
-              <a:t>not pushed</a:t>
+              <a:rPr lang="en-US" dirty="0"/>
+              <a:t>To do</a:t>
             </a:r>
           </a:p>
           <a:p>
-            <a:pPr marL="514350" indent="-514350">
-              <a:buFont typeface="+mj-lt"/>
-              <a:buAutoNum type="arabicPeriod"/>
-            </a:pPr>
+            <a:pPr lvl="1"/>
             <a:r>
-              <a:rPr lang="en-US" b="1"/>
-              <a:t>Transparency</a:t>
+              <a:rPr lang="en-US" dirty="0"/>
+              <a:t>Doing</a:t>
             </a:r>
+          </a:p>
+          <a:p>
+            <a:pPr lvl="1"/>
             <a:r>
-              <a:rPr lang="en-US"/>
-              <a:t> </a:t>
+              <a:rPr lang="en-US" dirty="0"/>
+              <a:t>Done </a:t>
             </a:r>
-            <a:r>
-              <a:rPr lang="en-US" b="1"/>
-              <a:t>- </a:t>
-            </a:r>
-            <a:r>
-              <a:rPr lang="en-US"/>
-              <a:t>Workload is </a:t>
-            </a:r>
-            <a:r>
-              <a:rPr lang="en-US" b="1"/>
-              <a:t>transparent, </a:t>
-            </a:r>
-            <a:r>
-              <a:rPr lang="en-US"/>
-              <a:t>so everyone knows who is doing what</a:t>
-            </a:r>
-          </a:p>
-          <a:p>
-            <a:pPr marL="514350" indent="-514350">
-              <a:buFont typeface="+mj-lt"/>
-              <a:buAutoNum type="arabicPeriod"/>
-            </a:pPr>
-            <a:r>
-              <a:rPr lang="en-US" b="1" i="1"/>
-              <a:t>Definition -</a:t>
-            </a:r>
-            <a:r>
-              <a:rPr lang="en-US"/>
-              <a:t> Everyone </a:t>
-            </a:r>
-            <a:r>
-              <a:rPr lang="en-US" b="1"/>
-              <a:t>defines acceptance criteria </a:t>
-            </a:r>
-            <a:r>
-              <a:rPr lang="en-US"/>
-              <a:t>for each task</a:t>
-            </a:r>
-            <a:endParaRPr lang="en-US" b="1"/>
-          </a:p>
-          <a:p>
-            <a:pPr marL="514350" indent="-514350">
-              <a:buFont typeface="+mj-lt"/>
-              <a:buAutoNum type="arabicPeriod"/>
-            </a:pPr>
-            <a:r>
-              <a:rPr lang="en-US" b="1"/>
-              <a:t>A</a:t>
-            </a:r>
-            <a:r>
-              <a:rPr lang="en-US" b="1" i="1"/>
-              <a:t>greement -</a:t>
-            </a:r>
-            <a:r>
-              <a:rPr lang="en-US"/>
-              <a:t> Everyone </a:t>
-            </a:r>
-            <a:r>
-              <a:rPr lang="en-US" b="1"/>
-              <a:t>agrees </a:t>
-            </a:r>
-            <a:r>
-              <a:rPr lang="en-US"/>
-              <a:t>that the acceptance </a:t>
-            </a:r>
-            <a:r>
-              <a:rPr lang="en-US" b="1"/>
-              <a:t>criteria have been met</a:t>
-            </a:r>
-            <a:endParaRPr lang="en-US"/>
           </a:p>
         </p:txBody>
       </p:sp>
+      <p:pic>
+        <p:nvPicPr>
+          <p:cNvPr id="1026" name="Picture 2">
+            <a:extLst>
+              <a:ext uri="{FF2B5EF4-FFF2-40B4-BE49-F238E27FC236}">
+                <a16:creationId xmlns:a16="http://schemas.microsoft.com/office/drawing/2014/main" id="{F803E806-4E73-4D0A-9EDA-211FCF99508D}"/>
+              </a:ext>
+            </a:extLst>
+          </p:cNvPr>
+          <p:cNvPicPr>
+            <a:picLocks noChangeAspect="1" noChangeArrowheads="1"/>
+          </p:cNvPicPr>
+          <p:nvPr/>
+        </p:nvPicPr>
+        <p:blipFill>
+          <a:blip r:embed="rId2">
+            <a:extLst>
+              <a:ext uri="{28A0092B-C50C-407E-A947-70E740481C1C}">
+                <a14:useLocalDpi xmlns:a14="http://schemas.microsoft.com/office/drawing/2010/main" val="0"/>
+              </a:ext>
+            </a:extLst>
+          </a:blip>
+          <a:srcRect/>
+          <a:stretch>
+            <a:fillRect/>
+          </a:stretch>
+        </p:blipFill>
+        <p:spPr bwMode="auto">
+          <a:xfrm>
+            <a:off x="748146" y="4001294"/>
+            <a:ext cx="11163300" cy="2452147"/>
+          </a:xfrm>
+          <a:prstGeom prst="rect">
+            <a:avLst/>
+          </a:prstGeom>
+          <a:noFill/>
+          <a:extLst>
+            <a:ext uri="{909E8E84-426E-40DD-AFC4-6F175D3DCCD1}">
+              <a14:hiddenFill xmlns:a14="http://schemas.microsoft.com/office/drawing/2010/main">
+                <a:solidFill>
+                  <a:srgbClr val="FFFFFF"/>
+                </a:solidFill>
+              </a14:hiddenFill>
+            </a:ext>
+          </a:extLst>
+        </p:spPr>
+      </p:pic>
     </p:spTree>
     <p:extLst>
       <p:ext uri="{BB962C8B-B14F-4D97-AF65-F5344CB8AC3E}">
-        <p14:creationId xmlns:p14="http://schemas.microsoft.com/office/powerpoint/2010/main" val="2000290990"/>
+        <p14:creationId xmlns:p14="http://schemas.microsoft.com/office/powerpoint/2010/main" val="288223411"/>
       </p:ext>
     </p:extLst>
   </p:cSld>
@@ -3904,6 +8303,268 @@
           <p:cNvPr id="2" name="Title 1">
             <a:extLst>
               <a:ext uri="{FF2B5EF4-FFF2-40B4-BE49-F238E27FC236}">
+                <a16:creationId xmlns:a16="http://schemas.microsoft.com/office/drawing/2014/main" id="{E5480A17-78A9-41F4-9036-60A796CE0B5B}"/>
+              </a:ext>
+            </a:extLst>
+          </p:cNvPr>
+          <p:cNvSpPr>
+            <a:spLocks noGrp="1"/>
+          </p:cNvSpPr>
+          <p:nvPr>
+            <p:ph type="title"/>
+          </p:nvPr>
+        </p:nvSpPr>
+        <p:spPr/>
+        <p:txBody>
+          <a:bodyPr/>
+          <a:lstStyle/>
+          <a:p>
+            <a:r>
+              <a:rPr lang="en-US"/>
+              <a:t>Columns + Cards</a:t>
+            </a:r>
+            <a:endParaRPr lang="en-US" dirty="0"/>
+          </a:p>
+        </p:txBody>
+      </p:sp>
+      <p:sp>
+        <p:nvSpPr>
+          <p:cNvPr id="3" name="Content Placeholder 2">
+            <a:extLst>
+              <a:ext uri="{FF2B5EF4-FFF2-40B4-BE49-F238E27FC236}">
+                <a16:creationId xmlns:a16="http://schemas.microsoft.com/office/drawing/2014/main" id="{A5E85172-B302-4B90-8FEA-3F0721D62802}"/>
+              </a:ext>
+            </a:extLst>
+          </p:cNvPr>
+          <p:cNvSpPr>
+            <a:spLocks noGrp="1"/>
+          </p:cNvSpPr>
+          <p:nvPr>
+            <p:ph idx="1"/>
+          </p:nvPr>
+        </p:nvSpPr>
+        <p:spPr>
+          <a:xfrm>
+            <a:off x="19593" y="1851750"/>
+            <a:ext cx="2897777" cy="4351338"/>
+          </a:xfrm>
+        </p:spPr>
+        <p:txBody>
+          <a:bodyPr/>
+          <a:lstStyle/>
+          <a:p>
+            <a:r>
+              <a:rPr lang="en-US" dirty="0"/>
+              <a:t>3Cs – Card, Conversation, confirmation</a:t>
+            </a:r>
+          </a:p>
+        </p:txBody>
+      </p:sp>
+      <p:pic>
+        <p:nvPicPr>
+          <p:cNvPr id="11" name="Picture 10">
+            <a:extLst>
+              <a:ext uri="{FF2B5EF4-FFF2-40B4-BE49-F238E27FC236}">
+                <a16:creationId xmlns:a16="http://schemas.microsoft.com/office/drawing/2014/main" id="{B328E6E4-2FD4-40A0-B5C6-FF9B87AFF14B}"/>
+              </a:ext>
+            </a:extLst>
+          </p:cNvPr>
+          <p:cNvPicPr>
+            <a:picLocks noChangeAspect="1"/>
+          </p:cNvPicPr>
+          <p:nvPr/>
+        </p:nvPicPr>
+        <p:blipFill>
+          <a:blip r:embed="rId2"/>
+          <a:stretch>
+            <a:fillRect/>
+          </a:stretch>
+        </p:blipFill>
+        <p:spPr>
+          <a:xfrm>
+            <a:off x="72616" y="0"/>
+            <a:ext cx="12046767" cy="6858000"/>
+          </a:xfrm>
+          <a:prstGeom prst="rect">
+            <a:avLst/>
+          </a:prstGeom>
+        </p:spPr>
+      </p:pic>
+    </p:spTree>
+    <p:extLst>
+      <p:ext uri="{BB962C8B-B14F-4D97-AF65-F5344CB8AC3E}">
+        <p14:creationId xmlns:p14="http://schemas.microsoft.com/office/powerpoint/2010/main" val="4280664622"/>
+      </p:ext>
+    </p:extLst>
+  </p:cSld>
+  <p:clrMapOvr>
+    <a:masterClrMapping/>
+  </p:clrMapOvr>
+</p:sld>
+</file>
+
+<file path=ppt/slides/slide4.xml><?xml version="1.0" encoding="utf-8"?>
+<p:sld xmlns:a="http://schemas.openxmlformats.org/drawingml/2006/main" xmlns:r="http://schemas.openxmlformats.org/officeDocument/2006/relationships" xmlns:p="http://schemas.openxmlformats.org/presentationml/2006/main">
+  <p:cSld>
+    <p:spTree>
+      <p:nvGrpSpPr>
+        <p:cNvPr id="1" name=""/>
+        <p:cNvGrpSpPr/>
+        <p:nvPr/>
+      </p:nvGrpSpPr>
+      <p:grpSpPr>
+        <a:xfrm>
+          <a:off x="0" y="0"/>
+          <a:ext cx="0" cy="0"/>
+          <a:chOff x="0" y="0"/>
+          <a:chExt cx="0" cy="0"/>
+        </a:xfrm>
+      </p:grpSpPr>
+      <p:sp>
+        <p:nvSpPr>
+          <p:cNvPr id="2" name="Title 1">
+            <a:extLst>
+              <a:ext uri="{FF2B5EF4-FFF2-40B4-BE49-F238E27FC236}">
+                <a16:creationId xmlns:a16="http://schemas.microsoft.com/office/drawing/2014/main" id="{79804C88-6BFF-444A-90C0-F98559270ADA}"/>
+              </a:ext>
+            </a:extLst>
+          </p:cNvPr>
+          <p:cNvSpPr>
+            <a:spLocks noGrp="1"/>
+          </p:cNvSpPr>
+          <p:nvPr>
+            <p:ph type="title"/>
+          </p:nvPr>
+        </p:nvSpPr>
+        <p:spPr/>
+        <p:txBody>
+          <a:bodyPr/>
+          <a:lstStyle/>
+          <a:p>
+            <a:r>
+              <a:rPr lang="en-US" dirty="0"/>
+              <a:t>What is a Kanban Board?</a:t>
+            </a:r>
+          </a:p>
+        </p:txBody>
+      </p:sp>
+      <p:sp>
+        <p:nvSpPr>
+          <p:cNvPr id="3" name="Content Placeholder 2">
+            <a:extLst>
+              <a:ext uri="{FF2B5EF4-FFF2-40B4-BE49-F238E27FC236}">
+                <a16:creationId xmlns:a16="http://schemas.microsoft.com/office/drawing/2014/main" id="{3179620E-4E96-49A0-96A9-BBFC693B8EBA}"/>
+              </a:ext>
+            </a:extLst>
+          </p:cNvPr>
+          <p:cNvSpPr>
+            <a:spLocks noGrp="1"/>
+          </p:cNvSpPr>
+          <p:nvPr>
+            <p:ph idx="1"/>
+          </p:nvPr>
+        </p:nvSpPr>
+        <p:spPr/>
+        <p:txBody>
+          <a:bodyPr>
+            <a:normAutofit lnSpcReduction="10000"/>
+          </a:bodyPr>
+          <a:lstStyle/>
+          <a:p>
+            <a:r>
+              <a:rPr lang="en-US" dirty="0"/>
+              <a:t>Kanban is a Japanese word meaning visual signal</a:t>
+            </a:r>
+          </a:p>
+          <a:p>
+            <a:r>
+              <a:rPr lang="en-US" dirty="0"/>
+              <a:t>Kanban is an agile methodology, </a:t>
+            </a:r>
+            <a:r>
+              <a:rPr lang="en-US" dirty="0">
+                <a:highlight>
+                  <a:srgbClr val="FFFF00"/>
+                </a:highlight>
+              </a:rPr>
+              <a:t>but</a:t>
+            </a:r>
+            <a:r>
+              <a:rPr lang="en-US" dirty="0"/>
+              <a:t> Kanban, Scrum and DevOps oriented teams all use and generally call their boards “Kanban Boards” or just boards</a:t>
+            </a:r>
+          </a:p>
+          <a:p>
+            <a:r>
+              <a:rPr lang="en-US" dirty="0"/>
+              <a:t>Think of a Kanban board as a board with columns that shows where work is</a:t>
+            </a:r>
+          </a:p>
+          <a:p>
+            <a:r>
+              <a:rPr lang="en-US" dirty="0"/>
+              <a:t>The purpose of the Kanban Board is to make work transparent (who is doing what when) to everyone (customer, team, stakeholders)</a:t>
+            </a:r>
+          </a:p>
+          <a:p>
+            <a:r>
+              <a:rPr lang="en-US" dirty="0"/>
+              <a:t>There are many, many Kanban boards: Trello, Microsoft Office Planner, </a:t>
+            </a:r>
+            <a:r>
+              <a:rPr lang="en-US" dirty="0" err="1"/>
+              <a:t>Asani</a:t>
+            </a:r>
+            <a:r>
+              <a:rPr lang="en-US" dirty="0"/>
+              <a:t>, Azure DevOps and </a:t>
+            </a:r>
+            <a:r>
+              <a:rPr lang="en-US" dirty="0" err="1"/>
+              <a:t>Github</a:t>
+            </a:r>
+            <a:r>
+              <a:rPr lang="en-US" dirty="0"/>
+              <a:t> Projects</a:t>
+            </a:r>
+          </a:p>
+        </p:txBody>
+      </p:sp>
+    </p:spTree>
+    <p:extLst>
+      <p:ext uri="{BB962C8B-B14F-4D97-AF65-F5344CB8AC3E}">
+        <p14:creationId xmlns:p14="http://schemas.microsoft.com/office/powerpoint/2010/main" val="394505192"/>
+      </p:ext>
+    </p:extLst>
+  </p:cSld>
+  <p:clrMapOvr>
+    <a:masterClrMapping/>
+  </p:clrMapOvr>
+</p:sld>
+</file>
+
+<file path=ppt/slides/slide5.xml><?xml version="1.0" encoding="utf-8"?>
+<p:sld xmlns:a="http://schemas.openxmlformats.org/drawingml/2006/main" xmlns:r="http://schemas.openxmlformats.org/officeDocument/2006/relationships" xmlns:p="http://schemas.openxmlformats.org/presentationml/2006/main">
+  <p:cSld>
+    <p:spTree>
+      <p:nvGrpSpPr>
+        <p:cNvPr id="1" name=""/>
+        <p:cNvGrpSpPr/>
+        <p:nvPr/>
+      </p:nvGrpSpPr>
+      <p:grpSpPr>
+        <a:xfrm>
+          <a:off x="0" y="0"/>
+          <a:ext cx="0" cy="0"/>
+          <a:chOff x="0" y="0"/>
+          <a:chExt cx="0" cy="0"/>
+        </a:xfrm>
+      </p:grpSpPr>
+      <p:sp>
+        <p:nvSpPr>
+          <p:cNvPr id="2" name="Title 1">
+            <a:extLst>
+              <a:ext uri="{FF2B5EF4-FFF2-40B4-BE49-F238E27FC236}">
                 <a16:creationId xmlns:a16="http://schemas.microsoft.com/office/drawing/2014/main" id="{D3F5D0BD-00AD-4C84-B2F9-C393DD2C991F}"/>
               </a:ext>
             </a:extLst>
@@ -3926,8 +8587,1410 @@
           <a:lstStyle/>
           <a:p>
             <a:r>
-              <a:rPr lang="en-US"/>
-              <a:t>Columns in your Kanban form</a:t>
+              <a:rPr lang="en-US" dirty="0"/>
+              <a:t>Columns in your Kanban board</a:t>
+            </a:r>
+          </a:p>
+        </p:txBody>
+      </p:sp>
+      <p:sp>
+        <p:nvSpPr>
+          <p:cNvPr id="3" name="Content Placeholder 2">
+            <a:extLst>
+              <a:ext uri="{FF2B5EF4-FFF2-40B4-BE49-F238E27FC236}">
+                <a16:creationId xmlns:a16="http://schemas.microsoft.com/office/drawing/2014/main" id="{22B3661A-F62E-4E47-BAC7-7875250A497B}"/>
+              </a:ext>
+            </a:extLst>
+          </p:cNvPr>
+          <p:cNvSpPr>
+            <a:spLocks noGrp="1"/>
+          </p:cNvSpPr>
+          <p:nvPr>
+            <p:ph idx="1"/>
+          </p:nvPr>
+        </p:nvSpPr>
+        <p:spPr>
+          <a:xfrm>
+            <a:off x="838200" y="1825625"/>
+            <a:ext cx="10515600" cy="4351338"/>
+          </a:xfrm>
+        </p:spPr>
+        <p:txBody>
+          <a:bodyPr/>
+          <a:lstStyle/>
+          <a:p>
+            <a:r>
+              <a:rPr lang="en-US" dirty="0"/>
+              <a:t>You can decide on your column names - the default names are often</a:t>
+            </a:r>
+          </a:p>
+          <a:p>
+            <a:pPr lvl="1"/>
+            <a:r>
+              <a:rPr lang="en-US" dirty="0"/>
+              <a:t>To do – the full entirety of work to be done</a:t>
+            </a:r>
+          </a:p>
+          <a:p>
+            <a:pPr lvl="1"/>
+            <a:r>
+              <a:rPr lang="en-US" dirty="0"/>
+              <a:t>Doing – the limited work being done now (WIP – Work in Progress)</a:t>
+            </a:r>
+          </a:p>
+          <a:p>
+            <a:pPr lvl="1"/>
+            <a:r>
+              <a:rPr lang="en-US" dirty="0"/>
+              <a:t>Done – completed work</a:t>
+            </a:r>
+          </a:p>
+        </p:txBody>
+      </p:sp>
+      <p:pic>
+        <p:nvPicPr>
+          <p:cNvPr id="5" name="Picture 4">
+            <a:extLst>
+              <a:ext uri="{FF2B5EF4-FFF2-40B4-BE49-F238E27FC236}">
+                <a16:creationId xmlns:a16="http://schemas.microsoft.com/office/drawing/2014/main" id="{61E0870A-090B-48B5-8C98-6D9A296FA9CE}"/>
+              </a:ext>
+            </a:extLst>
+          </p:cNvPr>
+          <p:cNvPicPr>
+            <a:picLocks noChangeAspect="1"/>
+          </p:cNvPicPr>
+          <p:nvPr/>
+        </p:nvPicPr>
+        <p:blipFill>
+          <a:blip r:embed="rId2"/>
+          <a:stretch>
+            <a:fillRect/>
+          </a:stretch>
+        </p:blipFill>
+        <p:spPr>
+          <a:xfrm>
+            <a:off x="0" y="3502624"/>
+            <a:ext cx="12192000" cy="1916282"/>
+          </a:xfrm>
+          <a:prstGeom prst="rect">
+            <a:avLst/>
+          </a:prstGeom>
+        </p:spPr>
+      </p:pic>
+      <mc:AlternateContent xmlns:mc="http://schemas.openxmlformats.org/markup-compatibility/2006">
+        <mc:Choice xmlns:p14="http://schemas.microsoft.com/office/powerpoint/2010/main" Requires="p14">
+          <p:contentPart p14:bwMode="auto" r:id="rId3">
+            <p14:nvContentPartPr>
+              <p14:cNvPr id="6" name="Ink 5">
+                <a:extLst>
+                  <a:ext uri="{FF2B5EF4-FFF2-40B4-BE49-F238E27FC236}">
+                    <a16:creationId xmlns:a16="http://schemas.microsoft.com/office/drawing/2014/main" id="{6487B439-473D-4013-95C0-A63E89604CF2}"/>
+                  </a:ext>
+                </a:extLst>
+              </p14:cNvPr>
+              <p14:cNvContentPartPr/>
+              <p14:nvPr/>
+            </p14:nvContentPartPr>
+            <p14:xfrm>
+              <a:off x="1405714" y="3719451"/>
+              <a:ext cx="2886120" cy="1057320"/>
+            </p14:xfrm>
+          </p:contentPart>
+        </mc:Choice>
+        <mc:Fallback>
+          <p:pic>
+            <p:nvPicPr>
+              <p:cNvPr id="6" name="Ink 5">
+                <a:extLst>
+                  <a:ext uri="{FF2B5EF4-FFF2-40B4-BE49-F238E27FC236}">
+                    <a16:creationId xmlns:a16="http://schemas.microsoft.com/office/drawing/2014/main" id="{6487B439-473D-4013-95C0-A63E89604CF2}"/>
+                  </a:ext>
+                </a:extLst>
+              </p:cNvPr>
+              <p:cNvPicPr/>
+              <p:nvPr/>
+            </p:nvPicPr>
+            <p:blipFill>
+              <a:blip r:embed="rId4"/>
+              <a:stretch>
+                <a:fillRect/>
+              </a:stretch>
+            </p:blipFill>
+            <p:spPr>
+              <a:xfrm>
+                <a:off x="1396714" y="3710451"/>
+                <a:ext cx="2903760" cy="1074960"/>
+              </a:xfrm>
+              <a:prstGeom prst="rect">
+                <a:avLst/>
+              </a:prstGeom>
+            </p:spPr>
+          </p:pic>
+        </mc:Fallback>
+      </mc:AlternateContent>
+      <mc:AlternateContent xmlns:mc="http://schemas.openxmlformats.org/markup-compatibility/2006">
+        <mc:Choice xmlns:p14="http://schemas.microsoft.com/office/powerpoint/2010/main" Requires="p14">
+          <p:contentPart p14:bwMode="auto" r:id="rId5">
+            <p14:nvContentPartPr>
+              <p14:cNvPr id="11" name="Ink 10">
+                <a:extLst>
+                  <a:ext uri="{FF2B5EF4-FFF2-40B4-BE49-F238E27FC236}">
+                    <a16:creationId xmlns:a16="http://schemas.microsoft.com/office/drawing/2014/main" id="{684F41B6-1CC0-4967-A8F7-60CBB9EBDB77}"/>
+                  </a:ext>
+                </a:extLst>
+              </p14:cNvPr>
+              <p14:cNvContentPartPr/>
+              <p14:nvPr/>
+            </p14:nvContentPartPr>
+            <p14:xfrm>
+              <a:off x="1226074" y="3982971"/>
+              <a:ext cx="4473000" cy="941760"/>
+            </p14:xfrm>
+          </p:contentPart>
+        </mc:Choice>
+        <mc:Fallback>
+          <p:pic>
+            <p:nvPicPr>
+              <p:cNvPr id="11" name="Ink 10">
+                <a:extLst>
+                  <a:ext uri="{FF2B5EF4-FFF2-40B4-BE49-F238E27FC236}">
+                    <a16:creationId xmlns:a16="http://schemas.microsoft.com/office/drawing/2014/main" id="{684F41B6-1CC0-4967-A8F7-60CBB9EBDB77}"/>
+                  </a:ext>
+                </a:extLst>
+              </p:cNvPr>
+              <p:cNvPicPr/>
+              <p:nvPr/>
+            </p:nvPicPr>
+            <p:blipFill>
+              <a:blip r:embed="rId6"/>
+              <a:stretch>
+                <a:fillRect/>
+              </a:stretch>
+            </p:blipFill>
+            <p:spPr>
+              <a:xfrm>
+                <a:off x="1217074" y="3974331"/>
+                <a:ext cx="4490640" cy="959400"/>
+              </a:xfrm>
+              <a:prstGeom prst="rect">
+                <a:avLst/>
+              </a:prstGeom>
+            </p:spPr>
+          </p:pic>
+        </mc:Fallback>
+      </mc:AlternateContent>
+      <mc:AlternateContent xmlns:mc="http://schemas.openxmlformats.org/markup-compatibility/2006">
+        <mc:Choice xmlns:p14="http://schemas.microsoft.com/office/powerpoint/2010/main" Requires="p14">
+          <p:contentPart p14:bwMode="auto" r:id="rId7">
+            <p14:nvContentPartPr>
+              <p14:cNvPr id="12" name="Ink 11">
+                <a:extLst>
+                  <a:ext uri="{FF2B5EF4-FFF2-40B4-BE49-F238E27FC236}">
+                    <a16:creationId xmlns:a16="http://schemas.microsoft.com/office/drawing/2014/main" id="{0E772B72-63D9-4003-BC63-D27E660B5E6C}"/>
+                  </a:ext>
+                </a:extLst>
+              </p14:cNvPr>
+              <p14:cNvContentPartPr/>
+              <p14:nvPr/>
+            </p14:nvContentPartPr>
+            <p14:xfrm>
+              <a:off x="6408634" y="4070091"/>
+              <a:ext cx="4685760" cy="811080"/>
+            </p14:xfrm>
+          </p:contentPart>
+        </mc:Choice>
+        <mc:Fallback>
+          <p:pic>
+            <p:nvPicPr>
+              <p:cNvPr id="12" name="Ink 11">
+                <a:extLst>
+                  <a:ext uri="{FF2B5EF4-FFF2-40B4-BE49-F238E27FC236}">
+                    <a16:creationId xmlns:a16="http://schemas.microsoft.com/office/drawing/2014/main" id="{0E772B72-63D9-4003-BC63-D27E660B5E6C}"/>
+                  </a:ext>
+                </a:extLst>
+              </p:cNvPr>
+              <p:cNvPicPr/>
+              <p:nvPr/>
+            </p:nvPicPr>
+            <p:blipFill>
+              <a:blip r:embed="rId8"/>
+              <a:stretch>
+                <a:fillRect/>
+              </a:stretch>
+            </p:blipFill>
+            <p:spPr>
+              <a:xfrm>
+                <a:off x="6399994" y="4061451"/>
+                <a:ext cx="4703400" cy="828720"/>
+              </a:xfrm>
+              <a:prstGeom prst="rect">
+                <a:avLst/>
+              </a:prstGeom>
+            </p:spPr>
+          </p:pic>
+        </mc:Fallback>
+      </mc:AlternateContent>
+      <mc:AlternateContent xmlns:mc="http://schemas.openxmlformats.org/markup-compatibility/2006">
+        <mc:Choice xmlns:p14="http://schemas.microsoft.com/office/powerpoint/2010/main" Requires="p14">
+          <p:contentPart p14:bwMode="auto" r:id="rId9">
+            <p14:nvContentPartPr>
+              <p14:cNvPr id="16" name="Ink 15">
+                <a:extLst>
+                  <a:ext uri="{FF2B5EF4-FFF2-40B4-BE49-F238E27FC236}">
+                    <a16:creationId xmlns:a16="http://schemas.microsoft.com/office/drawing/2014/main" id="{629F1479-330E-47FD-8641-C914135BA73A}"/>
+                  </a:ext>
+                </a:extLst>
+              </p14:cNvPr>
+              <p14:cNvContentPartPr/>
+              <p14:nvPr/>
+            </p14:nvContentPartPr>
+            <p14:xfrm>
+              <a:off x="10628554" y="4440171"/>
+              <a:ext cx="597240" cy="516240"/>
+            </p14:xfrm>
+          </p:contentPart>
+        </mc:Choice>
+        <mc:Fallback>
+          <p:pic>
+            <p:nvPicPr>
+              <p:cNvPr id="16" name="Ink 15">
+                <a:extLst>
+                  <a:ext uri="{FF2B5EF4-FFF2-40B4-BE49-F238E27FC236}">
+                    <a16:creationId xmlns:a16="http://schemas.microsoft.com/office/drawing/2014/main" id="{629F1479-330E-47FD-8641-C914135BA73A}"/>
+                  </a:ext>
+                </a:extLst>
+              </p:cNvPr>
+              <p:cNvPicPr/>
+              <p:nvPr/>
+            </p:nvPicPr>
+            <p:blipFill>
+              <a:blip r:embed="rId10"/>
+              <a:stretch>
+                <a:fillRect/>
+              </a:stretch>
+            </p:blipFill>
+            <p:spPr>
+              <a:xfrm>
+                <a:off x="10619554" y="4431171"/>
+                <a:ext cx="614880" cy="533880"/>
+              </a:xfrm>
+              <a:prstGeom prst="rect">
+                <a:avLst/>
+              </a:prstGeom>
+            </p:spPr>
+          </p:pic>
+        </mc:Fallback>
+      </mc:AlternateContent>
+      <p:sp>
+        <p:nvSpPr>
+          <p:cNvPr id="17" name="Arrow: Right 16">
+            <a:extLst>
+              <a:ext uri="{FF2B5EF4-FFF2-40B4-BE49-F238E27FC236}">
+                <a16:creationId xmlns:a16="http://schemas.microsoft.com/office/drawing/2014/main" id="{3E8F417F-F709-4475-B129-578BAFC8C1F5}"/>
+              </a:ext>
+            </a:extLst>
+          </p:cNvPr>
+          <p:cNvSpPr/>
+          <p:nvPr/>
+        </p:nvSpPr>
+        <p:spPr>
+          <a:xfrm>
+            <a:off x="3248297" y="5218977"/>
+            <a:ext cx="4624252" cy="1576678"/>
+          </a:xfrm>
+          <a:prstGeom prst="rightArrow">
+            <a:avLst/>
+          </a:prstGeom>
+        </p:spPr>
+        <p:style>
+          <a:lnRef idx="2">
+            <a:schemeClr val="accent1">
+              <a:shade val="50000"/>
+            </a:schemeClr>
+          </a:lnRef>
+          <a:fillRef idx="1">
+            <a:schemeClr val="accent1"/>
+          </a:fillRef>
+          <a:effectRef idx="0">
+            <a:schemeClr val="accent1"/>
+          </a:effectRef>
+          <a:fontRef idx="minor">
+            <a:schemeClr val="lt1"/>
+          </a:fontRef>
+        </p:style>
+        <p:txBody>
+          <a:bodyPr rtlCol="0" anchor="ctr"/>
+          <a:lstStyle/>
+          <a:p>
+            <a:pPr algn="ctr"/>
+            <a:r>
+              <a:rPr lang="en-US" dirty="0"/>
+              <a:t>Work moves left to right</a:t>
+            </a:r>
+          </a:p>
+        </p:txBody>
+      </p:sp>
+    </p:spTree>
+    <p:extLst>
+      <p:ext uri="{BB962C8B-B14F-4D97-AF65-F5344CB8AC3E}">
+        <p14:creationId xmlns:p14="http://schemas.microsoft.com/office/powerpoint/2010/main" val="4257012493"/>
+      </p:ext>
+    </p:extLst>
+  </p:cSld>
+  <p:clrMapOvr>
+    <a:masterClrMapping/>
+  </p:clrMapOvr>
+</p:sld>
+</file>
+
+<file path=ppt/slides/slide6.xml><?xml version="1.0" encoding="utf-8"?>
+<p:sld xmlns:a="http://schemas.openxmlformats.org/drawingml/2006/main" xmlns:r="http://schemas.openxmlformats.org/officeDocument/2006/relationships" xmlns:p="http://schemas.openxmlformats.org/presentationml/2006/main">
+  <p:cSld>
+    <p:bg>
+      <p:bgPr>
+        <a:solidFill>
+          <a:schemeClr val="bg1"/>
+        </a:solidFill>
+        <a:effectLst/>
+      </p:bgPr>
+    </p:bg>
+    <p:spTree>
+      <p:nvGrpSpPr>
+        <p:cNvPr id="1" name=""/>
+        <p:cNvGrpSpPr/>
+        <p:nvPr/>
+      </p:nvGrpSpPr>
+      <p:grpSpPr>
+        <a:xfrm>
+          <a:off x="0" y="0"/>
+          <a:ext cx="0" cy="0"/>
+          <a:chOff x="0" y="0"/>
+          <a:chExt cx="0" cy="0"/>
+        </a:xfrm>
+      </p:grpSpPr>
+      <p:sp>
+        <p:nvSpPr>
+          <p:cNvPr id="9" name="Rectangle 8">
+            <a:extLst>
+              <a:ext uri="{FF2B5EF4-FFF2-40B4-BE49-F238E27FC236}">
+                <a16:creationId xmlns:a16="http://schemas.microsoft.com/office/drawing/2014/main" id="{B819A166-7571-4003-A6B8-B62034C3ED30}"/>
+              </a:ext>
+              <a:ext uri="{C183D7F6-B498-43B3-948B-1728B52AA6E4}">
+                <adec:decorative xmlns:adec="http://schemas.microsoft.com/office/drawing/2017/decorative" val="1"/>
+              </a:ext>
+            </a:extLst>
+          </p:cNvPr>
+          <p:cNvSpPr>
+            <a:spLocks noGrp="1" noRot="1" noChangeAspect="1" noMove="1" noResize="1" noEditPoints="1" noAdjustHandles="1" noChangeArrowheads="1" noChangeShapeType="1" noTextEdit="1"/>
+          </p:cNvSpPr>
+          <p:nvPr>
+            <p:extLst>
+              <p:ext uri="{386F3935-93C4-4BCD-93E2-E3B085C9AB24}">
+                <p16:designElem xmlns:p16="http://schemas.microsoft.com/office/powerpoint/2015/main" val="1"/>
+              </p:ext>
+            </p:extLst>
+          </p:nvPr>
+        </p:nvSpPr>
+        <p:spPr>
+          <a:xfrm>
+            <a:off x="-1" y="0"/>
+            <a:ext cx="5093209" cy="6858000"/>
+          </a:xfrm>
+          <a:prstGeom prst="rect">
+            <a:avLst/>
+          </a:prstGeom>
+          <a:solidFill>
+            <a:schemeClr val="accent1"/>
+          </a:solidFill>
+          <a:ln>
+            <a:noFill/>
+          </a:ln>
+        </p:spPr>
+        <p:style>
+          <a:lnRef idx="2">
+            <a:schemeClr val="accent1">
+              <a:shade val="50000"/>
+            </a:schemeClr>
+          </a:lnRef>
+          <a:fillRef idx="1">
+            <a:schemeClr val="accent1"/>
+          </a:fillRef>
+          <a:effectRef idx="0">
+            <a:schemeClr val="accent1"/>
+          </a:effectRef>
+          <a:fontRef idx="minor">
+            <a:schemeClr val="lt1"/>
+          </a:fontRef>
+        </p:style>
+        <p:txBody>
+          <a:bodyPr rtlCol="0" anchor="ctr"/>
+          <a:lstStyle/>
+          <a:p>
+            <a:pPr algn="ctr"/>
+            <a:endParaRPr lang="en-US" dirty="0"/>
+          </a:p>
+        </p:txBody>
+      </p:sp>
+      <p:sp>
+        <p:nvSpPr>
+          <p:cNvPr id="2" name="Title 1">
+            <a:extLst>
+              <a:ext uri="{FF2B5EF4-FFF2-40B4-BE49-F238E27FC236}">
+                <a16:creationId xmlns:a16="http://schemas.microsoft.com/office/drawing/2014/main" id="{0AE40071-459A-419A-B28E-B53470D1F80B}"/>
+              </a:ext>
+            </a:extLst>
+          </p:cNvPr>
+          <p:cNvSpPr>
+            <a:spLocks noGrp="1"/>
+          </p:cNvSpPr>
+          <p:nvPr>
+            <p:ph type="title"/>
+          </p:nvPr>
+        </p:nvSpPr>
+        <p:spPr>
+          <a:xfrm>
+            <a:off x="524741" y="620392"/>
+            <a:ext cx="3808268" cy="5504688"/>
+          </a:xfrm>
+        </p:spPr>
+        <p:txBody>
+          <a:bodyPr>
+            <a:normAutofit/>
+          </a:bodyPr>
+          <a:lstStyle/>
+          <a:p>
+            <a:r>
+              <a:rPr lang="en-US" sz="6000" dirty="0">
+                <a:solidFill>
+                  <a:schemeClr val="bg1"/>
+                </a:solidFill>
+              </a:rPr>
+              <a:t>Kanban Principle</a:t>
+            </a:r>
+          </a:p>
+        </p:txBody>
+      </p:sp>
+      <p:graphicFrame>
+        <p:nvGraphicFramePr>
+          <p:cNvPr id="5" name="Content Placeholder 2">
+            <a:extLst>
+              <a:ext uri="{FF2B5EF4-FFF2-40B4-BE49-F238E27FC236}">
+                <a16:creationId xmlns:a16="http://schemas.microsoft.com/office/drawing/2014/main" id="{0FEFACA5-D69F-4CDF-BF8B-E0AC48D4D1DD}"/>
+              </a:ext>
+            </a:extLst>
+          </p:cNvPr>
+          <p:cNvGraphicFramePr>
+            <a:graphicFrameLocks noGrp="1"/>
+          </p:cNvGraphicFramePr>
+          <p:nvPr>
+            <p:ph idx="1"/>
+            <p:extLst>
+              <p:ext uri="{D42A27DB-BD31-4B8C-83A1-F6EECF244321}">
+                <p14:modId xmlns:p14="http://schemas.microsoft.com/office/powerpoint/2010/main" val="3869760043"/>
+              </p:ext>
+            </p:extLst>
+          </p:nvPr>
+        </p:nvGraphicFramePr>
+        <p:xfrm>
+          <a:off x="5468389" y="620392"/>
+          <a:ext cx="6263640" cy="5504688"/>
+        </p:xfrm>
+        <a:graphic>
+          <a:graphicData uri="http://schemas.openxmlformats.org/drawingml/2006/diagram">
+            <dgm:relIds xmlns:dgm="http://schemas.openxmlformats.org/drawingml/2006/diagram" xmlns:r="http://schemas.openxmlformats.org/officeDocument/2006/relationships" r:dm="rId2" r:lo="rId3" r:qs="rId4" r:cs="rId5"/>
+          </a:graphicData>
+        </a:graphic>
+      </p:graphicFrame>
+    </p:spTree>
+    <p:extLst>
+      <p:ext uri="{BB962C8B-B14F-4D97-AF65-F5344CB8AC3E}">
+        <p14:creationId xmlns:p14="http://schemas.microsoft.com/office/powerpoint/2010/main" val="2000290990"/>
+      </p:ext>
+    </p:extLst>
+  </p:cSld>
+  <p:clrMapOvr>
+    <a:masterClrMapping/>
+  </p:clrMapOvr>
+</p:sld>
+</file>
+
+<file path=ppt/slides/slide7.xml><?xml version="1.0" encoding="utf-8"?>
+<p:sld xmlns:a="http://schemas.openxmlformats.org/drawingml/2006/main" xmlns:r="http://schemas.openxmlformats.org/officeDocument/2006/relationships" xmlns:p="http://schemas.openxmlformats.org/presentationml/2006/main">
+  <p:cSld>
+    <p:bg>
+      <p:bgPr>
+        <a:solidFill>
+          <a:schemeClr val="bg1"/>
+        </a:solidFill>
+        <a:effectLst/>
+      </p:bgPr>
+    </p:bg>
+    <p:spTree>
+      <p:nvGrpSpPr>
+        <p:cNvPr id="1" name=""/>
+        <p:cNvGrpSpPr/>
+        <p:nvPr/>
+      </p:nvGrpSpPr>
+      <p:grpSpPr>
+        <a:xfrm>
+          <a:off x="0" y="0"/>
+          <a:ext cx="0" cy="0"/>
+          <a:chOff x="0" y="0"/>
+          <a:chExt cx="0" cy="0"/>
+        </a:xfrm>
+      </p:grpSpPr>
+      <p:sp useBgFill="1">
+        <p:nvSpPr>
+          <p:cNvPr id="29" name="Rectangle 23">
+            <a:extLst>
+              <a:ext uri="{FF2B5EF4-FFF2-40B4-BE49-F238E27FC236}">
+                <a16:creationId xmlns:a16="http://schemas.microsoft.com/office/drawing/2014/main" id="{B5FA7C47-B7C1-4D2E-AB49-ED23BA34BA83}"/>
+              </a:ext>
+              <a:ext uri="{C183D7F6-B498-43B3-948B-1728B52AA6E4}">
+                <adec:decorative xmlns:adec="http://schemas.microsoft.com/office/drawing/2017/decorative" val="1"/>
+              </a:ext>
+            </a:extLst>
+          </p:cNvPr>
+          <p:cNvSpPr>
+            <a:spLocks noGrp="1" noRot="1" noChangeAspect="1" noMove="1" noResize="1" noEditPoints="1" noAdjustHandles="1" noChangeArrowheads="1" noChangeShapeType="1" noTextEdit="1"/>
+          </p:cNvSpPr>
+          <p:nvPr>
+            <p:extLst>
+              <p:ext uri="{386F3935-93C4-4BCD-93E2-E3B085C9AB24}">
+                <p16:designElem xmlns:p16="http://schemas.microsoft.com/office/powerpoint/2015/main" val="1"/>
+              </p:ext>
+            </p:extLst>
+          </p:nvPr>
+        </p:nvSpPr>
+        <p:spPr>
+          <a:xfrm>
+            <a:off x="0" y="0"/>
+            <a:ext cx="12188952" cy="6858000"/>
+          </a:xfrm>
+          <a:prstGeom prst="rect">
+            <a:avLst/>
+          </a:prstGeom>
+          <a:ln>
+            <a:noFill/>
+          </a:ln>
+        </p:spPr>
+        <p:style>
+          <a:lnRef idx="2">
+            <a:schemeClr val="accent1">
+              <a:shade val="50000"/>
+            </a:schemeClr>
+          </a:lnRef>
+          <a:fillRef idx="1">
+            <a:schemeClr val="accent1"/>
+          </a:fillRef>
+          <a:effectRef idx="0">
+            <a:schemeClr val="accent1"/>
+          </a:effectRef>
+          <a:fontRef idx="minor">
+            <a:schemeClr val="lt1"/>
+          </a:fontRef>
+        </p:style>
+        <p:txBody>
+          <a:bodyPr rtlCol="0" anchor="ctr"/>
+          <a:lstStyle/>
+          <a:p>
+            <a:pPr algn="ctr"/>
+            <a:endParaRPr lang="en-US"/>
+          </a:p>
+        </p:txBody>
+      </p:sp>
+      <p:sp>
+        <p:nvSpPr>
+          <p:cNvPr id="31" name="Freeform 6">
+            <a:extLst>
+              <a:ext uri="{FF2B5EF4-FFF2-40B4-BE49-F238E27FC236}">
+                <a16:creationId xmlns:a16="http://schemas.microsoft.com/office/drawing/2014/main" id="{596EE156-ABF1-4329-A6BA-03B4254E0877}"/>
+              </a:ext>
+              <a:ext uri="{C183D7F6-B498-43B3-948B-1728B52AA6E4}">
+                <adec:decorative xmlns:adec="http://schemas.microsoft.com/office/drawing/2017/decorative" val="1"/>
+              </a:ext>
+            </a:extLst>
+          </p:cNvPr>
+          <p:cNvSpPr>
+            <a:spLocks noGrp="1" noRot="1" noChangeAspect="1" noMove="1" noResize="1" noEditPoints="1" noAdjustHandles="1" noChangeArrowheads="1" noChangeShapeType="1" noTextEdit="1"/>
+          </p:cNvSpPr>
+          <p:nvPr>
+            <p:extLst>
+              <p:ext uri="{386F3935-93C4-4BCD-93E2-E3B085C9AB24}">
+                <p16:designElem xmlns:p16="http://schemas.microsoft.com/office/powerpoint/2015/main" val="1"/>
+              </p:ext>
+            </p:extLst>
+          </p:nvPr>
+        </p:nvSpPr>
+        <p:spPr bwMode="auto">
+          <a:xfrm flipH="1">
+            <a:off x="521144" y="911116"/>
+            <a:ext cx="687754" cy="5710965"/>
+          </a:xfrm>
+          <a:custGeom>
+            <a:avLst/>
+            <a:gdLst>
+              <a:gd name="T0" fmla="*/ 414 w 414"/>
+              <a:gd name="T1" fmla="*/ 2447 h 2447"/>
+              <a:gd name="T2" fmla="*/ 0 w 414"/>
+              <a:gd name="T3" fmla="*/ 2247 h 2447"/>
+              <a:gd name="T4" fmla="*/ 0 w 414"/>
+              <a:gd name="T5" fmla="*/ 0 h 2447"/>
+              <a:gd name="T6" fmla="*/ 414 w 414"/>
+              <a:gd name="T7" fmla="*/ 200 h 2447"/>
+              <a:gd name="T8" fmla="*/ 414 w 414"/>
+              <a:gd name="T9" fmla="*/ 2447 h 2447"/>
+            </a:gdLst>
+            <a:ahLst/>
+            <a:cxnLst>
+              <a:cxn ang="0">
+                <a:pos x="T0" y="T1"/>
+              </a:cxn>
+              <a:cxn ang="0">
+                <a:pos x="T2" y="T3"/>
+              </a:cxn>
+              <a:cxn ang="0">
+                <a:pos x="T4" y="T5"/>
+              </a:cxn>
+              <a:cxn ang="0">
+                <a:pos x="T6" y="T7"/>
+              </a:cxn>
+              <a:cxn ang="0">
+                <a:pos x="T8" y="T9"/>
+              </a:cxn>
+            </a:cxnLst>
+            <a:rect l="0" t="0" r="r" b="b"/>
+            <a:pathLst>
+              <a:path w="414" h="2447">
+                <a:moveTo>
+                  <a:pt x="414" y="2447"/>
+                </a:moveTo>
+                <a:lnTo>
+                  <a:pt x="0" y="2247"/>
+                </a:lnTo>
+                <a:lnTo>
+                  <a:pt x="0" y="0"/>
+                </a:lnTo>
+                <a:lnTo>
+                  <a:pt x="414" y="200"/>
+                </a:lnTo>
+                <a:lnTo>
+                  <a:pt x="414" y="2447"/>
+                </a:lnTo>
+                <a:close/>
+              </a:path>
+            </a:pathLst>
+          </a:custGeom>
+          <a:solidFill>
+            <a:schemeClr val="accent1">
+              <a:lumMod val="75000"/>
+            </a:schemeClr>
+          </a:solidFill>
+          <a:ln>
+            <a:noFill/>
+          </a:ln>
+        </p:spPr>
+        <p:txBody>
+          <a:bodyPr vert="horz" wrap="square" lIns="91440" tIns="45720" rIns="91440" bIns="45720" numCol="1" anchor="t" anchorCtr="0" compatLnSpc="1">
+            <a:prstTxWarp prst="textNoShape">
+              <a:avLst/>
+            </a:prstTxWarp>
+          </a:bodyPr>
+          <a:lstStyle/>
+          <a:p>
+            <a:endParaRPr lang="en-US"/>
+          </a:p>
+        </p:txBody>
+      </p:sp>
+      <p:sp>
+        <p:nvSpPr>
+          <p:cNvPr id="28" name="Rectangle 8">
+            <a:extLst>
+              <a:ext uri="{FF2B5EF4-FFF2-40B4-BE49-F238E27FC236}">
+                <a16:creationId xmlns:a16="http://schemas.microsoft.com/office/drawing/2014/main" id="{19B9933F-AAB3-444A-8BB5-9CA194A8BC63}"/>
+              </a:ext>
+              <a:ext uri="{C183D7F6-B498-43B3-948B-1728B52AA6E4}">
+                <adec:decorative xmlns:adec="http://schemas.microsoft.com/office/drawing/2017/decorative" val="1"/>
+              </a:ext>
+            </a:extLst>
+          </p:cNvPr>
+          <p:cNvSpPr>
+            <a:spLocks noGrp="1" noRot="1" noChangeAspect="1" noMove="1" noResize="1" noEditPoints="1" noAdjustHandles="1" noChangeArrowheads="1" noChangeShapeType="1" noTextEdit="1"/>
+          </p:cNvSpPr>
+          <p:nvPr>
+            <p:extLst>
+              <p:ext uri="{386F3935-93C4-4BCD-93E2-E3B085C9AB24}">
+                <p16:designElem xmlns:p16="http://schemas.microsoft.com/office/powerpoint/2015/main" val="1"/>
+              </p:ext>
+            </p:extLst>
+          </p:nvPr>
+        </p:nvSpPr>
+        <p:spPr bwMode="auto">
+          <a:xfrm flipH="1">
+            <a:off x="0" y="1370435"/>
+            <a:ext cx="527226" cy="5251646"/>
+          </a:xfrm>
+          <a:prstGeom prst="rect">
+            <a:avLst/>
+          </a:prstGeom>
+          <a:solidFill>
+            <a:schemeClr val="accent1"/>
+          </a:solidFill>
+          <a:ln>
+            <a:noFill/>
+          </a:ln>
+        </p:spPr>
+        <p:txBody>
+          <a:bodyPr vert="horz" wrap="square" lIns="91440" tIns="45720" rIns="91440" bIns="45720" numCol="1" anchor="t" anchorCtr="0" compatLnSpc="1">
+            <a:prstTxWarp prst="textNoShape">
+              <a:avLst/>
+            </a:prstTxWarp>
+          </a:bodyPr>
+          <a:lstStyle/>
+          <a:p>
+            <a:endParaRPr lang="en-US"/>
+          </a:p>
+        </p:txBody>
+      </p:sp>
+      <p:sp>
+        <p:nvSpPr>
+          <p:cNvPr id="30" name="Freeform 7">
+            <a:extLst>
+              <a:ext uri="{FF2B5EF4-FFF2-40B4-BE49-F238E27FC236}">
+                <a16:creationId xmlns:a16="http://schemas.microsoft.com/office/drawing/2014/main" id="{7D20183A-0B1D-4A1F-89B1-ADBEDBC6E54E}"/>
+              </a:ext>
+              <a:ext uri="{C183D7F6-B498-43B3-948B-1728B52AA6E4}">
+                <adec:decorative xmlns:adec="http://schemas.microsoft.com/office/drawing/2017/decorative" val="1"/>
+              </a:ext>
+            </a:extLst>
+          </p:cNvPr>
+          <p:cNvSpPr>
+            <a:spLocks noGrp="1" noRot="1" noChangeAspect="1" noMove="1" noResize="1" noEditPoints="1" noAdjustHandles="1" noChangeArrowheads="1" noChangeShapeType="1" noTextEdit="1"/>
+          </p:cNvSpPr>
+          <p:nvPr>
+            <p:extLst>
+              <p:ext uri="{386F3935-93C4-4BCD-93E2-E3B085C9AB24}">
+                <p16:designElem xmlns:p16="http://schemas.microsoft.com/office/powerpoint/2015/main" val="1"/>
+              </p:ext>
+            </p:extLst>
+          </p:nvPr>
+        </p:nvSpPr>
+        <p:spPr bwMode="auto">
+          <a:xfrm flipH="1">
+            <a:off x="800164" y="643467"/>
+            <a:ext cx="409371" cy="5521414"/>
+          </a:xfrm>
+          <a:custGeom>
+            <a:avLst/>
+            <a:gdLst>
+              <a:gd name="T0" fmla="*/ 209 w 209"/>
+              <a:gd name="T1" fmla="*/ 2246 h 2358"/>
+              <a:gd name="T2" fmla="*/ 0 w 209"/>
+              <a:gd name="T3" fmla="*/ 2358 h 2358"/>
+              <a:gd name="T4" fmla="*/ 0 w 209"/>
+              <a:gd name="T5" fmla="*/ 111 h 2358"/>
+              <a:gd name="T6" fmla="*/ 209 w 209"/>
+              <a:gd name="T7" fmla="*/ 0 h 2358"/>
+              <a:gd name="T8" fmla="*/ 209 w 209"/>
+              <a:gd name="T9" fmla="*/ 2246 h 2358"/>
+            </a:gdLst>
+            <a:ahLst/>
+            <a:cxnLst>
+              <a:cxn ang="0">
+                <a:pos x="T0" y="T1"/>
+              </a:cxn>
+              <a:cxn ang="0">
+                <a:pos x="T2" y="T3"/>
+              </a:cxn>
+              <a:cxn ang="0">
+                <a:pos x="T4" y="T5"/>
+              </a:cxn>
+              <a:cxn ang="0">
+                <a:pos x="T6" y="T7"/>
+              </a:cxn>
+              <a:cxn ang="0">
+                <a:pos x="T8" y="T9"/>
+              </a:cxn>
+            </a:cxnLst>
+            <a:rect l="0" t="0" r="r" b="b"/>
+            <a:pathLst>
+              <a:path w="209" h="2358">
+                <a:moveTo>
+                  <a:pt x="209" y="2246"/>
+                </a:moveTo>
+                <a:lnTo>
+                  <a:pt x="0" y="2358"/>
+                </a:lnTo>
+                <a:lnTo>
+                  <a:pt x="0" y="111"/>
+                </a:lnTo>
+                <a:lnTo>
+                  <a:pt x="209" y="0"/>
+                </a:lnTo>
+                <a:lnTo>
+                  <a:pt x="209" y="2246"/>
+                </a:lnTo>
+                <a:close/>
+              </a:path>
+            </a:pathLst>
+          </a:custGeom>
+          <a:solidFill>
+            <a:schemeClr val="accent1">
+              <a:lumMod val="50000"/>
+            </a:schemeClr>
+          </a:solidFill>
+          <a:ln>
+            <a:noFill/>
+          </a:ln>
+        </p:spPr>
+        <p:txBody>
+          <a:bodyPr vert="horz" wrap="square" lIns="91440" tIns="45720" rIns="91440" bIns="45720" numCol="1" anchor="t" anchorCtr="0" compatLnSpc="1">
+            <a:prstTxWarp prst="textNoShape">
+              <a:avLst/>
+            </a:prstTxWarp>
+          </a:bodyPr>
+          <a:lstStyle/>
+          <a:p>
+            <a:endParaRPr lang="en-US"/>
+          </a:p>
+        </p:txBody>
+      </p:sp>
+      <p:sp>
+        <p:nvSpPr>
+          <p:cNvPr id="32" name="Rectangle 8">
+            <a:extLst>
+              <a:ext uri="{FF2B5EF4-FFF2-40B4-BE49-F238E27FC236}">
+                <a16:creationId xmlns:a16="http://schemas.microsoft.com/office/drawing/2014/main" id="{131031D3-26CD-4214-A9A4-5857EFA15A0C}"/>
+              </a:ext>
+              <a:ext uri="{C183D7F6-B498-43B3-948B-1728B52AA6E4}">
+                <adec:decorative xmlns:adec="http://schemas.microsoft.com/office/drawing/2017/decorative" val="1"/>
+              </a:ext>
+            </a:extLst>
+          </p:cNvPr>
+          <p:cNvSpPr>
+            <a:spLocks noGrp="1" noRot="1" noChangeAspect="1" noMove="1" noResize="1" noEditPoints="1" noAdjustHandles="1" noChangeArrowheads="1" noChangeShapeType="1" noTextEdit="1"/>
+          </p:cNvSpPr>
+          <p:nvPr>
+            <p:extLst>
+              <p:ext uri="{386F3935-93C4-4BCD-93E2-E3B085C9AB24}">
+                <p16:designElem xmlns:p16="http://schemas.microsoft.com/office/powerpoint/2015/main" val="1"/>
+              </p:ext>
+            </p:extLst>
+          </p:nvPr>
+        </p:nvSpPr>
+        <p:spPr bwMode="auto">
+          <a:xfrm>
+            <a:off x="795529" y="644382"/>
+            <a:ext cx="3856024" cy="5251646"/>
+          </a:xfrm>
+          <a:prstGeom prst="rect">
+            <a:avLst/>
+          </a:prstGeom>
+          <a:solidFill>
+            <a:schemeClr val="accent1"/>
+          </a:solidFill>
+          <a:ln>
+            <a:noFill/>
+          </a:ln>
+        </p:spPr>
+        <p:txBody>
+          <a:bodyPr vert="horz" wrap="square" lIns="91440" tIns="45720" rIns="91440" bIns="45720" numCol="1" anchor="t" anchorCtr="0" compatLnSpc="1">
+            <a:prstTxWarp prst="textNoShape">
+              <a:avLst/>
+            </a:prstTxWarp>
+          </a:bodyPr>
+          <a:lstStyle/>
+          <a:p>
+            <a:endParaRPr lang="en-US"/>
+          </a:p>
+        </p:txBody>
+      </p:sp>
+      <p:sp>
+        <p:nvSpPr>
+          <p:cNvPr id="2" name="Title 1">
+            <a:extLst>
+              <a:ext uri="{FF2B5EF4-FFF2-40B4-BE49-F238E27FC236}">
+                <a16:creationId xmlns:a16="http://schemas.microsoft.com/office/drawing/2014/main" id="{0AE40071-459A-419A-B28E-B53470D1F80B}"/>
+              </a:ext>
+            </a:extLst>
+          </p:cNvPr>
+          <p:cNvSpPr>
+            <a:spLocks noGrp="1"/>
+          </p:cNvSpPr>
+          <p:nvPr>
+            <p:ph type="title"/>
+          </p:nvPr>
+        </p:nvSpPr>
+        <p:spPr>
+          <a:xfrm>
+            <a:off x="1146879" y="998002"/>
+            <a:ext cx="3182940" cy="1471959"/>
+          </a:xfrm>
+        </p:spPr>
+        <p:txBody>
+          <a:bodyPr vert="horz" lIns="91440" tIns="45720" rIns="91440" bIns="45720" rtlCol="0" anchor="ctr">
+            <a:normAutofit/>
+          </a:bodyPr>
+          <a:lstStyle/>
+          <a:p>
+            <a:r>
+              <a:rPr lang="en-US" sz="3600" kern="1200">
+                <a:solidFill>
+                  <a:srgbClr val="FFFFFF"/>
+                </a:solidFill>
+                <a:latin typeface="+mj-lt"/>
+                <a:ea typeface="+mj-ea"/>
+                <a:cs typeface="+mj-cs"/>
+              </a:rPr>
+              <a:t>Kanban Principle</a:t>
+            </a:r>
+          </a:p>
+        </p:txBody>
+      </p:sp>
+      <p:sp>
+        <p:nvSpPr>
+          <p:cNvPr id="6" name="TextBox 5">
+            <a:extLst>
+              <a:ext uri="{FF2B5EF4-FFF2-40B4-BE49-F238E27FC236}">
+                <a16:creationId xmlns:a16="http://schemas.microsoft.com/office/drawing/2014/main" id="{0CD18983-1E31-49DE-862D-CCDC2A9900A9}"/>
+              </a:ext>
+            </a:extLst>
+          </p:cNvPr>
+          <p:cNvSpPr txBox="1"/>
+          <p:nvPr/>
+        </p:nvSpPr>
+        <p:spPr>
+          <a:xfrm>
+            <a:off x="1139635" y="2546161"/>
+            <a:ext cx="3200451" cy="2985929"/>
+          </a:xfrm>
+          <a:prstGeom prst="rect">
+            <a:avLst/>
+          </a:prstGeom>
+        </p:spPr>
+        <p:txBody>
+          <a:bodyPr vert="horz" lIns="91440" tIns="45720" rIns="91440" bIns="45720" rtlCol="0" anchor="t">
+            <a:normAutofit/>
+          </a:bodyPr>
+          <a:lstStyle/>
+          <a:p>
+            <a:pPr indent="-228600">
+              <a:lnSpc>
+                <a:spcPct val="90000"/>
+              </a:lnSpc>
+              <a:spcAft>
+                <a:spcPts val="600"/>
+              </a:spcAft>
+              <a:buFont typeface="Arial" panose="020B0604020202020204" pitchFamily="34" charset="0"/>
+              <a:buChar char="•"/>
+            </a:pPr>
+            <a:endParaRPr lang="en-US" sz="2400" dirty="0">
+              <a:solidFill>
+                <a:srgbClr val="FEFFFF"/>
+              </a:solidFill>
+            </a:endParaRPr>
+          </a:p>
+        </p:txBody>
+      </p:sp>
+      <p:graphicFrame>
+        <p:nvGraphicFramePr>
+          <p:cNvPr id="7" name="Table 7">
+            <a:extLst>
+              <a:ext uri="{FF2B5EF4-FFF2-40B4-BE49-F238E27FC236}">
+                <a16:creationId xmlns:a16="http://schemas.microsoft.com/office/drawing/2014/main" id="{DB1C9247-C564-43AA-9C94-5643F50CC695}"/>
+              </a:ext>
+            </a:extLst>
+          </p:cNvPr>
+          <p:cNvGraphicFramePr>
+            <a:graphicFrameLocks noGrp="1"/>
+          </p:cNvGraphicFramePr>
+          <p:nvPr>
+            <p:extLst>
+              <p:ext uri="{D42A27DB-BD31-4B8C-83A1-F6EECF244321}">
+                <p14:modId xmlns:p14="http://schemas.microsoft.com/office/powerpoint/2010/main" val="2340180826"/>
+              </p:ext>
+            </p:extLst>
+          </p:nvPr>
+        </p:nvGraphicFramePr>
+        <p:xfrm>
+          <a:off x="5501322" y="643467"/>
+          <a:ext cx="5532967" cy="5251649"/>
+        </p:xfrm>
+        <a:graphic>
+          <a:graphicData uri="http://schemas.openxmlformats.org/drawingml/2006/table">
+            <a:tbl>
+              <a:tblPr firstRow="1" bandRow="1">
+                <a:tableStyleId>{5C22544A-7EE6-4342-B048-85BDC9FD1C3A}</a:tableStyleId>
+              </a:tblPr>
+              <a:tblGrid>
+                <a:gridCol w="2799998">
+                  <a:extLst>
+                    <a:ext uri="{9D8B030D-6E8A-4147-A177-3AD203B41FA5}">
+                      <a16:colId xmlns:a16="http://schemas.microsoft.com/office/drawing/2014/main" val="4150416736"/>
+                    </a:ext>
+                  </a:extLst>
+                </a:gridCol>
+                <a:gridCol w="2732969">
+                  <a:extLst>
+                    <a:ext uri="{9D8B030D-6E8A-4147-A177-3AD203B41FA5}">
+                      <a16:colId xmlns:a16="http://schemas.microsoft.com/office/drawing/2014/main" val="1615633654"/>
+                    </a:ext>
+                  </a:extLst>
+                </a:gridCol>
+              </a:tblGrid>
+              <a:tr h="398401">
+                <a:tc>
+                  <a:txBody>
+                    <a:bodyPr/>
+                    <a:lstStyle/>
+                    <a:p>
+                      <a:r>
+                        <a:rPr lang="en-US" sz="1800"/>
+                        <a:t>Kanban Principle</a:t>
+                      </a:r>
+                    </a:p>
+                  </a:txBody>
+                  <a:tcPr marL="90546" marR="90546" marT="45273" marB="45273"/>
+                </a:tc>
+                <a:tc>
+                  <a:txBody>
+                    <a:bodyPr/>
+                    <a:lstStyle/>
+                    <a:p>
+                      <a:r>
+                        <a:rPr lang="en-US" sz="1800"/>
+                        <a:t>Why???</a:t>
+                      </a:r>
+                    </a:p>
+                  </a:txBody>
+                  <a:tcPr marL="90546" marR="90546" marT="45273" marB="45273"/>
+                </a:tc>
+                <a:extLst>
+                  <a:ext uri="{0D108BD9-81ED-4DB2-BD59-A6C34878D82A}">
+                    <a16:rowId xmlns:a16="http://schemas.microsoft.com/office/drawing/2014/main" val="1130911744"/>
+                  </a:ext>
+                </a:extLst>
+              </a:tr>
+              <a:tr h="1213312">
+                <a:tc>
+                  <a:txBody>
+                    <a:bodyPr/>
+                    <a:lstStyle/>
+                    <a:p>
+                      <a:pPr lvl="0"/>
+                      <a:r>
+                        <a:rPr lang="de-DE" sz="1800" b="1" i="1"/>
+                        <a:t>Proactivenes </a:t>
+                      </a:r>
+                      <a:r>
+                        <a:rPr lang="de-DE" sz="1800"/>
+                        <a:t>- </a:t>
+                      </a:r>
+                      <a:r>
+                        <a:rPr lang="en-US" sz="1800"/>
+                        <a:t>Work is </a:t>
+                      </a:r>
+                      <a:r>
+                        <a:rPr lang="en-US" sz="1800" b="1"/>
+                        <a:t>pulled, </a:t>
+                      </a:r>
+                      <a:r>
+                        <a:rPr lang="en-US" sz="1800"/>
+                        <a:t>not pushed</a:t>
+                      </a:r>
+                    </a:p>
+                  </a:txBody>
+                  <a:tcPr marL="90546" marR="90546" marT="45273" marB="45273"/>
+                </a:tc>
+                <a:tc>
+                  <a:txBody>
+                    <a:bodyPr/>
+                    <a:lstStyle/>
+                    <a:p>
+                      <a:pPr lvl="0"/>
+                      <a:r>
+                        <a:rPr lang="en-US" sz="1800" b="1" i="1"/>
+                        <a:t>So you can work on items you have ability to do in the time you have</a:t>
+                      </a:r>
+                      <a:endParaRPr lang="en-US" sz="1800"/>
+                    </a:p>
+                  </a:txBody>
+                  <a:tcPr marL="90546" marR="90546" marT="45273" marB="45273"/>
+                </a:tc>
+                <a:extLst>
+                  <a:ext uri="{0D108BD9-81ED-4DB2-BD59-A6C34878D82A}">
+                    <a16:rowId xmlns:a16="http://schemas.microsoft.com/office/drawing/2014/main" val="175324556"/>
+                  </a:ext>
+                </a:extLst>
+              </a:tr>
+              <a:tr h="1213312">
+                <a:tc>
+                  <a:txBody>
+                    <a:bodyPr/>
+                    <a:lstStyle/>
+                    <a:p>
+                      <a:pPr lvl="0"/>
+                      <a:r>
+                        <a:rPr lang="en-US" sz="1800" b="1"/>
+                        <a:t>Transparency</a:t>
+                      </a:r>
+                      <a:r>
+                        <a:rPr lang="en-US" sz="1800"/>
+                        <a:t> </a:t>
+                      </a:r>
+                      <a:r>
+                        <a:rPr lang="en-US" sz="1800" b="1"/>
+                        <a:t>- </a:t>
+                      </a:r>
+                      <a:r>
+                        <a:rPr lang="en-US" sz="1800"/>
+                        <a:t>Workload is </a:t>
+                      </a:r>
+                      <a:r>
+                        <a:rPr lang="en-US" sz="1800" b="1"/>
+                        <a:t>transparent, </a:t>
+                      </a:r>
+                      <a:r>
+                        <a:rPr lang="en-US" sz="1800"/>
+                        <a:t>so everyone knows who is doing what</a:t>
+                      </a:r>
+                    </a:p>
+                  </a:txBody>
+                  <a:tcPr marL="90546" marR="90546" marT="45273" marB="45273"/>
+                </a:tc>
+                <a:tc>
+                  <a:txBody>
+                    <a:bodyPr/>
+                    <a:lstStyle/>
+                    <a:p>
+                      <a:pPr lvl="0"/>
+                      <a:r>
+                        <a:rPr lang="en-US" sz="1800" b="1"/>
+                        <a:t>So you know who is doing what and when</a:t>
+                      </a:r>
+                      <a:endParaRPr lang="en-US" sz="1800"/>
+                    </a:p>
+                    <a:p>
+                      <a:endParaRPr lang="en-US" sz="1800"/>
+                    </a:p>
+                  </a:txBody>
+                  <a:tcPr marL="90546" marR="90546" marT="45273" marB="45273"/>
+                </a:tc>
+                <a:extLst>
+                  <a:ext uri="{0D108BD9-81ED-4DB2-BD59-A6C34878D82A}">
+                    <a16:rowId xmlns:a16="http://schemas.microsoft.com/office/drawing/2014/main" val="1147623109"/>
+                  </a:ext>
+                </a:extLst>
+              </a:tr>
+              <a:tr h="1213312">
+                <a:tc>
+                  <a:txBody>
+                    <a:bodyPr/>
+                    <a:lstStyle/>
+                    <a:p>
+                      <a:pPr lvl="0"/>
+                      <a:r>
+                        <a:rPr lang="en-US" sz="1800" b="1" i="1"/>
+                        <a:t>Definition -</a:t>
+                      </a:r>
+                      <a:r>
+                        <a:rPr lang="en-US" sz="1800"/>
+                        <a:t> Everyone </a:t>
+                      </a:r>
+                      <a:r>
+                        <a:rPr lang="en-US" sz="1800" b="1"/>
+                        <a:t>defines acceptance criteria </a:t>
+                      </a:r>
+                      <a:r>
+                        <a:rPr lang="en-US" sz="1800"/>
+                        <a:t>for each task</a:t>
+                      </a:r>
+                    </a:p>
+                    <a:p>
+                      <a:endParaRPr lang="en-US" sz="1800"/>
+                    </a:p>
+                  </a:txBody>
+                  <a:tcPr marL="90546" marR="90546" marT="45273" marB="45273"/>
+                </a:tc>
+                <a:tc>
+                  <a:txBody>
+                    <a:bodyPr/>
+                    <a:lstStyle/>
+                    <a:p>
+                      <a:pPr lvl="0"/>
+                      <a:r>
+                        <a:rPr lang="en-US" sz="1800" b="1" i="1"/>
+                        <a:t>So you know what needs to be done and IF it is actually done </a:t>
+                      </a:r>
+                      <a:endParaRPr lang="en-US" sz="1800"/>
+                    </a:p>
+                    <a:p>
+                      <a:endParaRPr lang="en-US" sz="1800"/>
+                    </a:p>
+                  </a:txBody>
+                  <a:tcPr marL="90546" marR="90546" marT="45273" marB="45273"/>
+                </a:tc>
+                <a:extLst>
+                  <a:ext uri="{0D108BD9-81ED-4DB2-BD59-A6C34878D82A}">
+                    <a16:rowId xmlns:a16="http://schemas.microsoft.com/office/drawing/2014/main" val="3834935631"/>
+                  </a:ext>
+                </a:extLst>
+              </a:tr>
+              <a:tr h="1213312">
+                <a:tc>
+                  <a:txBody>
+                    <a:bodyPr/>
+                    <a:lstStyle/>
+                    <a:p>
+                      <a:pPr marL="0" marR="0" lvl="0" indent="0" algn="l" defTabSz="914400" rtl="0" eaLnBrk="1" fontAlgn="auto" latinLnBrk="0" hangingPunct="1">
+                        <a:lnSpc>
+                          <a:spcPct val="100000"/>
+                        </a:lnSpc>
+                        <a:spcBef>
+                          <a:spcPts val="0"/>
+                        </a:spcBef>
+                        <a:spcAft>
+                          <a:spcPts val="0"/>
+                        </a:spcAft>
+                        <a:buClrTx/>
+                        <a:buSzTx/>
+                        <a:buFontTx/>
+                        <a:buNone/>
+                        <a:tabLst/>
+                        <a:defRPr/>
+                      </a:pPr>
+                      <a:r>
+                        <a:rPr lang="en-US" sz="1800" b="1"/>
+                        <a:t>A</a:t>
+                      </a:r>
+                      <a:r>
+                        <a:rPr lang="en-US" sz="1800" b="1" i="1"/>
+                        <a:t>greement -</a:t>
+                      </a:r>
+                      <a:r>
+                        <a:rPr lang="en-US" sz="1800"/>
+                        <a:t> Everyone </a:t>
+                      </a:r>
+                      <a:r>
+                        <a:rPr lang="en-US" sz="1800" b="1"/>
+                        <a:t>agrees </a:t>
+                      </a:r>
+                      <a:r>
+                        <a:rPr lang="en-US" sz="1800"/>
+                        <a:t>that the acceptance </a:t>
+                      </a:r>
+                      <a:r>
+                        <a:rPr lang="en-US" sz="1800" b="1"/>
+                        <a:t>criteria have been met</a:t>
+                      </a:r>
+                      <a:endParaRPr lang="en-US" sz="1800"/>
+                    </a:p>
+                  </a:txBody>
+                  <a:tcPr marL="90546" marR="90546" marT="45273" marB="45273"/>
+                </a:tc>
+                <a:tc>
+                  <a:txBody>
+                    <a:bodyPr/>
+                    <a:lstStyle/>
+                    <a:p>
+                      <a:pPr marL="0" marR="0" lvl="0" indent="0" algn="l" defTabSz="914400" rtl="0" eaLnBrk="1" fontAlgn="auto" latinLnBrk="0" hangingPunct="1">
+                        <a:lnSpc>
+                          <a:spcPct val="100000"/>
+                        </a:lnSpc>
+                        <a:spcBef>
+                          <a:spcPts val="0"/>
+                        </a:spcBef>
+                        <a:spcAft>
+                          <a:spcPts val="0"/>
+                        </a:spcAft>
+                        <a:buClrTx/>
+                        <a:buSzTx/>
+                        <a:buFontTx/>
+                        <a:buNone/>
+                        <a:tabLst/>
+                        <a:defRPr/>
+                      </a:pPr>
+                      <a:r>
+                        <a:rPr lang="en-US" sz="1800" b="1"/>
+                        <a:t>Work goes to done when everyone agrees its done</a:t>
+                      </a:r>
+                      <a:endParaRPr lang="en-US" sz="1800"/>
+                    </a:p>
+                    <a:p>
+                      <a:endParaRPr lang="en-US" sz="1800"/>
+                    </a:p>
+                  </a:txBody>
+                  <a:tcPr marL="90546" marR="90546" marT="45273" marB="45273"/>
+                </a:tc>
+                <a:extLst>
+                  <a:ext uri="{0D108BD9-81ED-4DB2-BD59-A6C34878D82A}">
+                    <a16:rowId xmlns:a16="http://schemas.microsoft.com/office/drawing/2014/main" val="2688122371"/>
+                  </a:ext>
+                </a:extLst>
+              </a:tr>
+            </a:tbl>
+          </a:graphicData>
+        </a:graphic>
+      </p:graphicFrame>
+    </p:spTree>
+    <p:extLst>
+      <p:ext uri="{BB962C8B-B14F-4D97-AF65-F5344CB8AC3E}">
+        <p14:creationId xmlns:p14="http://schemas.microsoft.com/office/powerpoint/2010/main" val="703019413"/>
+      </p:ext>
+    </p:extLst>
+  </p:cSld>
+  <p:clrMapOvr>
+    <a:masterClrMapping/>
+  </p:clrMapOvr>
+</p:sld>
+</file>
+
+<file path=ppt/slides/slide8.xml><?xml version="1.0" encoding="utf-8"?>
+<p:sld xmlns:a="http://schemas.openxmlformats.org/drawingml/2006/main" xmlns:r="http://schemas.openxmlformats.org/officeDocument/2006/relationships" xmlns:p="http://schemas.openxmlformats.org/presentationml/2006/main">
+  <p:cSld>
+    <p:spTree>
+      <p:nvGrpSpPr>
+        <p:cNvPr id="1" name=""/>
+        <p:cNvGrpSpPr/>
+        <p:nvPr/>
+      </p:nvGrpSpPr>
+      <p:grpSpPr>
+        <a:xfrm>
+          <a:off x="0" y="0"/>
+          <a:ext cx="0" cy="0"/>
+          <a:chOff x="0" y="0"/>
+          <a:chExt cx="0" cy="0"/>
+        </a:xfrm>
+      </p:grpSpPr>
+      <p:sp>
+        <p:nvSpPr>
+          <p:cNvPr id="2" name="Title 1">
+            <a:extLst>
+              <a:ext uri="{FF2B5EF4-FFF2-40B4-BE49-F238E27FC236}">
+                <a16:creationId xmlns:a16="http://schemas.microsoft.com/office/drawing/2014/main" id="{D3F5D0BD-00AD-4C84-B2F9-C393DD2C991F}"/>
+              </a:ext>
+            </a:extLst>
+          </p:cNvPr>
+          <p:cNvSpPr>
+            <a:spLocks noGrp="1"/>
+          </p:cNvSpPr>
+          <p:nvPr>
+            <p:ph type="title"/>
+          </p:nvPr>
+        </p:nvSpPr>
+        <p:spPr>
+          <a:xfrm>
+            <a:off x="838200" y="365125"/>
+            <a:ext cx="10515600" cy="1325563"/>
+          </a:xfrm>
+        </p:spPr>
+        <p:txBody>
+          <a:bodyPr/>
+          <a:lstStyle/>
+          <a:p>
+            <a:r>
+              <a:rPr lang="en-US" dirty="0"/>
+              <a:t>Columns in your Kanban board</a:t>
             </a:r>
           </a:p>
         </p:txBody>
@@ -4025,120 +10088,7 @@
 </p:sld>
 </file>
 
-<file path=ppt/slides/slide4.xml><?xml version="1.0" encoding="utf-8"?>
-<p:sld xmlns:a="http://schemas.openxmlformats.org/drawingml/2006/main" xmlns:r="http://schemas.openxmlformats.org/officeDocument/2006/relationships" xmlns:p="http://schemas.openxmlformats.org/presentationml/2006/main">
-  <p:cSld>
-    <p:spTree>
-      <p:nvGrpSpPr>
-        <p:cNvPr id="1" name=""/>
-        <p:cNvGrpSpPr/>
-        <p:nvPr/>
-      </p:nvGrpSpPr>
-      <p:grpSpPr>
-        <a:xfrm>
-          <a:off x="0" y="0"/>
-          <a:ext cx="0" cy="0"/>
-          <a:chOff x="0" y="0"/>
-          <a:chExt cx="0" cy="0"/>
-        </a:xfrm>
-      </p:grpSpPr>
-      <p:sp>
-        <p:nvSpPr>
-          <p:cNvPr id="2" name="Title 1">
-            <a:extLst>
-              <a:ext uri="{FF2B5EF4-FFF2-40B4-BE49-F238E27FC236}">
-                <a16:creationId xmlns:a16="http://schemas.microsoft.com/office/drawing/2014/main" id="{29D08489-46B6-47AC-A4E1-A40FCF3E7B81}"/>
-              </a:ext>
-            </a:extLst>
-          </p:cNvPr>
-          <p:cNvSpPr>
-            <a:spLocks noGrp="1"/>
-          </p:cNvSpPr>
-          <p:nvPr>
-            <p:ph type="title"/>
-          </p:nvPr>
-        </p:nvSpPr>
-        <p:spPr/>
-        <p:txBody>
-          <a:bodyPr/>
-          <a:lstStyle/>
-          <a:p>
-            <a:r>
-              <a:rPr lang="en-US"/>
-              <a:t>Sizing your work</a:t>
-            </a:r>
-          </a:p>
-        </p:txBody>
-      </p:sp>
-      <p:sp>
-        <p:nvSpPr>
-          <p:cNvPr id="3" name="Content Placeholder 2">
-            <a:extLst>
-              <a:ext uri="{FF2B5EF4-FFF2-40B4-BE49-F238E27FC236}">
-                <a16:creationId xmlns:a16="http://schemas.microsoft.com/office/drawing/2014/main" id="{AD1B5B1C-89F5-454A-AE9E-904A9AB6572E}"/>
-              </a:ext>
-            </a:extLst>
-          </p:cNvPr>
-          <p:cNvSpPr>
-            <a:spLocks noGrp="1"/>
-          </p:cNvSpPr>
-          <p:nvPr>
-            <p:ph idx="1"/>
-          </p:nvPr>
-        </p:nvSpPr>
-        <p:spPr/>
-        <p:txBody>
-          <a:bodyPr/>
-          <a:lstStyle/>
-          <a:p>
-            <a:endParaRPr lang="en-US"/>
-          </a:p>
-        </p:txBody>
-      </p:sp>
-      <p:pic>
-        <p:nvPicPr>
-          <p:cNvPr id="4" name="Picture 3">
-            <a:extLst>
-              <a:ext uri="{FF2B5EF4-FFF2-40B4-BE49-F238E27FC236}">
-                <a16:creationId xmlns:a16="http://schemas.microsoft.com/office/drawing/2014/main" id="{49F01922-F082-4B63-AFF8-F8F5D0427501}"/>
-              </a:ext>
-            </a:extLst>
-          </p:cNvPr>
-          <p:cNvPicPr>
-            <a:picLocks noChangeAspect="1"/>
-          </p:cNvPicPr>
-          <p:nvPr/>
-        </p:nvPicPr>
-        <p:blipFill>
-          <a:blip r:embed="rId2"/>
-          <a:stretch>
-            <a:fillRect/>
-          </a:stretch>
-        </p:blipFill>
-        <p:spPr>
-          <a:xfrm>
-            <a:off x="726340" y="1192837"/>
-            <a:ext cx="5619791" cy="4743485"/>
-          </a:xfrm>
-          <a:prstGeom prst="rect">
-            <a:avLst/>
-          </a:prstGeom>
-        </p:spPr>
-      </p:pic>
-    </p:spTree>
-    <p:extLst>
-      <p:ext uri="{BB962C8B-B14F-4D97-AF65-F5344CB8AC3E}">
-        <p14:creationId xmlns:p14="http://schemas.microsoft.com/office/powerpoint/2010/main" val="723089139"/>
-      </p:ext>
-    </p:extLst>
-  </p:cSld>
-  <p:clrMapOvr>
-    <a:masterClrMapping/>
-  </p:clrMapOvr>
-</p:sld>
-</file>
-
-<file path=ppt/slides/slide5.xml><?xml version="1.0" encoding="utf-8"?>
+<file path=ppt/slides/slide9.xml><?xml version="1.0" encoding="utf-8"?>
 <p:sld xmlns:a="http://schemas.openxmlformats.org/drawingml/2006/main" xmlns:r="http://schemas.openxmlformats.org/officeDocument/2006/relationships" xmlns:p="http://schemas.openxmlformats.org/presentationml/2006/main">
   <p:cSld>
     <p:spTree>
@@ -4242,149 +10192,6 @@
     <p:extLst>
       <p:ext uri="{BB962C8B-B14F-4D97-AF65-F5344CB8AC3E}">
         <p14:creationId xmlns:p14="http://schemas.microsoft.com/office/powerpoint/2010/main" val="2487018719"/>
-      </p:ext>
-    </p:extLst>
-  </p:cSld>
-  <p:clrMapOvr>
-    <a:masterClrMapping/>
-  </p:clrMapOvr>
-</p:sld>
-</file>
-
-<file path=ppt/slides/slide6.xml><?xml version="1.0" encoding="utf-8"?>
-<p:sld xmlns:a="http://schemas.openxmlformats.org/drawingml/2006/main" xmlns:r="http://schemas.openxmlformats.org/officeDocument/2006/relationships" xmlns:p="http://schemas.openxmlformats.org/presentationml/2006/main">
-  <p:cSld>
-    <p:spTree>
-      <p:nvGrpSpPr>
-        <p:cNvPr id="1" name=""/>
-        <p:cNvGrpSpPr/>
-        <p:nvPr/>
-      </p:nvGrpSpPr>
-      <p:grpSpPr>
-        <a:xfrm>
-          <a:off x="0" y="0"/>
-          <a:ext cx="0" cy="0"/>
-          <a:chOff x="0" y="0"/>
-          <a:chExt cx="0" cy="0"/>
-        </a:xfrm>
-      </p:grpSpPr>
-      <p:sp>
-        <p:nvSpPr>
-          <p:cNvPr id="2" name="Title 1">
-            <a:extLst>
-              <a:ext uri="{FF2B5EF4-FFF2-40B4-BE49-F238E27FC236}">
-                <a16:creationId xmlns:a16="http://schemas.microsoft.com/office/drawing/2014/main" id="{41A4E17B-F8AA-4136-A70A-7E509B616E90}"/>
-              </a:ext>
-            </a:extLst>
-          </p:cNvPr>
-          <p:cNvSpPr>
-            <a:spLocks noGrp="1"/>
-          </p:cNvSpPr>
-          <p:nvPr>
-            <p:ph type="title"/>
-          </p:nvPr>
-        </p:nvSpPr>
-        <p:spPr/>
-        <p:txBody>
-          <a:bodyPr/>
-          <a:lstStyle/>
-          <a:p>
-            <a:r>
-              <a:rPr lang="en-US"/>
-              <a:t>Notes can have rich markdown</a:t>
-            </a:r>
-          </a:p>
-        </p:txBody>
-      </p:sp>
-      <p:sp>
-        <p:nvSpPr>
-          <p:cNvPr id="3" name="Content Placeholder 2">
-            <a:extLst>
-              <a:ext uri="{FF2B5EF4-FFF2-40B4-BE49-F238E27FC236}">
-                <a16:creationId xmlns:a16="http://schemas.microsoft.com/office/drawing/2014/main" id="{9D702CA8-6D83-4145-A382-607761FE931E}"/>
-              </a:ext>
-            </a:extLst>
-          </p:cNvPr>
-          <p:cNvSpPr>
-            <a:spLocks noGrp="1"/>
-          </p:cNvSpPr>
-          <p:nvPr>
-            <p:ph idx="1"/>
-          </p:nvPr>
-        </p:nvSpPr>
-        <p:spPr/>
-        <p:txBody>
-          <a:bodyPr/>
-          <a:lstStyle/>
-          <a:p>
-            <a:endParaRPr lang="en-US"/>
-          </a:p>
-        </p:txBody>
-      </p:sp>
-      <p:pic>
-        <p:nvPicPr>
-          <p:cNvPr id="7" name="Picture 6">
-            <a:extLst>
-              <a:ext uri="{FF2B5EF4-FFF2-40B4-BE49-F238E27FC236}">
-                <a16:creationId xmlns:a16="http://schemas.microsoft.com/office/drawing/2014/main" id="{270AACDC-D727-481F-A27F-2E461822EE9C}"/>
-              </a:ext>
-            </a:extLst>
-          </p:cNvPr>
-          <p:cNvPicPr>
-            <a:picLocks noChangeAspect="1"/>
-          </p:cNvPicPr>
-          <p:nvPr/>
-        </p:nvPicPr>
-        <p:blipFill>
-          <a:blip r:embed="rId2"/>
-          <a:stretch>
-            <a:fillRect/>
-          </a:stretch>
-        </p:blipFill>
-        <p:spPr>
-          <a:xfrm>
-            <a:off x="0" y="1498600"/>
-            <a:ext cx="6580584" cy="5359400"/>
-          </a:xfrm>
-          <a:prstGeom prst="rect">
-            <a:avLst/>
-          </a:prstGeom>
-        </p:spPr>
-      </p:pic>
-      <p:pic>
-        <p:nvPicPr>
-          <p:cNvPr id="9" name="Picture 8">
-            <a:extLst>
-              <a:ext uri="{FF2B5EF4-FFF2-40B4-BE49-F238E27FC236}">
-                <a16:creationId xmlns:a16="http://schemas.microsoft.com/office/drawing/2014/main" id="{B5602A1D-F403-43CA-BB18-B34DD64CB4DE}"/>
-              </a:ext>
-            </a:extLst>
-          </p:cNvPr>
-          <p:cNvPicPr>
-            <a:picLocks noChangeAspect="1"/>
-          </p:cNvPicPr>
-          <p:nvPr/>
-        </p:nvPicPr>
-        <p:blipFill>
-          <a:blip r:embed="rId3"/>
-          <a:stretch>
-            <a:fillRect/>
-          </a:stretch>
-        </p:blipFill>
-        <p:spPr>
-          <a:xfrm>
-            <a:off x="6580584" y="1592451"/>
-            <a:ext cx="5814030" cy="4817686"/>
-          </a:xfrm>
-          <a:prstGeom prst="rect">
-            <a:avLst/>
-          </a:prstGeom>
-        </p:spPr>
-      </p:pic>
-    </p:spTree>
-    <p:extLst>
-      <p:ext uri="{BB962C8B-B14F-4D97-AF65-F5344CB8AC3E}">
-        <p14:creationId xmlns:p14="http://schemas.microsoft.com/office/powerpoint/2010/main" val="1094553478"/>
       </p:ext>
     </p:extLst>
   </p:cSld>

--- a/Course Content/What is Kanban (101).pptx
+++ b/Course Content/What is Kanban (101).pptx
@@ -12,11 +12,10 @@
     <p:sldId id="264" r:id="rId6"/>
     <p:sldId id="257" r:id="rId7"/>
     <p:sldId id="266" r:id="rId8"/>
-    <p:sldId id="258" r:id="rId9"/>
-    <p:sldId id="260" r:id="rId10"/>
-    <p:sldId id="261" r:id="rId11"/>
-    <p:sldId id="268" r:id="rId12"/>
-    <p:sldId id="259" r:id="rId13"/>
+    <p:sldId id="260" r:id="rId9"/>
+    <p:sldId id="261" r:id="rId10"/>
+    <p:sldId id="268" r:id="rId11"/>
+    <p:sldId id="259" r:id="rId12"/>
   </p:sldIdLst>
   <p:sldSz cx="12192000" cy="6858000"/>
   <p:notesSz cx="6858000" cy="9144000"/>
@@ -121,14 +120,6 @@
     </p:ext>
   </p:extLst>
 </p:presentation>
-</file>
-
-<file path=ppt/revisionInfo.xml><?xml version="1.0" encoding="utf-8"?>
-<p1510:revInfo xmlns:a="http://schemas.openxmlformats.org/drawingml/2006/main" xmlns:r="http://schemas.openxmlformats.org/officeDocument/2006/relationships" xmlns:p1510="http://schemas.microsoft.com/office/powerpoint/2015/10/main">
-  <p1510:revLst>
-    <p1510:client id="{8184E20C-0FDA-4EBE-A7CD-55EA583EE6F5}" v="286" dt="2022-01-29T19:29:50.575"/>
-  </p1510:revLst>
-</p1510:revInfo>
 </file>
 
 <file path=ppt/changesInfos/changesInfo1.xml><?xml version="1.0" encoding="utf-8"?>
@@ -744,6 +735,22 @@
             <ac:spMk id="3" creationId="{08699EFF-C40C-456E-8E46-8568EC9CF853}"/>
           </ac:spMkLst>
         </pc:spChg>
+      </pc:sldChg>
+    </pc:docChg>
+  </pc:docChgLst>
+  <pc:docChgLst>
+    <pc:chgData name="Martin Schray" userId="bf4f4853c980e97a" providerId="LiveId" clId="{8EE9384F-D40B-4356-BA05-288D9186327A}"/>
+    <pc:docChg chg="delSld">
+      <pc:chgData name="Martin Schray" userId="bf4f4853c980e97a" providerId="LiveId" clId="{8EE9384F-D40B-4356-BA05-288D9186327A}" dt="2022-02-02T00:05:10.736" v="0" actId="2696"/>
+      <pc:docMkLst>
+        <pc:docMk/>
+      </pc:docMkLst>
+      <pc:sldChg chg="del">
+        <pc:chgData name="Martin Schray" userId="bf4f4853c980e97a" providerId="LiveId" clId="{8EE9384F-D40B-4356-BA05-288D9186327A}" dt="2022-02-02T00:05:10.736" v="0" actId="2696"/>
+        <pc:sldMkLst>
+          <pc:docMk/>
+          <pc:sldMk cId="2469832989" sldId="258"/>
+        </pc:sldMkLst>
       </pc:sldChg>
     </pc:docChg>
   </pc:docChgLst>
@@ -4415,7 +4422,7 @@
           <a:p>
             <a:fld id="{D5F7E811-D833-489F-BCCE-9024A83463F2}" type="datetimeFigureOut">
               <a:rPr lang="en-US" smtClean="0"/>
-              <a:t>1/29/2022</a:t>
+              <a:t>2/1/2022</a:t>
             </a:fld>
             <a:endParaRPr lang="en-US"/>
           </a:p>
@@ -4613,7 +4620,7 @@
           <a:p>
             <a:fld id="{D5F7E811-D833-489F-BCCE-9024A83463F2}" type="datetimeFigureOut">
               <a:rPr lang="en-US" smtClean="0"/>
-              <a:t>1/29/2022</a:t>
+              <a:t>2/1/2022</a:t>
             </a:fld>
             <a:endParaRPr lang="en-US"/>
           </a:p>
@@ -4821,7 +4828,7 @@
           <a:p>
             <a:fld id="{D5F7E811-D833-489F-BCCE-9024A83463F2}" type="datetimeFigureOut">
               <a:rPr lang="en-US" smtClean="0"/>
-              <a:t>1/29/2022</a:t>
+              <a:t>2/1/2022</a:t>
             </a:fld>
             <a:endParaRPr lang="en-US"/>
           </a:p>
@@ -5019,7 +5026,7 @@
           <a:p>
             <a:fld id="{D5F7E811-D833-489F-BCCE-9024A83463F2}" type="datetimeFigureOut">
               <a:rPr lang="en-US" smtClean="0"/>
-              <a:t>1/29/2022</a:t>
+              <a:t>2/1/2022</a:t>
             </a:fld>
             <a:endParaRPr lang="en-US"/>
           </a:p>
@@ -5294,7 +5301,7 @@
           <a:p>
             <a:fld id="{D5F7E811-D833-489F-BCCE-9024A83463F2}" type="datetimeFigureOut">
               <a:rPr lang="en-US" smtClean="0"/>
-              <a:t>1/29/2022</a:t>
+              <a:t>2/1/2022</a:t>
             </a:fld>
             <a:endParaRPr lang="en-US"/>
           </a:p>
@@ -5559,7 +5566,7 @@
           <a:p>
             <a:fld id="{D5F7E811-D833-489F-BCCE-9024A83463F2}" type="datetimeFigureOut">
               <a:rPr lang="en-US" smtClean="0"/>
-              <a:t>1/29/2022</a:t>
+              <a:t>2/1/2022</a:t>
             </a:fld>
             <a:endParaRPr lang="en-US"/>
           </a:p>
@@ -5971,7 +5978,7 @@
           <a:p>
             <a:fld id="{D5F7E811-D833-489F-BCCE-9024A83463F2}" type="datetimeFigureOut">
               <a:rPr lang="en-US" smtClean="0"/>
-              <a:t>1/29/2022</a:t>
+              <a:t>2/1/2022</a:t>
             </a:fld>
             <a:endParaRPr lang="en-US"/>
           </a:p>
@@ -6112,7 +6119,7 @@
           <a:p>
             <a:fld id="{D5F7E811-D833-489F-BCCE-9024A83463F2}" type="datetimeFigureOut">
               <a:rPr lang="en-US" smtClean="0"/>
-              <a:t>1/29/2022</a:t>
+              <a:t>2/1/2022</a:t>
             </a:fld>
             <a:endParaRPr lang="en-US"/>
           </a:p>
@@ -6225,7 +6232,7 @@
           <a:p>
             <a:fld id="{D5F7E811-D833-489F-BCCE-9024A83463F2}" type="datetimeFigureOut">
               <a:rPr lang="en-US" smtClean="0"/>
-              <a:t>1/29/2022</a:t>
+              <a:t>2/1/2022</a:t>
             </a:fld>
             <a:endParaRPr lang="en-US"/>
           </a:p>
@@ -6536,7 +6543,7 @@
           <a:p>
             <a:fld id="{D5F7E811-D833-489F-BCCE-9024A83463F2}" type="datetimeFigureOut">
               <a:rPr lang="en-US" smtClean="0"/>
-              <a:t>1/29/2022</a:t>
+              <a:t>2/1/2022</a:t>
             </a:fld>
             <a:endParaRPr lang="en-US"/>
           </a:p>
@@ -6824,7 +6831,7 @@
           <a:p>
             <a:fld id="{D5F7E811-D833-489F-BCCE-9024A83463F2}" type="datetimeFigureOut">
               <a:rPr lang="en-US" smtClean="0"/>
-              <a:t>1/29/2022</a:t>
+              <a:t>2/1/2022</a:t>
             </a:fld>
             <a:endParaRPr lang="en-US"/>
           </a:p>
@@ -7065,7 +7072,7 @@
           <a:p>
             <a:fld id="{D5F7E811-D833-489F-BCCE-9024A83463F2}" type="datetimeFigureOut">
               <a:rPr lang="en-US" smtClean="0"/>
-              <a:t>1/29/2022</a:t>
+              <a:t>2/1/2022</a:t>
             </a:fld>
             <a:endParaRPr lang="en-US"/>
           </a:p>
@@ -7777,149 +7784,6 @@
           <p:cNvPr id="2" name="Title 1">
             <a:extLst>
               <a:ext uri="{FF2B5EF4-FFF2-40B4-BE49-F238E27FC236}">
-                <a16:creationId xmlns:a16="http://schemas.microsoft.com/office/drawing/2014/main" id="{41A4E17B-F8AA-4136-A70A-7E509B616E90}"/>
-              </a:ext>
-            </a:extLst>
-          </p:cNvPr>
-          <p:cNvSpPr>
-            <a:spLocks noGrp="1"/>
-          </p:cNvSpPr>
-          <p:nvPr>
-            <p:ph type="title"/>
-          </p:nvPr>
-        </p:nvSpPr>
-        <p:spPr/>
-        <p:txBody>
-          <a:bodyPr/>
-          <a:lstStyle/>
-          <a:p>
-            <a:r>
-              <a:rPr lang="en-US"/>
-              <a:t>Notes can have rich markdown</a:t>
-            </a:r>
-          </a:p>
-        </p:txBody>
-      </p:sp>
-      <p:sp>
-        <p:nvSpPr>
-          <p:cNvPr id="3" name="Content Placeholder 2">
-            <a:extLst>
-              <a:ext uri="{FF2B5EF4-FFF2-40B4-BE49-F238E27FC236}">
-                <a16:creationId xmlns:a16="http://schemas.microsoft.com/office/drawing/2014/main" id="{9D702CA8-6D83-4145-A382-607761FE931E}"/>
-              </a:ext>
-            </a:extLst>
-          </p:cNvPr>
-          <p:cNvSpPr>
-            <a:spLocks noGrp="1"/>
-          </p:cNvSpPr>
-          <p:nvPr>
-            <p:ph idx="1"/>
-          </p:nvPr>
-        </p:nvSpPr>
-        <p:spPr/>
-        <p:txBody>
-          <a:bodyPr/>
-          <a:lstStyle/>
-          <a:p>
-            <a:endParaRPr lang="en-US"/>
-          </a:p>
-        </p:txBody>
-      </p:sp>
-      <p:pic>
-        <p:nvPicPr>
-          <p:cNvPr id="7" name="Picture 6">
-            <a:extLst>
-              <a:ext uri="{FF2B5EF4-FFF2-40B4-BE49-F238E27FC236}">
-                <a16:creationId xmlns:a16="http://schemas.microsoft.com/office/drawing/2014/main" id="{270AACDC-D727-481F-A27F-2E461822EE9C}"/>
-              </a:ext>
-            </a:extLst>
-          </p:cNvPr>
-          <p:cNvPicPr>
-            <a:picLocks noChangeAspect="1"/>
-          </p:cNvPicPr>
-          <p:nvPr/>
-        </p:nvPicPr>
-        <p:blipFill>
-          <a:blip r:embed="rId2"/>
-          <a:stretch>
-            <a:fillRect/>
-          </a:stretch>
-        </p:blipFill>
-        <p:spPr>
-          <a:xfrm>
-            <a:off x="0" y="1498600"/>
-            <a:ext cx="6580584" cy="5359400"/>
-          </a:xfrm>
-          <a:prstGeom prst="rect">
-            <a:avLst/>
-          </a:prstGeom>
-        </p:spPr>
-      </p:pic>
-      <p:pic>
-        <p:nvPicPr>
-          <p:cNvPr id="9" name="Picture 8">
-            <a:extLst>
-              <a:ext uri="{FF2B5EF4-FFF2-40B4-BE49-F238E27FC236}">
-                <a16:creationId xmlns:a16="http://schemas.microsoft.com/office/drawing/2014/main" id="{B5602A1D-F403-43CA-BB18-B34DD64CB4DE}"/>
-              </a:ext>
-            </a:extLst>
-          </p:cNvPr>
-          <p:cNvPicPr>
-            <a:picLocks noChangeAspect="1"/>
-          </p:cNvPicPr>
-          <p:nvPr/>
-        </p:nvPicPr>
-        <p:blipFill>
-          <a:blip r:embed="rId3"/>
-          <a:stretch>
-            <a:fillRect/>
-          </a:stretch>
-        </p:blipFill>
-        <p:spPr>
-          <a:xfrm>
-            <a:off x="6580584" y="1592451"/>
-            <a:ext cx="5814030" cy="4817686"/>
-          </a:xfrm>
-          <a:prstGeom prst="rect">
-            <a:avLst/>
-          </a:prstGeom>
-        </p:spPr>
-      </p:pic>
-    </p:spTree>
-    <p:extLst>
-      <p:ext uri="{BB962C8B-B14F-4D97-AF65-F5344CB8AC3E}">
-        <p14:creationId xmlns:p14="http://schemas.microsoft.com/office/powerpoint/2010/main" val="1094553478"/>
-      </p:ext>
-    </p:extLst>
-  </p:cSld>
-  <p:clrMapOvr>
-    <a:masterClrMapping/>
-  </p:clrMapOvr>
-</p:sld>
-</file>
-
-<file path=ppt/slides/slide11.xml><?xml version="1.0" encoding="utf-8"?>
-<p:sld xmlns:a="http://schemas.openxmlformats.org/drawingml/2006/main" xmlns:r="http://schemas.openxmlformats.org/officeDocument/2006/relationships" xmlns:p="http://schemas.openxmlformats.org/presentationml/2006/main">
-  <p:cSld>
-    <p:spTree>
-      <p:nvGrpSpPr>
-        <p:cNvPr id="1" name=""/>
-        <p:cNvGrpSpPr/>
-        <p:nvPr/>
-      </p:nvGrpSpPr>
-      <p:grpSpPr>
-        <a:xfrm>
-          <a:off x="0" y="0"/>
-          <a:ext cx="0" cy="0"/>
-          <a:chOff x="0" y="0"/>
-          <a:chExt cx="0" cy="0"/>
-        </a:xfrm>
-      </p:grpSpPr>
-      <p:sp>
-        <p:nvSpPr>
-          <p:cNvPr id="2" name="Title 1">
-            <a:extLst>
-              <a:ext uri="{FF2B5EF4-FFF2-40B4-BE49-F238E27FC236}">
                 <a16:creationId xmlns:a16="http://schemas.microsoft.com/office/drawing/2014/main" id="{B4B6DCAD-D826-4CE6-AF2C-6F0DAFE22673}"/>
               </a:ext>
             </a:extLst>
@@ -7990,7 +7854,7 @@
 </p:sld>
 </file>
 
-<file path=ppt/slides/slide12.xml><?xml version="1.0" encoding="utf-8"?>
+<file path=ppt/slides/slide11.xml><?xml version="1.0" encoding="utf-8"?>
 <p:sld xmlns:a="http://schemas.openxmlformats.org/drawingml/2006/main" xmlns:r="http://schemas.openxmlformats.org/officeDocument/2006/relationships" xmlns:p="http://schemas.openxmlformats.org/presentationml/2006/main">
   <p:cSld>
     <p:spTree>
@@ -8677,8 +8541,8 @@
           </a:prstGeom>
         </p:spPr>
       </p:pic>
-      <mc:AlternateContent xmlns:mc="http://schemas.openxmlformats.org/markup-compatibility/2006">
-        <mc:Choice xmlns:p14="http://schemas.microsoft.com/office/powerpoint/2010/main" Requires="p14">
+      <mc:AlternateContent xmlns:mc="http://schemas.openxmlformats.org/markup-compatibility/2006" xmlns:p14="http://schemas.microsoft.com/office/powerpoint/2010/main">
+        <mc:Choice Requires="p14">
           <p:contentPart p14:bwMode="auto" r:id="rId3">
             <p14:nvContentPartPr>
               <p14:cNvPr id="6" name="Ink 5">
@@ -8697,7 +8561,7 @@
             </p14:xfrm>
           </p:contentPart>
         </mc:Choice>
-        <mc:Fallback>
+        <mc:Fallback xmlns="">
           <p:pic>
             <p:nvPicPr>
               <p:cNvPr id="6" name="Ink 5">
@@ -8728,8 +8592,8 @@
           </p:pic>
         </mc:Fallback>
       </mc:AlternateContent>
-      <mc:AlternateContent xmlns:mc="http://schemas.openxmlformats.org/markup-compatibility/2006">
-        <mc:Choice xmlns:p14="http://schemas.microsoft.com/office/powerpoint/2010/main" Requires="p14">
+      <mc:AlternateContent xmlns:mc="http://schemas.openxmlformats.org/markup-compatibility/2006" xmlns:p14="http://schemas.microsoft.com/office/powerpoint/2010/main">
+        <mc:Choice Requires="p14">
           <p:contentPart p14:bwMode="auto" r:id="rId5">
             <p14:nvContentPartPr>
               <p14:cNvPr id="11" name="Ink 10">
@@ -8748,7 +8612,7 @@
             </p14:xfrm>
           </p:contentPart>
         </mc:Choice>
-        <mc:Fallback>
+        <mc:Fallback xmlns="">
           <p:pic>
             <p:nvPicPr>
               <p:cNvPr id="11" name="Ink 10">
@@ -8779,8 +8643,8 @@
           </p:pic>
         </mc:Fallback>
       </mc:AlternateContent>
-      <mc:AlternateContent xmlns:mc="http://schemas.openxmlformats.org/markup-compatibility/2006">
-        <mc:Choice xmlns:p14="http://schemas.microsoft.com/office/powerpoint/2010/main" Requires="p14">
+      <mc:AlternateContent xmlns:mc="http://schemas.openxmlformats.org/markup-compatibility/2006" xmlns:p14="http://schemas.microsoft.com/office/powerpoint/2010/main">
+        <mc:Choice Requires="p14">
           <p:contentPart p14:bwMode="auto" r:id="rId7">
             <p14:nvContentPartPr>
               <p14:cNvPr id="12" name="Ink 11">
@@ -8799,7 +8663,7 @@
             </p14:xfrm>
           </p:contentPart>
         </mc:Choice>
-        <mc:Fallback>
+        <mc:Fallback xmlns="">
           <p:pic>
             <p:nvPicPr>
               <p:cNvPr id="12" name="Ink 11">
@@ -8830,8 +8694,8 @@
           </p:pic>
         </mc:Fallback>
       </mc:AlternateContent>
-      <mc:AlternateContent xmlns:mc="http://schemas.openxmlformats.org/markup-compatibility/2006">
-        <mc:Choice xmlns:p14="http://schemas.microsoft.com/office/powerpoint/2010/main" Requires="p14">
+      <mc:AlternateContent xmlns:mc="http://schemas.openxmlformats.org/markup-compatibility/2006" xmlns:p14="http://schemas.microsoft.com/office/powerpoint/2010/main">
+        <mc:Choice Requires="p14">
           <p:contentPart p14:bwMode="auto" r:id="rId9">
             <p14:nvContentPartPr>
               <p14:cNvPr id="16" name="Ink 15">
@@ -8850,7 +8714,7 @@
             </p14:xfrm>
           </p:contentPart>
         </mc:Choice>
-        <mc:Fallback>
+        <mc:Fallback xmlns="">
           <p:pic>
             <p:nvPicPr>
               <p:cNvPr id="16" name="Ink 15">
@@ -9967,7 +9831,7 @@
           <p:cNvPr id="2" name="Title 1">
             <a:extLst>
               <a:ext uri="{FF2B5EF4-FFF2-40B4-BE49-F238E27FC236}">
-                <a16:creationId xmlns:a16="http://schemas.microsoft.com/office/drawing/2014/main" id="{D3F5D0BD-00AD-4C84-B2F9-C393DD2C991F}"/>
+                <a16:creationId xmlns:a16="http://schemas.microsoft.com/office/drawing/2014/main" id="{37F86E62-6437-4E0F-8D93-F946023D4CDE}"/>
               </a:ext>
             </a:extLst>
           </p:cNvPr>
@@ -9978,19 +9842,14 @@
             <p:ph type="title"/>
           </p:nvPr>
         </p:nvSpPr>
-        <p:spPr>
-          <a:xfrm>
-            <a:off x="838200" y="365125"/>
-            <a:ext cx="10515600" cy="1325563"/>
-          </a:xfrm>
-        </p:spPr>
+        <p:spPr/>
         <p:txBody>
           <a:bodyPr/>
           <a:lstStyle/>
           <a:p>
             <a:r>
-              <a:rPr lang="en-US" dirty="0"/>
-              <a:t>Columns in your Kanban board</a:t>
+              <a:rPr lang="en-US"/>
+              <a:t>You can edit columns (hint: keep it simple)</a:t>
             </a:r>
           </a:p>
         </p:txBody>
@@ -10000,7 +9859,7 @@
           <p:cNvPr id="3" name="Content Placeholder 2">
             <a:extLst>
               <a:ext uri="{FF2B5EF4-FFF2-40B4-BE49-F238E27FC236}">
-                <a16:creationId xmlns:a16="http://schemas.microsoft.com/office/drawing/2014/main" id="{22B3661A-F62E-4E47-BAC7-7875250A497B}"/>
+                <a16:creationId xmlns:a16="http://schemas.microsoft.com/office/drawing/2014/main" id="{DF24578E-B477-4891-8707-621595ECD53D}"/>
               </a:ext>
             </a:extLst>
           </p:cNvPr>
@@ -10011,74 +9870,49 @@
             <p:ph idx="1"/>
           </p:nvPr>
         </p:nvSpPr>
-        <p:spPr>
-          <a:xfrm>
-            <a:off x="838200" y="1825625"/>
-            <a:ext cx="10515600" cy="4351338"/>
-          </a:xfrm>
-        </p:spPr>
+        <p:spPr/>
         <p:txBody>
           <a:bodyPr/>
           <a:lstStyle/>
           <a:p>
-            <a:r>
-              <a:rPr lang="en-US"/>
-              <a:t>Kanban Board</a:t>
-            </a:r>
+            <a:endParaRPr lang="en-US"/>
           </a:p>
         </p:txBody>
       </p:sp>
       <p:pic>
         <p:nvPicPr>
-          <p:cNvPr id="1026" name="Picture 2">
+          <p:cNvPr id="5" name="Picture 4">
             <a:extLst>
               <a:ext uri="{FF2B5EF4-FFF2-40B4-BE49-F238E27FC236}">
-                <a16:creationId xmlns:a16="http://schemas.microsoft.com/office/drawing/2014/main" id="{F803E806-4E73-4D0A-9EDA-211FCF99508D}"/>
+                <a16:creationId xmlns:a16="http://schemas.microsoft.com/office/drawing/2014/main" id="{2365C54E-0D94-4B39-96D7-F3236987A458}"/>
               </a:ext>
             </a:extLst>
           </p:cNvPr>
           <p:cNvPicPr>
-            <a:picLocks noChangeAspect="1" noChangeArrowheads="1"/>
+            <a:picLocks noChangeAspect="1"/>
           </p:cNvPicPr>
           <p:nvPr/>
         </p:nvPicPr>
         <p:blipFill>
-          <a:blip r:embed="rId2">
-            <a:extLst>
-              <a:ext uri="{28A0092B-C50C-407E-A947-70E740481C1C}">
-                <a14:useLocalDpi xmlns:a14="http://schemas.microsoft.com/office/drawing/2010/main" val="0"/>
-              </a:ext>
-            </a:extLst>
-          </a:blip>
-          <a:srcRect/>
+          <a:blip r:embed="rId2"/>
           <a:stretch>
             <a:fillRect/>
           </a:stretch>
         </p:blipFill>
-        <p:spPr bwMode="auto">
+        <p:spPr>
           <a:xfrm>
-            <a:off x="838200" y="2705100"/>
-            <a:ext cx="11163300" cy="2452147"/>
+            <a:off x="593974" y="1721168"/>
+            <a:ext cx="10856360" cy="4771707"/>
           </a:xfrm>
           <a:prstGeom prst="rect">
             <a:avLst/>
           </a:prstGeom>
-          <a:noFill/>
-          <a:extLst>
-            <a:ext uri="{909E8E84-426E-40DD-AFC4-6F175D3DCCD1}">
-              <a14:hiddenFill xmlns:a14="http://schemas.microsoft.com/office/drawing/2010/main">
-                <a:solidFill>
-                  <a:srgbClr val="FFFFFF"/>
-                </a:solidFill>
-              </a14:hiddenFill>
-            </a:ext>
-          </a:extLst>
         </p:spPr>
       </p:pic>
     </p:spTree>
     <p:extLst>
       <p:ext uri="{BB962C8B-B14F-4D97-AF65-F5344CB8AC3E}">
-        <p14:creationId xmlns:p14="http://schemas.microsoft.com/office/powerpoint/2010/main" val="2469832989"/>
+        <p14:creationId xmlns:p14="http://schemas.microsoft.com/office/powerpoint/2010/main" val="2487018719"/>
       </p:ext>
     </p:extLst>
   </p:cSld>
@@ -10110,7 +9944,7 @@
           <p:cNvPr id="2" name="Title 1">
             <a:extLst>
               <a:ext uri="{FF2B5EF4-FFF2-40B4-BE49-F238E27FC236}">
-                <a16:creationId xmlns:a16="http://schemas.microsoft.com/office/drawing/2014/main" id="{37F86E62-6437-4E0F-8D93-F946023D4CDE}"/>
+                <a16:creationId xmlns:a16="http://schemas.microsoft.com/office/drawing/2014/main" id="{41A4E17B-F8AA-4136-A70A-7E509B616E90}"/>
               </a:ext>
             </a:extLst>
           </p:cNvPr>
@@ -10128,7 +9962,7 @@
           <a:p>
             <a:r>
               <a:rPr lang="en-US"/>
-              <a:t>You can edit columns (hint: keep it simple)</a:t>
+              <a:t>Notes can have rich markdown</a:t>
             </a:r>
           </a:p>
         </p:txBody>
@@ -10138,7 +9972,7 @@
           <p:cNvPr id="3" name="Content Placeholder 2">
             <a:extLst>
               <a:ext uri="{FF2B5EF4-FFF2-40B4-BE49-F238E27FC236}">
-                <a16:creationId xmlns:a16="http://schemas.microsoft.com/office/drawing/2014/main" id="{DF24578E-B477-4891-8707-621595ECD53D}"/>
+                <a16:creationId xmlns:a16="http://schemas.microsoft.com/office/drawing/2014/main" id="{9D702CA8-6D83-4145-A382-607761FE931E}"/>
               </a:ext>
             </a:extLst>
           </p:cNvPr>
@@ -10160,10 +9994,10 @@
       </p:sp>
       <p:pic>
         <p:nvPicPr>
-          <p:cNvPr id="5" name="Picture 4">
+          <p:cNvPr id="7" name="Picture 6">
             <a:extLst>
               <a:ext uri="{FF2B5EF4-FFF2-40B4-BE49-F238E27FC236}">
-                <a16:creationId xmlns:a16="http://schemas.microsoft.com/office/drawing/2014/main" id="{2365C54E-0D94-4B39-96D7-F3236987A458}"/>
+                <a16:creationId xmlns:a16="http://schemas.microsoft.com/office/drawing/2014/main" id="{270AACDC-D727-481F-A27F-2E461822EE9C}"/>
               </a:ext>
             </a:extLst>
           </p:cNvPr>
@@ -10180,8 +10014,38 @@
         </p:blipFill>
         <p:spPr>
           <a:xfrm>
-            <a:off x="593974" y="1721168"/>
-            <a:ext cx="10856360" cy="4771707"/>
+            <a:off x="0" y="1498600"/>
+            <a:ext cx="6580584" cy="5359400"/>
+          </a:xfrm>
+          <a:prstGeom prst="rect">
+            <a:avLst/>
+          </a:prstGeom>
+        </p:spPr>
+      </p:pic>
+      <p:pic>
+        <p:nvPicPr>
+          <p:cNvPr id="9" name="Picture 8">
+            <a:extLst>
+              <a:ext uri="{FF2B5EF4-FFF2-40B4-BE49-F238E27FC236}">
+                <a16:creationId xmlns:a16="http://schemas.microsoft.com/office/drawing/2014/main" id="{B5602A1D-F403-43CA-BB18-B34DD64CB4DE}"/>
+              </a:ext>
+            </a:extLst>
+          </p:cNvPr>
+          <p:cNvPicPr>
+            <a:picLocks noChangeAspect="1"/>
+          </p:cNvPicPr>
+          <p:nvPr/>
+        </p:nvPicPr>
+        <p:blipFill>
+          <a:blip r:embed="rId3"/>
+          <a:stretch>
+            <a:fillRect/>
+          </a:stretch>
+        </p:blipFill>
+        <p:spPr>
+          <a:xfrm>
+            <a:off x="6580584" y="1592451"/>
+            <a:ext cx="5814030" cy="4817686"/>
           </a:xfrm>
           <a:prstGeom prst="rect">
             <a:avLst/>
@@ -10191,7 +10055,7 @@
     </p:spTree>
     <p:extLst>
       <p:ext uri="{BB962C8B-B14F-4D97-AF65-F5344CB8AC3E}">
-        <p14:creationId xmlns:p14="http://schemas.microsoft.com/office/powerpoint/2010/main" val="2487018719"/>
+        <p14:creationId xmlns:p14="http://schemas.microsoft.com/office/powerpoint/2010/main" val="1094553478"/>
       </p:ext>
     </p:extLst>
   </p:cSld>

--- a/Course Content/What is Kanban (101).pptx
+++ b/Course Content/What is Kanban (101).pptx
@@ -14,8 +14,11 @@
     <p:sldId id="266" r:id="rId8"/>
     <p:sldId id="260" r:id="rId9"/>
     <p:sldId id="261" r:id="rId10"/>
-    <p:sldId id="268" r:id="rId11"/>
-    <p:sldId id="259" r:id="rId12"/>
+    <p:sldId id="269" r:id="rId11"/>
+    <p:sldId id="270" r:id="rId12"/>
+    <p:sldId id="271" r:id="rId13"/>
+    <p:sldId id="268" r:id="rId14"/>
+    <p:sldId id="259" r:id="rId15"/>
   </p:sldIdLst>
   <p:sldSz cx="12192000" cy="6858000"/>
   <p:notesSz cx="6858000" cy="9144000"/>
@@ -751,6 +754,116 @@
           <pc:docMk/>
           <pc:sldMk cId="2469832989" sldId="258"/>
         </pc:sldMkLst>
+      </pc:sldChg>
+    </pc:docChg>
+  </pc:docChgLst>
+  <pc:docChgLst>
+    <pc:chgData name="Martin Schray" userId="bf4f4853c980e97a" providerId="LiveId" clId="{FDA75B35-AC51-4542-8598-1B382FE39AF9}"/>
+    <pc:docChg chg="custSel addSld modSld">
+      <pc:chgData name="Martin Schray" userId="bf4f4853c980e97a" providerId="LiveId" clId="{FDA75B35-AC51-4542-8598-1B382FE39AF9}" dt="2022-09-06T23:18:11.016" v="235" actId="1076"/>
+      <pc:docMkLst>
+        <pc:docMk/>
+      </pc:docMkLst>
+      <pc:sldChg chg="addSp modSp new mod">
+        <pc:chgData name="Martin Schray" userId="bf4f4853c980e97a" providerId="LiveId" clId="{FDA75B35-AC51-4542-8598-1B382FE39AF9}" dt="2022-09-06T23:04:56.119" v="70" actId="1076"/>
+        <pc:sldMkLst>
+          <pc:docMk/>
+          <pc:sldMk cId="2500604495" sldId="269"/>
+        </pc:sldMkLst>
+        <pc:spChg chg="mod">
+          <ac:chgData name="Martin Schray" userId="bf4f4853c980e97a" providerId="LiveId" clId="{FDA75B35-AC51-4542-8598-1B382FE39AF9}" dt="2022-09-06T23:02:17.183" v="64" actId="20577"/>
+          <ac:spMkLst>
+            <pc:docMk/>
+            <pc:sldMk cId="2500604495" sldId="269"/>
+            <ac:spMk id="2" creationId="{CA7E3B2F-E532-9A00-94A5-E3104AD4AE11}"/>
+          </ac:spMkLst>
+        </pc:spChg>
+        <pc:spChg chg="mod">
+          <ac:chgData name="Martin Schray" userId="bf4f4853c980e97a" providerId="LiveId" clId="{FDA75B35-AC51-4542-8598-1B382FE39AF9}" dt="2022-09-06T23:02:23.637" v="65"/>
+          <ac:spMkLst>
+            <pc:docMk/>
+            <pc:sldMk cId="2500604495" sldId="269"/>
+            <ac:spMk id="3" creationId="{09675A7A-31F4-46D9-BBC3-F1D869CCFA6D}"/>
+          </ac:spMkLst>
+        </pc:spChg>
+        <pc:picChg chg="add mod">
+          <ac:chgData name="Martin Schray" userId="bf4f4853c980e97a" providerId="LiveId" clId="{FDA75B35-AC51-4542-8598-1B382FE39AF9}" dt="2022-09-06T23:04:56.119" v="70" actId="1076"/>
+          <ac:picMkLst>
+            <pc:docMk/>
+            <pc:sldMk cId="2500604495" sldId="269"/>
+            <ac:picMk id="5" creationId="{43352D91-D39B-50FA-883E-6D6E003CA135}"/>
+          </ac:picMkLst>
+        </pc:picChg>
+      </pc:sldChg>
+      <pc:sldChg chg="addSp modSp new mod">
+        <pc:chgData name="Martin Schray" userId="bf4f4853c980e97a" providerId="LiveId" clId="{FDA75B35-AC51-4542-8598-1B382FE39AF9}" dt="2022-09-06T23:08:28.794" v="121" actId="1076"/>
+        <pc:sldMkLst>
+          <pc:docMk/>
+          <pc:sldMk cId="1060816585" sldId="270"/>
+        </pc:sldMkLst>
+        <pc:spChg chg="mod">
+          <ac:chgData name="Martin Schray" userId="bf4f4853c980e97a" providerId="LiveId" clId="{FDA75B35-AC51-4542-8598-1B382FE39AF9}" dt="2022-09-06T23:05:28.005" v="117" actId="20577"/>
+          <ac:spMkLst>
+            <pc:docMk/>
+            <pc:sldMk cId="1060816585" sldId="270"/>
+            <ac:spMk id="2" creationId="{D3356ED3-9D5C-66C5-BCFA-981A2D02F870}"/>
+          </ac:spMkLst>
+        </pc:spChg>
+        <pc:spChg chg="mod">
+          <ac:chgData name="Martin Schray" userId="bf4f4853c980e97a" providerId="LiveId" clId="{FDA75B35-AC51-4542-8598-1B382FE39AF9}" dt="2022-09-06T23:05:34.873" v="118"/>
+          <ac:spMkLst>
+            <pc:docMk/>
+            <pc:sldMk cId="1060816585" sldId="270"/>
+            <ac:spMk id="3" creationId="{0BBF2FCE-C5E7-9D7E-0B75-8D61C0303661}"/>
+          </ac:spMkLst>
+        </pc:spChg>
+        <pc:picChg chg="add mod">
+          <ac:chgData name="Martin Schray" userId="bf4f4853c980e97a" providerId="LiveId" clId="{FDA75B35-AC51-4542-8598-1B382FE39AF9}" dt="2022-09-06T23:08:28.794" v="121" actId="1076"/>
+          <ac:picMkLst>
+            <pc:docMk/>
+            <pc:sldMk cId="1060816585" sldId="270"/>
+            <ac:picMk id="5" creationId="{323CA565-940E-8561-02B2-C8BD948CFB9F}"/>
+          </ac:picMkLst>
+        </pc:picChg>
+      </pc:sldChg>
+      <pc:sldChg chg="addSp delSp modSp add mod">
+        <pc:chgData name="Martin Schray" userId="bf4f4853c980e97a" providerId="LiveId" clId="{FDA75B35-AC51-4542-8598-1B382FE39AF9}" dt="2022-09-06T23:18:11.016" v="235" actId="1076"/>
+        <pc:sldMkLst>
+          <pc:docMk/>
+          <pc:sldMk cId="1629202350" sldId="271"/>
+        </pc:sldMkLst>
+        <pc:spChg chg="mod">
+          <ac:chgData name="Martin Schray" userId="bf4f4853c980e97a" providerId="LiveId" clId="{FDA75B35-AC51-4542-8598-1B382FE39AF9}" dt="2022-09-06T23:08:55.399" v="163" actId="20577"/>
+          <ac:spMkLst>
+            <pc:docMk/>
+            <pc:sldMk cId="1629202350" sldId="271"/>
+            <ac:spMk id="2" creationId="{D3356ED3-9D5C-66C5-BCFA-981A2D02F870}"/>
+          </ac:spMkLst>
+        </pc:spChg>
+        <pc:spChg chg="mod">
+          <ac:chgData name="Martin Schray" userId="bf4f4853c980e97a" providerId="LiveId" clId="{FDA75B35-AC51-4542-8598-1B382FE39AF9}" dt="2022-09-06T23:09:24.694" v="233" actId="20577"/>
+          <ac:spMkLst>
+            <pc:docMk/>
+            <pc:sldMk cId="1629202350" sldId="271"/>
+            <ac:spMk id="3" creationId="{0BBF2FCE-C5E7-9D7E-0B75-8D61C0303661}"/>
+          </ac:spMkLst>
+        </pc:spChg>
+        <pc:picChg chg="del">
+          <ac:chgData name="Martin Schray" userId="bf4f4853c980e97a" providerId="LiveId" clId="{FDA75B35-AC51-4542-8598-1B382FE39AF9}" dt="2022-09-06T23:08:39.065" v="123" actId="478"/>
+          <ac:picMkLst>
+            <pc:docMk/>
+            <pc:sldMk cId="1629202350" sldId="271"/>
+            <ac:picMk id="5" creationId="{323CA565-940E-8561-02B2-C8BD948CFB9F}"/>
+          </ac:picMkLst>
+        </pc:picChg>
+        <pc:picChg chg="add mod">
+          <ac:chgData name="Martin Schray" userId="bf4f4853c980e97a" providerId="LiveId" clId="{FDA75B35-AC51-4542-8598-1B382FE39AF9}" dt="2022-09-06T23:18:11.016" v="235" actId="1076"/>
+          <ac:picMkLst>
+            <pc:docMk/>
+            <pc:sldMk cId="1629202350" sldId="271"/>
+            <ac:picMk id="6" creationId="{92FB8AA1-310E-B547-580F-53B5CE3EAFD5}"/>
+          </ac:picMkLst>
+        </pc:picChg>
       </pc:sldChg>
     </pc:docChg>
   </pc:docChgLst>
@@ -4422,7 +4535,7 @@
           <a:p>
             <a:fld id="{D5F7E811-D833-489F-BCCE-9024A83463F2}" type="datetimeFigureOut">
               <a:rPr lang="en-US" smtClean="0"/>
-              <a:t>2/1/2022</a:t>
+              <a:t>9/6/2022</a:t>
             </a:fld>
             <a:endParaRPr lang="en-US"/>
           </a:p>
@@ -4620,7 +4733,7 @@
           <a:p>
             <a:fld id="{D5F7E811-D833-489F-BCCE-9024A83463F2}" type="datetimeFigureOut">
               <a:rPr lang="en-US" smtClean="0"/>
-              <a:t>2/1/2022</a:t>
+              <a:t>9/6/2022</a:t>
             </a:fld>
             <a:endParaRPr lang="en-US"/>
           </a:p>
@@ -4828,7 +4941,7 @@
           <a:p>
             <a:fld id="{D5F7E811-D833-489F-BCCE-9024A83463F2}" type="datetimeFigureOut">
               <a:rPr lang="en-US" smtClean="0"/>
-              <a:t>2/1/2022</a:t>
+              <a:t>9/6/2022</a:t>
             </a:fld>
             <a:endParaRPr lang="en-US"/>
           </a:p>
@@ -5026,7 +5139,7 @@
           <a:p>
             <a:fld id="{D5F7E811-D833-489F-BCCE-9024A83463F2}" type="datetimeFigureOut">
               <a:rPr lang="en-US" smtClean="0"/>
-              <a:t>2/1/2022</a:t>
+              <a:t>9/6/2022</a:t>
             </a:fld>
             <a:endParaRPr lang="en-US"/>
           </a:p>
@@ -5301,7 +5414,7 @@
           <a:p>
             <a:fld id="{D5F7E811-D833-489F-BCCE-9024A83463F2}" type="datetimeFigureOut">
               <a:rPr lang="en-US" smtClean="0"/>
-              <a:t>2/1/2022</a:t>
+              <a:t>9/6/2022</a:t>
             </a:fld>
             <a:endParaRPr lang="en-US"/>
           </a:p>
@@ -5566,7 +5679,7 @@
           <a:p>
             <a:fld id="{D5F7E811-D833-489F-BCCE-9024A83463F2}" type="datetimeFigureOut">
               <a:rPr lang="en-US" smtClean="0"/>
-              <a:t>2/1/2022</a:t>
+              <a:t>9/6/2022</a:t>
             </a:fld>
             <a:endParaRPr lang="en-US"/>
           </a:p>
@@ -5978,7 +6091,7 @@
           <a:p>
             <a:fld id="{D5F7E811-D833-489F-BCCE-9024A83463F2}" type="datetimeFigureOut">
               <a:rPr lang="en-US" smtClean="0"/>
-              <a:t>2/1/2022</a:t>
+              <a:t>9/6/2022</a:t>
             </a:fld>
             <a:endParaRPr lang="en-US"/>
           </a:p>
@@ -6119,7 +6232,7 @@
           <a:p>
             <a:fld id="{D5F7E811-D833-489F-BCCE-9024A83463F2}" type="datetimeFigureOut">
               <a:rPr lang="en-US" smtClean="0"/>
-              <a:t>2/1/2022</a:t>
+              <a:t>9/6/2022</a:t>
             </a:fld>
             <a:endParaRPr lang="en-US"/>
           </a:p>
@@ -6232,7 +6345,7 @@
           <a:p>
             <a:fld id="{D5F7E811-D833-489F-BCCE-9024A83463F2}" type="datetimeFigureOut">
               <a:rPr lang="en-US" smtClean="0"/>
-              <a:t>2/1/2022</a:t>
+              <a:t>9/6/2022</a:t>
             </a:fld>
             <a:endParaRPr lang="en-US"/>
           </a:p>
@@ -6543,7 +6656,7 @@
           <a:p>
             <a:fld id="{D5F7E811-D833-489F-BCCE-9024A83463F2}" type="datetimeFigureOut">
               <a:rPr lang="en-US" smtClean="0"/>
-              <a:t>2/1/2022</a:t>
+              <a:t>9/6/2022</a:t>
             </a:fld>
             <a:endParaRPr lang="en-US"/>
           </a:p>
@@ -6831,7 +6944,7 @@
           <a:p>
             <a:fld id="{D5F7E811-D833-489F-BCCE-9024A83463F2}" type="datetimeFigureOut">
               <a:rPr lang="en-US" smtClean="0"/>
-              <a:t>2/1/2022</a:t>
+              <a:t>9/6/2022</a:t>
             </a:fld>
             <a:endParaRPr lang="en-US"/>
           </a:p>
@@ -7072,7 +7185,7 @@
           <a:p>
             <a:fld id="{D5F7E811-D833-489F-BCCE-9024A83463F2}" type="datetimeFigureOut">
               <a:rPr lang="en-US" smtClean="0"/>
-              <a:t>2/1/2022</a:t>
+              <a:t>9/6/2022</a:t>
             </a:fld>
             <a:endParaRPr lang="en-US"/>
           </a:p>
@@ -7784,6 +7897,354 @@
           <p:cNvPr id="2" name="Title 1">
             <a:extLst>
               <a:ext uri="{FF2B5EF4-FFF2-40B4-BE49-F238E27FC236}">
+                <a16:creationId xmlns:a16="http://schemas.microsoft.com/office/drawing/2014/main" id="{CA7E3B2F-E532-9A00-94A5-E3104AD4AE11}"/>
+              </a:ext>
+            </a:extLst>
+          </p:cNvPr>
+          <p:cNvSpPr>
+            <a:spLocks noGrp="1"/>
+          </p:cNvSpPr>
+          <p:nvPr>
+            <p:ph type="title"/>
+          </p:nvPr>
+        </p:nvSpPr>
+        <p:spPr/>
+        <p:txBody>
+          <a:bodyPr/>
+          <a:lstStyle/>
+          <a:p>
+            <a:r>
+              <a:rPr lang="en-US" dirty="0"/>
+              <a:t>In you have pulled (own a story) make yourself the owner</a:t>
+            </a:r>
+          </a:p>
+        </p:txBody>
+      </p:sp>
+      <p:sp>
+        <p:nvSpPr>
+          <p:cNvPr id="3" name="Content Placeholder 2">
+            <a:extLst>
+              <a:ext uri="{FF2B5EF4-FFF2-40B4-BE49-F238E27FC236}">
+                <a16:creationId xmlns:a16="http://schemas.microsoft.com/office/drawing/2014/main" id="{09675A7A-31F4-46D9-BBC3-F1D869CCFA6D}"/>
+              </a:ext>
+            </a:extLst>
+          </p:cNvPr>
+          <p:cNvSpPr>
+            <a:spLocks noGrp="1"/>
+          </p:cNvSpPr>
+          <p:nvPr>
+            <p:ph idx="1"/>
+          </p:nvPr>
+        </p:nvSpPr>
+        <p:spPr/>
+        <p:txBody>
+          <a:bodyPr/>
+          <a:lstStyle/>
+          <a:p>
+            <a:r>
+              <a:rPr lang="en-US" dirty="0"/>
+              <a:t>In you have pulled (own a story) make yourself the owner</a:t>
+            </a:r>
+          </a:p>
+        </p:txBody>
+      </p:sp>
+      <p:pic>
+        <p:nvPicPr>
+          <p:cNvPr id="5" name="Picture 4">
+            <a:extLst>
+              <a:ext uri="{FF2B5EF4-FFF2-40B4-BE49-F238E27FC236}">
+                <a16:creationId xmlns:a16="http://schemas.microsoft.com/office/drawing/2014/main" id="{43352D91-D39B-50FA-883E-6D6E003CA135}"/>
+              </a:ext>
+            </a:extLst>
+          </p:cNvPr>
+          <p:cNvPicPr>
+            <a:picLocks noChangeAspect="1"/>
+          </p:cNvPicPr>
+          <p:nvPr/>
+        </p:nvPicPr>
+        <p:blipFill>
+          <a:blip r:embed="rId2"/>
+          <a:stretch>
+            <a:fillRect/>
+          </a:stretch>
+        </p:blipFill>
+        <p:spPr>
+          <a:xfrm>
+            <a:off x="1501089" y="2342153"/>
+            <a:ext cx="8036103" cy="4468084"/>
+          </a:xfrm>
+          <a:prstGeom prst="rect">
+            <a:avLst/>
+          </a:prstGeom>
+        </p:spPr>
+      </p:pic>
+    </p:spTree>
+    <p:extLst>
+      <p:ext uri="{BB962C8B-B14F-4D97-AF65-F5344CB8AC3E}">
+        <p14:creationId xmlns:p14="http://schemas.microsoft.com/office/powerpoint/2010/main" val="2500604495"/>
+      </p:ext>
+    </p:extLst>
+  </p:cSld>
+  <p:clrMapOvr>
+    <a:masterClrMapping/>
+  </p:clrMapOvr>
+</p:sld>
+</file>
+
+<file path=ppt/slides/slide11.xml><?xml version="1.0" encoding="utf-8"?>
+<p:sld xmlns:a="http://schemas.openxmlformats.org/drawingml/2006/main" xmlns:r="http://schemas.openxmlformats.org/officeDocument/2006/relationships" xmlns:p="http://schemas.openxmlformats.org/presentationml/2006/main">
+  <p:cSld>
+    <p:spTree>
+      <p:nvGrpSpPr>
+        <p:cNvPr id="1" name=""/>
+        <p:cNvGrpSpPr/>
+        <p:nvPr/>
+      </p:nvGrpSpPr>
+      <p:grpSpPr>
+        <a:xfrm>
+          <a:off x="0" y="0"/>
+          <a:ext cx="0" cy="0"/>
+          <a:chOff x="0" y="0"/>
+          <a:chExt cx="0" cy="0"/>
+        </a:xfrm>
+      </p:grpSpPr>
+      <p:sp>
+        <p:nvSpPr>
+          <p:cNvPr id="2" name="Title 1">
+            <a:extLst>
+              <a:ext uri="{FF2B5EF4-FFF2-40B4-BE49-F238E27FC236}">
+                <a16:creationId xmlns:a16="http://schemas.microsoft.com/office/drawing/2014/main" id="{D3356ED3-9D5C-66C5-BCFA-981A2D02F870}"/>
+              </a:ext>
+            </a:extLst>
+          </p:cNvPr>
+          <p:cNvSpPr>
+            <a:spLocks noGrp="1"/>
+          </p:cNvSpPr>
+          <p:nvPr>
+            <p:ph type="title"/>
+          </p:nvPr>
+        </p:nvSpPr>
+        <p:spPr/>
+        <p:txBody>
+          <a:bodyPr/>
+          <a:lstStyle/>
+          <a:p>
+            <a:r>
+              <a:rPr lang="en-US" dirty="0"/>
+              <a:t>Use labels to add color and context to stories</a:t>
+            </a:r>
+          </a:p>
+        </p:txBody>
+      </p:sp>
+      <p:sp>
+        <p:nvSpPr>
+          <p:cNvPr id="3" name="Content Placeholder 2">
+            <a:extLst>
+              <a:ext uri="{FF2B5EF4-FFF2-40B4-BE49-F238E27FC236}">
+                <a16:creationId xmlns:a16="http://schemas.microsoft.com/office/drawing/2014/main" id="{0BBF2FCE-C5E7-9D7E-0B75-8D61C0303661}"/>
+              </a:ext>
+            </a:extLst>
+          </p:cNvPr>
+          <p:cNvSpPr>
+            <a:spLocks noGrp="1"/>
+          </p:cNvSpPr>
+          <p:nvPr>
+            <p:ph idx="1"/>
+          </p:nvPr>
+        </p:nvSpPr>
+        <p:spPr/>
+        <p:txBody>
+          <a:bodyPr/>
+          <a:lstStyle/>
+          <a:p>
+            <a:r>
+              <a:rPr lang="en-US" dirty="0"/>
+              <a:t>Use labels to add color and context to stories</a:t>
+            </a:r>
+          </a:p>
+        </p:txBody>
+      </p:sp>
+      <p:pic>
+        <p:nvPicPr>
+          <p:cNvPr id="5" name="Picture 4">
+            <a:extLst>
+              <a:ext uri="{FF2B5EF4-FFF2-40B4-BE49-F238E27FC236}">
+                <a16:creationId xmlns:a16="http://schemas.microsoft.com/office/drawing/2014/main" id="{323CA565-940E-8561-02B2-C8BD948CFB9F}"/>
+              </a:ext>
+            </a:extLst>
+          </p:cNvPr>
+          <p:cNvPicPr>
+            <a:picLocks noChangeAspect="1"/>
+          </p:cNvPicPr>
+          <p:nvPr/>
+        </p:nvPicPr>
+        <p:blipFill>
+          <a:blip r:embed="rId2"/>
+          <a:stretch>
+            <a:fillRect/>
+          </a:stretch>
+        </p:blipFill>
+        <p:spPr>
+          <a:xfrm>
+            <a:off x="1311689" y="2267138"/>
+            <a:ext cx="8256927" cy="4590862"/>
+          </a:xfrm>
+          <a:prstGeom prst="rect">
+            <a:avLst/>
+          </a:prstGeom>
+        </p:spPr>
+      </p:pic>
+    </p:spTree>
+    <p:extLst>
+      <p:ext uri="{BB962C8B-B14F-4D97-AF65-F5344CB8AC3E}">
+        <p14:creationId xmlns:p14="http://schemas.microsoft.com/office/powerpoint/2010/main" val="1060816585"/>
+      </p:ext>
+    </p:extLst>
+  </p:cSld>
+  <p:clrMapOvr>
+    <a:masterClrMapping/>
+  </p:clrMapOvr>
+</p:sld>
+</file>
+
+<file path=ppt/slides/slide12.xml><?xml version="1.0" encoding="utf-8"?>
+<p:sld xmlns:a="http://schemas.openxmlformats.org/drawingml/2006/main" xmlns:r="http://schemas.openxmlformats.org/officeDocument/2006/relationships" xmlns:p="http://schemas.openxmlformats.org/presentationml/2006/main">
+  <p:cSld>
+    <p:spTree>
+      <p:nvGrpSpPr>
+        <p:cNvPr id="1" name=""/>
+        <p:cNvGrpSpPr/>
+        <p:nvPr/>
+      </p:nvGrpSpPr>
+      <p:grpSpPr>
+        <a:xfrm>
+          <a:off x="0" y="0"/>
+          <a:ext cx="0" cy="0"/>
+          <a:chOff x="0" y="0"/>
+          <a:chExt cx="0" cy="0"/>
+        </a:xfrm>
+      </p:grpSpPr>
+      <p:sp>
+        <p:nvSpPr>
+          <p:cNvPr id="2" name="Title 1">
+            <a:extLst>
+              <a:ext uri="{FF2B5EF4-FFF2-40B4-BE49-F238E27FC236}">
+                <a16:creationId xmlns:a16="http://schemas.microsoft.com/office/drawing/2014/main" id="{D3356ED3-9D5C-66C5-BCFA-981A2D02F870}"/>
+              </a:ext>
+            </a:extLst>
+          </p:cNvPr>
+          <p:cNvSpPr>
+            <a:spLocks noGrp="1"/>
+          </p:cNvSpPr>
+          <p:nvPr>
+            <p:ph type="title"/>
+          </p:nvPr>
+        </p:nvSpPr>
+        <p:spPr/>
+        <p:txBody>
+          <a:bodyPr/>
+          <a:lstStyle/>
+          <a:p>
+            <a:r>
+              <a:rPr lang="en-US" dirty="0"/>
+              <a:t>Using labels to find grouped stories</a:t>
+            </a:r>
+          </a:p>
+        </p:txBody>
+      </p:sp>
+      <p:sp>
+        <p:nvSpPr>
+          <p:cNvPr id="3" name="Content Placeholder 2">
+            <a:extLst>
+              <a:ext uri="{FF2B5EF4-FFF2-40B4-BE49-F238E27FC236}">
+                <a16:creationId xmlns:a16="http://schemas.microsoft.com/office/drawing/2014/main" id="{0BBF2FCE-C5E7-9D7E-0B75-8D61C0303661}"/>
+              </a:ext>
+            </a:extLst>
+          </p:cNvPr>
+          <p:cNvSpPr>
+            <a:spLocks noGrp="1"/>
+          </p:cNvSpPr>
+          <p:nvPr>
+            <p:ph idx="1"/>
+          </p:nvPr>
+        </p:nvSpPr>
+        <p:spPr/>
+        <p:txBody>
+          <a:bodyPr/>
+          <a:lstStyle/>
+          <a:p>
+            <a:r>
+              <a:rPr lang="en-US" dirty="0"/>
+              <a:t>Click on a label to filter by stories with the same label</a:t>
+            </a:r>
+          </a:p>
+        </p:txBody>
+      </p:sp>
+      <p:pic>
+        <p:nvPicPr>
+          <p:cNvPr id="6" name="Picture 5">
+            <a:extLst>
+              <a:ext uri="{FF2B5EF4-FFF2-40B4-BE49-F238E27FC236}">
+                <a16:creationId xmlns:a16="http://schemas.microsoft.com/office/drawing/2014/main" id="{92FB8AA1-310E-B547-580F-53B5CE3EAFD5}"/>
+              </a:ext>
+            </a:extLst>
+          </p:cNvPr>
+          <p:cNvPicPr>
+            <a:picLocks noChangeAspect="1"/>
+          </p:cNvPicPr>
+          <p:nvPr/>
+        </p:nvPicPr>
+        <p:blipFill>
+          <a:blip r:embed="rId2"/>
+          <a:stretch>
+            <a:fillRect/>
+          </a:stretch>
+        </p:blipFill>
+        <p:spPr>
+          <a:xfrm>
+            <a:off x="464746" y="2303685"/>
+            <a:ext cx="11363408" cy="4924461"/>
+          </a:xfrm>
+          <a:prstGeom prst="rect">
+            <a:avLst/>
+          </a:prstGeom>
+        </p:spPr>
+      </p:pic>
+    </p:spTree>
+    <p:extLst>
+      <p:ext uri="{BB962C8B-B14F-4D97-AF65-F5344CB8AC3E}">
+        <p14:creationId xmlns:p14="http://schemas.microsoft.com/office/powerpoint/2010/main" val="1629202350"/>
+      </p:ext>
+    </p:extLst>
+  </p:cSld>
+  <p:clrMapOvr>
+    <a:masterClrMapping/>
+  </p:clrMapOvr>
+</p:sld>
+</file>
+
+<file path=ppt/slides/slide13.xml><?xml version="1.0" encoding="utf-8"?>
+<p:sld xmlns:a="http://schemas.openxmlformats.org/drawingml/2006/main" xmlns:r="http://schemas.openxmlformats.org/officeDocument/2006/relationships" xmlns:p="http://schemas.openxmlformats.org/presentationml/2006/main">
+  <p:cSld>
+    <p:spTree>
+      <p:nvGrpSpPr>
+        <p:cNvPr id="1" name=""/>
+        <p:cNvGrpSpPr/>
+        <p:nvPr/>
+      </p:nvGrpSpPr>
+      <p:grpSpPr>
+        <a:xfrm>
+          <a:off x="0" y="0"/>
+          <a:ext cx="0" cy="0"/>
+          <a:chOff x="0" y="0"/>
+          <a:chExt cx="0" cy="0"/>
+        </a:xfrm>
+      </p:grpSpPr>
+      <p:sp>
+        <p:nvSpPr>
+          <p:cNvPr id="2" name="Title 1">
+            <a:extLst>
+              <a:ext uri="{FF2B5EF4-FFF2-40B4-BE49-F238E27FC236}">
                 <a16:creationId xmlns:a16="http://schemas.microsoft.com/office/drawing/2014/main" id="{B4B6DCAD-D826-4CE6-AF2C-6F0DAFE22673}"/>
               </a:ext>
             </a:extLst>
@@ -7854,7 +8315,7 @@
 </p:sld>
 </file>
 
-<file path=ppt/slides/slide11.xml><?xml version="1.0" encoding="utf-8"?>
+<file path=ppt/slides/slide14.xml><?xml version="1.0" encoding="utf-8"?>
 <p:sld xmlns:a="http://schemas.openxmlformats.org/drawingml/2006/main" xmlns:r="http://schemas.openxmlformats.org/officeDocument/2006/relationships" xmlns:p="http://schemas.openxmlformats.org/presentationml/2006/main">
   <p:cSld>
     <p:spTree>

--- a/Course Content/What is Kanban (101).pptx
+++ b/Course Content/What is Kanban (101).pptx
@@ -17,8 +17,9 @@
     <p:sldId id="269" r:id="rId11"/>
     <p:sldId id="270" r:id="rId12"/>
     <p:sldId id="271" r:id="rId13"/>
-    <p:sldId id="268" r:id="rId14"/>
-    <p:sldId id="259" r:id="rId15"/>
+    <p:sldId id="272" r:id="rId14"/>
+    <p:sldId id="268" r:id="rId15"/>
+    <p:sldId id="259" r:id="rId16"/>
   </p:sldIdLst>
   <p:sldSz cx="12192000" cy="6858000"/>
   <p:notesSz cx="6858000" cy="9144000"/>
@@ -760,7 +761,7 @@
   <pc:docChgLst>
     <pc:chgData name="Martin Schray" userId="bf4f4853c980e97a" providerId="LiveId" clId="{FDA75B35-AC51-4542-8598-1B382FE39AF9}"/>
     <pc:docChg chg="custSel addSld modSld">
-      <pc:chgData name="Martin Schray" userId="bf4f4853c980e97a" providerId="LiveId" clId="{FDA75B35-AC51-4542-8598-1B382FE39AF9}" dt="2022-09-06T23:18:11.016" v="235" actId="1076"/>
+      <pc:chgData name="Martin Schray" userId="bf4f4853c980e97a" providerId="LiveId" clId="{FDA75B35-AC51-4542-8598-1B382FE39AF9}" dt="2022-09-14T00:10:30.339" v="333" actId="14100"/>
       <pc:docMkLst>
         <pc:docMk/>
       </pc:docMkLst>
@@ -862,6 +863,29 @@
             <pc:docMk/>
             <pc:sldMk cId="1629202350" sldId="271"/>
             <ac:picMk id="6" creationId="{92FB8AA1-310E-B547-580F-53B5CE3EAFD5}"/>
+          </ac:picMkLst>
+        </pc:picChg>
+      </pc:sldChg>
+      <pc:sldChg chg="addSp modSp new mod">
+        <pc:chgData name="Martin Schray" userId="bf4f4853c980e97a" providerId="LiveId" clId="{FDA75B35-AC51-4542-8598-1B382FE39AF9}" dt="2022-09-14T00:10:30.339" v="333" actId="14100"/>
+        <pc:sldMkLst>
+          <pc:docMk/>
+          <pc:sldMk cId="1074987764" sldId="272"/>
+        </pc:sldMkLst>
+        <pc:spChg chg="mod">
+          <ac:chgData name="Martin Schray" userId="bf4f4853c980e97a" providerId="LiveId" clId="{FDA75B35-AC51-4542-8598-1B382FE39AF9}" dt="2022-09-14T00:10:23.650" v="330" actId="1036"/>
+          <ac:spMkLst>
+            <pc:docMk/>
+            <pc:sldMk cId="1074987764" sldId="272"/>
+            <ac:spMk id="2" creationId="{CF736E5D-66E7-4665-5310-18256D4EB2C1}"/>
+          </ac:spMkLst>
+        </pc:spChg>
+        <pc:picChg chg="add mod">
+          <ac:chgData name="Martin Schray" userId="bf4f4853c980e97a" providerId="LiveId" clId="{FDA75B35-AC51-4542-8598-1B382FE39AF9}" dt="2022-09-14T00:10:30.339" v="333" actId="14100"/>
+          <ac:picMkLst>
+            <pc:docMk/>
+            <pc:sldMk cId="1074987764" sldId="272"/>
+            <ac:picMk id="5" creationId="{96014BE4-D558-1749-1430-148303EBBE9E}"/>
           </ac:picMkLst>
         </pc:picChg>
       </pc:sldChg>
@@ -4535,7 +4559,7 @@
           <a:p>
             <a:fld id="{D5F7E811-D833-489F-BCCE-9024A83463F2}" type="datetimeFigureOut">
               <a:rPr lang="en-US" smtClean="0"/>
-              <a:t>9/6/2022</a:t>
+              <a:t>9/13/2022</a:t>
             </a:fld>
             <a:endParaRPr lang="en-US"/>
           </a:p>
@@ -4733,7 +4757,7 @@
           <a:p>
             <a:fld id="{D5F7E811-D833-489F-BCCE-9024A83463F2}" type="datetimeFigureOut">
               <a:rPr lang="en-US" smtClean="0"/>
-              <a:t>9/6/2022</a:t>
+              <a:t>9/13/2022</a:t>
             </a:fld>
             <a:endParaRPr lang="en-US"/>
           </a:p>
@@ -4941,7 +4965,7 @@
           <a:p>
             <a:fld id="{D5F7E811-D833-489F-BCCE-9024A83463F2}" type="datetimeFigureOut">
               <a:rPr lang="en-US" smtClean="0"/>
-              <a:t>9/6/2022</a:t>
+              <a:t>9/13/2022</a:t>
             </a:fld>
             <a:endParaRPr lang="en-US"/>
           </a:p>
@@ -5139,7 +5163,7 @@
           <a:p>
             <a:fld id="{D5F7E811-D833-489F-BCCE-9024A83463F2}" type="datetimeFigureOut">
               <a:rPr lang="en-US" smtClean="0"/>
-              <a:t>9/6/2022</a:t>
+              <a:t>9/13/2022</a:t>
             </a:fld>
             <a:endParaRPr lang="en-US"/>
           </a:p>
@@ -5414,7 +5438,7 @@
           <a:p>
             <a:fld id="{D5F7E811-D833-489F-BCCE-9024A83463F2}" type="datetimeFigureOut">
               <a:rPr lang="en-US" smtClean="0"/>
-              <a:t>9/6/2022</a:t>
+              <a:t>9/13/2022</a:t>
             </a:fld>
             <a:endParaRPr lang="en-US"/>
           </a:p>
@@ -5679,7 +5703,7 @@
           <a:p>
             <a:fld id="{D5F7E811-D833-489F-BCCE-9024A83463F2}" type="datetimeFigureOut">
               <a:rPr lang="en-US" smtClean="0"/>
-              <a:t>9/6/2022</a:t>
+              <a:t>9/13/2022</a:t>
             </a:fld>
             <a:endParaRPr lang="en-US"/>
           </a:p>
@@ -6091,7 +6115,7 @@
           <a:p>
             <a:fld id="{D5F7E811-D833-489F-BCCE-9024A83463F2}" type="datetimeFigureOut">
               <a:rPr lang="en-US" smtClean="0"/>
-              <a:t>9/6/2022</a:t>
+              <a:t>9/13/2022</a:t>
             </a:fld>
             <a:endParaRPr lang="en-US"/>
           </a:p>
@@ -6232,7 +6256,7 @@
           <a:p>
             <a:fld id="{D5F7E811-D833-489F-BCCE-9024A83463F2}" type="datetimeFigureOut">
               <a:rPr lang="en-US" smtClean="0"/>
-              <a:t>9/6/2022</a:t>
+              <a:t>9/13/2022</a:t>
             </a:fld>
             <a:endParaRPr lang="en-US"/>
           </a:p>
@@ -6345,7 +6369,7 @@
           <a:p>
             <a:fld id="{D5F7E811-D833-489F-BCCE-9024A83463F2}" type="datetimeFigureOut">
               <a:rPr lang="en-US" smtClean="0"/>
-              <a:t>9/6/2022</a:t>
+              <a:t>9/13/2022</a:t>
             </a:fld>
             <a:endParaRPr lang="en-US"/>
           </a:p>
@@ -6656,7 +6680,7 @@
           <a:p>
             <a:fld id="{D5F7E811-D833-489F-BCCE-9024A83463F2}" type="datetimeFigureOut">
               <a:rPr lang="en-US" smtClean="0"/>
-              <a:t>9/6/2022</a:t>
+              <a:t>9/13/2022</a:t>
             </a:fld>
             <a:endParaRPr lang="en-US"/>
           </a:p>
@@ -6944,7 +6968,7 @@
           <a:p>
             <a:fld id="{D5F7E811-D833-489F-BCCE-9024A83463F2}" type="datetimeFigureOut">
               <a:rPr lang="en-US" smtClean="0"/>
-              <a:t>9/6/2022</a:t>
+              <a:t>9/13/2022</a:t>
             </a:fld>
             <a:endParaRPr lang="en-US"/>
           </a:p>
@@ -7185,7 +7209,7 @@
           <a:p>
             <a:fld id="{D5F7E811-D833-489F-BCCE-9024A83463F2}" type="datetimeFigureOut">
               <a:rPr lang="en-US" smtClean="0"/>
-              <a:t>9/6/2022</a:t>
+              <a:t>9/13/2022</a:t>
             </a:fld>
             <a:endParaRPr lang="en-US"/>
           </a:p>
@@ -8245,6 +8269,124 @@
           <p:cNvPr id="2" name="Title 1">
             <a:extLst>
               <a:ext uri="{FF2B5EF4-FFF2-40B4-BE49-F238E27FC236}">
+                <a16:creationId xmlns:a16="http://schemas.microsoft.com/office/drawing/2014/main" id="{CF736E5D-66E7-4665-5310-18256D4EB2C1}"/>
+              </a:ext>
+            </a:extLst>
+          </p:cNvPr>
+          <p:cNvSpPr>
+            <a:spLocks noGrp="1"/>
+          </p:cNvSpPr>
+          <p:nvPr>
+            <p:ph type="title"/>
+          </p:nvPr>
+        </p:nvSpPr>
+        <p:spPr>
+          <a:xfrm>
+            <a:off x="838200" y="-429456"/>
+            <a:ext cx="10515600" cy="1325563"/>
+          </a:xfrm>
+        </p:spPr>
+        <p:txBody>
+          <a:bodyPr/>
+          <a:lstStyle/>
+          <a:p>
+            <a:r>
+              <a:rPr lang="en-US" dirty="0"/>
+              <a:t>Create a new GitHub Kanban Board</a:t>
+            </a:r>
+          </a:p>
+        </p:txBody>
+      </p:sp>
+      <p:sp>
+        <p:nvSpPr>
+          <p:cNvPr id="3" name="Content Placeholder 2">
+            <a:extLst>
+              <a:ext uri="{FF2B5EF4-FFF2-40B4-BE49-F238E27FC236}">
+                <a16:creationId xmlns:a16="http://schemas.microsoft.com/office/drawing/2014/main" id="{97E6298D-44F8-A19F-B049-A89FF7E9480B}"/>
+              </a:ext>
+            </a:extLst>
+          </p:cNvPr>
+          <p:cNvSpPr>
+            <a:spLocks noGrp="1"/>
+          </p:cNvSpPr>
+          <p:nvPr>
+            <p:ph idx="1"/>
+          </p:nvPr>
+        </p:nvSpPr>
+        <p:spPr/>
+        <p:txBody>
+          <a:bodyPr/>
+          <a:lstStyle/>
+          <a:p>
+            <a:endParaRPr lang="en-US"/>
+          </a:p>
+        </p:txBody>
+      </p:sp>
+      <p:pic>
+        <p:nvPicPr>
+          <p:cNvPr id="5" name="Picture 4">
+            <a:extLst>
+              <a:ext uri="{FF2B5EF4-FFF2-40B4-BE49-F238E27FC236}">
+                <a16:creationId xmlns:a16="http://schemas.microsoft.com/office/drawing/2014/main" id="{96014BE4-D558-1749-1430-148303EBBE9E}"/>
+              </a:ext>
+            </a:extLst>
+          </p:cNvPr>
+          <p:cNvPicPr>
+            <a:picLocks noChangeAspect="1"/>
+          </p:cNvPicPr>
+          <p:nvPr/>
+        </p:nvPicPr>
+        <p:blipFill>
+          <a:blip r:embed="rId2"/>
+          <a:stretch>
+            <a:fillRect/>
+          </a:stretch>
+        </p:blipFill>
+        <p:spPr>
+          <a:xfrm>
+            <a:off x="154750" y="825388"/>
+            <a:ext cx="12014879" cy="5606943"/>
+          </a:xfrm>
+          <a:prstGeom prst="rect">
+            <a:avLst/>
+          </a:prstGeom>
+        </p:spPr>
+      </p:pic>
+    </p:spTree>
+    <p:extLst>
+      <p:ext uri="{BB962C8B-B14F-4D97-AF65-F5344CB8AC3E}">
+        <p14:creationId xmlns:p14="http://schemas.microsoft.com/office/powerpoint/2010/main" val="1074987764"/>
+      </p:ext>
+    </p:extLst>
+  </p:cSld>
+  <p:clrMapOvr>
+    <a:masterClrMapping/>
+  </p:clrMapOvr>
+</p:sld>
+</file>
+
+<file path=ppt/slides/slide14.xml><?xml version="1.0" encoding="utf-8"?>
+<p:sld xmlns:a="http://schemas.openxmlformats.org/drawingml/2006/main" xmlns:r="http://schemas.openxmlformats.org/officeDocument/2006/relationships" xmlns:p="http://schemas.openxmlformats.org/presentationml/2006/main">
+  <p:cSld>
+    <p:spTree>
+      <p:nvGrpSpPr>
+        <p:cNvPr id="1" name=""/>
+        <p:cNvGrpSpPr/>
+        <p:nvPr/>
+      </p:nvGrpSpPr>
+      <p:grpSpPr>
+        <a:xfrm>
+          <a:off x="0" y="0"/>
+          <a:ext cx="0" cy="0"/>
+          <a:chOff x="0" y="0"/>
+          <a:chExt cx="0" cy="0"/>
+        </a:xfrm>
+      </p:grpSpPr>
+      <p:sp>
+        <p:nvSpPr>
+          <p:cNvPr id="2" name="Title 1">
+            <a:extLst>
+              <a:ext uri="{FF2B5EF4-FFF2-40B4-BE49-F238E27FC236}">
                 <a16:creationId xmlns:a16="http://schemas.microsoft.com/office/drawing/2014/main" id="{B4B6DCAD-D826-4CE6-AF2C-6F0DAFE22673}"/>
               </a:ext>
             </a:extLst>
@@ -8315,7 +8457,7 @@
 </p:sld>
 </file>
 
-<file path=ppt/slides/slide14.xml><?xml version="1.0" encoding="utf-8"?>
+<file path=ppt/slides/slide15.xml><?xml version="1.0" encoding="utf-8"?>
 <p:sld xmlns:a="http://schemas.openxmlformats.org/drawingml/2006/main" xmlns:r="http://schemas.openxmlformats.org/officeDocument/2006/relationships" xmlns:p="http://schemas.openxmlformats.org/presentationml/2006/main">
   <p:cSld>
     <p:spTree>

--- a/Course Content/What is Kanban (101).pptx
+++ b/Course Content/What is Kanban (101).pptx
@@ -7,19 +7,20 @@
   <p:sldIdLst>
     <p:sldId id="256" r:id="rId2"/>
     <p:sldId id="263" r:id="rId3"/>
-    <p:sldId id="267" r:id="rId4"/>
+    <p:sldId id="273" r:id="rId4"/>
     <p:sldId id="262" r:id="rId5"/>
-    <p:sldId id="264" r:id="rId6"/>
-    <p:sldId id="257" r:id="rId7"/>
-    <p:sldId id="266" r:id="rId8"/>
-    <p:sldId id="260" r:id="rId9"/>
-    <p:sldId id="261" r:id="rId10"/>
-    <p:sldId id="269" r:id="rId11"/>
-    <p:sldId id="270" r:id="rId12"/>
-    <p:sldId id="271" r:id="rId13"/>
-    <p:sldId id="272" r:id="rId14"/>
-    <p:sldId id="268" r:id="rId15"/>
-    <p:sldId id="259" r:id="rId16"/>
+    <p:sldId id="267" r:id="rId6"/>
+    <p:sldId id="264" r:id="rId7"/>
+    <p:sldId id="257" r:id="rId8"/>
+    <p:sldId id="266" r:id="rId9"/>
+    <p:sldId id="260" r:id="rId10"/>
+    <p:sldId id="261" r:id="rId11"/>
+    <p:sldId id="269" r:id="rId12"/>
+    <p:sldId id="270" r:id="rId13"/>
+    <p:sldId id="271" r:id="rId14"/>
+    <p:sldId id="272" r:id="rId15"/>
+    <p:sldId id="268" r:id="rId16"/>
+    <p:sldId id="259" r:id="rId17"/>
   </p:sldIdLst>
   <p:sldSz cx="12192000" cy="6858000"/>
   <p:notesSz cx="6858000" cy="9144000"/>
@@ -755,6 +756,52 @@
           <pc:docMk/>
           <pc:sldMk cId="2469832989" sldId="258"/>
         </pc:sldMkLst>
+      </pc:sldChg>
+    </pc:docChg>
+  </pc:docChgLst>
+  <pc:docChgLst>
+    <pc:chgData name="Martin Schray" userId="bf4f4853c980e97a" providerId="LiveId" clId="{7BF1A5D8-9DE2-461B-BA85-258DEAAC7EFB}"/>
+    <pc:docChg chg="custSel addSld modSld sldOrd">
+      <pc:chgData name="Martin Schray" userId="bf4f4853c980e97a" providerId="LiveId" clId="{7BF1A5D8-9DE2-461B-BA85-258DEAAC7EFB}" dt="2023-02-01T00:22:00.216" v="138"/>
+      <pc:docMkLst>
+        <pc:docMk/>
+      </pc:docMkLst>
+      <pc:sldChg chg="ord">
+        <pc:chgData name="Martin Schray" userId="bf4f4853c980e97a" providerId="LiveId" clId="{7BF1A5D8-9DE2-461B-BA85-258DEAAC7EFB}" dt="2023-02-01T00:20:30.572" v="1"/>
+        <pc:sldMkLst>
+          <pc:docMk/>
+          <pc:sldMk cId="394505192" sldId="262"/>
+        </pc:sldMkLst>
+      </pc:sldChg>
+      <pc:sldChg chg="ord">
+        <pc:chgData name="Martin Schray" userId="bf4f4853c980e97a" providerId="LiveId" clId="{7BF1A5D8-9DE2-461B-BA85-258DEAAC7EFB}" dt="2023-02-01T00:20:37.068" v="3"/>
+        <pc:sldMkLst>
+          <pc:docMk/>
+          <pc:sldMk cId="288223411" sldId="263"/>
+        </pc:sldMkLst>
+      </pc:sldChg>
+      <pc:sldChg chg="modSp new mod ord">
+        <pc:chgData name="Martin Schray" userId="bf4f4853c980e97a" providerId="LiveId" clId="{7BF1A5D8-9DE2-461B-BA85-258DEAAC7EFB}" dt="2023-02-01T00:22:00.216" v="138"/>
+        <pc:sldMkLst>
+          <pc:docMk/>
+          <pc:sldMk cId="2881009503" sldId="273"/>
+        </pc:sldMkLst>
+        <pc:spChg chg="mod">
+          <ac:chgData name="Martin Schray" userId="bf4f4853c980e97a" providerId="LiveId" clId="{7BF1A5D8-9DE2-461B-BA85-258DEAAC7EFB}" dt="2023-02-01T00:20:54.762" v="25" actId="20577"/>
+          <ac:spMkLst>
+            <pc:docMk/>
+            <pc:sldMk cId="2881009503" sldId="273"/>
+            <ac:spMk id="2" creationId="{4EC5A2A5-0770-0E03-B146-CC4CDD93CDA9}"/>
+          </ac:spMkLst>
+        </pc:spChg>
+        <pc:spChg chg="mod">
+          <ac:chgData name="Martin Schray" userId="bf4f4853c980e97a" providerId="LiveId" clId="{7BF1A5D8-9DE2-461B-BA85-258DEAAC7EFB}" dt="2023-02-01T00:21:54.295" v="136" actId="20577"/>
+          <ac:spMkLst>
+            <pc:docMk/>
+            <pc:sldMk cId="2881009503" sldId="273"/>
+            <ac:spMk id="3" creationId="{B2CD9FA6-04FA-C0B9-A888-E8A3DAB37CAA}"/>
+          </ac:spMkLst>
+        </pc:spChg>
       </pc:sldChg>
     </pc:docChg>
   </pc:docChgLst>
@@ -4559,7 +4606,7 @@
           <a:p>
             <a:fld id="{D5F7E811-D833-489F-BCCE-9024A83463F2}" type="datetimeFigureOut">
               <a:rPr lang="en-US" smtClean="0"/>
-              <a:t>9/13/2022</a:t>
+              <a:t>1/31/2023</a:t>
             </a:fld>
             <a:endParaRPr lang="en-US"/>
           </a:p>
@@ -4757,7 +4804,7 @@
           <a:p>
             <a:fld id="{D5F7E811-D833-489F-BCCE-9024A83463F2}" type="datetimeFigureOut">
               <a:rPr lang="en-US" smtClean="0"/>
-              <a:t>9/13/2022</a:t>
+              <a:t>1/31/2023</a:t>
             </a:fld>
             <a:endParaRPr lang="en-US"/>
           </a:p>
@@ -4965,7 +5012,7 @@
           <a:p>
             <a:fld id="{D5F7E811-D833-489F-BCCE-9024A83463F2}" type="datetimeFigureOut">
               <a:rPr lang="en-US" smtClean="0"/>
-              <a:t>9/13/2022</a:t>
+              <a:t>1/31/2023</a:t>
             </a:fld>
             <a:endParaRPr lang="en-US"/>
           </a:p>
@@ -5163,7 +5210,7 @@
           <a:p>
             <a:fld id="{D5F7E811-D833-489F-BCCE-9024A83463F2}" type="datetimeFigureOut">
               <a:rPr lang="en-US" smtClean="0"/>
-              <a:t>9/13/2022</a:t>
+              <a:t>1/31/2023</a:t>
             </a:fld>
             <a:endParaRPr lang="en-US"/>
           </a:p>
@@ -5438,7 +5485,7 @@
           <a:p>
             <a:fld id="{D5F7E811-D833-489F-BCCE-9024A83463F2}" type="datetimeFigureOut">
               <a:rPr lang="en-US" smtClean="0"/>
-              <a:t>9/13/2022</a:t>
+              <a:t>1/31/2023</a:t>
             </a:fld>
             <a:endParaRPr lang="en-US"/>
           </a:p>
@@ -5703,7 +5750,7 @@
           <a:p>
             <a:fld id="{D5F7E811-D833-489F-BCCE-9024A83463F2}" type="datetimeFigureOut">
               <a:rPr lang="en-US" smtClean="0"/>
-              <a:t>9/13/2022</a:t>
+              <a:t>1/31/2023</a:t>
             </a:fld>
             <a:endParaRPr lang="en-US"/>
           </a:p>
@@ -6115,7 +6162,7 @@
           <a:p>
             <a:fld id="{D5F7E811-D833-489F-BCCE-9024A83463F2}" type="datetimeFigureOut">
               <a:rPr lang="en-US" smtClean="0"/>
-              <a:t>9/13/2022</a:t>
+              <a:t>1/31/2023</a:t>
             </a:fld>
             <a:endParaRPr lang="en-US"/>
           </a:p>
@@ -6256,7 +6303,7 @@
           <a:p>
             <a:fld id="{D5F7E811-D833-489F-BCCE-9024A83463F2}" type="datetimeFigureOut">
               <a:rPr lang="en-US" smtClean="0"/>
-              <a:t>9/13/2022</a:t>
+              <a:t>1/31/2023</a:t>
             </a:fld>
             <a:endParaRPr lang="en-US"/>
           </a:p>
@@ -6369,7 +6416,7 @@
           <a:p>
             <a:fld id="{D5F7E811-D833-489F-BCCE-9024A83463F2}" type="datetimeFigureOut">
               <a:rPr lang="en-US" smtClean="0"/>
-              <a:t>9/13/2022</a:t>
+              <a:t>1/31/2023</a:t>
             </a:fld>
             <a:endParaRPr lang="en-US"/>
           </a:p>
@@ -6680,7 +6727,7 @@
           <a:p>
             <a:fld id="{D5F7E811-D833-489F-BCCE-9024A83463F2}" type="datetimeFigureOut">
               <a:rPr lang="en-US" smtClean="0"/>
-              <a:t>9/13/2022</a:t>
+              <a:t>1/31/2023</a:t>
             </a:fld>
             <a:endParaRPr lang="en-US"/>
           </a:p>
@@ -6968,7 +7015,7 @@
           <a:p>
             <a:fld id="{D5F7E811-D833-489F-BCCE-9024A83463F2}" type="datetimeFigureOut">
               <a:rPr lang="en-US" smtClean="0"/>
-              <a:t>9/13/2022</a:t>
+              <a:t>1/31/2023</a:t>
             </a:fld>
             <a:endParaRPr lang="en-US"/>
           </a:p>
@@ -7209,7 +7256,7 @@
           <a:p>
             <a:fld id="{D5F7E811-D833-489F-BCCE-9024A83463F2}" type="datetimeFigureOut">
               <a:rPr lang="en-US" smtClean="0"/>
-              <a:t>9/13/2022</a:t>
+              <a:t>1/31/2023</a:t>
             </a:fld>
             <a:endParaRPr lang="en-US"/>
           </a:p>
@@ -7921,6 +7968,149 @@
           <p:cNvPr id="2" name="Title 1">
             <a:extLst>
               <a:ext uri="{FF2B5EF4-FFF2-40B4-BE49-F238E27FC236}">
+                <a16:creationId xmlns:a16="http://schemas.microsoft.com/office/drawing/2014/main" id="{41A4E17B-F8AA-4136-A70A-7E509B616E90}"/>
+              </a:ext>
+            </a:extLst>
+          </p:cNvPr>
+          <p:cNvSpPr>
+            <a:spLocks noGrp="1"/>
+          </p:cNvSpPr>
+          <p:nvPr>
+            <p:ph type="title"/>
+          </p:nvPr>
+        </p:nvSpPr>
+        <p:spPr/>
+        <p:txBody>
+          <a:bodyPr/>
+          <a:lstStyle/>
+          <a:p>
+            <a:r>
+              <a:rPr lang="en-US"/>
+              <a:t>Notes can have rich markdown</a:t>
+            </a:r>
+          </a:p>
+        </p:txBody>
+      </p:sp>
+      <p:sp>
+        <p:nvSpPr>
+          <p:cNvPr id="3" name="Content Placeholder 2">
+            <a:extLst>
+              <a:ext uri="{FF2B5EF4-FFF2-40B4-BE49-F238E27FC236}">
+                <a16:creationId xmlns:a16="http://schemas.microsoft.com/office/drawing/2014/main" id="{9D702CA8-6D83-4145-A382-607761FE931E}"/>
+              </a:ext>
+            </a:extLst>
+          </p:cNvPr>
+          <p:cNvSpPr>
+            <a:spLocks noGrp="1"/>
+          </p:cNvSpPr>
+          <p:nvPr>
+            <p:ph idx="1"/>
+          </p:nvPr>
+        </p:nvSpPr>
+        <p:spPr/>
+        <p:txBody>
+          <a:bodyPr/>
+          <a:lstStyle/>
+          <a:p>
+            <a:endParaRPr lang="en-US"/>
+          </a:p>
+        </p:txBody>
+      </p:sp>
+      <p:pic>
+        <p:nvPicPr>
+          <p:cNvPr id="7" name="Picture 6">
+            <a:extLst>
+              <a:ext uri="{FF2B5EF4-FFF2-40B4-BE49-F238E27FC236}">
+                <a16:creationId xmlns:a16="http://schemas.microsoft.com/office/drawing/2014/main" id="{270AACDC-D727-481F-A27F-2E461822EE9C}"/>
+              </a:ext>
+            </a:extLst>
+          </p:cNvPr>
+          <p:cNvPicPr>
+            <a:picLocks noChangeAspect="1"/>
+          </p:cNvPicPr>
+          <p:nvPr/>
+        </p:nvPicPr>
+        <p:blipFill>
+          <a:blip r:embed="rId2"/>
+          <a:stretch>
+            <a:fillRect/>
+          </a:stretch>
+        </p:blipFill>
+        <p:spPr>
+          <a:xfrm>
+            <a:off x="0" y="1498600"/>
+            <a:ext cx="6580584" cy="5359400"/>
+          </a:xfrm>
+          <a:prstGeom prst="rect">
+            <a:avLst/>
+          </a:prstGeom>
+        </p:spPr>
+      </p:pic>
+      <p:pic>
+        <p:nvPicPr>
+          <p:cNvPr id="9" name="Picture 8">
+            <a:extLst>
+              <a:ext uri="{FF2B5EF4-FFF2-40B4-BE49-F238E27FC236}">
+                <a16:creationId xmlns:a16="http://schemas.microsoft.com/office/drawing/2014/main" id="{B5602A1D-F403-43CA-BB18-B34DD64CB4DE}"/>
+              </a:ext>
+            </a:extLst>
+          </p:cNvPr>
+          <p:cNvPicPr>
+            <a:picLocks noChangeAspect="1"/>
+          </p:cNvPicPr>
+          <p:nvPr/>
+        </p:nvPicPr>
+        <p:blipFill>
+          <a:blip r:embed="rId3"/>
+          <a:stretch>
+            <a:fillRect/>
+          </a:stretch>
+        </p:blipFill>
+        <p:spPr>
+          <a:xfrm>
+            <a:off x="6580584" y="1592451"/>
+            <a:ext cx="5814030" cy="4817686"/>
+          </a:xfrm>
+          <a:prstGeom prst="rect">
+            <a:avLst/>
+          </a:prstGeom>
+        </p:spPr>
+      </p:pic>
+    </p:spTree>
+    <p:extLst>
+      <p:ext uri="{BB962C8B-B14F-4D97-AF65-F5344CB8AC3E}">
+        <p14:creationId xmlns:p14="http://schemas.microsoft.com/office/powerpoint/2010/main" val="1094553478"/>
+      </p:ext>
+    </p:extLst>
+  </p:cSld>
+  <p:clrMapOvr>
+    <a:masterClrMapping/>
+  </p:clrMapOvr>
+</p:sld>
+</file>
+
+<file path=ppt/slides/slide11.xml><?xml version="1.0" encoding="utf-8"?>
+<p:sld xmlns:a="http://schemas.openxmlformats.org/drawingml/2006/main" xmlns:r="http://schemas.openxmlformats.org/officeDocument/2006/relationships" xmlns:p="http://schemas.openxmlformats.org/presentationml/2006/main">
+  <p:cSld>
+    <p:spTree>
+      <p:nvGrpSpPr>
+        <p:cNvPr id="1" name=""/>
+        <p:cNvGrpSpPr/>
+        <p:nvPr/>
+      </p:nvGrpSpPr>
+      <p:grpSpPr>
+        <a:xfrm>
+          <a:off x="0" y="0"/>
+          <a:ext cx="0" cy="0"/>
+          <a:chOff x="0" y="0"/>
+          <a:chExt cx="0" cy="0"/>
+        </a:xfrm>
+      </p:grpSpPr>
+      <p:sp>
+        <p:nvSpPr>
+          <p:cNvPr id="2" name="Title 1">
+            <a:extLst>
+              <a:ext uri="{FF2B5EF4-FFF2-40B4-BE49-F238E27FC236}">
                 <a16:creationId xmlns:a16="http://schemas.microsoft.com/office/drawing/2014/main" id="{CA7E3B2F-E532-9A00-94A5-E3104AD4AE11}"/>
               </a:ext>
             </a:extLst>
@@ -8015,7 +8205,7 @@
 </p:sld>
 </file>
 
-<file path=ppt/slides/slide11.xml><?xml version="1.0" encoding="utf-8"?>
+<file path=ppt/slides/slide12.xml><?xml version="1.0" encoding="utf-8"?>
 <p:sld xmlns:a="http://schemas.openxmlformats.org/drawingml/2006/main" xmlns:r="http://schemas.openxmlformats.org/officeDocument/2006/relationships" xmlns:p="http://schemas.openxmlformats.org/presentationml/2006/main">
   <p:cSld>
     <p:spTree>
@@ -8131,7 +8321,7 @@
 </p:sld>
 </file>
 
-<file path=ppt/slides/slide12.xml><?xml version="1.0" encoding="utf-8"?>
+<file path=ppt/slides/slide13.xml><?xml version="1.0" encoding="utf-8"?>
 <p:sld xmlns:a="http://schemas.openxmlformats.org/drawingml/2006/main" xmlns:r="http://schemas.openxmlformats.org/officeDocument/2006/relationships" xmlns:p="http://schemas.openxmlformats.org/presentationml/2006/main">
   <p:cSld>
     <p:spTree>
@@ -8247,7 +8437,7 @@
 </p:sld>
 </file>
 
-<file path=ppt/slides/slide13.xml><?xml version="1.0" encoding="utf-8"?>
+<file path=ppt/slides/slide14.xml><?xml version="1.0" encoding="utf-8"?>
 <p:sld xmlns:a="http://schemas.openxmlformats.org/drawingml/2006/main" xmlns:r="http://schemas.openxmlformats.org/officeDocument/2006/relationships" xmlns:p="http://schemas.openxmlformats.org/presentationml/2006/main">
   <p:cSld>
     <p:spTree>
@@ -8365,7 +8555,7 @@
 </p:sld>
 </file>
 
-<file path=ppt/slides/slide14.xml><?xml version="1.0" encoding="utf-8"?>
+<file path=ppt/slides/slide15.xml><?xml version="1.0" encoding="utf-8"?>
 <p:sld xmlns:a="http://schemas.openxmlformats.org/drawingml/2006/main" xmlns:r="http://schemas.openxmlformats.org/officeDocument/2006/relationships" xmlns:p="http://schemas.openxmlformats.org/presentationml/2006/main">
   <p:cSld>
     <p:spTree>
@@ -8457,7 +8647,7 @@
 </p:sld>
 </file>
 
-<file path=ppt/slides/slide15.xml><?xml version="1.0" encoding="utf-8"?>
+<file path=ppt/slides/slide16.xml><?xml version="1.0" encoding="utf-8"?>
 <p:sld xmlns:a="http://schemas.openxmlformats.org/drawingml/2006/main" xmlns:r="http://schemas.openxmlformats.org/officeDocument/2006/relationships" xmlns:p="http://schemas.openxmlformats.org/presentationml/2006/main">
   <p:cSld>
     <p:spTree>
@@ -8770,6 +8960,238 @@
           <p:cNvPr id="2" name="Title 1">
             <a:extLst>
               <a:ext uri="{FF2B5EF4-FFF2-40B4-BE49-F238E27FC236}">
+                <a16:creationId xmlns:a16="http://schemas.microsoft.com/office/drawing/2014/main" id="{4EC5A2A5-0770-0E03-B146-CC4CDD93CDA9}"/>
+              </a:ext>
+            </a:extLst>
+          </p:cNvPr>
+          <p:cNvSpPr>
+            <a:spLocks noGrp="1"/>
+          </p:cNvSpPr>
+          <p:nvPr>
+            <p:ph type="title"/>
+          </p:nvPr>
+        </p:nvSpPr>
+        <p:spPr/>
+        <p:txBody>
+          <a:bodyPr/>
+          <a:lstStyle/>
+          <a:p>
+            <a:r>
+              <a:rPr lang="en-US" dirty="0"/>
+              <a:t>What is Kanban?</a:t>
+            </a:r>
+          </a:p>
+        </p:txBody>
+      </p:sp>
+      <p:sp>
+        <p:nvSpPr>
+          <p:cNvPr id="3" name="Content Placeholder 2">
+            <a:extLst>
+              <a:ext uri="{FF2B5EF4-FFF2-40B4-BE49-F238E27FC236}">
+                <a16:creationId xmlns:a16="http://schemas.microsoft.com/office/drawing/2014/main" id="{B2CD9FA6-04FA-C0B9-A888-E8A3DAB37CAA}"/>
+              </a:ext>
+            </a:extLst>
+          </p:cNvPr>
+          <p:cNvSpPr>
+            <a:spLocks noGrp="1"/>
+          </p:cNvSpPr>
+          <p:nvPr>
+            <p:ph idx="1"/>
+          </p:nvPr>
+        </p:nvSpPr>
+        <p:spPr/>
+        <p:txBody>
+          <a:bodyPr/>
+          <a:lstStyle/>
+          <a:p>
+            <a:r>
+              <a:rPr lang="en-US" dirty="0"/>
+              <a:t>For this class Kanban ==  where stories are defined and visualized</a:t>
+            </a:r>
+          </a:p>
+          <a:p>
+            <a:r>
+              <a:rPr lang="en-US" dirty="0"/>
+              <a:t>Stories == work to done</a:t>
+            </a:r>
+          </a:p>
+        </p:txBody>
+      </p:sp>
+    </p:spTree>
+    <p:extLst>
+      <p:ext uri="{BB962C8B-B14F-4D97-AF65-F5344CB8AC3E}">
+        <p14:creationId xmlns:p14="http://schemas.microsoft.com/office/powerpoint/2010/main" val="2881009503"/>
+      </p:ext>
+    </p:extLst>
+  </p:cSld>
+  <p:clrMapOvr>
+    <a:masterClrMapping/>
+  </p:clrMapOvr>
+</p:sld>
+</file>
+
+<file path=ppt/slides/slide4.xml><?xml version="1.0" encoding="utf-8"?>
+<p:sld xmlns:a="http://schemas.openxmlformats.org/drawingml/2006/main" xmlns:r="http://schemas.openxmlformats.org/officeDocument/2006/relationships" xmlns:p="http://schemas.openxmlformats.org/presentationml/2006/main">
+  <p:cSld>
+    <p:spTree>
+      <p:nvGrpSpPr>
+        <p:cNvPr id="1" name=""/>
+        <p:cNvGrpSpPr/>
+        <p:nvPr/>
+      </p:nvGrpSpPr>
+      <p:grpSpPr>
+        <a:xfrm>
+          <a:off x="0" y="0"/>
+          <a:ext cx="0" cy="0"/>
+          <a:chOff x="0" y="0"/>
+          <a:chExt cx="0" cy="0"/>
+        </a:xfrm>
+      </p:grpSpPr>
+      <p:sp>
+        <p:nvSpPr>
+          <p:cNvPr id="2" name="Title 1">
+            <a:extLst>
+              <a:ext uri="{FF2B5EF4-FFF2-40B4-BE49-F238E27FC236}">
+                <a16:creationId xmlns:a16="http://schemas.microsoft.com/office/drawing/2014/main" id="{79804C88-6BFF-444A-90C0-F98559270ADA}"/>
+              </a:ext>
+            </a:extLst>
+          </p:cNvPr>
+          <p:cNvSpPr>
+            <a:spLocks noGrp="1"/>
+          </p:cNvSpPr>
+          <p:nvPr>
+            <p:ph type="title"/>
+          </p:nvPr>
+        </p:nvSpPr>
+        <p:spPr/>
+        <p:txBody>
+          <a:bodyPr/>
+          <a:lstStyle/>
+          <a:p>
+            <a:r>
+              <a:rPr lang="en-US" dirty="0"/>
+              <a:t>What is a Kanban Board?</a:t>
+            </a:r>
+          </a:p>
+        </p:txBody>
+      </p:sp>
+      <p:sp>
+        <p:nvSpPr>
+          <p:cNvPr id="3" name="Content Placeholder 2">
+            <a:extLst>
+              <a:ext uri="{FF2B5EF4-FFF2-40B4-BE49-F238E27FC236}">
+                <a16:creationId xmlns:a16="http://schemas.microsoft.com/office/drawing/2014/main" id="{3179620E-4E96-49A0-96A9-BBFC693B8EBA}"/>
+              </a:ext>
+            </a:extLst>
+          </p:cNvPr>
+          <p:cNvSpPr>
+            <a:spLocks noGrp="1"/>
+          </p:cNvSpPr>
+          <p:nvPr>
+            <p:ph idx="1"/>
+          </p:nvPr>
+        </p:nvSpPr>
+        <p:spPr/>
+        <p:txBody>
+          <a:bodyPr>
+            <a:normAutofit lnSpcReduction="10000"/>
+          </a:bodyPr>
+          <a:lstStyle/>
+          <a:p>
+            <a:r>
+              <a:rPr lang="en-US" dirty="0"/>
+              <a:t>Kanban is a Japanese word meaning visual signal</a:t>
+            </a:r>
+          </a:p>
+          <a:p>
+            <a:r>
+              <a:rPr lang="en-US" dirty="0"/>
+              <a:t>Kanban is an agile methodology, </a:t>
+            </a:r>
+            <a:r>
+              <a:rPr lang="en-US" dirty="0">
+                <a:highlight>
+                  <a:srgbClr val="FFFF00"/>
+                </a:highlight>
+              </a:rPr>
+              <a:t>but</a:t>
+            </a:r>
+            <a:r>
+              <a:rPr lang="en-US" dirty="0"/>
+              <a:t> Kanban, Scrum and DevOps oriented teams all use and generally call their boards “Kanban Boards” or just boards</a:t>
+            </a:r>
+          </a:p>
+          <a:p>
+            <a:r>
+              <a:rPr lang="en-US" dirty="0"/>
+              <a:t>Think of a Kanban board as a board with columns that shows where work is</a:t>
+            </a:r>
+          </a:p>
+          <a:p>
+            <a:r>
+              <a:rPr lang="en-US" dirty="0"/>
+              <a:t>The purpose of the Kanban Board is to make work transparent (who is doing what when) to everyone (customer, team, stakeholders)</a:t>
+            </a:r>
+          </a:p>
+          <a:p>
+            <a:r>
+              <a:rPr lang="en-US" dirty="0"/>
+              <a:t>There are many, many Kanban boards: Trello, Microsoft Office Planner, </a:t>
+            </a:r>
+            <a:r>
+              <a:rPr lang="en-US" dirty="0" err="1"/>
+              <a:t>Asani</a:t>
+            </a:r>
+            <a:r>
+              <a:rPr lang="en-US" dirty="0"/>
+              <a:t>, Azure DevOps and </a:t>
+            </a:r>
+            <a:r>
+              <a:rPr lang="en-US" dirty="0" err="1"/>
+              <a:t>Github</a:t>
+            </a:r>
+            <a:r>
+              <a:rPr lang="en-US" dirty="0"/>
+              <a:t> Projects</a:t>
+            </a:r>
+          </a:p>
+        </p:txBody>
+      </p:sp>
+    </p:spTree>
+    <p:extLst>
+      <p:ext uri="{BB962C8B-B14F-4D97-AF65-F5344CB8AC3E}">
+        <p14:creationId xmlns:p14="http://schemas.microsoft.com/office/powerpoint/2010/main" val="394505192"/>
+      </p:ext>
+    </p:extLst>
+  </p:cSld>
+  <p:clrMapOvr>
+    <a:masterClrMapping/>
+  </p:clrMapOvr>
+</p:sld>
+</file>
+
+<file path=ppt/slides/slide5.xml><?xml version="1.0" encoding="utf-8"?>
+<p:sld xmlns:a="http://schemas.openxmlformats.org/drawingml/2006/main" xmlns:r="http://schemas.openxmlformats.org/officeDocument/2006/relationships" xmlns:p="http://schemas.openxmlformats.org/presentationml/2006/main">
+  <p:cSld>
+    <p:spTree>
+      <p:nvGrpSpPr>
+        <p:cNvPr id="1" name=""/>
+        <p:cNvGrpSpPr/>
+        <p:nvPr/>
+      </p:nvGrpSpPr>
+      <p:grpSpPr>
+        <a:xfrm>
+          <a:off x="0" y="0"/>
+          <a:ext cx="0" cy="0"/>
+          <a:chOff x="0" y="0"/>
+          <a:chExt cx="0" cy="0"/>
+        </a:xfrm>
+      </p:grpSpPr>
+      <p:sp>
+        <p:nvSpPr>
+          <p:cNvPr id="2" name="Title 1">
+            <a:extLst>
+              <a:ext uri="{FF2B5EF4-FFF2-40B4-BE49-F238E27FC236}">
                 <a16:creationId xmlns:a16="http://schemas.microsoft.com/office/drawing/2014/main" id="{E5480A17-78A9-41F4-9036-60A796CE0B5B}"/>
               </a:ext>
             </a:extLst>
@@ -8870,147 +9292,7 @@
 </p:sld>
 </file>
 
-<file path=ppt/slides/slide4.xml><?xml version="1.0" encoding="utf-8"?>
-<p:sld xmlns:a="http://schemas.openxmlformats.org/drawingml/2006/main" xmlns:r="http://schemas.openxmlformats.org/officeDocument/2006/relationships" xmlns:p="http://schemas.openxmlformats.org/presentationml/2006/main">
-  <p:cSld>
-    <p:spTree>
-      <p:nvGrpSpPr>
-        <p:cNvPr id="1" name=""/>
-        <p:cNvGrpSpPr/>
-        <p:nvPr/>
-      </p:nvGrpSpPr>
-      <p:grpSpPr>
-        <a:xfrm>
-          <a:off x="0" y="0"/>
-          <a:ext cx="0" cy="0"/>
-          <a:chOff x="0" y="0"/>
-          <a:chExt cx="0" cy="0"/>
-        </a:xfrm>
-      </p:grpSpPr>
-      <p:sp>
-        <p:nvSpPr>
-          <p:cNvPr id="2" name="Title 1">
-            <a:extLst>
-              <a:ext uri="{FF2B5EF4-FFF2-40B4-BE49-F238E27FC236}">
-                <a16:creationId xmlns:a16="http://schemas.microsoft.com/office/drawing/2014/main" id="{79804C88-6BFF-444A-90C0-F98559270ADA}"/>
-              </a:ext>
-            </a:extLst>
-          </p:cNvPr>
-          <p:cNvSpPr>
-            <a:spLocks noGrp="1"/>
-          </p:cNvSpPr>
-          <p:nvPr>
-            <p:ph type="title"/>
-          </p:nvPr>
-        </p:nvSpPr>
-        <p:spPr/>
-        <p:txBody>
-          <a:bodyPr/>
-          <a:lstStyle/>
-          <a:p>
-            <a:r>
-              <a:rPr lang="en-US" dirty="0"/>
-              <a:t>What is a Kanban Board?</a:t>
-            </a:r>
-          </a:p>
-        </p:txBody>
-      </p:sp>
-      <p:sp>
-        <p:nvSpPr>
-          <p:cNvPr id="3" name="Content Placeholder 2">
-            <a:extLst>
-              <a:ext uri="{FF2B5EF4-FFF2-40B4-BE49-F238E27FC236}">
-                <a16:creationId xmlns:a16="http://schemas.microsoft.com/office/drawing/2014/main" id="{3179620E-4E96-49A0-96A9-BBFC693B8EBA}"/>
-              </a:ext>
-            </a:extLst>
-          </p:cNvPr>
-          <p:cNvSpPr>
-            <a:spLocks noGrp="1"/>
-          </p:cNvSpPr>
-          <p:nvPr>
-            <p:ph idx="1"/>
-          </p:nvPr>
-        </p:nvSpPr>
-        <p:spPr/>
-        <p:txBody>
-          <a:bodyPr>
-            <a:normAutofit lnSpcReduction="10000"/>
-          </a:bodyPr>
-          <a:lstStyle/>
-          <a:p>
-            <a:r>
-              <a:rPr lang="en-US" dirty="0"/>
-              <a:t>Kanban is a Japanese word meaning visual signal</a:t>
-            </a:r>
-          </a:p>
-          <a:p>
-            <a:r>
-              <a:rPr lang="en-US" dirty="0"/>
-              <a:t>Kanban is an agile methodology, </a:t>
-            </a:r>
-            <a:r>
-              <a:rPr lang="en-US" dirty="0">
-                <a:highlight>
-                  <a:srgbClr val="FFFF00"/>
-                </a:highlight>
-              </a:rPr>
-              <a:t>but</a:t>
-            </a:r>
-            <a:r>
-              <a:rPr lang="en-US" dirty="0"/>
-              <a:t> Kanban, Scrum and DevOps oriented teams all use and generally call their boards “Kanban Boards” or just boards</a:t>
-            </a:r>
-          </a:p>
-          <a:p>
-            <a:r>
-              <a:rPr lang="en-US" dirty="0"/>
-              <a:t>Think of a Kanban board as a board with columns that shows where work is</a:t>
-            </a:r>
-          </a:p>
-          <a:p>
-            <a:r>
-              <a:rPr lang="en-US" dirty="0"/>
-              <a:t>The purpose of the Kanban Board is to make work transparent (who is doing what when) to everyone (customer, team, stakeholders)</a:t>
-            </a:r>
-          </a:p>
-          <a:p>
-            <a:r>
-              <a:rPr lang="en-US" dirty="0"/>
-              <a:t>There are many, many Kanban boards: Trello, Microsoft Office Planner, </a:t>
-            </a:r>
-            <a:r>
-              <a:rPr lang="en-US" dirty="0" err="1"/>
-              <a:t>Asani</a:t>
-            </a:r>
-            <a:r>
-              <a:rPr lang="en-US" dirty="0"/>
-              <a:t>, Azure DevOps and </a:t>
-            </a:r>
-            <a:r>
-              <a:rPr lang="en-US" dirty="0" err="1"/>
-              <a:t>Github</a:t>
-            </a:r>
-            <a:r>
-              <a:rPr lang="en-US" dirty="0"/>
-              <a:t> Projects</a:t>
-            </a:r>
-          </a:p>
-        </p:txBody>
-      </p:sp>
-    </p:spTree>
-    <p:extLst>
-      <p:ext uri="{BB962C8B-B14F-4D97-AF65-F5344CB8AC3E}">
-        <p14:creationId xmlns:p14="http://schemas.microsoft.com/office/powerpoint/2010/main" val="394505192"/>
-      </p:ext>
-    </p:extLst>
-  </p:cSld>
-  <p:clrMapOvr>
-    <a:masterClrMapping/>
-  </p:clrMapOvr>
-</p:sld>
-</file>
-
-<file path=ppt/slides/slide5.xml><?xml version="1.0" encoding="utf-8"?>
+<file path=ppt/slides/slide6.xml><?xml version="1.0" encoding="utf-8"?>
 <p:sld xmlns:a="http://schemas.openxmlformats.org/drawingml/2006/main" xmlns:r="http://schemas.openxmlformats.org/officeDocument/2006/relationships" xmlns:p="http://schemas.openxmlformats.org/presentationml/2006/main">
   <p:cSld>
     <p:spTree>
@@ -9410,7 +9692,7 @@
 </p:sld>
 </file>
 
-<file path=ppt/slides/slide6.xml><?xml version="1.0" encoding="utf-8"?>
+<file path=ppt/slides/slide7.xml><?xml version="1.0" encoding="utf-8"?>
 <p:sld xmlns:a="http://schemas.openxmlformats.org/drawingml/2006/main" xmlns:r="http://schemas.openxmlformats.org/officeDocument/2006/relationships" xmlns:p="http://schemas.openxmlformats.org/presentationml/2006/main">
   <p:cSld>
     <p:bg>
@@ -9581,7 +9863,7 @@
 </p:sld>
 </file>
 
-<file path=ppt/slides/slide7.xml><?xml version="1.0" encoding="utf-8"?>
+<file path=ppt/slides/slide8.xml><?xml version="1.0" encoding="utf-8"?>
 <p:sld xmlns:a="http://schemas.openxmlformats.org/drawingml/2006/main" xmlns:r="http://schemas.openxmlformats.org/officeDocument/2006/relationships" xmlns:p="http://schemas.openxmlformats.org/presentationml/2006/main">
   <p:cSld>
     <p:bg>
@@ -10412,7 +10694,7 @@
 </p:sld>
 </file>
 
-<file path=ppt/slides/slide8.xml><?xml version="1.0" encoding="utf-8"?>
+<file path=ppt/slides/slide9.xml><?xml version="1.0" encoding="utf-8"?>
 <p:sld xmlns:a="http://schemas.openxmlformats.org/drawingml/2006/main" xmlns:r="http://schemas.openxmlformats.org/officeDocument/2006/relationships" xmlns:p="http://schemas.openxmlformats.org/presentationml/2006/main">
   <p:cSld>
     <p:spTree>
@@ -10516,149 +10798,6 @@
     <p:extLst>
       <p:ext uri="{BB962C8B-B14F-4D97-AF65-F5344CB8AC3E}">
         <p14:creationId xmlns:p14="http://schemas.microsoft.com/office/powerpoint/2010/main" val="2487018719"/>
-      </p:ext>
-    </p:extLst>
-  </p:cSld>
-  <p:clrMapOvr>
-    <a:masterClrMapping/>
-  </p:clrMapOvr>
-</p:sld>
-</file>
-
-<file path=ppt/slides/slide9.xml><?xml version="1.0" encoding="utf-8"?>
-<p:sld xmlns:a="http://schemas.openxmlformats.org/drawingml/2006/main" xmlns:r="http://schemas.openxmlformats.org/officeDocument/2006/relationships" xmlns:p="http://schemas.openxmlformats.org/presentationml/2006/main">
-  <p:cSld>
-    <p:spTree>
-      <p:nvGrpSpPr>
-        <p:cNvPr id="1" name=""/>
-        <p:cNvGrpSpPr/>
-        <p:nvPr/>
-      </p:nvGrpSpPr>
-      <p:grpSpPr>
-        <a:xfrm>
-          <a:off x="0" y="0"/>
-          <a:ext cx="0" cy="0"/>
-          <a:chOff x="0" y="0"/>
-          <a:chExt cx="0" cy="0"/>
-        </a:xfrm>
-      </p:grpSpPr>
-      <p:sp>
-        <p:nvSpPr>
-          <p:cNvPr id="2" name="Title 1">
-            <a:extLst>
-              <a:ext uri="{FF2B5EF4-FFF2-40B4-BE49-F238E27FC236}">
-                <a16:creationId xmlns:a16="http://schemas.microsoft.com/office/drawing/2014/main" id="{41A4E17B-F8AA-4136-A70A-7E509B616E90}"/>
-              </a:ext>
-            </a:extLst>
-          </p:cNvPr>
-          <p:cNvSpPr>
-            <a:spLocks noGrp="1"/>
-          </p:cNvSpPr>
-          <p:nvPr>
-            <p:ph type="title"/>
-          </p:nvPr>
-        </p:nvSpPr>
-        <p:spPr/>
-        <p:txBody>
-          <a:bodyPr/>
-          <a:lstStyle/>
-          <a:p>
-            <a:r>
-              <a:rPr lang="en-US"/>
-              <a:t>Notes can have rich markdown</a:t>
-            </a:r>
-          </a:p>
-        </p:txBody>
-      </p:sp>
-      <p:sp>
-        <p:nvSpPr>
-          <p:cNvPr id="3" name="Content Placeholder 2">
-            <a:extLst>
-              <a:ext uri="{FF2B5EF4-FFF2-40B4-BE49-F238E27FC236}">
-                <a16:creationId xmlns:a16="http://schemas.microsoft.com/office/drawing/2014/main" id="{9D702CA8-6D83-4145-A382-607761FE931E}"/>
-              </a:ext>
-            </a:extLst>
-          </p:cNvPr>
-          <p:cNvSpPr>
-            <a:spLocks noGrp="1"/>
-          </p:cNvSpPr>
-          <p:nvPr>
-            <p:ph idx="1"/>
-          </p:nvPr>
-        </p:nvSpPr>
-        <p:spPr/>
-        <p:txBody>
-          <a:bodyPr/>
-          <a:lstStyle/>
-          <a:p>
-            <a:endParaRPr lang="en-US"/>
-          </a:p>
-        </p:txBody>
-      </p:sp>
-      <p:pic>
-        <p:nvPicPr>
-          <p:cNvPr id="7" name="Picture 6">
-            <a:extLst>
-              <a:ext uri="{FF2B5EF4-FFF2-40B4-BE49-F238E27FC236}">
-                <a16:creationId xmlns:a16="http://schemas.microsoft.com/office/drawing/2014/main" id="{270AACDC-D727-481F-A27F-2E461822EE9C}"/>
-              </a:ext>
-            </a:extLst>
-          </p:cNvPr>
-          <p:cNvPicPr>
-            <a:picLocks noChangeAspect="1"/>
-          </p:cNvPicPr>
-          <p:nvPr/>
-        </p:nvPicPr>
-        <p:blipFill>
-          <a:blip r:embed="rId2"/>
-          <a:stretch>
-            <a:fillRect/>
-          </a:stretch>
-        </p:blipFill>
-        <p:spPr>
-          <a:xfrm>
-            <a:off x="0" y="1498600"/>
-            <a:ext cx="6580584" cy="5359400"/>
-          </a:xfrm>
-          <a:prstGeom prst="rect">
-            <a:avLst/>
-          </a:prstGeom>
-        </p:spPr>
-      </p:pic>
-      <p:pic>
-        <p:nvPicPr>
-          <p:cNvPr id="9" name="Picture 8">
-            <a:extLst>
-              <a:ext uri="{FF2B5EF4-FFF2-40B4-BE49-F238E27FC236}">
-                <a16:creationId xmlns:a16="http://schemas.microsoft.com/office/drawing/2014/main" id="{B5602A1D-F403-43CA-BB18-B34DD64CB4DE}"/>
-              </a:ext>
-            </a:extLst>
-          </p:cNvPr>
-          <p:cNvPicPr>
-            <a:picLocks noChangeAspect="1"/>
-          </p:cNvPicPr>
-          <p:nvPr/>
-        </p:nvPicPr>
-        <p:blipFill>
-          <a:blip r:embed="rId3"/>
-          <a:stretch>
-            <a:fillRect/>
-          </a:stretch>
-        </p:blipFill>
-        <p:spPr>
-          <a:xfrm>
-            <a:off x="6580584" y="1592451"/>
-            <a:ext cx="5814030" cy="4817686"/>
-          </a:xfrm>
-          <a:prstGeom prst="rect">
-            <a:avLst/>
-          </a:prstGeom>
-        </p:spPr>
-      </p:pic>
-    </p:spTree>
-    <p:extLst>
-      <p:ext uri="{BB962C8B-B14F-4D97-AF65-F5344CB8AC3E}">
-        <p14:creationId xmlns:p14="http://schemas.microsoft.com/office/powerpoint/2010/main" val="1094553478"/>
       </p:ext>
     </p:extLst>
   </p:cSld>

--- a/Course Content/What is Kanban (101).pptx
+++ b/Course Content/What is Kanban (101).pptx
@@ -762,7 +762,7 @@
   <pc:docChgLst>
     <pc:chgData name="Martin Schray" userId="bf4f4853c980e97a" providerId="LiveId" clId="{7BF1A5D8-9DE2-461B-BA85-258DEAAC7EFB}"/>
     <pc:docChg chg="custSel addSld modSld sldOrd">
-      <pc:chgData name="Martin Schray" userId="bf4f4853c980e97a" providerId="LiveId" clId="{7BF1A5D8-9DE2-461B-BA85-258DEAAC7EFB}" dt="2023-02-01T00:22:00.216" v="138"/>
+      <pc:chgData name="Martin Schray" userId="bf4f4853c980e97a" providerId="LiveId" clId="{7BF1A5D8-9DE2-461B-BA85-258DEAAC7EFB}" dt="2023-02-01T00:50:47.388" v="150" actId="20577"/>
       <pc:docMkLst>
         <pc:docMk/>
       </pc:docMkLst>
@@ -781,13 +781,13 @@
         </pc:sldMkLst>
       </pc:sldChg>
       <pc:sldChg chg="modSp new mod ord">
-        <pc:chgData name="Martin Schray" userId="bf4f4853c980e97a" providerId="LiveId" clId="{7BF1A5D8-9DE2-461B-BA85-258DEAAC7EFB}" dt="2023-02-01T00:22:00.216" v="138"/>
+        <pc:chgData name="Martin Schray" userId="bf4f4853c980e97a" providerId="LiveId" clId="{7BF1A5D8-9DE2-461B-BA85-258DEAAC7EFB}" dt="2023-02-01T00:50:47.388" v="150" actId="20577"/>
         <pc:sldMkLst>
           <pc:docMk/>
           <pc:sldMk cId="2881009503" sldId="273"/>
         </pc:sldMkLst>
         <pc:spChg chg="mod">
-          <ac:chgData name="Martin Schray" userId="bf4f4853c980e97a" providerId="LiveId" clId="{7BF1A5D8-9DE2-461B-BA85-258DEAAC7EFB}" dt="2023-02-01T00:20:54.762" v="25" actId="20577"/>
+          <ac:chgData name="Martin Schray" userId="bf4f4853c980e97a" providerId="LiveId" clId="{7BF1A5D8-9DE2-461B-BA85-258DEAAC7EFB}" dt="2023-02-01T00:50:43.731" v="144" actId="20577"/>
           <ac:spMkLst>
             <pc:docMk/>
             <pc:sldMk cId="2881009503" sldId="273"/>
@@ -795,7 +795,7 @@
           </ac:spMkLst>
         </pc:spChg>
         <pc:spChg chg="mod">
-          <ac:chgData name="Martin Schray" userId="bf4f4853c980e97a" providerId="LiveId" clId="{7BF1A5D8-9DE2-461B-BA85-258DEAAC7EFB}" dt="2023-02-01T00:21:54.295" v="136" actId="20577"/>
+          <ac:chgData name="Martin Schray" userId="bf4f4853c980e97a" providerId="LiveId" clId="{7BF1A5D8-9DE2-461B-BA85-258DEAAC7EFB}" dt="2023-02-01T00:50:47.388" v="150" actId="20577"/>
           <ac:spMkLst>
             <pc:docMk/>
             <pc:sldMk cId="2881009503" sldId="273"/>
@@ -8978,7 +8978,7 @@
           <a:p>
             <a:r>
               <a:rPr lang="en-US" dirty="0"/>
-              <a:t>What is Kanban?</a:t>
+              <a:t>What is Kanban board?</a:t>
             </a:r>
           </a:p>
         </p:txBody>
@@ -9006,7 +9006,15 @@
           <a:p>
             <a:r>
               <a:rPr lang="en-US" dirty="0"/>
-              <a:t>For this class Kanban ==  where stories are defined and visualized</a:t>
+              <a:t>For this </a:t>
+            </a:r>
+            <a:r>
+              <a:rPr lang="en-US"/>
+              <a:t>class Kanban board </a:t>
+            </a:r>
+            <a:r>
+              <a:rPr lang="en-US" dirty="0"/>
+              <a:t>==  where stories are defined and visualized</a:t>
             </a:r>
           </a:p>
           <a:p>
